--- a/Project1Slides.pptx
+++ b/Project1Slides.pptx
@@ -110,6 +110,11 @@
       </a:defRPr>
     </a:lvl9pPr>
   </p:defaultTextStyle>
+  <p:extLst>
+    <p:ext uri="{EFAFB233-063F-42B5-8137-9DF3F51BA10A}">
+      <p15:sldGuideLst xmlns:p15="http://schemas.microsoft.com/office/powerpoint/2012/main"/>
+    </p:ext>
+  </p:extLst>
 </p:presentation>
 </file>
 
@@ -3879,8 +3884,8 @@
               <a:t> </a:t>
             </a:r>
             <a:r>
-              <a:rPr lang="en-US" altLang="zh-CN" dirty="0" err="1" smtClean="0"/>
-              <a:t>classfying</a:t>
+              <a:rPr lang="en-US" altLang="zh-CN" dirty="0" smtClean="0"/>
+              <a:t>classifying</a:t>
             </a:r>
             <a:r>
               <a:rPr lang="zh-CN" altLang="en-US" dirty="0" smtClean="0"/>
@@ -3942,8 +3947,8 @@
               <a:t> </a:t>
             </a:r>
             <a:r>
-              <a:rPr lang="en-US" altLang="zh-CN" dirty="0" err="1" smtClean="0"/>
-              <a:t>Srping</a:t>
+              <a:rPr lang="en-US" altLang="zh-CN" dirty="0" smtClean="0"/>
+              <a:t>Spring</a:t>
             </a:r>
             <a:r>
               <a:rPr lang="zh-CN" altLang="en-US" dirty="0" smtClean="0"/>

--- a/Project1Slides.pptx
+++ b/Project1Slides.pptx
@@ -3792,7 +3792,7 @@
   </p:txStyles>
   <p:extLst>
     <p:ext uri="{27BBF7A9-308A-43DC-89C8-2F10F3537804}">
-      <p15:sldGuideLst xmlns:p15="http://schemas.microsoft.com/office/powerpoint/2012/main"/>
+      <p15:sldGuideLst xmlns:p15="http://schemas.microsoft.com/office/powerpoint/2012/main" xmlns=""/>
     </p:ext>
   </p:extLst>
 </p:sldMaster>
@@ -4542,25 +4542,36 @@
           </a:p>
         </p:txBody>
       </p:sp>
-      <p:sp>
-        <p:nvSpPr>
-          <p:cNvPr id="3" name="Content Placeholder 2"/>
-          <p:cNvSpPr>
-            <a:spLocks noGrp="1"/>
-          </p:cNvSpPr>
-          <p:nvPr>
-            <p:ph idx="1"/>
-          </p:nvPr>
-        </p:nvSpPr>
-        <p:spPr/>
-        <p:txBody>
-          <a:bodyPr/>
-          <a:lstStyle/>
-          <a:p>
-            <a:endParaRPr lang="en-US"/>
-          </a:p>
-        </p:txBody>
-      </p:sp>
+      <p:pic>
+        <p:nvPicPr>
+          <p:cNvPr id="5" name="Picture 4" descr="Screenshot 2018-02-19 11.20.29.png"/>
+          <p:cNvPicPr>
+            <a:picLocks noChangeAspect="1"/>
+          </p:cNvPicPr>
+          <p:nvPr/>
+        </p:nvPicPr>
+        <p:blipFill>
+          <a:blip r:embed="rId2">
+            <a:extLst>
+              <a:ext uri="{28A0092B-C50C-407E-A947-70E740481C1C}">
+                <a14:useLocalDpi xmlns:a14="http://schemas.microsoft.com/office/drawing/2010/main" val="0"/>
+              </a:ext>
+            </a:extLst>
+          </a:blip>
+          <a:stretch>
+            <a:fillRect/>
+          </a:stretch>
+        </p:blipFill>
+        <p:spPr>
+          <a:xfrm>
+            <a:off x="127000" y="3023115"/>
+            <a:ext cx="11925300" cy="2286000"/>
+          </a:xfrm>
+          <a:prstGeom prst="rect">
+            <a:avLst/>
+          </a:prstGeom>
+        </p:spPr>
+      </p:pic>
     </p:spTree>
     <p:extLst>
       <p:ext uri="{BB962C8B-B14F-4D97-AF65-F5344CB8AC3E}">
@@ -4617,7 +4628,7 @@
     </a:clrScheme>
     <a:fontScheme name="Retrospect">
       <a:majorFont>
-        <a:latin typeface="Calibri Light" panose="020F0302020204030204"/>
+        <a:latin typeface="Calibri Light"/>
         <a:ea typeface=""/>
         <a:cs typeface=""/>
         <a:font script="Jpan" typeface="ＭＳ Ｐゴシック"/>
@@ -4652,7 +4663,7 @@
         <a:font script="Geor" typeface="Sylfaen"/>
       </a:majorFont>
       <a:minorFont>
-        <a:latin typeface="Calibri" panose="020F0502020204030204"/>
+        <a:latin typeface="Calibri"/>
         <a:ea typeface=""/>
         <a:cs typeface=""/>
         <a:font script="Jpan" typeface="ＭＳ Ｐゴシック"/>
@@ -4851,7 +4862,7 @@
   <a:extraClrSchemeLst/>
   <a:extLst>
     <a:ext uri="{05A4C25C-085E-4340-85A3-A5531E510DB2}">
-      <thm15:themeFamily xmlns:thm15="http://schemas.microsoft.com/office/thememl/2012/main" name="Retrospect" id="{5F128B03-DCCA-4EEB-AB3B-CF2899314A46}" vid="{3F1AAB62-24C6-49D2-8E01-B56FAC9A3DCD}"/>
+      <thm15:themeFamily xmlns:thm15="http://schemas.microsoft.com/office/thememl/2012/main" xmlns="" name="Retrospect" id="{5F128B03-DCCA-4EEB-AB3B-CF2899314A46}" vid="{3F1AAB62-24C6-49D2-8E01-B56FAC9A3DCD}"/>
     </a:ext>
   </a:extLst>
 </a:theme>

--- a/Project1Slides.pptx
+++ b/Project1Slides.pptx
@@ -9,9 +9,11 @@
     <p:sldId id="258" r:id="rId3"/>
     <p:sldId id="260" r:id="rId4"/>
     <p:sldId id="261" r:id="rId5"/>
-    <p:sldId id="262" r:id="rId6"/>
-    <p:sldId id="263" r:id="rId7"/>
-    <p:sldId id="264" r:id="rId8"/>
+    <p:sldId id="265" r:id="rId6"/>
+    <p:sldId id="266" r:id="rId7"/>
+    <p:sldId id="262" r:id="rId8"/>
+    <p:sldId id="263" r:id="rId9"/>
+    <p:sldId id="264" r:id="rId10"/>
   </p:sldIdLst>
   <p:sldSz cx="12192000" cy="6858000"/>
   <p:notesSz cx="6858000" cy="9144000"/>
@@ -110,6 +112,22 @@
       </a:defRPr>
     </a:lvl9pPr>
   </p:defaultTextStyle>
+  <p:extLst>
+    <p:ext uri="{EFAFB233-063F-42B5-8137-9DF3F51BA10A}">
+      <p15:sldGuideLst xmlns:p15="http://schemas.microsoft.com/office/powerpoint/2012/main">
+        <p15:guide id="1" orient="horz" pos="2160">
+          <p15:clr>
+            <a:srgbClr val="A4A3A4"/>
+          </p15:clr>
+        </p15:guide>
+        <p15:guide id="2" pos="3840">
+          <p15:clr>
+            <a:srgbClr val="A4A3A4"/>
+          </p15:clr>
+        </p15:guide>
+      </p15:sldGuideLst>
+    </p:ext>
+  </p:extLst>
 </p:presentation>
 </file>
 
@@ -339,7 +357,7 @@
           <a:p>
             <a:fld id="{A0983565-F877-DB42-ACB5-B43079C6C368}" type="datetimeFigureOut">
               <a:rPr lang="en-US" smtClean="0"/>
-              <a:t>2/19/18</a:t>
+              <a:t>2/19/2018</a:t>
             </a:fld>
             <a:endParaRPr lang="en-US"/>
           </a:p>
@@ -547,7 +565,7 @@
           <a:p>
             <a:fld id="{A0983565-F877-DB42-ACB5-B43079C6C368}" type="datetimeFigureOut">
               <a:rPr lang="en-US" smtClean="0"/>
-              <a:t>2/19/18</a:t>
+              <a:t>2/19/2018</a:t>
             </a:fld>
             <a:endParaRPr lang="en-US"/>
           </a:p>
@@ -803,7 +821,7 @@
           <a:p>
             <a:fld id="{A0983565-F877-DB42-ACB5-B43079C6C368}" type="datetimeFigureOut">
               <a:rPr lang="en-US" smtClean="0"/>
-              <a:t>2/19/18</a:t>
+              <a:t>2/19/2018</a:t>
             </a:fld>
             <a:endParaRPr lang="en-US"/>
           </a:p>
@@ -977,7 +995,7 @@
           <a:p>
             <a:fld id="{A0983565-F877-DB42-ACB5-B43079C6C368}" type="datetimeFigureOut">
               <a:rPr lang="en-US" smtClean="0"/>
-              <a:t>2/19/18</a:t>
+              <a:t>2/19/2018</a:t>
             </a:fld>
             <a:endParaRPr lang="en-US"/>
           </a:p>
@@ -1320,7 +1338,7 @@
           <a:p>
             <a:fld id="{A0983565-F877-DB42-ACB5-B43079C6C368}" type="datetimeFigureOut">
               <a:rPr lang="en-US" smtClean="0"/>
-              <a:t>2/19/18</a:t>
+              <a:t>2/19/2018</a:t>
             </a:fld>
             <a:endParaRPr lang="en-US"/>
           </a:p>
@@ -1595,7 +1613,7 @@
           <a:p>
             <a:fld id="{A0983565-F877-DB42-ACB5-B43079C6C368}" type="datetimeFigureOut">
               <a:rPr lang="en-US" smtClean="0"/>
-              <a:t>2/19/18</a:t>
+              <a:t>2/19/2018</a:t>
             </a:fld>
             <a:endParaRPr lang="en-US"/>
           </a:p>
@@ -1974,7 +1992,7 @@
           <a:p>
             <a:fld id="{A0983565-F877-DB42-ACB5-B43079C6C368}" type="datetimeFigureOut">
               <a:rPr lang="en-US" smtClean="0"/>
-              <a:t>2/19/18</a:t>
+              <a:t>2/19/2018</a:t>
             </a:fld>
             <a:endParaRPr lang="en-US"/>
           </a:p>
@@ -2092,7 +2110,7 @@
           <a:p>
             <a:fld id="{A0983565-F877-DB42-ACB5-B43079C6C368}" type="datetimeFigureOut">
               <a:rPr lang="en-US" smtClean="0"/>
-              <a:t>2/19/18</a:t>
+              <a:t>2/19/2018</a:t>
             </a:fld>
             <a:endParaRPr lang="en-US"/>
           </a:p>
@@ -2263,7 +2281,7 @@
           <a:p>
             <a:fld id="{A0983565-F877-DB42-ACB5-B43079C6C368}" type="datetimeFigureOut">
               <a:rPr lang="en-US" smtClean="0"/>
-              <a:t>2/19/18</a:t>
+              <a:t>2/19/2018</a:t>
             </a:fld>
             <a:endParaRPr lang="en-US"/>
           </a:p>
@@ -2617,7 +2635,7 @@
           <a:p>
             <a:fld id="{A0983565-F877-DB42-ACB5-B43079C6C368}" type="datetimeFigureOut">
               <a:rPr lang="en-US" smtClean="0"/>
-              <a:t>2/19/18</a:t>
+              <a:t>2/19/2018</a:t>
             </a:fld>
             <a:endParaRPr lang="en-US"/>
           </a:p>
@@ -2999,7 +3017,7 @@
           <a:p>
             <a:fld id="{A0983565-F877-DB42-ACB5-B43079C6C368}" type="datetimeFigureOut">
               <a:rPr lang="en-US" smtClean="0"/>
-              <a:t>2/19/18</a:t>
+              <a:t>2/19/2018</a:t>
             </a:fld>
             <a:endParaRPr lang="en-US"/>
           </a:p>
@@ -3286,7 +3304,7 @@
           <a:p>
             <a:fld id="{A0983565-F877-DB42-ACB5-B43079C6C368}" type="datetimeFigureOut">
               <a:rPr lang="en-US" smtClean="0"/>
-              <a:t>2/19/18</a:t>
+              <a:t>2/19/2018</a:t>
             </a:fld>
             <a:endParaRPr lang="en-US"/>
           </a:p>
@@ -3792,7 +3810,7 @@
   </p:txStyles>
   <p:extLst>
     <p:ext uri="{27BBF7A9-308A-43DC-89C8-2F10F3537804}">
-      <p15:sldGuideLst xmlns:p15="http://schemas.microsoft.com/office/powerpoint/2012/main" xmlns=""/>
+      <p15:sldGuideLst xmlns:p15="http://schemas.microsoft.com/office/powerpoint/2012/main"/>
     </p:ext>
   </p:extLst>
 </p:sldMaster>
@@ -3879,8 +3897,8 @@
               <a:t> </a:t>
             </a:r>
             <a:r>
-              <a:rPr lang="en-US" altLang="zh-CN" dirty="0" err="1" smtClean="0"/>
-              <a:t>classfying</a:t>
+              <a:rPr lang="en-US" altLang="zh-CN" dirty="0" smtClean="0"/>
+              <a:t>classifying</a:t>
             </a:r>
             <a:r>
               <a:rPr lang="zh-CN" altLang="en-US" dirty="0" smtClean="0"/>
@@ -3942,8 +3960,8 @@
               <a:t> </a:t>
             </a:r>
             <a:r>
-              <a:rPr lang="en-US" altLang="zh-CN" dirty="0" err="1" smtClean="0"/>
-              <a:t>Srping</a:t>
+              <a:rPr lang="en-US" altLang="zh-CN" dirty="0" smtClean="0"/>
+              <a:t>Spring</a:t>
             </a:r>
             <a:r>
               <a:rPr lang="zh-CN" altLang="en-US" dirty="0" smtClean="0"/>
@@ -3973,7 +3991,7 @@
             </a:r>
             <a:r>
               <a:rPr lang="en-US" altLang="zh-CN" dirty="0" smtClean="0"/>
-              <a:t>and</a:t>
+              <a:t>&amp;</a:t>
             </a:r>
             <a:r>
               <a:rPr lang="zh-CN" altLang="en-US" dirty="0" smtClean="0"/>
@@ -4083,7 +4101,107 @@
           <a:bodyPr/>
           <a:lstStyle/>
           <a:p>
-            <a:endParaRPr lang="en-US" dirty="0"/>
+            <a:r>
+              <a:rPr lang="en-US" sz="2400" dirty="0"/>
+              <a:t>S</a:t>
+            </a:r>
+            <a:r>
+              <a:rPr lang="en-US" sz="2400" dirty="0" smtClean="0"/>
+              <a:t>oil </a:t>
+            </a:r>
+            <a:r>
+              <a:rPr lang="en-US" sz="2400" dirty="0"/>
+              <a:t>sample data over the US downloaded from Natural Resources Conservation Service (NRCS</a:t>
+            </a:r>
+            <a:r>
+              <a:rPr lang="en-US" sz="2400" dirty="0" smtClean="0"/>
+              <a:t>)</a:t>
+            </a:r>
+          </a:p>
+          <a:p>
+            <a:pPr lvl="1"/>
+            <a:endParaRPr lang="en-US" sz="2000" dirty="0" smtClean="0"/>
+          </a:p>
+          <a:p>
+            <a:pPr lvl="1">
+              <a:buFont typeface="Wingdings" panose="05000000000000000000" pitchFamily="2" charset="2"/>
+              <a:buChar char="Ø"/>
+            </a:pPr>
+            <a:r>
+              <a:rPr lang="en-US" sz="2000" dirty="0" smtClean="0"/>
+              <a:t>~14,000 records. </a:t>
+            </a:r>
+          </a:p>
+          <a:p>
+            <a:pPr lvl="1">
+              <a:buFont typeface="Wingdings" panose="05000000000000000000" pitchFamily="2" charset="2"/>
+              <a:buChar char="Ø"/>
+            </a:pPr>
+            <a:endParaRPr lang="en-US" sz="2000" dirty="0" smtClean="0"/>
+          </a:p>
+          <a:p>
+            <a:pPr lvl="1">
+              <a:buFont typeface="Wingdings" panose="05000000000000000000" pitchFamily="2" charset="2"/>
+              <a:buChar char="Ø"/>
+            </a:pPr>
+            <a:r>
+              <a:rPr lang="en-US" sz="2000" dirty="0" smtClean="0"/>
+              <a:t>Predictors: Physical </a:t>
+            </a:r>
+            <a:r>
+              <a:rPr lang="en-US" sz="2000" dirty="0"/>
+              <a:t>(sand, silt, clay, organic carbon, </a:t>
+            </a:r>
+            <a:r>
+              <a:rPr lang="en-US" sz="2000" dirty="0" smtClean="0"/>
+              <a:t>and bulk </a:t>
+            </a:r>
+            <a:r>
+              <a:rPr lang="en-US" sz="2000" dirty="0"/>
+              <a:t>density)</a:t>
+            </a:r>
+            <a:r>
+              <a:rPr lang="en-US" sz="2000" dirty="0" smtClean="0"/>
+              <a:t>and </a:t>
+            </a:r>
+            <a:r>
+              <a:rPr lang="en-US" sz="2000" dirty="0"/>
+              <a:t>chemical properties (CEC soil, CEC clay, base saturation, and pH) </a:t>
+            </a:r>
+            <a:r>
+              <a:rPr lang="en-US" sz="2000" dirty="0" smtClean="0"/>
+              <a:t>of </a:t>
+            </a:r>
+            <a:r>
+              <a:rPr lang="en-US" sz="2000" dirty="0"/>
+              <a:t>soil </a:t>
+            </a:r>
+            <a:r>
+              <a:rPr lang="en-US" sz="2000" dirty="0" smtClean="0"/>
+              <a:t>samples</a:t>
+            </a:r>
+          </a:p>
+          <a:p>
+            <a:pPr lvl="1">
+              <a:buFont typeface="Wingdings" panose="05000000000000000000" pitchFamily="2" charset="2"/>
+              <a:buChar char="Ø"/>
+            </a:pPr>
+            <a:endParaRPr lang="en-US" sz="2000" dirty="0" smtClean="0"/>
+          </a:p>
+          <a:p>
+            <a:pPr lvl="1">
+              <a:buFont typeface="Wingdings" panose="05000000000000000000" pitchFamily="2" charset="2"/>
+              <a:buChar char="Ø"/>
+            </a:pPr>
+            <a:r>
+              <a:rPr lang="en-US" sz="2000" dirty="0" smtClean="0"/>
+              <a:t>Response Variable: soil </a:t>
+            </a:r>
+            <a:r>
+              <a:rPr lang="en-US" sz="2000" dirty="0"/>
+              <a:t>classification group (soil order). </a:t>
+            </a:r>
+            <a:endParaRPr lang="en-US" sz="2000" dirty="0"/>
           </a:p>
         </p:txBody>
       </p:sp>
@@ -4181,6 +4299,9 @@
             <a:endParaRPr lang="en-US" dirty="0"/>
           </a:p>
           <a:p>
+            <a:endParaRPr lang="en-US" altLang="zh-CN" dirty="0" smtClean="0"/>
+          </a:p>
+          <a:p>
             <a:r>
               <a:rPr lang="en-US" altLang="zh-CN" dirty="0" smtClean="0"/>
               <a:t>QDA</a:t>
@@ -4196,14 +4317,109 @@
           </a:p>
           <a:p>
             <a:r>
+              <a:rPr lang="en-US" altLang="zh-CN" dirty="0"/>
+              <a:t>Multinomial Logistic </a:t>
+            </a:r>
+            <a:r>
               <a:rPr lang="en-US" altLang="zh-CN" dirty="0" smtClean="0"/>
-              <a:t>Log</a:t>
-            </a:r>
+              <a:t>Regression: Cross-validation </a:t>
+            </a:r>
+          </a:p>
+          <a:p>
+            <a:r>
+              <a:rPr lang="en-US" dirty="0" smtClean="0">
+                <a:solidFill>
+                  <a:srgbClr val="FF0000"/>
+                </a:solidFill>
+              </a:rPr>
+              <a:t>Fei: maybe we can talk more about why it has to be multinomial? </a:t>
+            </a:r>
+            <a:endParaRPr lang="en-US" dirty="0">
+              <a:solidFill>
+                <a:srgbClr val="FF0000"/>
+              </a:solidFill>
+            </a:endParaRPr>
           </a:p>
           <a:p>
             <a:endParaRPr lang="en-US" dirty="0"/>
           </a:p>
-          <a:p>
+        </p:txBody>
+      </p:sp>
+      <p:sp>
+        <p:nvSpPr>
+          <p:cNvPr id="4" name="Right Brace 3"/>
+          <p:cNvSpPr/>
+          <p:nvPr/>
+        </p:nvSpPr>
+        <p:spPr>
+          <a:xfrm>
+            <a:off x="1920240" y="1897986"/>
+            <a:ext cx="248194" cy="1537546"/>
+          </a:xfrm>
+          <a:prstGeom prst="rightBrace">
+            <a:avLst/>
+          </a:prstGeom>
+          <a:ln>
+            <a:solidFill>
+              <a:schemeClr val="tx1"/>
+            </a:solidFill>
+          </a:ln>
+        </p:spPr>
+        <p:style>
+          <a:lnRef idx="1">
+            <a:schemeClr val="accent1"/>
+          </a:lnRef>
+          <a:fillRef idx="0">
+            <a:schemeClr val="accent1"/>
+          </a:fillRef>
+          <a:effectRef idx="0">
+            <a:schemeClr val="accent1"/>
+          </a:effectRef>
+          <a:fontRef idx="minor">
+            <a:schemeClr val="tx1"/>
+          </a:fontRef>
+        </p:style>
+        <p:txBody>
+          <a:bodyPr rtlCol="0" anchor="ctr"/>
+          <a:lstStyle/>
+          <a:p>
+            <a:pPr algn="ctr"/>
+            <a:endParaRPr lang="en-US"/>
+          </a:p>
+        </p:txBody>
+      </p:sp>
+      <p:sp>
+        <p:nvSpPr>
+          <p:cNvPr id="5" name="TextBox 4"/>
+          <p:cNvSpPr txBox="1"/>
+          <p:nvPr/>
+        </p:nvSpPr>
+        <p:spPr>
+          <a:xfrm>
+            <a:off x="2403566" y="2291341"/>
+            <a:ext cx="3534942" cy="646331"/>
+          </a:xfrm>
+          <a:prstGeom prst="rect">
+            <a:avLst/>
+          </a:prstGeom>
+          <a:noFill/>
+        </p:spPr>
+        <p:txBody>
+          <a:bodyPr wrap="none" rtlCol="0">
+            <a:spAutoFit/>
+          </a:bodyPr>
+          <a:lstStyle/>
+          <a:p>
+            <a:r>
+              <a:rPr lang="en-US" dirty="0" smtClean="0"/>
+              <a:t>Training Data: 80% of entire dataset</a:t>
+            </a:r>
+          </a:p>
+          <a:p>
+            <a:r>
+              <a:rPr lang="en-US" dirty="0" smtClean="0"/>
+              <a:t>Test Data: 20% of entire dataset</a:t>
+            </a:r>
             <a:endParaRPr lang="en-US" dirty="0"/>
           </a:p>
         </p:txBody>
@@ -4285,6 +4501,719 @@
           </a:p>
         </p:txBody>
       </p:sp>
+      <p:sp>
+        <p:nvSpPr>
+          <p:cNvPr id="3" name="TextBox 2"/>
+          <p:cNvSpPr txBox="1"/>
+          <p:nvPr/>
+        </p:nvSpPr>
+        <p:spPr>
+          <a:xfrm>
+            <a:off x="6457070" y="1274654"/>
+            <a:ext cx="2825132" cy="400110"/>
+          </a:xfrm>
+          <a:prstGeom prst="rect">
+            <a:avLst/>
+          </a:prstGeom>
+          <a:noFill/>
+        </p:spPr>
+        <p:txBody>
+          <a:bodyPr wrap="none" rtlCol="0">
+            <a:spAutoFit/>
+          </a:bodyPr>
+          <a:lstStyle/>
+          <a:p>
+            <a:r>
+              <a:rPr lang="en-US" altLang="zh-CN" sz="2000" dirty="0"/>
+              <a:t>LDA</a:t>
+            </a:r>
+            <a:r>
+              <a:rPr lang="zh-CN" altLang="en-US" sz="2000" dirty="0"/>
+              <a:t> </a:t>
+            </a:r>
+            <a:r>
+              <a:rPr lang="en-US" altLang="zh-CN" sz="2000" dirty="0" smtClean="0"/>
+              <a:t>on original database </a:t>
+            </a:r>
+            <a:endParaRPr lang="en-US" sz="2000" dirty="0"/>
+          </a:p>
+        </p:txBody>
+      </p:sp>
+      <p:graphicFrame>
+        <p:nvGraphicFramePr>
+          <p:cNvPr id="7" name="Table 6"/>
+          <p:cNvGraphicFramePr>
+            <a:graphicFrameLocks noGrp="1"/>
+          </p:cNvGraphicFramePr>
+          <p:nvPr>
+            <p:extLst>
+              <p:ext uri="{D42A27DB-BD31-4B8C-83A1-F6EECF244321}">
+                <p14:modId xmlns:p14="http://schemas.microsoft.com/office/powerpoint/2010/main" val="2977391002"/>
+              </p:ext>
+            </p:extLst>
+          </p:nvPr>
+        </p:nvGraphicFramePr>
+        <p:xfrm>
+          <a:off x="847721" y="1846336"/>
+          <a:ext cx="3292808" cy="4330690"/>
+        </p:xfrm>
+        <a:graphic>
+          <a:graphicData uri="http://schemas.openxmlformats.org/drawingml/2006/table">
+            <a:tbl>
+              <a:tblPr firstRow="1" bandRow="1">
+                <a:tableStyleId>{5C22544A-7EE6-4342-B048-85BDC9FD1C3A}</a:tableStyleId>
+              </a:tblPr>
+              <a:tblGrid>
+                <a:gridCol w="1646404">
+                  <a:extLst>
+                    <a:ext uri="{9D8B030D-6E8A-4147-A177-3AD203B41FA5}">
+                      <a16:colId xmlns:a16="http://schemas.microsoft.com/office/drawing/2014/main" val="3140344323"/>
+                    </a:ext>
+                  </a:extLst>
+                </a:gridCol>
+                <a:gridCol w="1646404">
+                  <a:extLst>
+                    <a:ext uri="{9D8B030D-6E8A-4147-A177-3AD203B41FA5}">
+                      <a16:colId xmlns:a16="http://schemas.microsoft.com/office/drawing/2014/main" val="3031573191"/>
+                    </a:ext>
+                  </a:extLst>
+                </a:gridCol>
+              </a:tblGrid>
+              <a:tr h="541319">
+                <a:tc>
+                  <a:txBody>
+                    <a:bodyPr/>
+                    <a:lstStyle/>
+                    <a:p>
+                      <a:pPr algn="ctr" rtl="0" fontAlgn="ctr"/>
+                      <a:r>
+                        <a:rPr lang="en-US" sz="1800" u="none" strike="noStrike" dirty="0">
+                          <a:effectLst/>
+                        </a:rPr>
+                        <a:t>Soil Order</a:t>
+                      </a:r>
+                      <a:endParaRPr lang="en-US" sz="1800" b="1" i="0" u="none" strike="noStrike" dirty="0">
+                        <a:solidFill>
+                          <a:srgbClr val="FFFFFF"/>
+                        </a:solidFill>
+                        <a:effectLst/>
+                        <a:latin typeface="Calibri" panose="020F0502020204030204" pitchFamily="34" charset="0"/>
+                      </a:endParaRPr>
+                    </a:p>
+                  </a:txBody>
+                  <a:tcPr marL="6900" marR="6900" marT="6900" marB="0" anchor="b"/>
+                </a:tc>
+                <a:tc>
+                  <a:txBody>
+                    <a:bodyPr/>
+                    <a:lstStyle/>
+                    <a:p>
+                      <a:pPr algn="ctr" rtl="0" fontAlgn="ctr"/>
+                      <a:r>
+                        <a:rPr lang="en-US" sz="1800" u="none" strike="noStrike" dirty="0">
+                          <a:effectLst/>
+                        </a:rPr>
+                        <a:t>Prediction correction </a:t>
+                      </a:r>
+                      <a:r>
+                        <a:rPr lang="en-US" sz="1800" u="none" strike="noStrike" dirty="0" smtClean="0">
+                          <a:effectLst/>
+                        </a:rPr>
+                        <a:t>rate</a:t>
+                      </a:r>
+                      <a:endParaRPr lang="en-US" sz="1800" b="0" i="0" u="none" strike="noStrike" dirty="0">
+                        <a:solidFill>
+                          <a:srgbClr val="000000"/>
+                        </a:solidFill>
+                        <a:effectLst/>
+                        <a:latin typeface="Calibri" panose="020F0502020204030204" pitchFamily="34" charset="0"/>
+                      </a:endParaRPr>
+                    </a:p>
+                  </a:txBody>
+                  <a:tcPr marL="6900" marR="6900" marT="6900" marB="0" anchor="b"/>
+                </a:tc>
+                <a:extLst>
+                  <a:ext uri="{0D108BD9-81ED-4DB2-BD59-A6C34878D82A}">
+                    <a16:rowId xmlns:a16="http://schemas.microsoft.com/office/drawing/2014/main" val="2267399532"/>
+                  </a:ext>
+                </a:extLst>
+              </a:tr>
+              <a:tr h="377515">
+                <a:tc>
+                  <a:txBody>
+                    <a:bodyPr/>
+                    <a:lstStyle/>
+                    <a:p>
+                      <a:pPr algn="ctr" rtl="0" fontAlgn="b"/>
+                      <a:r>
+                        <a:rPr lang="en-US" sz="1800" u="none" strike="noStrike" dirty="0" err="1">
+                          <a:effectLst/>
+                        </a:rPr>
+                        <a:t>Alfisols</a:t>
+                      </a:r>
+                      <a:endParaRPr lang="en-US" sz="1800" b="0" i="0" u="none" strike="noStrike" dirty="0">
+                        <a:solidFill>
+                          <a:srgbClr val="000000"/>
+                        </a:solidFill>
+                        <a:effectLst/>
+                        <a:latin typeface="Calibri" panose="020F0502020204030204" pitchFamily="34" charset="0"/>
+                      </a:endParaRPr>
+                    </a:p>
+                  </a:txBody>
+                  <a:tcPr marL="6900" marR="6900" marT="6900" marB="0" anchor="b"/>
+                </a:tc>
+                <a:tc>
+                  <a:txBody>
+                    <a:bodyPr/>
+                    <a:lstStyle/>
+                    <a:p>
+                      <a:pPr algn="ctr" rtl="0" fontAlgn="b"/>
+                      <a:r>
+                        <a:rPr lang="en-US" sz="1800" u="none" strike="noStrike" dirty="0" smtClean="0">
+                          <a:effectLst/>
+                        </a:rPr>
+                        <a:t>0.588</a:t>
+                      </a:r>
+                      <a:endParaRPr lang="en-US" sz="1800" b="0" i="0" u="none" strike="noStrike" dirty="0">
+                        <a:solidFill>
+                          <a:srgbClr val="000000"/>
+                        </a:solidFill>
+                        <a:effectLst/>
+                        <a:latin typeface="Calibri" panose="020F0502020204030204" pitchFamily="34" charset="0"/>
+                      </a:endParaRPr>
+                    </a:p>
+                  </a:txBody>
+                  <a:tcPr marL="6900" marR="6900" marT="6900" marB="0" anchor="b"/>
+                </a:tc>
+                <a:extLst>
+                  <a:ext uri="{0D108BD9-81ED-4DB2-BD59-A6C34878D82A}">
+                    <a16:rowId xmlns:a16="http://schemas.microsoft.com/office/drawing/2014/main" val="1236980502"/>
+                  </a:ext>
+                </a:extLst>
+              </a:tr>
+              <a:tr h="377515">
+                <a:tc>
+                  <a:txBody>
+                    <a:bodyPr/>
+                    <a:lstStyle/>
+                    <a:p>
+                      <a:pPr algn="ctr" rtl="0" fontAlgn="b"/>
+                      <a:r>
+                        <a:rPr lang="en-US" sz="1800" u="none" strike="noStrike" dirty="0" err="1">
+                          <a:effectLst/>
+                        </a:rPr>
+                        <a:t>Andisols</a:t>
+                      </a:r>
+                      <a:endParaRPr lang="en-US" sz="1800" b="0" i="0" u="none" strike="noStrike" dirty="0">
+                        <a:solidFill>
+                          <a:srgbClr val="000000"/>
+                        </a:solidFill>
+                        <a:effectLst/>
+                        <a:latin typeface="Calibri" panose="020F0502020204030204" pitchFamily="34" charset="0"/>
+                      </a:endParaRPr>
+                    </a:p>
+                  </a:txBody>
+                  <a:tcPr marL="6900" marR="6900" marT="6900" marB="0" anchor="b"/>
+                </a:tc>
+                <a:tc>
+                  <a:txBody>
+                    <a:bodyPr/>
+                    <a:lstStyle/>
+                    <a:p>
+                      <a:pPr algn="ctr" rtl="0" fontAlgn="b"/>
+                      <a:r>
+                        <a:rPr lang="en-US" sz="1800" u="none" strike="noStrike" dirty="0" smtClean="0">
+                          <a:effectLst/>
+                        </a:rPr>
+                        <a:t>0.486</a:t>
+                      </a:r>
+                      <a:endParaRPr lang="en-US" sz="1800" b="0" i="0" u="none" strike="noStrike" dirty="0">
+                        <a:solidFill>
+                          <a:srgbClr val="000000"/>
+                        </a:solidFill>
+                        <a:effectLst/>
+                        <a:latin typeface="Calibri" panose="020F0502020204030204" pitchFamily="34" charset="0"/>
+                      </a:endParaRPr>
+                    </a:p>
+                  </a:txBody>
+                  <a:tcPr marL="6900" marR="6900" marT="6900" marB="0" anchor="b"/>
+                </a:tc>
+                <a:extLst>
+                  <a:ext uri="{0D108BD9-81ED-4DB2-BD59-A6C34878D82A}">
+                    <a16:rowId xmlns:a16="http://schemas.microsoft.com/office/drawing/2014/main" val="254850676"/>
+                  </a:ext>
+                </a:extLst>
+              </a:tr>
+              <a:tr h="377515">
+                <a:tc>
+                  <a:txBody>
+                    <a:bodyPr/>
+                    <a:lstStyle/>
+                    <a:p>
+                      <a:pPr algn="ctr" rtl="0" fontAlgn="b"/>
+                      <a:r>
+                        <a:rPr lang="en-US" sz="1800" u="none" strike="noStrike">
+                          <a:effectLst/>
+                        </a:rPr>
+                        <a:t>Aridisols</a:t>
+                      </a:r>
+                      <a:endParaRPr lang="en-US" sz="1800" b="0" i="0" u="none" strike="noStrike">
+                        <a:solidFill>
+                          <a:srgbClr val="000000"/>
+                        </a:solidFill>
+                        <a:effectLst/>
+                        <a:latin typeface="Calibri" panose="020F0502020204030204" pitchFamily="34" charset="0"/>
+                      </a:endParaRPr>
+                    </a:p>
+                  </a:txBody>
+                  <a:tcPr marL="6900" marR="6900" marT="6900" marB="0" anchor="b"/>
+                </a:tc>
+                <a:tc>
+                  <a:txBody>
+                    <a:bodyPr/>
+                    <a:lstStyle/>
+                    <a:p>
+                      <a:pPr algn="ctr" rtl="0" fontAlgn="b"/>
+                      <a:r>
+                        <a:rPr lang="en-US" sz="1800" u="none" strike="noStrike" dirty="0" smtClean="0">
+                          <a:effectLst/>
+                        </a:rPr>
+                        <a:t>0.560</a:t>
+                      </a:r>
+                      <a:endParaRPr lang="en-US" sz="1800" b="0" i="0" u="none" strike="noStrike" dirty="0">
+                        <a:solidFill>
+                          <a:srgbClr val="000000"/>
+                        </a:solidFill>
+                        <a:effectLst/>
+                        <a:latin typeface="Calibri" panose="020F0502020204030204" pitchFamily="34" charset="0"/>
+                      </a:endParaRPr>
+                    </a:p>
+                  </a:txBody>
+                  <a:tcPr marL="6900" marR="6900" marT="6900" marB="0" anchor="b"/>
+                </a:tc>
+                <a:extLst>
+                  <a:ext uri="{0D108BD9-81ED-4DB2-BD59-A6C34878D82A}">
+                    <a16:rowId xmlns:a16="http://schemas.microsoft.com/office/drawing/2014/main" val="2504185095"/>
+                  </a:ext>
+                </a:extLst>
+              </a:tr>
+              <a:tr h="377515">
+                <a:tc>
+                  <a:txBody>
+                    <a:bodyPr/>
+                    <a:lstStyle/>
+                    <a:p>
+                      <a:pPr algn="ctr" rtl="0" fontAlgn="b"/>
+                      <a:r>
+                        <a:rPr lang="en-US" sz="1800" u="none" strike="noStrike">
+                          <a:effectLst/>
+                        </a:rPr>
+                        <a:t>Inceptisols</a:t>
+                      </a:r>
+                      <a:endParaRPr lang="en-US" sz="1800" b="0" i="0" u="none" strike="noStrike">
+                        <a:solidFill>
+                          <a:srgbClr val="000000"/>
+                        </a:solidFill>
+                        <a:effectLst/>
+                        <a:latin typeface="Calibri" panose="020F0502020204030204" pitchFamily="34" charset="0"/>
+                      </a:endParaRPr>
+                    </a:p>
+                  </a:txBody>
+                  <a:tcPr marL="6900" marR="6900" marT="6900" marB="0" anchor="b"/>
+                </a:tc>
+                <a:tc>
+                  <a:txBody>
+                    <a:bodyPr/>
+                    <a:lstStyle/>
+                    <a:p>
+                      <a:pPr algn="ctr" rtl="0" fontAlgn="b"/>
+                      <a:r>
+                        <a:rPr lang="en-US" sz="1800" u="none" strike="noStrike" dirty="0" smtClean="0">
+                          <a:effectLst/>
+                        </a:rPr>
+                        <a:t>0.132</a:t>
+                      </a:r>
+                      <a:endParaRPr lang="en-US" sz="1800" b="0" i="0" u="none" strike="noStrike" dirty="0">
+                        <a:solidFill>
+                          <a:srgbClr val="000000"/>
+                        </a:solidFill>
+                        <a:effectLst/>
+                        <a:latin typeface="Calibri" panose="020F0502020204030204" pitchFamily="34" charset="0"/>
+                      </a:endParaRPr>
+                    </a:p>
+                  </a:txBody>
+                  <a:tcPr marL="6900" marR="6900" marT="6900" marB="0" anchor="b"/>
+                </a:tc>
+                <a:extLst>
+                  <a:ext uri="{0D108BD9-81ED-4DB2-BD59-A6C34878D82A}">
+                    <a16:rowId xmlns:a16="http://schemas.microsoft.com/office/drawing/2014/main" val="3414866897"/>
+                  </a:ext>
+                </a:extLst>
+              </a:tr>
+              <a:tr h="377515">
+                <a:tc>
+                  <a:txBody>
+                    <a:bodyPr/>
+                    <a:lstStyle/>
+                    <a:p>
+                      <a:pPr algn="ctr" rtl="0" fontAlgn="b"/>
+                      <a:r>
+                        <a:rPr lang="en-US" sz="1800" u="none" strike="noStrike">
+                          <a:effectLst/>
+                        </a:rPr>
+                        <a:t>Mollisols</a:t>
+                      </a:r>
+                      <a:endParaRPr lang="en-US" sz="1800" b="0" i="0" u="none" strike="noStrike">
+                        <a:solidFill>
+                          <a:srgbClr val="000000"/>
+                        </a:solidFill>
+                        <a:effectLst/>
+                        <a:latin typeface="Calibri" panose="020F0502020204030204" pitchFamily="34" charset="0"/>
+                      </a:endParaRPr>
+                    </a:p>
+                  </a:txBody>
+                  <a:tcPr marL="6900" marR="6900" marT="6900" marB="0" anchor="b"/>
+                </a:tc>
+                <a:tc>
+                  <a:txBody>
+                    <a:bodyPr/>
+                    <a:lstStyle/>
+                    <a:p>
+                      <a:pPr algn="ctr" rtl="0" fontAlgn="b"/>
+                      <a:r>
+                        <a:rPr lang="en-US" sz="1800" u="none" strike="noStrike" dirty="0" smtClean="0">
+                          <a:effectLst/>
+                        </a:rPr>
+                        <a:t>0.690</a:t>
+                      </a:r>
+                      <a:endParaRPr lang="en-US" sz="1800" b="0" i="0" u="none" strike="noStrike" dirty="0">
+                        <a:solidFill>
+                          <a:srgbClr val="000000"/>
+                        </a:solidFill>
+                        <a:effectLst/>
+                        <a:latin typeface="Calibri" panose="020F0502020204030204" pitchFamily="34" charset="0"/>
+                      </a:endParaRPr>
+                    </a:p>
+                  </a:txBody>
+                  <a:tcPr marL="6900" marR="6900" marT="6900" marB="0" anchor="b"/>
+                </a:tc>
+                <a:extLst>
+                  <a:ext uri="{0D108BD9-81ED-4DB2-BD59-A6C34878D82A}">
+                    <a16:rowId xmlns:a16="http://schemas.microsoft.com/office/drawing/2014/main" val="2636283831"/>
+                  </a:ext>
+                </a:extLst>
+              </a:tr>
+              <a:tr h="377515">
+                <a:tc>
+                  <a:txBody>
+                    <a:bodyPr/>
+                    <a:lstStyle/>
+                    <a:p>
+                      <a:pPr algn="ctr" rtl="0" fontAlgn="b"/>
+                      <a:r>
+                        <a:rPr lang="en-US" sz="1800" u="none" strike="noStrike">
+                          <a:effectLst/>
+                        </a:rPr>
+                        <a:t>Oxisols</a:t>
+                      </a:r>
+                      <a:endParaRPr lang="en-US" sz="1800" b="0" i="0" u="none" strike="noStrike">
+                        <a:solidFill>
+                          <a:srgbClr val="000000"/>
+                        </a:solidFill>
+                        <a:effectLst/>
+                        <a:latin typeface="Calibri" panose="020F0502020204030204" pitchFamily="34" charset="0"/>
+                      </a:endParaRPr>
+                    </a:p>
+                  </a:txBody>
+                  <a:tcPr marL="6900" marR="6900" marT="6900" marB="0" anchor="b"/>
+                </a:tc>
+                <a:tc>
+                  <a:txBody>
+                    <a:bodyPr/>
+                    <a:lstStyle/>
+                    <a:p>
+                      <a:pPr algn="ctr" rtl="0" fontAlgn="b"/>
+                      <a:r>
+                        <a:rPr lang="en-US" sz="1800" u="none" strike="noStrike" dirty="0" smtClean="0">
+                          <a:effectLst/>
+                        </a:rPr>
+                        <a:t>0.529</a:t>
+                      </a:r>
+                      <a:endParaRPr lang="en-US" sz="1800" b="0" i="0" u="none" strike="noStrike" dirty="0">
+                        <a:solidFill>
+                          <a:srgbClr val="000000"/>
+                        </a:solidFill>
+                        <a:effectLst/>
+                        <a:latin typeface="Calibri" panose="020F0502020204030204" pitchFamily="34" charset="0"/>
+                      </a:endParaRPr>
+                    </a:p>
+                  </a:txBody>
+                  <a:tcPr marL="6900" marR="6900" marT="6900" marB="0" anchor="b"/>
+                </a:tc>
+                <a:extLst>
+                  <a:ext uri="{0D108BD9-81ED-4DB2-BD59-A6C34878D82A}">
+                    <a16:rowId xmlns:a16="http://schemas.microsoft.com/office/drawing/2014/main" val="2854849710"/>
+                  </a:ext>
+                </a:extLst>
+              </a:tr>
+              <a:tr h="377515">
+                <a:tc>
+                  <a:txBody>
+                    <a:bodyPr/>
+                    <a:lstStyle/>
+                    <a:p>
+                      <a:pPr algn="ctr" rtl="0" fontAlgn="b"/>
+                      <a:r>
+                        <a:rPr lang="en-US" sz="1800" u="none" strike="noStrike">
+                          <a:effectLst/>
+                        </a:rPr>
+                        <a:t>Spodosols</a:t>
+                      </a:r>
+                      <a:endParaRPr lang="en-US" sz="1800" b="0" i="0" u="none" strike="noStrike">
+                        <a:solidFill>
+                          <a:srgbClr val="000000"/>
+                        </a:solidFill>
+                        <a:effectLst/>
+                        <a:latin typeface="Calibri" panose="020F0502020204030204" pitchFamily="34" charset="0"/>
+                      </a:endParaRPr>
+                    </a:p>
+                  </a:txBody>
+                  <a:tcPr marL="6900" marR="6900" marT="6900" marB="0" anchor="b"/>
+                </a:tc>
+                <a:tc>
+                  <a:txBody>
+                    <a:bodyPr/>
+                    <a:lstStyle/>
+                    <a:p>
+                      <a:pPr algn="ctr" rtl="0" fontAlgn="b"/>
+                      <a:r>
+                        <a:rPr lang="en-US" sz="1800" u="none" strike="noStrike" dirty="0" smtClean="0">
+                          <a:effectLst/>
+                        </a:rPr>
+                        <a:t>0.232</a:t>
+                      </a:r>
+                      <a:endParaRPr lang="en-US" sz="1800" b="0" i="0" u="none" strike="noStrike" dirty="0">
+                        <a:solidFill>
+                          <a:srgbClr val="000000"/>
+                        </a:solidFill>
+                        <a:effectLst/>
+                        <a:latin typeface="Calibri" panose="020F0502020204030204" pitchFamily="34" charset="0"/>
+                      </a:endParaRPr>
+                    </a:p>
+                  </a:txBody>
+                  <a:tcPr marL="6900" marR="6900" marT="6900" marB="0" anchor="b"/>
+                </a:tc>
+                <a:extLst>
+                  <a:ext uri="{0D108BD9-81ED-4DB2-BD59-A6C34878D82A}">
+                    <a16:rowId xmlns:a16="http://schemas.microsoft.com/office/drawing/2014/main" val="659468809"/>
+                  </a:ext>
+                </a:extLst>
+              </a:tr>
+              <a:tr h="377515">
+                <a:tc>
+                  <a:txBody>
+                    <a:bodyPr/>
+                    <a:lstStyle/>
+                    <a:p>
+                      <a:pPr algn="ctr" rtl="0" fontAlgn="b"/>
+                      <a:r>
+                        <a:rPr lang="en-US" sz="1800" u="none" strike="noStrike">
+                          <a:effectLst/>
+                        </a:rPr>
+                        <a:t>Ultisols</a:t>
+                      </a:r>
+                      <a:endParaRPr lang="en-US" sz="1800" b="0" i="0" u="none" strike="noStrike">
+                        <a:solidFill>
+                          <a:srgbClr val="000000"/>
+                        </a:solidFill>
+                        <a:effectLst/>
+                        <a:latin typeface="Calibri" panose="020F0502020204030204" pitchFamily="34" charset="0"/>
+                      </a:endParaRPr>
+                    </a:p>
+                  </a:txBody>
+                  <a:tcPr marL="6900" marR="6900" marT="6900" marB="0" anchor="b"/>
+                </a:tc>
+                <a:tc>
+                  <a:txBody>
+                    <a:bodyPr/>
+                    <a:lstStyle/>
+                    <a:p>
+                      <a:pPr algn="ctr" rtl="0" fontAlgn="b"/>
+                      <a:r>
+                        <a:rPr lang="en-US" sz="1800" u="none" strike="noStrike" dirty="0" smtClean="0">
+                          <a:effectLst/>
+                        </a:rPr>
+                        <a:t>0.784</a:t>
+                      </a:r>
+                      <a:endParaRPr lang="en-US" sz="1800" b="0" i="0" u="none" strike="noStrike" dirty="0">
+                        <a:solidFill>
+                          <a:srgbClr val="000000"/>
+                        </a:solidFill>
+                        <a:effectLst/>
+                        <a:latin typeface="Calibri" panose="020F0502020204030204" pitchFamily="34" charset="0"/>
+                      </a:endParaRPr>
+                    </a:p>
+                  </a:txBody>
+                  <a:tcPr marL="6900" marR="6900" marT="6900" marB="0" anchor="b"/>
+                </a:tc>
+                <a:extLst>
+                  <a:ext uri="{0D108BD9-81ED-4DB2-BD59-A6C34878D82A}">
+                    <a16:rowId xmlns:a16="http://schemas.microsoft.com/office/drawing/2014/main" val="1626067072"/>
+                  </a:ext>
+                </a:extLst>
+              </a:tr>
+              <a:tr h="377515">
+                <a:tc>
+                  <a:txBody>
+                    <a:bodyPr/>
+                    <a:lstStyle/>
+                    <a:p>
+                      <a:pPr algn="ctr" rtl="0" fontAlgn="b"/>
+                      <a:r>
+                        <a:rPr lang="en-US" sz="1800" u="none" strike="noStrike" dirty="0" err="1">
+                          <a:effectLst/>
+                        </a:rPr>
+                        <a:t>Vertisols</a:t>
+                      </a:r>
+                      <a:endParaRPr lang="en-US" sz="1800" b="0" i="0" u="none" strike="noStrike" dirty="0">
+                        <a:solidFill>
+                          <a:srgbClr val="000000"/>
+                        </a:solidFill>
+                        <a:effectLst/>
+                        <a:latin typeface="Calibri" panose="020F0502020204030204" pitchFamily="34" charset="0"/>
+                      </a:endParaRPr>
+                    </a:p>
+                  </a:txBody>
+                  <a:tcPr marL="6900" marR="6900" marT="6900" marB="0" anchor="b"/>
+                </a:tc>
+                <a:tc>
+                  <a:txBody>
+                    <a:bodyPr/>
+                    <a:lstStyle/>
+                    <a:p>
+                      <a:pPr algn="ctr" rtl="0" fontAlgn="b"/>
+                      <a:r>
+                        <a:rPr lang="en-US" sz="1800" u="none" strike="noStrike" dirty="0" smtClean="0">
+                          <a:effectLst/>
+                        </a:rPr>
+                        <a:t>0.612</a:t>
+                      </a:r>
+                      <a:endParaRPr lang="en-US" sz="1800" b="0" i="0" u="none" strike="noStrike" dirty="0">
+                        <a:solidFill>
+                          <a:srgbClr val="000000"/>
+                        </a:solidFill>
+                        <a:effectLst/>
+                        <a:latin typeface="Calibri" panose="020F0502020204030204" pitchFamily="34" charset="0"/>
+                      </a:endParaRPr>
+                    </a:p>
+                  </a:txBody>
+                  <a:tcPr marL="6900" marR="6900" marT="6900" marB="0" anchor="b"/>
+                </a:tc>
+                <a:extLst>
+                  <a:ext uri="{0D108BD9-81ED-4DB2-BD59-A6C34878D82A}">
+                    <a16:rowId xmlns:a16="http://schemas.microsoft.com/office/drawing/2014/main" val="3778050048"/>
+                  </a:ext>
+                </a:extLst>
+              </a:tr>
+              <a:tr h="377515">
+                <a:tc>
+                  <a:txBody>
+                    <a:bodyPr/>
+                    <a:lstStyle/>
+                    <a:p>
+                      <a:pPr algn="ctr" rtl="0" fontAlgn="b"/>
+                      <a:r>
+                        <a:rPr lang="en-US" sz="1800" b="1" i="1" u="none" strike="noStrike" dirty="0" smtClean="0">
+                          <a:solidFill>
+                            <a:srgbClr val="000000"/>
+                          </a:solidFill>
+                          <a:effectLst/>
+                          <a:latin typeface="Calibri" panose="020F0502020204030204" pitchFamily="34" charset="0"/>
+                        </a:rPr>
+                        <a:t>Overall</a:t>
+                      </a:r>
+                      <a:r>
+                        <a:rPr lang="en-US" sz="1800" b="1" i="1" u="none" strike="noStrike" baseline="0" dirty="0" smtClean="0">
+                          <a:solidFill>
+                            <a:srgbClr val="000000"/>
+                          </a:solidFill>
+                          <a:effectLst/>
+                          <a:latin typeface="Calibri" panose="020F0502020204030204" pitchFamily="34" charset="0"/>
+                        </a:rPr>
+                        <a:t> </a:t>
+                      </a:r>
+                      <a:endParaRPr lang="en-US" sz="1800" b="1" i="1" u="none" strike="noStrike" dirty="0">
+                        <a:solidFill>
+                          <a:srgbClr val="000000"/>
+                        </a:solidFill>
+                        <a:effectLst/>
+                        <a:latin typeface="Calibri" panose="020F0502020204030204" pitchFamily="34" charset="0"/>
+                      </a:endParaRPr>
+                    </a:p>
+                  </a:txBody>
+                  <a:tcPr marL="6900" marR="6900" marT="6900" marB="0" anchor="b"/>
+                </a:tc>
+                <a:tc>
+                  <a:txBody>
+                    <a:bodyPr/>
+                    <a:lstStyle/>
+                    <a:p>
+                      <a:pPr algn="ctr" rtl="0" fontAlgn="b"/>
+                      <a:r>
+                        <a:rPr lang="en-US" sz="1800" b="1" i="1" u="none" strike="noStrike" dirty="0" smtClean="0">
+                          <a:solidFill>
+                            <a:srgbClr val="000000"/>
+                          </a:solidFill>
+                          <a:effectLst/>
+                          <a:latin typeface="Calibri" panose="020F0502020204030204" pitchFamily="34" charset="0"/>
+                        </a:rPr>
+                        <a:t>0.583</a:t>
+                      </a:r>
+                      <a:endParaRPr lang="en-US" sz="1800" b="1" i="1" u="none" strike="noStrike" dirty="0">
+                        <a:solidFill>
+                          <a:srgbClr val="000000"/>
+                        </a:solidFill>
+                        <a:effectLst/>
+                        <a:latin typeface="Calibri" panose="020F0502020204030204" pitchFamily="34" charset="0"/>
+                      </a:endParaRPr>
+                    </a:p>
+                  </a:txBody>
+                  <a:tcPr marL="6900" marR="6900" marT="6900" marB="0" anchor="b"/>
+                </a:tc>
+                <a:extLst>
+                  <a:ext uri="{0D108BD9-81ED-4DB2-BD59-A6C34878D82A}">
+                    <a16:rowId xmlns:a16="http://schemas.microsoft.com/office/drawing/2014/main" val="4138240308"/>
+                  </a:ext>
+                </a:extLst>
+              </a:tr>
+            </a:tbl>
+          </a:graphicData>
+        </a:graphic>
+      </p:graphicFrame>
+      <p:pic>
+        <p:nvPicPr>
+          <p:cNvPr id="9" name="Picture 8"/>
+          <p:cNvPicPr>
+            <a:picLocks noChangeAspect="1"/>
+          </p:cNvPicPr>
+          <p:nvPr/>
+        </p:nvPicPr>
+        <p:blipFill>
+          <a:blip r:embed="rId2"/>
+          <a:stretch>
+            <a:fillRect/>
+          </a:stretch>
+        </p:blipFill>
+        <p:spPr>
+          <a:xfrm>
+            <a:off x="4140529" y="1968017"/>
+            <a:ext cx="7015151" cy="4329350"/>
+          </a:xfrm>
+          <a:prstGeom prst="rect">
+            <a:avLst/>
+          </a:prstGeom>
+        </p:spPr>
+      </p:pic>
     </p:spTree>
     <p:extLst>
       <p:ext uri="{BB962C8B-B14F-4D97-AF65-F5344CB8AC3E}">
@@ -4331,32 +5260,8 @@
           <a:lstStyle/>
           <a:p>
             <a:r>
-              <a:rPr lang="en-US" altLang="zh-CN" dirty="0" smtClean="0"/>
-              <a:t>QDA</a:t>
-            </a:r>
-            <a:r>
-              <a:rPr lang="zh-CN" altLang="en-US" dirty="0" smtClean="0"/>
-              <a:t> </a:t>
-            </a:r>
-            <a:r>
-              <a:rPr lang="en-US" altLang="zh-CN" dirty="0"/>
-              <a:t>Results</a:t>
-            </a:r>
-            <a:r>
-              <a:rPr lang="zh-CN" altLang="en-US" dirty="0"/>
-              <a:t> </a:t>
-            </a:r>
-            <a:r>
-              <a:rPr lang="en-US" altLang="zh-CN" dirty="0"/>
-              <a:t>w/o</a:t>
-            </a:r>
-            <a:r>
-              <a:rPr lang="zh-CN" altLang="en-US" dirty="0"/>
-              <a:t> </a:t>
-            </a:r>
-            <a:r>
-              <a:rPr lang="en-US" altLang="zh-CN" dirty="0"/>
-              <a:t>PCA</a:t>
+              <a:rPr lang="en-US" dirty="0" smtClean="0"/>
+              <a:t>LDA Results w/o PCA </a:t>
             </a:r>
             <a:endParaRPr lang="en-US" dirty="0"/>
           </a:p>
@@ -4372,19 +5277,2127 @@
             <p:ph idx="1"/>
           </p:nvPr>
         </p:nvSpPr>
-        <p:spPr/>
+        <p:spPr>
+          <a:xfrm>
+            <a:off x="220458" y="1934447"/>
+            <a:ext cx="10058400" cy="4023360"/>
+          </a:xfrm>
+        </p:spPr>
         <p:txBody>
           <a:bodyPr/>
           <a:lstStyle/>
           <a:p>
-            <a:endParaRPr lang="en-US"/>
+            <a:r>
+              <a:rPr lang="en-US" dirty="0" smtClean="0"/>
+              <a:t>PCA Results </a:t>
+            </a:r>
+          </a:p>
+          <a:p>
+            <a:endParaRPr lang="en-US" dirty="0"/>
+          </a:p>
+          <a:p>
+            <a:endParaRPr lang="en-US" dirty="0"/>
           </a:p>
         </p:txBody>
       </p:sp>
+      <p:sp>
+        <p:nvSpPr>
+          <p:cNvPr id="4" name="TextBox 3"/>
+          <p:cNvSpPr txBox="1"/>
+          <p:nvPr/>
+        </p:nvSpPr>
+        <p:spPr>
+          <a:xfrm>
+            <a:off x="6619908" y="1274654"/>
+            <a:ext cx="4111382" cy="400110"/>
+          </a:xfrm>
+          <a:prstGeom prst="rect">
+            <a:avLst/>
+          </a:prstGeom>
+          <a:noFill/>
+        </p:spPr>
+        <p:txBody>
+          <a:bodyPr wrap="none" rtlCol="0">
+            <a:spAutoFit/>
+          </a:bodyPr>
+          <a:lstStyle/>
+          <a:p>
+            <a:r>
+              <a:rPr lang="en-US" altLang="zh-CN" sz="2000" dirty="0"/>
+              <a:t>LDA</a:t>
+            </a:r>
+            <a:r>
+              <a:rPr lang="zh-CN" altLang="en-US" sz="2000" dirty="0"/>
+              <a:t> </a:t>
+            </a:r>
+            <a:r>
+              <a:rPr lang="en-US" altLang="zh-CN" sz="2000" dirty="0" smtClean="0"/>
+              <a:t>on reduced- dimension database </a:t>
+            </a:r>
+            <a:endParaRPr lang="en-US" sz="2000" dirty="0"/>
+          </a:p>
+        </p:txBody>
+      </p:sp>
+      <p:graphicFrame>
+        <p:nvGraphicFramePr>
+          <p:cNvPr id="5" name="Table 4"/>
+          <p:cNvGraphicFramePr>
+            <a:graphicFrameLocks noGrp="1"/>
+          </p:cNvGraphicFramePr>
+          <p:nvPr>
+            <p:extLst>
+              <p:ext uri="{D42A27DB-BD31-4B8C-83A1-F6EECF244321}">
+                <p14:modId xmlns:p14="http://schemas.microsoft.com/office/powerpoint/2010/main" val="172442076"/>
+              </p:ext>
+            </p:extLst>
+          </p:nvPr>
+        </p:nvGraphicFramePr>
+        <p:xfrm>
+          <a:off x="1810011" y="1922952"/>
+          <a:ext cx="10033350" cy="1444576"/>
+        </p:xfrm>
+        <a:graphic>
+          <a:graphicData uri="http://schemas.openxmlformats.org/drawingml/2006/table">
+            <a:tbl>
+              <a:tblPr firstRow="1" bandRow="1">
+                <a:tableStyleId>{5C22544A-7EE6-4342-B048-85BDC9FD1C3A}</a:tableStyleId>
+              </a:tblPr>
+              <a:tblGrid>
+                <a:gridCol w="1941534">
+                  <a:extLst>
+                    <a:ext uri="{9D8B030D-6E8A-4147-A177-3AD203B41FA5}">
+                      <a16:colId xmlns:a16="http://schemas.microsoft.com/office/drawing/2014/main" val="953060514"/>
+                    </a:ext>
+                  </a:extLst>
+                </a:gridCol>
+                <a:gridCol w="1011477">
+                  <a:extLst>
+                    <a:ext uri="{9D8B030D-6E8A-4147-A177-3AD203B41FA5}">
+                      <a16:colId xmlns:a16="http://schemas.microsoft.com/office/drawing/2014/main" val="767976886"/>
+                    </a:ext>
+                  </a:extLst>
+                </a:gridCol>
+                <a:gridCol w="1011477">
+                  <a:extLst>
+                    <a:ext uri="{9D8B030D-6E8A-4147-A177-3AD203B41FA5}">
+                      <a16:colId xmlns:a16="http://schemas.microsoft.com/office/drawing/2014/main" val="2264140971"/>
+                    </a:ext>
+                  </a:extLst>
+                </a:gridCol>
+                <a:gridCol w="1011477">
+                  <a:extLst>
+                    <a:ext uri="{9D8B030D-6E8A-4147-A177-3AD203B41FA5}">
+                      <a16:colId xmlns:a16="http://schemas.microsoft.com/office/drawing/2014/main" val="3244866279"/>
+                    </a:ext>
+                  </a:extLst>
+                </a:gridCol>
+                <a:gridCol w="1011477">
+                  <a:extLst>
+                    <a:ext uri="{9D8B030D-6E8A-4147-A177-3AD203B41FA5}">
+                      <a16:colId xmlns:a16="http://schemas.microsoft.com/office/drawing/2014/main" val="3666229127"/>
+                    </a:ext>
+                  </a:extLst>
+                </a:gridCol>
+                <a:gridCol w="1011477">
+                  <a:extLst>
+                    <a:ext uri="{9D8B030D-6E8A-4147-A177-3AD203B41FA5}">
+                      <a16:colId xmlns:a16="http://schemas.microsoft.com/office/drawing/2014/main" val="2639360683"/>
+                    </a:ext>
+                  </a:extLst>
+                </a:gridCol>
+                <a:gridCol w="1011477">
+                  <a:extLst>
+                    <a:ext uri="{9D8B030D-6E8A-4147-A177-3AD203B41FA5}">
+                      <a16:colId xmlns:a16="http://schemas.microsoft.com/office/drawing/2014/main" val="612403726"/>
+                    </a:ext>
+                  </a:extLst>
+                </a:gridCol>
+                <a:gridCol w="1011477">
+                  <a:extLst>
+                    <a:ext uri="{9D8B030D-6E8A-4147-A177-3AD203B41FA5}">
+                      <a16:colId xmlns:a16="http://schemas.microsoft.com/office/drawing/2014/main" val="1520712259"/>
+                    </a:ext>
+                  </a:extLst>
+                </a:gridCol>
+                <a:gridCol w="1011477">
+                  <a:extLst>
+                    <a:ext uri="{9D8B030D-6E8A-4147-A177-3AD203B41FA5}">
+                      <a16:colId xmlns:a16="http://schemas.microsoft.com/office/drawing/2014/main" val="3830094917"/>
+                    </a:ext>
+                  </a:extLst>
+                </a:gridCol>
+              </a:tblGrid>
+              <a:tr h="361144">
+                <a:tc>
+                  <a:txBody>
+                    <a:bodyPr/>
+                    <a:lstStyle/>
+                    <a:p>
+                      <a:pPr algn="ctr" fontAlgn="b"/>
+                      <a:endParaRPr lang="en-US" sz="1600" b="0" i="0" u="none" strike="noStrike" dirty="0">
+                        <a:solidFill>
+                          <a:srgbClr val="000000"/>
+                        </a:solidFill>
+                        <a:effectLst/>
+                        <a:latin typeface="Calibri" panose="020F0502020204030204" pitchFamily="34" charset="0"/>
+                      </a:endParaRPr>
+                    </a:p>
+                  </a:txBody>
+                  <a:tcPr marL="9525" marR="9525" marT="9525" marB="0" anchor="b"/>
+                </a:tc>
+                <a:tc>
+                  <a:txBody>
+                    <a:bodyPr/>
+                    <a:lstStyle/>
+                    <a:p>
+                      <a:pPr algn="ctr" fontAlgn="b"/>
+                      <a:r>
+                        <a:rPr lang="en-US" sz="1600" u="none" strike="noStrike" dirty="0">
+                          <a:solidFill>
+                            <a:schemeClr val="bg1"/>
+                          </a:solidFill>
+                          <a:effectLst/>
+                        </a:rPr>
+                        <a:t>PC1</a:t>
+                      </a:r>
+                      <a:endParaRPr lang="en-US" sz="1600" b="0" i="0" u="none" strike="noStrike" dirty="0">
+                        <a:solidFill>
+                          <a:schemeClr val="bg1"/>
+                        </a:solidFill>
+                        <a:effectLst/>
+                        <a:latin typeface="Calibri" panose="020F0502020204030204" pitchFamily="34" charset="0"/>
+                      </a:endParaRPr>
+                    </a:p>
+                  </a:txBody>
+                  <a:tcPr marL="9525" marR="9525" marT="9525" marB="0" anchor="b">
+                    <a:solidFill>
+                      <a:schemeClr val="accent2"/>
+                    </a:solidFill>
+                  </a:tcPr>
+                </a:tc>
+                <a:tc>
+                  <a:txBody>
+                    <a:bodyPr/>
+                    <a:lstStyle/>
+                    <a:p>
+                      <a:pPr algn="ctr" fontAlgn="b"/>
+                      <a:r>
+                        <a:rPr lang="en-US" sz="1600" u="none" strike="noStrike" dirty="0">
+                          <a:solidFill>
+                            <a:schemeClr val="bg1"/>
+                          </a:solidFill>
+                          <a:effectLst/>
+                        </a:rPr>
+                        <a:t>PC2</a:t>
+                      </a:r>
+                      <a:endParaRPr lang="en-US" sz="1600" b="0" i="0" u="none" strike="noStrike" dirty="0">
+                        <a:solidFill>
+                          <a:schemeClr val="bg1"/>
+                        </a:solidFill>
+                        <a:effectLst/>
+                        <a:latin typeface="Calibri" panose="020F0502020204030204" pitchFamily="34" charset="0"/>
+                      </a:endParaRPr>
+                    </a:p>
+                  </a:txBody>
+                  <a:tcPr marL="9525" marR="9525" marT="9525" marB="0" anchor="b">
+                    <a:solidFill>
+                      <a:schemeClr val="accent2"/>
+                    </a:solidFill>
+                  </a:tcPr>
+                </a:tc>
+                <a:tc>
+                  <a:txBody>
+                    <a:bodyPr/>
+                    <a:lstStyle/>
+                    <a:p>
+                      <a:pPr algn="ctr" fontAlgn="b"/>
+                      <a:r>
+                        <a:rPr lang="en-US" sz="1600" u="none" strike="noStrike" dirty="0">
+                          <a:solidFill>
+                            <a:schemeClr val="bg1"/>
+                          </a:solidFill>
+                          <a:effectLst/>
+                        </a:rPr>
+                        <a:t>PC3</a:t>
+                      </a:r>
+                      <a:endParaRPr lang="en-US" sz="1600" b="0" i="0" u="none" strike="noStrike" dirty="0">
+                        <a:solidFill>
+                          <a:schemeClr val="bg1"/>
+                        </a:solidFill>
+                        <a:effectLst/>
+                        <a:latin typeface="Calibri" panose="020F0502020204030204" pitchFamily="34" charset="0"/>
+                      </a:endParaRPr>
+                    </a:p>
+                  </a:txBody>
+                  <a:tcPr marL="9525" marR="9525" marT="9525" marB="0" anchor="b">
+                    <a:solidFill>
+                      <a:schemeClr val="accent2"/>
+                    </a:solidFill>
+                  </a:tcPr>
+                </a:tc>
+                <a:tc>
+                  <a:txBody>
+                    <a:bodyPr/>
+                    <a:lstStyle/>
+                    <a:p>
+                      <a:pPr algn="ctr" fontAlgn="b"/>
+                      <a:r>
+                        <a:rPr lang="en-US" sz="1600" u="none" strike="noStrike" dirty="0">
+                          <a:solidFill>
+                            <a:schemeClr val="bg1"/>
+                          </a:solidFill>
+                          <a:effectLst/>
+                        </a:rPr>
+                        <a:t>PC4</a:t>
+                      </a:r>
+                      <a:endParaRPr lang="en-US" sz="1600" b="0" i="0" u="none" strike="noStrike" dirty="0">
+                        <a:solidFill>
+                          <a:schemeClr val="bg1"/>
+                        </a:solidFill>
+                        <a:effectLst/>
+                        <a:latin typeface="Calibri" panose="020F0502020204030204" pitchFamily="34" charset="0"/>
+                      </a:endParaRPr>
+                    </a:p>
+                  </a:txBody>
+                  <a:tcPr marL="9525" marR="9525" marT="9525" marB="0" anchor="b">
+                    <a:solidFill>
+                      <a:schemeClr val="accent2"/>
+                    </a:solidFill>
+                  </a:tcPr>
+                </a:tc>
+                <a:tc>
+                  <a:txBody>
+                    <a:bodyPr/>
+                    <a:lstStyle/>
+                    <a:p>
+                      <a:pPr algn="ctr" fontAlgn="b"/>
+                      <a:r>
+                        <a:rPr lang="en-US" sz="1600" u="none" strike="noStrike" dirty="0">
+                          <a:effectLst/>
+                        </a:rPr>
+                        <a:t>PC5</a:t>
+                      </a:r>
+                      <a:endParaRPr lang="en-US" sz="1600" b="0" i="0" u="none" strike="noStrike" dirty="0">
+                        <a:solidFill>
+                          <a:srgbClr val="000000"/>
+                        </a:solidFill>
+                        <a:effectLst/>
+                        <a:latin typeface="Calibri" panose="020F0502020204030204" pitchFamily="34" charset="0"/>
+                      </a:endParaRPr>
+                    </a:p>
+                  </a:txBody>
+                  <a:tcPr marL="9525" marR="9525" marT="9525" marB="0" anchor="b"/>
+                </a:tc>
+                <a:tc>
+                  <a:txBody>
+                    <a:bodyPr/>
+                    <a:lstStyle/>
+                    <a:p>
+                      <a:pPr algn="ctr" fontAlgn="b"/>
+                      <a:r>
+                        <a:rPr lang="en-US" sz="1600" u="none" strike="noStrike" dirty="0">
+                          <a:effectLst/>
+                        </a:rPr>
+                        <a:t>PC6</a:t>
+                      </a:r>
+                      <a:endParaRPr lang="en-US" sz="1600" b="0" i="0" u="none" strike="noStrike" dirty="0">
+                        <a:solidFill>
+                          <a:srgbClr val="000000"/>
+                        </a:solidFill>
+                        <a:effectLst/>
+                        <a:latin typeface="Calibri" panose="020F0502020204030204" pitchFamily="34" charset="0"/>
+                      </a:endParaRPr>
+                    </a:p>
+                  </a:txBody>
+                  <a:tcPr marL="9525" marR="9525" marT="9525" marB="0" anchor="b"/>
+                </a:tc>
+                <a:tc>
+                  <a:txBody>
+                    <a:bodyPr/>
+                    <a:lstStyle/>
+                    <a:p>
+                      <a:pPr algn="ctr" fontAlgn="b"/>
+                      <a:r>
+                        <a:rPr lang="en-US" sz="1600" u="none" strike="noStrike" dirty="0">
+                          <a:effectLst/>
+                        </a:rPr>
+                        <a:t>PC7</a:t>
+                      </a:r>
+                      <a:endParaRPr lang="en-US" sz="1600" b="0" i="0" u="none" strike="noStrike" dirty="0">
+                        <a:solidFill>
+                          <a:srgbClr val="000000"/>
+                        </a:solidFill>
+                        <a:effectLst/>
+                        <a:latin typeface="Calibri" panose="020F0502020204030204" pitchFamily="34" charset="0"/>
+                      </a:endParaRPr>
+                    </a:p>
+                  </a:txBody>
+                  <a:tcPr marL="9525" marR="9525" marT="9525" marB="0" anchor="b"/>
+                </a:tc>
+                <a:tc>
+                  <a:txBody>
+                    <a:bodyPr/>
+                    <a:lstStyle/>
+                    <a:p>
+                      <a:pPr algn="ctr" fontAlgn="b"/>
+                      <a:r>
+                        <a:rPr lang="en-US" sz="1600" u="none" strike="noStrike" dirty="0">
+                          <a:effectLst/>
+                        </a:rPr>
+                        <a:t>PC8</a:t>
+                      </a:r>
+                      <a:endParaRPr lang="en-US" sz="1600" b="0" i="0" u="none" strike="noStrike" dirty="0">
+                        <a:solidFill>
+                          <a:srgbClr val="000000"/>
+                        </a:solidFill>
+                        <a:effectLst/>
+                        <a:latin typeface="Calibri" panose="020F0502020204030204" pitchFamily="34" charset="0"/>
+                      </a:endParaRPr>
+                    </a:p>
+                  </a:txBody>
+                  <a:tcPr marL="9525" marR="9525" marT="9525" marB="0" anchor="b"/>
+                </a:tc>
+                <a:extLst>
+                  <a:ext uri="{0D108BD9-81ED-4DB2-BD59-A6C34878D82A}">
+                    <a16:rowId xmlns:a16="http://schemas.microsoft.com/office/drawing/2014/main" val="1610753384"/>
+                  </a:ext>
+                </a:extLst>
+              </a:tr>
+              <a:tr h="361144">
+                <a:tc>
+                  <a:txBody>
+                    <a:bodyPr/>
+                    <a:lstStyle/>
+                    <a:p>
+                      <a:pPr algn="l" fontAlgn="b"/>
+                      <a:r>
+                        <a:rPr lang="en-US" sz="1600" u="none" strike="noStrike" dirty="0">
+                          <a:effectLst/>
+                        </a:rPr>
+                        <a:t>Standard deviation </a:t>
+                      </a:r>
+                      <a:endParaRPr lang="en-US" sz="1600" b="0" i="0" u="none" strike="noStrike" dirty="0">
+                        <a:solidFill>
+                          <a:srgbClr val="000000"/>
+                        </a:solidFill>
+                        <a:effectLst/>
+                        <a:latin typeface="Calibri" panose="020F0502020204030204" pitchFamily="34" charset="0"/>
+                      </a:endParaRPr>
+                    </a:p>
+                  </a:txBody>
+                  <a:tcPr marL="9525" marR="9525" marT="9525" marB="0" anchor="b"/>
+                </a:tc>
+                <a:tc>
+                  <a:txBody>
+                    <a:bodyPr/>
+                    <a:lstStyle/>
+                    <a:p>
+                      <a:pPr algn="ctr" fontAlgn="b"/>
+                      <a:r>
+                        <a:rPr lang="en-US" sz="1600" b="0" i="0" u="none" strike="noStrike" dirty="0">
+                          <a:solidFill>
+                            <a:srgbClr val="C00000"/>
+                          </a:solidFill>
+                          <a:effectLst/>
+                          <a:latin typeface="Calibri" panose="020F0502020204030204" pitchFamily="34" charset="0"/>
+                        </a:rPr>
+                        <a:t>32.638</a:t>
+                      </a:r>
+                    </a:p>
+                  </a:txBody>
+                  <a:tcPr marL="9525" marR="9525" marT="9525" marB="0" anchor="b"/>
+                </a:tc>
+                <a:tc>
+                  <a:txBody>
+                    <a:bodyPr/>
+                    <a:lstStyle/>
+                    <a:p>
+                      <a:pPr algn="ctr" fontAlgn="b"/>
+                      <a:r>
+                        <a:rPr lang="en-US" sz="1600" b="0" i="0" u="none" strike="noStrike" dirty="0">
+                          <a:solidFill>
+                            <a:srgbClr val="C00000"/>
+                          </a:solidFill>
+                          <a:effectLst/>
+                          <a:latin typeface="Calibri" panose="020F0502020204030204" pitchFamily="34" charset="0"/>
+                        </a:rPr>
+                        <a:t>25.633</a:t>
+                      </a:r>
+                    </a:p>
+                  </a:txBody>
+                  <a:tcPr marL="9525" marR="9525" marT="9525" marB="0" anchor="b"/>
+                </a:tc>
+                <a:tc>
+                  <a:txBody>
+                    <a:bodyPr/>
+                    <a:lstStyle/>
+                    <a:p>
+                      <a:pPr algn="ctr" fontAlgn="b"/>
+                      <a:r>
+                        <a:rPr lang="en-US" sz="1600" b="0" i="0" u="none" strike="noStrike" dirty="0">
+                          <a:solidFill>
+                            <a:srgbClr val="C00000"/>
+                          </a:solidFill>
+                          <a:effectLst/>
+                          <a:latin typeface="Calibri" panose="020F0502020204030204" pitchFamily="34" charset="0"/>
+                        </a:rPr>
+                        <a:t>11.000</a:t>
+                      </a:r>
+                    </a:p>
+                  </a:txBody>
+                  <a:tcPr marL="9525" marR="9525" marT="9525" marB="0" anchor="b"/>
+                </a:tc>
+                <a:tc>
+                  <a:txBody>
+                    <a:bodyPr/>
+                    <a:lstStyle/>
+                    <a:p>
+                      <a:pPr algn="ctr" fontAlgn="b"/>
+                      <a:r>
+                        <a:rPr lang="en-US" sz="1600" b="0" i="0" u="none" strike="noStrike" dirty="0">
+                          <a:solidFill>
+                            <a:srgbClr val="C00000"/>
+                          </a:solidFill>
+                          <a:effectLst/>
+                          <a:latin typeface="Calibri" panose="020F0502020204030204" pitchFamily="34" charset="0"/>
+                        </a:rPr>
+                        <a:t>8.588</a:t>
+                      </a:r>
+                    </a:p>
+                  </a:txBody>
+                  <a:tcPr marL="9525" marR="9525" marT="9525" marB="0" anchor="b"/>
+                </a:tc>
+                <a:tc>
+                  <a:txBody>
+                    <a:bodyPr/>
+                    <a:lstStyle/>
+                    <a:p>
+                      <a:pPr algn="ctr" fontAlgn="b"/>
+                      <a:r>
+                        <a:rPr lang="en-US" sz="1600" b="0" i="0" u="none" strike="noStrike" dirty="0">
+                          <a:solidFill>
+                            <a:srgbClr val="000000"/>
+                          </a:solidFill>
+                          <a:effectLst/>
+                          <a:latin typeface="Calibri" panose="020F0502020204030204" pitchFamily="34" charset="0"/>
+                        </a:rPr>
+                        <a:t>1.539</a:t>
+                      </a:r>
+                    </a:p>
+                  </a:txBody>
+                  <a:tcPr marL="9525" marR="9525" marT="9525" marB="0" anchor="b"/>
+                </a:tc>
+                <a:tc>
+                  <a:txBody>
+                    <a:bodyPr/>
+                    <a:lstStyle/>
+                    <a:p>
+                      <a:pPr algn="ctr" fontAlgn="b"/>
+                      <a:r>
+                        <a:rPr lang="en-US" sz="1600" b="0" i="0" u="none" strike="noStrike" dirty="0">
+                          <a:solidFill>
+                            <a:srgbClr val="000000"/>
+                          </a:solidFill>
+                          <a:effectLst/>
+                          <a:latin typeface="Calibri" panose="020F0502020204030204" pitchFamily="34" charset="0"/>
+                        </a:rPr>
+                        <a:t>0.745</a:t>
+                      </a:r>
+                    </a:p>
+                  </a:txBody>
+                  <a:tcPr marL="9525" marR="9525" marT="9525" marB="0" anchor="b"/>
+                </a:tc>
+                <a:tc>
+                  <a:txBody>
+                    <a:bodyPr/>
+                    <a:lstStyle/>
+                    <a:p>
+                      <a:pPr algn="ctr" fontAlgn="b"/>
+                      <a:r>
+                        <a:rPr lang="en-US" sz="1600" b="0" i="0" u="none" strike="noStrike">
+                          <a:solidFill>
+                            <a:srgbClr val="000000"/>
+                          </a:solidFill>
+                          <a:effectLst/>
+                          <a:latin typeface="Calibri" panose="020F0502020204030204" pitchFamily="34" charset="0"/>
+                        </a:rPr>
+                        <a:t>0.647</a:t>
+                      </a:r>
+                    </a:p>
+                  </a:txBody>
+                  <a:tcPr marL="9525" marR="9525" marT="9525" marB="0" anchor="b"/>
+                </a:tc>
+                <a:tc>
+                  <a:txBody>
+                    <a:bodyPr/>
+                    <a:lstStyle/>
+                    <a:p>
+                      <a:pPr algn="ctr" fontAlgn="b"/>
+                      <a:r>
+                        <a:rPr lang="en-US" sz="1600" b="0" i="0" u="none" strike="noStrike">
+                          <a:solidFill>
+                            <a:srgbClr val="000000"/>
+                          </a:solidFill>
+                          <a:effectLst/>
+                          <a:latin typeface="Calibri" panose="020F0502020204030204" pitchFamily="34" charset="0"/>
+                        </a:rPr>
+                        <a:t>0.186</a:t>
+                      </a:r>
+                    </a:p>
+                  </a:txBody>
+                  <a:tcPr marL="9525" marR="9525" marT="9525" marB="0" anchor="b"/>
+                </a:tc>
+                <a:extLst>
+                  <a:ext uri="{0D108BD9-81ED-4DB2-BD59-A6C34878D82A}">
+                    <a16:rowId xmlns:a16="http://schemas.microsoft.com/office/drawing/2014/main" val="110836604"/>
+                  </a:ext>
+                </a:extLst>
+              </a:tr>
+              <a:tr h="361144">
+                <a:tc>
+                  <a:txBody>
+                    <a:bodyPr/>
+                    <a:lstStyle/>
+                    <a:p>
+                      <a:pPr algn="l" fontAlgn="b"/>
+                      <a:r>
+                        <a:rPr lang="en-US" sz="1600" u="none" strike="noStrike" dirty="0">
+                          <a:effectLst/>
+                        </a:rPr>
+                        <a:t>Proportion of variance</a:t>
+                      </a:r>
+                      <a:endParaRPr lang="en-US" sz="1600" b="0" i="0" u="none" strike="noStrike" dirty="0">
+                        <a:solidFill>
+                          <a:srgbClr val="000000"/>
+                        </a:solidFill>
+                        <a:effectLst/>
+                        <a:latin typeface="Calibri" panose="020F0502020204030204" pitchFamily="34" charset="0"/>
+                      </a:endParaRPr>
+                    </a:p>
+                  </a:txBody>
+                  <a:tcPr marL="9525" marR="9525" marT="9525" marB="0" anchor="b"/>
+                </a:tc>
+                <a:tc>
+                  <a:txBody>
+                    <a:bodyPr/>
+                    <a:lstStyle/>
+                    <a:p>
+                      <a:pPr algn="ctr" fontAlgn="b"/>
+                      <a:r>
+                        <a:rPr lang="en-US" sz="1600" b="0" i="0" u="none" strike="noStrike">
+                          <a:solidFill>
+                            <a:srgbClr val="C00000"/>
+                          </a:solidFill>
+                          <a:effectLst/>
+                          <a:latin typeface="Calibri" panose="020F0502020204030204" pitchFamily="34" charset="0"/>
+                        </a:rPr>
+                        <a:t>0.555</a:t>
+                      </a:r>
+                    </a:p>
+                  </a:txBody>
+                  <a:tcPr marL="9525" marR="9525" marT="9525" marB="0" anchor="b"/>
+                </a:tc>
+                <a:tc>
+                  <a:txBody>
+                    <a:bodyPr/>
+                    <a:lstStyle/>
+                    <a:p>
+                      <a:pPr algn="ctr" fontAlgn="b"/>
+                      <a:r>
+                        <a:rPr lang="en-US" sz="1600" b="0" i="0" u="none" strike="noStrike">
+                          <a:solidFill>
+                            <a:srgbClr val="C00000"/>
+                          </a:solidFill>
+                          <a:effectLst/>
+                          <a:latin typeface="Calibri" panose="020F0502020204030204" pitchFamily="34" charset="0"/>
+                        </a:rPr>
+                        <a:t>0.342</a:t>
+                      </a:r>
+                    </a:p>
+                  </a:txBody>
+                  <a:tcPr marL="9525" marR="9525" marT="9525" marB="0" anchor="b"/>
+                </a:tc>
+                <a:tc>
+                  <a:txBody>
+                    <a:bodyPr/>
+                    <a:lstStyle/>
+                    <a:p>
+                      <a:pPr algn="ctr" fontAlgn="b"/>
+                      <a:r>
+                        <a:rPr lang="en-US" sz="1600" b="0" i="0" u="none" strike="noStrike">
+                          <a:solidFill>
+                            <a:srgbClr val="C00000"/>
+                          </a:solidFill>
+                          <a:effectLst/>
+                          <a:latin typeface="Calibri" panose="020F0502020204030204" pitchFamily="34" charset="0"/>
+                        </a:rPr>
+                        <a:t>0.063</a:t>
+                      </a:r>
+                    </a:p>
+                  </a:txBody>
+                  <a:tcPr marL="9525" marR="9525" marT="9525" marB="0" anchor="b"/>
+                </a:tc>
+                <a:tc>
+                  <a:txBody>
+                    <a:bodyPr/>
+                    <a:lstStyle/>
+                    <a:p>
+                      <a:pPr algn="ctr" fontAlgn="b"/>
+                      <a:r>
+                        <a:rPr lang="en-US" sz="1600" b="0" i="0" u="none" strike="noStrike" dirty="0">
+                          <a:solidFill>
+                            <a:srgbClr val="C00000"/>
+                          </a:solidFill>
+                          <a:effectLst/>
+                          <a:latin typeface="Calibri" panose="020F0502020204030204" pitchFamily="34" charset="0"/>
+                        </a:rPr>
+                        <a:t>0.038</a:t>
+                      </a:r>
+                    </a:p>
+                  </a:txBody>
+                  <a:tcPr marL="9525" marR="9525" marT="9525" marB="0" anchor="b"/>
+                </a:tc>
+                <a:tc>
+                  <a:txBody>
+                    <a:bodyPr/>
+                    <a:lstStyle/>
+                    <a:p>
+                      <a:pPr algn="ctr" fontAlgn="b"/>
+                      <a:r>
+                        <a:rPr lang="en-US" sz="1600" b="0" i="0" u="none" strike="noStrike" dirty="0">
+                          <a:solidFill>
+                            <a:srgbClr val="000000"/>
+                          </a:solidFill>
+                          <a:effectLst/>
+                          <a:latin typeface="Calibri" panose="020F0502020204030204" pitchFamily="34" charset="0"/>
+                        </a:rPr>
+                        <a:t>0.001</a:t>
+                      </a:r>
+                    </a:p>
+                  </a:txBody>
+                  <a:tcPr marL="9525" marR="9525" marT="9525" marB="0" anchor="b"/>
+                </a:tc>
+                <a:tc>
+                  <a:txBody>
+                    <a:bodyPr/>
+                    <a:lstStyle/>
+                    <a:p>
+                      <a:pPr algn="ctr" fontAlgn="b"/>
+                      <a:r>
+                        <a:rPr lang="en-US" sz="1600" b="0" i="0" u="none" strike="noStrike" dirty="0">
+                          <a:solidFill>
+                            <a:srgbClr val="000000"/>
+                          </a:solidFill>
+                          <a:effectLst/>
+                          <a:latin typeface="Calibri" panose="020F0502020204030204" pitchFamily="34" charset="0"/>
+                        </a:rPr>
+                        <a:t>0.000</a:t>
+                      </a:r>
+                    </a:p>
+                  </a:txBody>
+                  <a:tcPr marL="9525" marR="9525" marT="9525" marB="0" anchor="b"/>
+                </a:tc>
+                <a:tc>
+                  <a:txBody>
+                    <a:bodyPr/>
+                    <a:lstStyle/>
+                    <a:p>
+                      <a:pPr algn="ctr" fontAlgn="b"/>
+                      <a:r>
+                        <a:rPr lang="en-US" sz="1600" b="0" i="0" u="none" strike="noStrike" dirty="0">
+                          <a:solidFill>
+                            <a:srgbClr val="000000"/>
+                          </a:solidFill>
+                          <a:effectLst/>
+                          <a:latin typeface="Calibri" panose="020F0502020204030204" pitchFamily="34" charset="0"/>
+                        </a:rPr>
+                        <a:t>0.000</a:t>
+                      </a:r>
+                    </a:p>
+                  </a:txBody>
+                  <a:tcPr marL="9525" marR="9525" marT="9525" marB="0" anchor="b"/>
+                </a:tc>
+                <a:tc>
+                  <a:txBody>
+                    <a:bodyPr/>
+                    <a:lstStyle/>
+                    <a:p>
+                      <a:pPr algn="ctr" fontAlgn="b"/>
+                      <a:r>
+                        <a:rPr lang="en-US" sz="1600" b="0" i="0" u="none" strike="noStrike" dirty="0">
+                          <a:solidFill>
+                            <a:srgbClr val="000000"/>
+                          </a:solidFill>
+                          <a:effectLst/>
+                          <a:latin typeface="Calibri" panose="020F0502020204030204" pitchFamily="34" charset="0"/>
+                        </a:rPr>
+                        <a:t>0.000</a:t>
+                      </a:r>
+                    </a:p>
+                  </a:txBody>
+                  <a:tcPr marL="9525" marR="9525" marT="9525" marB="0" anchor="b"/>
+                </a:tc>
+                <a:extLst>
+                  <a:ext uri="{0D108BD9-81ED-4DB2-BD59-A6C34878D82A}">
+                    <a16:rowId xmlns:a16="http://schemas.microsoft.com/office/drawing/2014/main" val="3084985693"/>
+                  </a:ext>
+                </a:extLst>
+              </a:tr>
+              <a:tr h="361144">
+                <a:tc>
+                  <a:txBody>
+                    <a:bodyPr/>
+                    <a:lstStyle/>
+                    <a:p>
+                      <a:pPr algn="l" fontAlgn="b"/>
+                      <a:r>
+                        <a:rPr lang="en-US" sz="1600" u="none" strike="noStrike" dirty="0">
+                          <a:effectLst/>
+                        </a:rPr>
+                        <a:t>Cumulative Proportion </a:t>
+                      </a:r>
+                      <a:endParaRPr lang="en-US" sz="1600" b="0" i="0" u="none" strike="noStrike" dirty="0">
+                        <a:solidFill>
+                          <a:srgbClr val="000000"/>
+                        </a:solidFill>
+                        <a:effectLst/>
+                        <a:latin typeface="Calibri" panose="020F0502020204030204" pitchFamily="34" charset="0"/>
+                      </a:endParaRPr>
+                    </a:p>
+                  </a:txBody>
+                  <a:tcPr marL="9525" marR="9525" marT="9525" marB="0" anchor="b"/>
+                </a:tc>
+                <a:tc>
+                  <a:txBody>
+                    <a:bodyPr/>
+                    <a:lstStyle/>
+                    <a:p>
+                      <a:pPr algn="ctr" fontAlgn="b"/>
+                      <a:r>
+                        <a:rPr lang="en-US" sz="1600" b="0" i="0" u="none" strike="noStrike">
+                          <a:solidFill>
+                            <a:srgbClr val="C00000"/>
+                          </a:solidFill>
+                          <a:effectLst/>
+                          <a:latin typeface="Calibri" panose="020F0502020204030204" pitchFamily="34" charset="0"/>
+                        </a:rPr>
+                        <a:t>0.555</a:t>
+                      </a:r>
+                    </a:p>
+                  </a:txBody>
+                  <a:tcPr marL="9525" marR="9525" marT="9525" marB="0" anchor="b"/>
+                </a:tc>
+                <a:tc>
+                  <a:txBody>
+                    <a:bodyPr/>
+                    <a:lstStyle/>
+                    <a:p>
+                      <a:pPr algn="ctr" fontAlgn="b"/>
+                      <a:r>
+                        <a:rPr lang="en-US" sz="1600" b="0" i="0" u="none" strike="noStrike">
+                          <a:solidFill>
+                            <a:srgbClr val="C00000"/>
+                          </a:solidFill>
+                          <a:effectLst/>
+                          <a:latin typeface="Calibri" panose="020F0502020204030204" pitchFamily="34" charset="0"/>
+                        </a:rPr>
+                        <a:t>0.897</a:t>
+                      </a:r>
+                    </a:p>
+                  </a:txBody>
+                  <a:tcPr marL="9525" marR="9525" marT="9525" marB="0" anchor="b"/>
+                </a:tc>
+                <a:tc>
+                  <a:txBody>
+                    <a:bodyPr/>
+                    <a:lstStyle/>
+                    <a:p>
+                      <a:pPr algn="ctr" fontAlgn="b"/>
+                      <a:r>
+                        <a:rPr lang="en-US" sz="1600" b="0" i="0" u="none" strike="noStrike">
+                          <a:solidFill>
+                            <a:srgbClr val="C00000"/>
+                          </a:solidFill>
+                          <a:effectLst/>
+                          <a:latin typeface="Calibri" panose="020F0502020204030204" pitchFamily="34" charset="0"/>
+                        </a:rPr>
+                        <a:t>0.960</a:t>
+                      </a:r>
+                    </a:p>
+                  </a:txBody>
+                  <a:tcPr marL="9525" marR="9525" marT="9525" marB="0" anchor="b"/>
+                </a:tc>
+                <a:tc>
+                  <a:txBody>
+                    <a:bodyPr/>
+                    <a:lstStyle/>
+                    <a:p>
+                      <a:pPr algn="ctr" fontAlgn="b"/>
+                      <a:r>
+                        <a:rPr lang="en-US" sz="1600" b="0" i="0" u="none" strike="noStrike" dirty="0">
+                          <a:solidFill>
+                            <a:srgbClr val="C00000"/>
+                          </a:solidFill>
+                          <a:effectLst/>
+                          <a:latin typeface="Calibri" panose="020F0502020204030204" pitchFamily="34" charset="0"/>
+                        </a:rPr>
+                        <a:t>0.998</a:t>
+                      </a:r>
+                    </a:p>
+                  </a:txBody>
+                  <a:tcPr marL="9525" marR="9525" marT="9525" marB="0" anchor="b"/>
+                </a:tc>
+                <a:tc>
+                  <a:txBody>
+                    <a:bodyPr/>
+                    <a:lstStyle/>
+                    <a:p>
+                      <a:pPr algn="ctr" fontAlgn="b"/>
+                      <a:r>
+                        <a:rPr lang="en-US" sz="1600" b="0" i="0" u="none" strike="noStrike">
+                          <a:solidFill>
+                            <a:srgbClr val="000000"/>
+                          </a:solidFill>
+                          <a:effectLst/>
+                          <a:latin typeface="Calibri" panose="020F0502020204030204" pitchFamily="34" charset="0"/>
+                        </a:rPr>
+                        <a:t>0.999</a:t>
+                      </a:r>
+                    </a:p>
+                  </a:txBody>
+                  <a:tcPr marL="9525" marR="9525" marT="9525" marB="0" anchor="b"/>
+                </a:tc>
+                <a:tc>
+                  <a:txBody>
+                    <a:bodyPr/>
+                    <a:lstStyle/>
+                    <a:p>
+                      <a:pPr algn="ctr" fontAlgn="b"/>
+                      <a:r>
+                        <a:rPr lang="en-US" sz="1600" b="0" i="0" u="none" strike="noStrike">
+                          <a:solidFill>
+                            <a:srgbClr val="000000"/>
+                          </a:solidFill>
+                          <a:effectLst/>
+                          <a:latin typeface="Calibri" panose="020F0502020204030204" pitchFamily="34" charset="0"/>
+                        </a:rPr>
+                        <a:t>1.000</a:t>
+                      </a:r>
+                    </a:p>
+                  </a:txBody>
+                  <a:tcPr marL="9525" marR="9525" marT="9525" marB="0" anchor="b"/>
+                </a:tc>
+                <a:tc>
+                  <a:txBody>
+                    <a:bodyPr/>
+                    <a:lstStyle/>
+                    <a:p>
+                      <a:pPr algn="ctr" fontAlgn="b"/>
+                      <a:r>
+                        <a:rPr lang="en-US" sz="1600" b="0" i="0" u="none" strike="noStrike">
+                          <a:solidFill>
+                            <a:srgbClr val="000000"/>
+                          </a:solidFill>
+                          <a:effectLst/>
+                          <a:latin typeface="Calibri" panose="020F0502020204030204" pitchFamily="34" charset="0"/>
+                        </a:rPr>
+                        <a:t>1.000</a:t>
+                      </a:r>
+                    </a:p>
+                  </a:txBody>
+                  <a:tcPr marL="9525" marR="9525" marT="9525" marB="0" anchor="b"/>
+                </a:tc>
+                <a:tc>
+                  <a:txBody>
+                    <a:bodyPr/>
+                    <a:lstStyle/>
+                    <a:p>
+                      <a:pPr algn="ctr" fontAlgn="b"/>
+                      <a:r>
+                        <a:rPr lang="en-US" sz="1600" b="0" i="0" u="none" strike="noStrike" dirty="0">
+                          <a:solidFill>
+                            <a:srgbClr val="000000"/>
+                          </a:solidFill>
+                          <a:effectLst/>
+                          <a:latin typeface="Calibri" panose="020F0502020204030204" pitchFamily="34" charset="0"/>
+                        </a:rPr>
+                        <a:t>1.000</a:t>
+                      </a:r>
+                    </a:p>
+                  </a:txBody>
+                  <a:tcPr marL="9525" marR="9525" marT="9525" marB="0" anchor="b"/>
+                </a:tc>
+                <a:extLst>
+                  <a:ext uri="{0D108BD9-81ED-4DB2-BD59-A6C34878D82A}">
+                    <a16:rowId xmlns:a16="http://schemas.microsoft.com/office/drawing/2014/main" val="1619339133"/>
+                  </a:ext>
+                </a:extLst>
+              </a:tr>
+            </a:tbl>
+          </a:graphicData>
+        </a:graphic>
+      </p:graphicFrame>
+      <p:graphicFrame>
+        <p:nvGraphicFramePr>
+          <p:cNvPr id="6" name="Table 5"/>
+          <p:cNvGraphicFramePr>
+            <a:graphicFrameLocks noGrp="1"/>
+          </p:cNvGraphicFramePr>
+          <p:nvPr>
+            <p:extLst>
+              <p:ext uri="{D42A27DB-BD31-4B8C-83A1-F6EECF244321}">
+                <p14:modId xmlns:p14="http://schemas.microsoft.com/office/powerpoint/2010/main" val="2658873482"/>
+              </p:ext>
+            </p:extLst>
+          </p:nvPr>
+        </p:nvGraphicFramePr>
+        <p:xfrm>
+          <a:off x="4421686" y="3523234"/>
+          <a:ext cx="5636711" cy="2627388"/>
+        </p:xfrm>
+        <a:graphic>
+          <a:graphicData uri="http://schemas.openxmlformats.org/drawingml/2006/table">
+            <a:tbl>
+              <a:tblPr firstRow="1" bandRow="1">
+                <a:tableStyleId>{5C22544A-7EE6-4342-B048-85BDC9FD1C3A}</a:tableStyleId>
+              </a:tblPr>
+              <a:tblGrid>
+                <a:gridCol w="1532443">
+                  <a:extLst>
+                    <a:ext uri="{9D8B030D-6E8A-4147-A177-3AD203B41FA5}">
+                      <a16:colId xmlns:a16="http://schemas.microsoft.com/office/drawing/2014/main" val="2442033081"/>
+                    </a:ext>
+                  </a:extLst>
+                </a:gridCol>
+                <a:gridCol w="1026067">
+                  <a:extLst>
+                    <a:ext uri="{9D8B030D-6E8A-4147-A177-3AD203B41FA5}">
+                      <a16:colId xmlns:a16="http://schemas.microsoft.com/office/drawing/2014/main" val="3069743031"/>
+                    </a:ext>
+                  </a:extLst>
+                </a:gridCol>
+                <a:gridCol w="1026067">
+                  <a:extLst>
+                    <a:ext uri="{9D8B030D-6E8A-4147-A177-3AD203B41FA5}">
+                      <a16:colId xmlns:a16="http://schemas.microsoft.com/office/drawing/2014/main" val="2995174482"/>
+                    </a:ext>
+                  </a:extLst>
+                </a:gridCol>
+                <a:gridCol w="1026067">
+                  <a:extLst>
+                    <a:ext uri="{9D8B030D-6E8A-4147-A177-3AD203B41FA5}">
+                      <a16:colId xmlns:a16="http://schemas.microsoft.com/office/drawing/2014/main" val="1533397794"/>
+                    </a:ext>
+                  </a:extLst>
+                </a:gridCol>
+                <a:gridCol w="1026067">
+                  <a:extLst>
+                    <a:ext uri="{9D8B030D-6E8A-4147-A177-3AD203B41FA5}">
+                      <a16:colId xmlns:a16="http://schemas.microsoft.com/office/drawing/2014/main" val="1031757759"/>
+                    </a:ext>
+                  </a:extLst>
+                </a:gridCol>
+              </a:tblGrid>
+              <a:tr h="291932">
+                <a:tc>
+                  <a:txBody>
+                    <a:bodyPr/>
+                    <a:lstStyle/>
+                    <a:p>
+                      <a:pPr algn="ctr" fontAlgn="b"/>
+                      <a:endParaRPr lang="en-US" sz="1500" b="0" i="0" u="none" strike="noStrike" dirty="0">
+                        <a:solidFill>
+                          <a:srgbClr val="000000"/>
+                        </a:solidFill>
+                        <a:effectLst/>
+                        <a:latin typeface="Calibri" panose="020F0502020204030204" pitchFamily="34" charset="0"/>
+                      </a:endParaRPr>
+                    </a:p>
+                  </a:txBody>
+                  <a:tcPr marL="9525" marR="9525" marT="9525" marB="0" anchor="b"/>
+                </a:tc>
+                <a:tc>
+                  <a:txBody>
+                    <a:bodyPr/>
+                    <a:lstStyle/>
+                    <a:p>
+                      <a:pPr algn="ctr" fontAlgn="b"/>
+                      <a:r>
+                        <a:rPr lang="en-US" sz="1500" u="none" strike="noStrike" dirty="0">
+                          <a:effectLst/>
+                        </a:rPr>
+                        <a:t>PC1</a:t>
+                      </a:r>
+                      <a:endParaRPr lang="en-US" sz="1500" b="0" i="0" u="none" strike="noStrike" dirty="0">
+                        <a:solidFill>
+                          <a:srgbClr val="000000"/>
+                        </a:solidFill>
+                        <a:effectLst/>
+                        <a:latin typeface="Calibri" panose="020F0502020204030204" pitchFamily="34" charset="0"/>
+                      </a:endParaRPr>
+                    </a:p>
+                  </a:txBody>
+                  <a:tcPr marL="9525" marR="9525" marT="9525" marB="0" anchor="b"/>
+                </a:tc>
+                <a:tc>
+                  <a:txBody>
+                    <a:bodyPr/>
+                    <a:lstStyle/>
+                    <a:p>
+                      <a:pPr algn="ctr" fontAlgn="b"/>
+                      <a:r>
+                        <a:rPr lang="en-US" sz="1500" u="none" strike="noStrike">
+                          <a:effectLst/>
+                        </a:rPr>
+                        <a:t>PC2</a:t>
+                      </a:r>
+                      <a:endParaRPr lang="en-US" sz="1500" b="0" i="0" u="none" strike="noStrike">
+                        <a:solidFill>
+                          <a:srgbClr val="000000"/>
+                        </a:solidFill>
+                        <a:effectLst/>
+                        <a:latin typeface="Calibri" panose="020F0502020204030204" pitchFamily="34" charset="0"/>
+                      </a:endParaRPr>
+                    </a:p>
+                  </a:txBody>
+                  <a:tcPr marL="9525" marR="9525" marT="9525" marB="0" anchor="b"/>
+                </a:tc>
+                <a:tc>
+                  <a:txBody>
+                    <a:bodyPr/>
+                    <a:lstStyle/>
+                    <a:p>
+                      <a:pPr algn="ctr" fontAlgn="b"/>
+                      <a:r>
+                        <a:rPr lang="en-US" sz="1500" u="none" strike="noStrike">
+                          <a:effectLst/>
+                        </a:rPr>
+                        <a:t>PC3</a:t>
+                      </a:r>
+                      <a:endParaRPr lang="en-US" sz="1500" b="0" i="0" u="none" strike="noStrike">
+                        <a:solidFill>
+                          <a:srgbClr val="000000"/>
+                        </a:solidFill>
+                        <a:effectLst/>
+                        <a:latin typeface="Calibri" panose="020F0502020204030204" pitchFamily="34" charset="0"/>
+                      </a:endParaRPr>
+                    </a:p>
+                  </a:txBody>
+                  <a:tcPr marL="9525" marR="9525" marT="9525" marB="0" anchor="b"/>
+                </a:tc>
+                <a:tc>
+                  <a:txBody>
+                    <a:bodyPr/>
+                    <a:lstStyle/>
+                    <a:p>
+                      <a:pPr algn="ctr" fontAlgn="b"/>
+                      <a:r>
+                        <a:rPr lang="en-US" sz="1500" u="none" strike="noStrike">
+                          <a:effectLst/>
+                        </a:rPr>
+                        <a:t>PC4</a:t>
+                      </a:r>
+                      <a:endParaRPr lang="en-US" sz="1500" b="0" i="0" u="none" strike="noStrike">
+                        <a:solidFill>
+                          <a:srgbClr val="000000"/>
+                        </a:solidFill>
+                        <a:effectLst/>
+                        <a:latin typeface="Calibri" panose="020F0502020204030204" pitchFamily="34" charset="0"/>
+                      </a:endParaRPr>
+                    </a:p>
+                  </a:txBody>
+                  <a:tcPr marL="9525" marR="9525" marT="9525" marB="0" anchor="b"/>
+                </a:tc>
+                <a:extLst>
+                  <a:ext uri="{0D108BD9-81ED-4DB2-BD59-A6C34878D82A}">
+                    <a16:rowId xmlns:a16="http://schemas.microsoft.com/office/drawing/2014/main" val="3395906464"/>
+                  </a:ext>
+                </a:extLst>
+              </a:tr>
+              <a:tr h="291932">
+                <a:tc>
+                  <a:txBody>
+                    <a:bodyPr/>
+                    <a:lstStyle/>
+                    <a:p>
+                      <a:pPr algn="l" fontAlgn="b"/>
+                      <a:r>
+                        <a:rPr lang="en-US" sz="1500" u="none" strike="noStrike" dirty="0">
+                          <a:effectLst/>
+                        </a:rPr>
+                        <a:t>Sand</a:t>
+                      </a:r>
+                      <a:endParaRPr lang="en-US" sz="1500" b="0" i="0" u="none" strike="noStrike" dirty="0">
+                        <a:solidFill>
+                          <a:srgbClr val="000000"/>
+                        </a:solidFill>
+                        <a:effectLst/>
+                        <a:latin typeface="Calibri" panose="020F0502020204030204" pitchFamily="34" charset="0"/>
+                      </a:endParaRPr>
+                    </a:p>
+                  </a:txBody>
+                  <a:tcPr marL="9525" marR="9525" marT="9525" marB="0" anchor="b"/>
+                </a:tc>
+                <a:tc>
+                  <a:txBody>
+                    <a:bodyPr/>
+                    <a:lstStyle/>
+                    <a:p>
+                      <a:pPr algn="ctr" fontAlgn="b"/>
+                      <a:r>
+                        <a:rPr lang="en-US" sz="1500" u="none" strike="noStrike">
+                          <a:effectLst/>
+                        </a:rPr>
+                        <a:t>-0.352</a:t>
+                      </a:r>
+                      <a:endParaRPr lang="en-US" sz="1500" b="0" i="0" u="none" strike="noStrike">
+                        <a:solidFill>
+                          <a:srgbClr val="000000"/>
+                        </a:solidFill>
+                        <a:effectLst/>
+                        <a:latin typeface="Calibri" panose="020F0502020204030204" pitchFamily="34" charset="0"/>
+                      </a:endParaRPr>
+                    </a:p>
+                  </a:txBody>
+                  <a:tcPr marL="9525" marR="9525" marT="9525" marB="0" anchor="b"/>
+                </a:tc>
+                <a:tc>
+                  <a:txBody>
+                    <a:bodyPr/>
+                    <a:lstStyle/>
+                    <a:p>
+                      <a:pPr algn="ctr" fontAlgn="b"/>
+                      <a:r>
+                        <a:rPr lang="en-US" sz="1500" u="none" strike="noStrike">
+                          <a:effectLst/>
+                        </a:rPr>
+                        <a:t>-0.777</a:t>
+                      </a:r>
+                      <a:endParaRPr lang="en-US" sz="1500" b="0" i="0" u="none" strike="noStrike">
+                        <a:solidFill>
+                          <a:srgbClr val="000000"/>
+                        </a:solidFill>
+                        <a:effectLst/>
+                        <a:latin typeface="Calibri" panose="020F0502020204030204" pitchFamily="34" charset="0"/>
+                      </a:endParaRPr>
+                    </a:p>
+                  </a:txBody>
+                  <a:tcPr marL="9525" marR="9525" marT="9525" marB="0" anchor="b"/>
+                </a:tc>
+                <a:tc>
+                  <a:txBody>
+                    <a:bodyPr/>
+                    <a:lstStyle/>
+                    <a:p>
+                      <a:pPr algn="ctr" fontAlgn="b"/>
+                      <a:r>
+                        <a:rPr lang="en-US" sz="1500" u="none" strike="noStrike">
+                          <a:effectLst/>
+                        </a:rPr>
+                        <a:t>-0.515</a:t>
+                      </a:r>
+                      <a:endParaRPr lang="en-US" sz="1500" b="0" i="0" u="none" strike="noStrike">
+                        <a:solidFill>
+                          <a:srgbClr val="000000"/>
+                        </a:solidFill>
+                        <a:effectLst/>
+                        <a:latin typeface="Calibri" panose="020F0502020204030204" pitchFamily="34" charset="0"/>
+                      </a:endParaRPr>
+                    </a:p>
+                  </a:txBody>
+                  <a:tcPr marL="9525" marR="9525" marT="9525" marB="0" anchor="b"/>
+                </a:tc>
+                <a:tc>
+                  <a:txBody>
+                    <a:bodyPr/>
+                    <a:lstStyle/>
+                    <a:p>
+                      <a:pPr algn="ctr" fontAlgn="b"/>
+                      <a:r>
+                        <a:rPr lang="en-US" sz="1500" u="none" strike="noStrike">
+                          <a:effectLst/>
+                        </a:rPr>
+                        <a:t>0.082</a:t>
+                      </a:r>
+                      <a:endParaRPr lang="en-US" sz="1500" b="0" i="0" u="none" strike="noStrike">
+                        <a:solidFill>
+                          <a:srgbClr val="000000"/>
+                        </a:solidFill>
+                        <a:effectLst/>
+                        <a:latin typeface="Calibri" panose="020F0502020204030204" pitchFamily="34" charset="0"/>
+                      </a:endParaRPr>
+                    </a:p>
+                  </a:txBody>
+                  <a:tcPr marL="9525" marR="9525" marT="9525" marB="0" anchor="b"/>
+                </a:tc>
+                <a:extLst>
+                  <a:ext uri="{0D108BD9-81ED-4DB2-BD59-A6C34878D82A}">
+                    <a16:rowId xmlns:a16="http://schemas.microsoft.com/office/drawing/2014/main" val="1128511410"/>
+                  </a:ext>
+                </a:extLst>
+              </a:tr>
+              <a:tr h="291932">
+                <a:tc>
+                  <a:txBody>
+                    <a:bodyPr/>
+                    <a:lstStyle/>
+                    <a:p>
+                      <a:pPr algn="l" fontAlgn="b"/>
+                      <a:r>
+                        <a:rPr lang="en-US" sz="1500" u="none" strike="noStrike" dirty="0">
+                          <a:effectLst/>
+                        </a:rPr>
+                        <a:t>Clay</a:t>
+                      </a:r>
+                      <a:endParaRPr lang="en-US" sz="1500" b="0" i="0" u="none" strike="noStrike" dirty="0">
+                        <a:solidFill>
+                          <a:srgbClr val="000000"/>
+                        </a:solidFill>
+                        <a:effectLst/>
+                        <a:latin typeface="Calibri" panose="020F0502020204030204" pitchFamily="34" charset="0"/>
+                      </a:endParaRPr>
+                    </a:p>
+                  </a:txBody>
+                  <a:tcPr marL="9525" marR="9525" marT="9525" marB="0" anchor="b"/>
+                </a:tc>
+                <a:tc>
+                  <a:txBody>
+                    <a:bodyPr/>
+                    <a:lstStyle/>
+                    <a:p>
+                      <a:pPr algn="ctr" fontAlgn="b"/>
+                      <a:r>
+                        <a:rPr lang="en-US" sz="1500" u="none" strike="noStrike">
+                          <a:effectLst/>
+                        </a:rPr>
+                        <a:t>0.242</a:t>
+                      </a:r>
+                      <a:endParaRPr lang="en-US" sz="1500" b="0" i="0" u="none" strike="noStrike">
+                        <a:solidFill>
+                          <a:srgbClr val="000000"/>
+                        </a:solidFill>
+                        <a:effectLst/>
+                        <a:latin typeface="Calibri" panose="020F0502020204030204" pitchFamily="34" charset="0"/>
+                      </a:endParaRPr>
+                    </a:p>
+                  </a:txBody>
+                  <a:tcPr marL="9525" marR="9525" marT="9525" marB="0" anchor="b"/>
+                </a:tc>
+                <a:tc>
+                  <a:txBody>
+                    <a:bodyPr/>
+                    <a:lstStyle/>
+                    <a:p>
+                      <a:pPr algn="ctr" fontAlgn="b"/>
+                      <a:r>
+                        <a:rPr lang="en-US" sz="1500" u="none" strike="noStrike">
+                          <a:effectLst/>
+                        </a:rPr>
+                        <a:t>0.398</a:t>
+                      </a:r>
+                      <a:endParaRPr lang="en-US" sz="1500" b="0" i="0" u="none" strike="noStrike">
+                        <a:solidFill>
+                          <a:srgbClr val="000000"/>
+                        </a:solidFill>
+                        <a:effectLst/>
+                        <a:latin typeface="Calibri" panose="020F0502020204030204" pitchFamily="34" charset="0"/>
+                      </a:endParaRPr>
+                    </a:p>
+                  </a:txBody>
+                  <a:tcPr marL="9525" marR="9525" marT="9525" marB="0" anchor="b"/>
+                </a:tc>
+                <a:tc>
+                  <a:txBody>
+                    <a:bodyPr/>
+                    <a:lstStyle/>
+                    <a:p>
+                      <a:pPr algn="ctr" fontAlgn="b"/>
+                      <a:r>
+                        <a:rPr lang="en-US" sz="1500" u="none" strike="noStrike">
+                          <a:effectLst/>
+                        </a:rPr>
+                        <a:t>-0.676</a:t>
+                      </a:r>
+                      <a:endParaRPr lang="en-US" sz="1500" b="0" i="0" u="none" strike="noStrike">
+                        <a:solidFill>
+                          <a:srgbClr val="000000"/>
+                        </a:solidFill>
+                        <a:effectLst/>
+                        <a:latin typeface="Calibri" panose="020F0502020204030204" pitchFamily="34" charset="0"/>
+                      </a:endParaRPr>
+                    </a:p>
+                  </a:txBody>
+                  <a:tcPr marL="9525" marR="9525" marT="9525" marB="0" anchor="b"/>
+                </a:tc>
+                <a:tc>
+                  <a:txBody>
+                    <a:bodyPr/>
+                    <a:lstStyle/>
+                    <a:p>
+                      <a:pPr algn="ctr" fontAlgn="b"/>
+                      <a:r>
+                        <a:rPr lang="en-US" sz="1500" u="none" strike="noStrike">
+                          <a:effectLst/>
+                        </a:rPr>
+                        <a:t>0.567</a:t>
+                      </a:r>
+                      <a:endParaRPr lang="en-US" sz="1500" b="0" i="0" u="none" strike="noStrike">
+                        <a:solidFill>
+                          <a:srgbClr val="000000"/>
+                        </a:solidFill>
+                        <a:effectLst/>
+                        <a:latin typeface="Calibri" panose="020F0502020204030204" pitchFamily="34" charset="0"/>
+                      </a:endParaRPr>
+                    </a:p>
+                  </a:txBody>
+                  <a:tcPr marL="9525" marR="9525" marT="9525" marB="0" anchor="b"/>
+                </a:tc>
+                <a:extLst>
+                  <a:ext uri="{0D108BD9-81ED-4DB2-BD59-A6C34878D82A}">
+                    <a16:rowId xmlns:a16="http://schemas.microsoft.com/office/drawing/2014/main" val="3819250338"/>
+                  </a:ext>
+                </a:extLst>
+              </a:tr>
+              <a:tr h="291932">
+                <a:tc>
+                  <a:txBody>
+                    <a:bodyPr/>
+                    <a:lstStyle/>
+                    <a:p>
+                      <a:pPr algn="l" fontAlgn="b"/>
+                      <a:r>
+                        <a:rPr lang="en-US" sz="1500" u="none" strike="noStrike" dirty="0" err="1">
+                          <a:effectLst/>
+                        </a:rPr>
+                        <a:t>Organic.Carbon</a:t>
+                      </a:r>
+                      <a:endParaRPr lang="en-US" sz="1500" b="0" i="0" u="none" strike="noStrike" dirty="0">
+                        <a:solidFill>
+                          <a:srgbClr val="000000"/>
+                        </a:solidFill>
+                        <a:effectLst/>
+                        <a:latin typeface="Calibri" panose="020F0502020204030204" pitchFamily="34" charset="0"/>
+                      </a:endParaRPr>
+                    </a:p>
+                  </a:txBody>
+                  <a:tcPr marL="9525" marR="9525" marT="9525" marB="0" anchor="b"/>
+                </a:tc>
+                <a:tc>
+                  <a:txBody>
+                    <a:bodyPr/>
+                    <a:lstStyle/>
+                    <a:p>
+                      <a:pPr algn="ctr" fontAlgn="b"/>
+                      <a:r>
+                        <a:rPr lang="en-US" sz="1500" u="none" strike="noStrike">
+                          <a:effectLst/>
+                        </a:rPr>
+                        <a:t>-0.005</a:t>
+                      </a:r>
+                      <a:endParaRPr lang="en-US" sz="1500" b="0" i="0" u="none" strike="noStrike">
+                        <a:solidFill>
+                          <a:srgbClr val="000000"/>
+                        </a:solidFill>
+                        <a:effectLst/>
+                        <a:latin typeface="Calibri" panose="020F0502020204030204" pitchFamily="34" charset="0"/>
+                      </a:endParaRPr>
+                    </a:p>
+                  </a:txBody>
+                  <a:tcPr marL="9525" marR="9525" marT="9525" marB="0" anchor="b"/>
+                </a:tc>
+                <a:tc>
+                  <a:txBody>
+                    <a:bodyPr/>
+                    <a:lstStyle/>
+                    <a:p>
+                      <a:pPr algn="ctr" fontAlgn="b"/>
+                      <a:r>
+                        <a:rPr lang="en-US" sz="1500" u="none" strike="noStrike">
+                          <a:effectLst/>
+                        </a:rPr>
+                        <a:t>0.005</a:t>
+                      </a:r>
+                      <a:endParaRPr lang="en-US" sz="1500" b="0" i="0" u="none" strike="noStrike">
+                        <a:solidFill>
+                          <a:srgbClr val="000000"/>
+                        </a:solidFill>
+                        <a:effectLst/>
+                        <a:latin typeface="Calibri" panose="020F0502020204030204" pitchFamily="34" charset="0"/>
+                      </a:endParaRPr>
+                    </a:p>
+                  </a:txBody>
+                  <a:tcPr marL="9525" marR="9525" marT="9525" marB="0" anchor="b"/>
+                </a:tc>
+                <a:tc>
+                  <a:txBody>
+                    <a:bodyPr/>
+                    <a:lstStyle/>
+                    <a:p>
+                      <a:pPr algn="ctr" fontAlgn="b"/>
+                      <a:r>
+                        <a:rPr lang="en-US" sz="1500" u="none" strike="noStrike">
+                          <a:effectLst/>
+                        </a:rPr>
+                        <a:t>-0.017</a:t>
+                      </a:r>
+                      <a:endParaRPr lang="en-US" sz="1500" b="0" i="0" u="none" strike="noStrike">
+                        <a:solidFill>
+                          <a:srgbClr val="000000"/>
+                        </a:solidFill>
+                        <a:effectLst/>
+                        <a:latin typeface="Calibri" panose="020F0502020204030204" pitchFamily="34" charset="0"/>
+                      </a:endParaRPr>
+                    </a:p>
+                  </a:txBody>
+                  <a:tcPr marL="9525" marR="9525" marT="9525" marB="0" anchor="b"/>
+                </a:tc>
+                <a:tc>
+                  <a:txBody>
+                    <a:bodyPr/>
+                    <a:lstStyle/>
+                    <a:p>
+                      <a:pPr algn="ctr" fontAlgn="b"/>
+                      <a:r>
+                        <a:rPr lang="en-US" sz="1500" u="none" strike="noStrike">
+                          <a:effectLst/>
+                        </a:rPr>
+                        <a:t>-0.058</a:t>
+                      </a:r>
+                      <a:endParaRPr lang="en-US" sz="1500" b="0" i="0" u="none" strike="noStrike">
+                        <a:solidFill>
+                          <a:srgbClr val="000000"/>
+                        </a:solidFill>
+                        <a:effectLst/>
+                        <a:latin typeface="Calibri" panose="020F0502020204030204" pitchFamily="34" charset="0"/>
+                      </a:endParaRPr>
+                    </a:p>
+                  </a:txBody>
+                  <a:tcPr marL="9525" marR="9525" marT="9525" marB="0" anchor="b"/>
+                </a:tc>
+                <a:extLst>
+                  <a:ext uri="{0D108BD9-81ED-4DB2-BD59-A6C34878D82A}">
+                    <a16:rowId xmlns:a16="http://schemas.microsoft.com/office/drawing/2014/main" val="3808226940"/>
+                  </a:ext>
+                </a:extLst>
+              </a:tr>
+              <a:tr h="291932">
+                <a:tc>
+                  <a:txBody>
+                    <a:bodyPr/>
+                    <a:lstStyle/>
+                    <a:p>
+                      <a:pPr algn="l" fontAlgn="b"/>
+                      <a:r>
+                        <a:rPr lang="en-US" sz="1500" u="none" strike="noStrike" dirty="0" err="1">
+                          <a:effectLst/>
+                        </a:rPr>
+                        <a:t>Bulk.Density</a:t>
+                      </a:r>
+                      <a:endParaRPr lang="en-US" sz="1500" b="0" i="0" u="none" strike="noStrike" dirty="0">
+                        <a:solidFill>
+                          <a:srgbClr val="000000"/>
+                        </a:solidFill>
+                        <a:effectLst/>
+                        <a:latin typeface="Calibri" panose="020F0502020204030204" pitchFamily="34" charset="0"/>
+                      </a:endParaRPr>
+                    </a:p>
+                  </a:txBody>
+                  <a:tcPr marL="9525" marR="9525" marT="9525" marB="0" anchor="b"/>
+                </a:tc>
+                <a:tc>
+                  <a:txBody>
+                    <a:bodyPr/>
+                    <a:lstStyle/>
+                    <a:p>
+                      <a:pPr algn="ctr" fontAlgn="b"/>
+                      <a:r>
+                        <a:rPr lang="en-US" sz="1500" u="none" strike="noStrike">
+                          <a:effectLst/>
+                        </a:rPr>
+                        <a:t>0.002</a:t>
+                      </a:r>
+                      <a:endParaRPr lang="en-US" sz="1500" b="0" i="0" u="none" strike="noStrike">
+                        <a:solidFill>
+                          <a:srgbClr val="000000"/>
+                        </a:solidFill>
+                        <a:effectLst/>
+                        <a:latin typeface="Calibri" panose="020F0502020204030204" pitchFamily="34" charset="0"/>
+                      </a:endParaRPr>
+                    </a:p>
+                  </a:txBody>
+                  <a:tcPr marL="9525" marR="9525" marT="9525" marB="0" anchor="b"/>
+                </a:tc>
+                <a:tc>
+                  <a:txBody>
+                    <a:bodyPr/>
+                    <a:lstStyle/>
+                    <a:p>
+                      <a:pPr algn="ctr" fontAlgn="b"/>
+                      <a:r>
+                        <a:rPr lang="en-US" sz="1500" u="none" strike="noStrike">
+                          <a:effectLst/>
+                        </a:rPr>
+                        <a:t>0.000</a:t>
+                      </a:r>
+                      <a:endParaRPr lang="en-US" sz="1500" b="0" i="0" u="none" strike="noStrike">
+                        <a:solidFill>
+                          <a:srgbClr val="000000"/>
+                        </a:solidFill>
+                        <a:effectLst/>
+                        <a:latin typeface="Calibri" panose="020F0502020204030204" pitchFamily="34" charset="0"/>
+                      </a:endParaRPr>
+                    </a:p>
+                  </a:txBody>
+                  <a:tcPr marL="9525" marR="9525" marT="9525" marB="0" anchor="b"/>
+                </a:tc>
+                <a:tc>
+                  <a:txBody>
+                    <a:bodyPr/>
+                    <a:lstStyle/>
+                    <a:p>
+                      <a:pPr algn="ctr" fontAlgn="b"/>
+                      <a:r>
+                        <a:rPr lang="en-US" sz="1500" u="none" strike="noStrike">
+                          <a:effectLst/>
+                        </a:rPr>
+                        <a:t>-0.003</a:t>
+                      </a:r>
+                      <a:endParaRPr lang="en-US" sz="1500" b="0" i="0" u="none" strike="noStrike">
+                        <a:solidFill>
+                          <a:srgbClr val="000000"/>
+                        </a:solidFill>
+                        <a:effectLst/>
+                        <a:latin typeface="Calibri" panose="020F0502020204030204" pitchFamily="34" charset="0"/>
+                      </a:endParaRPr>
+                    </a:p>
+                  </a:txBody>
+                  <a:tcPr marL="9525" marR="9525" marT="9525" marB="0" anchor="b"/>
+                </a:tc>
+                <a:tc>
+                  <a:txBody>
+                    <a:bodyPr/>
+                    <a:lstStyle/>
+                    <a:p>
+                      <a:pPr algn="ctr" fontAlgn="b"/>
+                      <a:r>
+                        <a:rPr lang="en-US" sz="1500" u="none" strike="noStrike">
+                          <a:effectLst/>
+                        </a:rPr>
+                        <a:t>0.010</a:t>
+                      </a:r>
+                      <a:endParaRPr lang="en-US" sz="1500" b="0" i="0" u="none" strike="noStrike">
+                        <a:solidFill>
+                          <a:srgbClr val="000000"/>
+                        </a:solidFill>
+                        <a:effectLst/>
+                        <a:latin typeface="Calibri" panose="020F0502020204030204" pitchFamily="34" charset="0"/>
+                      </a:endParaRPr>
+                    </a:p>
+                  </a:txBody>
+                  <a:tcPr marL="9525" marR="9525" marT="9525" marB="0" anchor="b"/>
+                </a:tc>
+                <a:extLst>
+                  <a:ext uri="{0D108BD9-81ED-4DB2-BD59-A6C34878D82A}">
+                    <a16:rowId xmlns:a16="http://schemas.microsoft.com/office/drawing/2014/main" val="947155627"/>
+                  </a:ext>
+                </a:extLst>
+              </a:tr>
+              <a:tr h="291932">
+                <a:tc>
+                  <a:txBody>
+                    <a:bodyPr/>
+                    <a:lstStyle/>
+                    <a:p>
+                      <a:pPr algn="l" fontAlgn="b"/>
+                      <a:r>
+                        <a:rPr lang="en-US" sz="1500" u="none" strike="noStrike" dirty="0" err="1">
+                          <a:effectLst/>
+                        </a:rPr>
+                        <a:t>CEC.Soil</a:t>
+                      </a:r>
+                      <a:endParaRPr lang="en-US" sz="1500" b="0" i="0" u="none" strike="noStrike" dirty="0">
+                        <a:solidFill>
+                          <a:srgbClr val="000000"/>
+                        </a:solidFill>
+                        <a:effectLst/>
+                        <a:latin typeface="Calibri" panose="020F0502020204030204" pitchFamily="34" charset="0"/>
+                      </a:endParaRPr>
+                    </a:p>
+                  </a:txBody>
+                  <a:tcPr marL="9525" marR="9525" marT="9525" marB="0" anchor="b"/>
+                </a:tc>
+                <a:tc>
+                  <a:txBody>
+                    <a:bodyPr/>
+                    <a:lstStyle/>
+                    <a:p>
+                      <a:pPr algn="ctr" fontAlgn="b"/>
+                      <a:r>
+                        <a:rPr lang="en-US" sz="1500" u="none" strike="noStrike">
+                          <a:effectLst/>
+                        </a:rPr>
+                        <a:t>0.178</a:t>
+                      </a:r>
+                      <a:endParaRPr lang="en-US" sz="1500" b="0" i="0" u="none" strike="noStrike">
+                        <a:solidFill>
+                          <a:srgbClr val="000000"/>
+                        </a:solidFill>
+                        <a:effectLst/>
+                        <a:latin typeface="Calibri" panose="020F0502020204030204" pitchFamily="34" charset="0"/>
+                      </a:endParaRPr>
+                    </a:p>
+                  </a:txBody>
+                  <a:tcPr marL="9525" marR="9525" marT="9525" marB="0" anchor="b"/>
+                </a:tc>
+                <a:tc>
+                  <a:txBody>
+                    <a:bodyPr/>
+                    <a:lstStyle/>
+                    <a:p>
+                      <a:pPr algn="ctr" fontAlgn="b"/>
+                      <a:r>
+                        <a:rPr lang="en-US" sz="1500" u="none" strike="noStrike">
+                          <a:effectLst/>
+                        </a:rPr>
+                        <a:t>0.180</a:t>
+                      </a:r>
+                      <a:endParaRPr lang="en-US" sz="1500" b="0" i="0" u="none" strike="noStrike">
+                        <a:solidFill>
+                          <a:srgbClr val="000000"/>
+                        </a:solidFill>
+                        <a:effectLst/>
+                        <a:latin typeface="Calibri" panose="020F0502020204030204" pitchFamily="34" charset="0"/>
+                      </a:endParaRPr>
+                    </a:p>
+                  </a:txBody>
+                  <a:tcPr marL="9525" marR="9525" marT="9525" marB="0" anchor="b"/>
+                </a:tc>
+                <a:tc>
+                  <a:txBody>
+                    <a:bodyPr/>
+                    <a:lstStyle/>
+                    <a:p>
+                      <a:pPr algn="ctr" fontAlgn="b"/>
+                      <a:r>
+                        <a:rPr lang="en-US" sz="1500" u="none" strike="noStrike">
+                          <a:effectLst/>
+                        </a:rPr>
+                        <a:t>-0.519</a:t>
+                      </a:r>
+                      <a:endParaRPr lang="en-US" sz="1500" b="0" i="0" u="none" strike="noStrike">
+                        <a:solidFill>
+                          <a:srgbClr val="000000"/>
+                        </a:solidFill>
+                        <a:effectLst/>
+                        <a:latin typeface="Calibri" panose="020F0502020204030204" pitchFamily="34" charset="0"/>
+                      </a:endParaRPr>
+                    </a:p>
+                  </a:txBody>
+                  <a:tcPr marL="9525" marR="9525" marT="9525" marB="0" anchor="b"/>
+                </a:tc>
+                <a:tc>
+                  <a:txBody>
+                    <a:bodyPr/>
+                    <a:lstStyle/>
+                    <a:p>
+                      <a:pPr algn="ctr" fontAlgn="b"/>
+                      <a:r>
+                        <a:rPr lang="en-US" sz="1500" u="none" strike="noStrike">
+                          <a:effectLst/>
+                        </a:rPr>
+                        <a:t>-0.804</a:t>
+                      </a:r>
+                      <a:endParaRPr lang="en-US" sz="1500" b="0" i="0" u="none" strike="noStrike">
+                        <a:solidFill>
+                          <a:srgbClr val="000000"/>
+                        </a:solidFill>
+                        <a:effectLst/>
+                        <a:latin typeface="Calibri" panose="020F0502020204030204" pitchFamily="34" charset="0"/>
+                      </a:endParaRPr>
+                    </a:p>
+                  </a:txBody>
+                  <a:tcPr marL="9525" marR="9525" marT="9525" marB="0" anchor="b"/>
+                </a:tc>
+                <a:extLst>
+                  <a:ext uri="{0D108BD9-81ED-4DB2-BD59-A6C34878D82A}">
+                    <a16:rowId xmlns:a16="http://schemas.microsoft.com/office/drawing/2014/main" val="3860108698"/>
+                  </a:ext>
+                </a:extLst>
+              </a:tr>
+              <a:tr h="291932">
+                <a:tc>
+                  <a:txBody>
+                    <a:bodyPr/>
+                    <a:lstStyle/>
+                    <a:p>
+                      <a:pPr algn="l" fontAlgn="b"/>
+                      <a:r>
+                        <a:rPr lang="en-US" sz="1500" u="none" strike="noStrike" dirty="0" err="1">
+                          <a:effectLst/>
+                        </a:rPr>
+                        <a:t>CEC.Clay</a:t>
+                      </a:r>
+                      <a:endParaRPr lang="en-US" sz="1500" b="0" i="0" u="none" strike="noStrike" dirty="0">
+                        <a:solidFill>
+                          <a:srgbClr val="000000"/>
+                        </a:solidFill>
+                        <a:effectLst/>
+                        <a:latin typeface="Calibri" panose="020F0502020204030204" pitchFamily="34" charset="0"/>
+                      </a:endParaRPr>
+                    </a:p>
+                  </a:txBody>
+                  <a:tcPr marL="9525" marR="9525" marT="9525" marB="0" anchor="b"/>
+                </a:tc>
+                <a:tc>
+                  <a:txBody>
+                    <a:bodyPr/>
+                    <a:lstStyle/>
+                    <a:p>
+                      <a:pPr algn="ctr" fontAlgn="b"/>
+                      <a:r>
+                        <a:rPr lang="en-US" sz="1500" u="none" strike="noStrike">
+                          <a:effectLst/>
+                        </a:rPr>
+                        <a:t>-0.011</a:t>
+                      </a:r>
+                      <a:endParaRPr lang="en-US" sz="1500" b="0" i="0" u="none" strike="noStrike">
+                        <a:solidFill>
+                          <a:srgbClr val="000000"/>
+                        </a:solidFill>
+                        <a:effectLst/>
+                        <a:latin typeface="Calibri" panose="020F0502020204030204" pitchFamily="34" charset="0"/>
+                      </a:endParaRPr>
+                    </a:p>
+                  </a:txBody>
+                  <a:tcPr marL="9525" marR="9525" marT="9525" marB="0" anchor="b"/>
+                </a:tc>
+                <a:tc>
+                  <a:txBody>
+                    <a:bodyPr/>
+                    <a:lstStyle/>
+                    <a:p>
+                      <a:pPr algn="ctr" fontAlgn="b"/>
+                      <a:r>
+                        <a:rPr lang="en-US" sz="1500" u="none" strike="noStrike">
+                          <a:effectLst/>
+                        </a:rPr>
+                        <a:t>-0.006</a:t>
+                      </a:r>
+                      <a:endParaRPr lang="en-US" sz="1500" b="0" i="0" u="none" strike="noStrike">
+                        <a:solidFill>
+                          <a:srgbClr val="000000"/>
+                        </a:solidFill>
+                        <a:effectLst/>
+                        <a:latin typeface="Calibri" panose="020F0502020204030204" pitchFamily="34" charset="0"/>
+                      </a:endParaRPr>
+                    </a:p>
+                  </a:txBody>
+                  <a:tcPr marL="9525" marR="9525" marT="9525" marB="0" anchor="b"/>
+                </a:tc>
+                <a:tc>
+                  <a:txBody>
+                    <a:bodyPr/>
+                    <a:lstStyle/>
+                    <a:p>
+                      <a:pPr algn="ctr" fontAlgn="b"/>
+                      <a:r>
+                        <a:rPr lang="en-US" sz="1500" u="none" strike="noStrike">
+                          <a:effectLst/>
+                        </a:rPr>
+                        <a:t>-0.025</a:t>
+                      </a:r>
+                      <a:endParaRPr lang="en-US" sz="1500" b="0" i="0" u="none" strike="noStrike">
+                        <a:solidFill>
+                          <a:srgbClr val="000000"/>
+                        </a:solidFill>
+                        <a:effectLst/>
+                        <a:latin typeface="Calibri" panose="020F0502020204030204" pitchFamily="34" charset="0"/>
+                      </a:endParaRPr>
+                    </a:p>
+                  </a:txBody>
+                  <a:tcPr marL="9525" marR="9525" marT="9525" marB="0" anchor="b"/>
+                </a:tc>
+                <a:tc>
+                  <a:txBody>
+                    <a:bodyPr/>
+                    <a:lstStyle/>
+                    <a:p>
+                      <a:pPr algn="ctr" fontAlgn="b"/>
+                      <a:r>
+                        <a:rPr lang="en-US" sz="1500" u="none" strike="noStrike">
+                          <a:effectLst/>
+                        </a:rPr>
+                        <a:t>-0.142</a:t>
+                      </a:r>
+                      <a:endParaRPr lang="en-US" sz="1500" b="0" i="0" u="none" strike="noStrike">
+                        <a:solidFill>
+                          <a:srgbClr val="000000"/>
+                        </a:solidFill>
+                        <a:effectLst/>
+                        <a:latin typeface="Calibri" panose="020F0502020204030204" pitchFamily="34" charset="0"/>
+                      </a:endParaRPr>
+                    </a:p>
+                  </a:txBody>
+                  <a:tcPr marL="9525" marR="9525" marT="9525" marB="0" anchor="b"/>
+                </a:tc>
+                <a:extLst>
+                  <a:ext uri="{0D108BD9-81ED-4DB2-BD59-A6C34878D82A}">
+                    <a16:rowId xmlns:a16="http://schemas.microsoft.com/office/drawing/2014/main" val="2022765200"/>
+                  </a:ext>
+                </a:extLst>
+              </a:tr>
+              <a:tr h="291932">
+                <a:tc>
+                  <a:txBody>
+                    <a:bodyPr/>
+                    <a:lstStyle/>
+                    <a:p>
+                      <a:pPr algn="l" fontAlgn="b"/>
+                      <a:r>
+                        <a:rPr lang="en-US" sz="1500" u="none" strike="noStrike" dirty="0" err="1">
+                          <a:effectLst/>
+                        </a:rPr>
+                        <a:t>Base.Saturation</a:t>
+                      </a:r>
+                      <a:endParaRPr lang="en-US" sz="1500" b="0" i="0" u="none" strike="noStrike" dirty="0">
+                        <a:solidFill>
+                          <a:srgbClr val="000000"/>
+                        </a:solidFill>
+                        <a:effectLst/>
+                        <a:latin typeface="Calibri" panose="020F0502020204030204" pitchFamily="34" charset="0"/>
+                      </a:endParaRPr>
+                    </a:p>
+                  </a:txBody>
+                  <a:tcPr marL="9525" marR="9525" marT="9525" marB="0" anchor="b"/>
+                </a:tc>
+                <a:tc>
+                  <a:txBody>
+                    <a:bodyPr/>
+                    <a:lstStyle/>
+                    <a:p>
+                      <a:pPr algn="ctr" fontAlgn="b"/>
+                      <a:r>
+                        <a:rPr lang="en-US" sz="1500" u="none" strike="noStrike">
+                          <a:effectLst/>
+                        </a:rPr>
+                        <a:t>0.886</a:t>
+                      </a:r>
+                      <a:endParaRPr lang="en-US" sz="1500" b="0" i="0" u="none" strike="noStrike">
+                        <a:solidFill>
+                          <a:srgbClr val="000000"/>
+                        </a:solidFill>
+                        <a:effectLst/>
+                        <a:latin typeface="Calibri" panose="020F0502020204030204" pitchFamily="34" charset="0"/>
+                      </a:endParaRPr>
+                    </a:p>
+                  </a:txBody>
+                  <a:tcPr marL="9525" marR="9525" marT="9525" marB="0" anchor="b"/>
+                </a:tc>
+                <a:tc>
+                  <a:txBody>
+                    <a:bodyPr/>
+                    <a:lstStyle/>
+                    <a:p>
+                      <a:pPr algn="ctr" fontAlgn="b"/>
+                      <a:r>
+                        <a:rPr lang="en-US" sz="1500" u="none" strike="noStrike">
+                          <a:effectLst/>
+                        </a:rPr>
+                        <a:t>-0.453</a:t>
+                      </a:r>
+                      <a:endParaRPr lang="en-US" sz="1500" b="0" i="0" u="none" strike="noStrike">
+                        <a:solidFill>
+                          <a:srgbClr val="000000"/>
+                        </a:solidFill>
+                        <a:effectLst/>
+                        <a:latin typeface="Calibri" panose="020F0502020204030204" pitchFamily="34" charset="0"/>
+                      </a:endParaRPr>
+                    </a:p>
+                  </a:txBody>
+                  <a:tcPr marL="9525" marR="9525" marT="9525" marB="0" anchor="b"/>
+                </a:tc>
+                <a:tc>
+                  <a:txBody>
+                    <a:bodyPr/>
+                    <a:lstStyle/>
+                    <a:p>
+                      <a:pPr algn="ctr" fontAlgn="b"/>
+                      <a:r>
+                        <a:rPr lang="en-US" sz="1500" u="none" strike="noStrike">
+                          <a:effectLst/>
+                        </a:rPr>
+                        <a:t>0.084</a:t>
+                      </a:r>
+                      <a:endParaRPr lang="en-US" sz="1500" b="0" i="0" u="none" strike="noStrike">
+                        <a:solidFill>
+                          <a:srgbClr val="000000"/>
+                        </a:solidFill>
+                        <a:effectLst/>
+                        <a:latin typeface="Calibri" panose="020F0502020204030204" pitchFamily="34" charset="0"/>
+                      </a:endParaRPr>
+                    </a:p>
+                  </a:txBody>
+                  <a:tcPr marL="9525" marR="9525" marT="9525" marB="0" anchor="b"/>
+                </a:tc>
+                <a:tc>
+                  <a:txBody>
+                    <a:bodyPr/>
+                    <a:lstStyle/>
+                    <a:p>
+                      <a:pPr algn="ctr" fontAlgn="b"/>
+                      <a:r>
+                        <a:rPr lang="en-US" sz="1500" u="none" strike="noStrike">
+                          <a:effectLst/>
+                        </a:rPr>
+                        <a:t>0.037</a:t>
+                      </a:r>
+                      <a:endParaRPr lang="en-US" sz="1500" b="0" i="0" u="none" strike="noStrike">
+                        <a:solidFill>
+                          <a:srgbClr val="000000"/>
+                        </a:solidFill>
+                        <a:effectLst/>
+                        <a:latin typeface="Calibri" panose="020F0502020204030204" pitchFamily="34" charset="0"/>
+                      </a:endParaRPr>
+                    </a:p>
+                  </a:txBody>
+                  <a:tcPr marL="9525" marR="9525" marT="9525" marB="0" anchor="b"/>
+                </a:tc>
+                <a:extLst>
+                  <a:ext uri="{0D108BD9-81ED-4DB2-BD59-A6C34878D82A}">
+                    <a16:rowId xmlns:a16="http://schemas.microsoft.com/office/drawing/2014/main" val="1368194820"/>
+                  </a:ext>
+                </a:extLst>
+              </a:tr>
+              <a:tr h="291932">
+                <a:tc>
+                  <a:txBody>
+                    <a:bodyPr/>
+                    <a:lstStyle/>
+                    <a:p>
+                      <a:pPr algn="l" fontAlgn="b"/>
+                      <a:r>
+                        <a:rPr lang="en-US" sz="1500" u="none" strike="noStrike" dirty="0">
+                          <a:effectLst/>
+                        </a:rPr>
+                        <a:t>pH</a:t>
+                      </a:r>
+                      <a:endParaRPr lang="en-US" sz="1500" b="0" i="0" u="none" strike="noStrike" dirty="0">
+                        <a:solidFill>
+                          <a:srgbClr val="000000"/>
+                        </a:solidFill>
+                        <a:effectLst/>
+                        <a:latin typeface="Calibri" panose="020F0502020204030204" pitchFamily="34" charset="0"/>
+                      </a:endParaRPr>
+                    </a:p>
+                  </a:txBody>
+                  <a:tcPr marL="9525" marR="9525" marT="9525" marB="0" anchor="b"/>
+                </a:tc>
+                <a:tc>
+                  <a:txBody>
+                    <a:bodyPr/>
+                    <a:lstStyle/>
+                    <a:p>
+                      <a:pPr algn="ctr" fontAlgn="b"/>
+                      <a:r>
+                        <a:rPr lang="en-US" sz="1500" u="none" strike="noStrike">
+                          <a:effectLst/>
+                        </a:rPr>
+                        <a:t>0.031</a:t>
+                      </a:r>
+                      <a:endParaRPr lang="en-US" sz="1500" b="0" i="0" u="none" strike="noStrike">
+                        <a:solidFill>
+                          <a:srgbClr val="000000"/>
+                        </a:solidFill>
+                        <a:effectLst/>
+                        <a:latin typeface="Calibri" panose="020F0502020204030204" pitchFamily="34" charset="0"/>
+                      </a:endParaRPr>
+                    </a:p>
+                  </a:txBody>
+                  <a:tcPr marL="9525" marR="9525" marT="9525" marB="0" anchor="b"/>
+                </a:tc>
+                <a:tc>
+                  <a:txBody>
+                    <a:bodyPr/>
+                    <a:lstStyle/>
+                    <a:p>
+                      <a:pPr algn="ctr" fontAlgn="b"/>
+                      <a:r>
+                        <a:rPr lang="en-US" sz="1500" u="none" strike="noStrike">
+                          <a:effectLst/>
+                        </a:rPr>
+                        <a:t>-0.023</a:t>
+                      </a:r>
+                      <a:endParaRPr lang="en-US" sz="1500" b="0" i="0" u="none" strike="noStrike">
+                        <a:solidFill>
+                          <a:srgbClr val="000000"/>
+                        </a:solidFill>
+                        <a:effectLst/>
+                        <a:latin typeface="Calibri" panose="020F0502020204030204" pitchFamily="34" charset="0"/>
+                      </a:endParaRPr>
+                    </a:p>
+                  </a:txBody>
+                  <a:tcPr marL="9525" marR="9525" marT="9525" marB="0" anchor="b"/>
+                </a:tc>
+                <a:tc>
+                  <a:txBody>
+                    <a:bodyPr/>
+                    <a:lstStyle/>
+                    <a:p>
+                      <a:pPr algn="ctr" fontAlgn="b"/>
+                      <a:r>
+                        <a:rPr lang="en-US" sz="1500" u="none" strike="noStrike">
+                          <a:effectLst/>
+                        </a:rPr>
+                        <a:t>0.006</a:t>
+                      </a:r>
+                      <a:endParaRPr lang="en-US" sz="1500" b="0" i="0" u="none" strike="noStrike">
+                        <a:solidFill>
+                          <a:srgbClr val="000000"/>
+                        </a:solidFill>
+                        <a:effectLst/>
+                        <a:latin typeface="Calibri" panose="020F0502020204030204" pitchFamily="34" charset="0"/>
+                      </a:endParaRPr>
+                    </a:p>
+                  </a:txBody>
+                  <a:tcPr marL="9525" marR="9525" marT="9525" marB="0" anchor="b"/>
+                </a:tc>
+                <a:tc>
+                  <a:txBody>
+                    <a:bodyPr/>
+                    <a:lstStyle/>
+                    <a:p>
+                      <a:pPr algn="ctr" fontAlgn="b"/>
+                      <a:r>
+                        <a:rPr lang="en-US" sz="1500" u="none" strike="noStrike" dirty="0">
+                          <a:effectLst/>
+                        </a:rPr>
+                        <a:t>-0.003</a:t>
+                      </a:r>
+                      <a:endParaRPr lang="en-US" sz="1500" b="0" i="0" u="none" strike="noStrike" dirty="0">
+                        <a:solidFill>
+                          <a:srgbClr val="000000"/>
+                        </a:solidFill>
+                        <a:effectLst/>
+                        <a:latin typeface="Calibri" panose="020F0502020204030204" pitchFamily="34" charset="0"/>
+                      </a:endParaRPr>
+                    </a:p>
+                  </a:txBody>
+                  <a:tcPr marL="9525" marR="9525" marT="9525" marB="0" anchor="b"/>
+                </a:tc>
+                <a:extLst>
+                  <a:ext uri="{0D108BD9-81ED-4DB2-BD59-A6C34878D82A}">
+                    <a16:rowId xmlns:a16="http://schemas.microsoft.com/office/drawing/2014/main" val="1720163309"/>
+                  </a:ext>
+                </a:extLst>
+              </a:tr>
+            </a:tbl>
+          </a:graphicData>
+        </a:graphic>
+      </p:graphicFrame>
     </p:spTree>
     <p:extLst>
       <p:ext uri="{BB962C8B-B14F-4D97-AF65-F5344CB8AC3E}">
-        <p14:creationId xmlns:p14="http://schemas.microsoft.com/office/powerpoint/2010/main" val="529502071"/>
+        <p14:creationId xmlns:p14="http://schemas.microsoft.com/office/powerpoint/2010/main" val="1021260396"/>
       </p:ext>
     </p:extLst>
   </p:cSld>
@@ -4427,6 +7440,2104 @@
           <a:lstStyle/>
           <a:p>
             <a:r>
+              <a:rPr lang="en-US" dirty="0"/>
+              <a:t>LDA Results w/o PCA </a:t>
+            </a:r>
+          </a:p>
+        </p:txBody>
+      </p:sp>
+      <p:graphicFrame>
+        <p:nvGraphicFramePr>
+          <p:cNvPr id="6" name="Content Placeholder 5"/>
+          <p:cNvGraphicFramePr>
+            <a:graphicFrameLocks noGrp="1"/>
+          </p:cNvGraphicFramePr>
+          <p:nvPr>
+            <p:ph idx="1"/>
+            <p:extLst>
+              <p:ext uri="{D42A27DB-BD31-4B8C-83A1-F6EECF244321}">
+                <p14:modId xmlns:p14="http://schemas.microsoft.com/office/powerpoint/2010/main" val="2741643267"/>
+              </p:ext>
+            </p:extLst>
+          </p:nvPr>
+        </p:nvGraphicFramePr>
+        <p:xfrm>
+          <a:off x="1197487" y="1991637"/>
+          <a:ext cx="2973680" cy="4045903"/>
+        </p:xfrm>
+        <a:graphic>
+          <a:graphicData uri="http://schemas.openxmlformats.org/drawingml/2006/table">
+            <a:tbl>
+              <a:tblPr firstRow="1" bandRow="1">
+                <a:tableStyleId>{5C22544A-7EE6-4342-B048-85BDC9FD1C3A}</a:tableStyleId>
+              </a:tblPr>
+              <a:tblGrid>
+                <a:gridCol w="1486840">
+                  <a:extLst>
+                    <a:ext uri="{9D8B030D-6E8A-4147-A177-3AD203B41FA5}">
+                      <a16:colId xmlns:a16="http://schemas.microsoft.com/office/drawing/2014/main" val="1896381141"/>
+                    </a:ext>
+                  </a:extLst>
+                </a:gridCol>
+                <a:gridCol w="1486840">
+                  <a:extLst>
+                    <a:ext uri="{9D8B030D-6E8A-4147-A177-3AD203B41FA5}">
+                      <a16:colId xmlns:a16="http://schemas.microsoft.com/office/drawing/2014/main" val="3265388153"/>
+                    </a:ext>
+                  </a:extLst>
+                </a:gridCol>
+              </a:tblGrid>
+              <a:tr h="640053">
+                <a:tc>
+                  <a:txBody>
+                    <a:bodyPr/>
+                    <a:lstStyle/>
+                    <a:p>
+                      <a:pPr algn="ctr" fontAlgn="b"/>
+                      <a:r>
+                        <a:rPr lang="en-US" sz="1800" u="none" strike="noStrike" dirty="0">
+                          <a:effectLst/>
+                        </a:rPr>
+                        <a:t>Soil Order</a:t>
+                      </a:r>
+                      <a:endParaRPr lang="en-US" sz="1800" b="0" i="0" u="none" strike="noStrike" dirty="0">
+                        <a:solidFill>
+                          <a:srgbClr val="000000"/>
+                        </a:solidFill>
+                        <a:effectLst/>
+                        <a:latin typeface="Calibri" panose="020F0502020204030204" pitchFamily="34" charset="0"/>
+                      </a:endParaRPr>
+                    </a:p>
+                  </a:txBody>
+                  <a:tcPr marL="9525" marR="9525" marT="9525" marB="0" anchor="b"/>
+                </a:tc>
+                <a:tc>
+                  <a:txBody>
+                    <a:bodyPr/>
+                    <a:lstStyle/>
+                    <a:p>
+                      <a:pPr algn="ctr" fontAlgn="b"/>
+                      <a:r>
+                        <a:rPr lang="en-US" sz="1800" u="none" strike="noStrike" dirty="0">
+                          <a:effectLst/>
+                        </a:rPr>
+                        <a:t>Prediction correction </a:t>
+                      </a:r>
+                      <a:r>
+                        <a:rPr lang="en-US" sz="1800" u="none" strike="noStrike" dirty="0" smtClean="0">
+                          <a:effectLst/>
+                        </a:rPr>
+                        <a:t>rate</a:t>
+                      </a:r>
+                      <a:endParaRPr lang="en-US" sz="1800" b="0" i="0" u="none" strike="noStrike" dirty="0">
+                        <a:solidFill>
+                          <a:srgbClr val="000000"/>
+                        </a:solidFill>
+                        <a:effectLst/>
+                        <a:latin typeface="Calibri" panose="020F0502020204030204" pitchFamily="34" charset="0"/>
+                      </a:endParaRPr>
+                    </a:p>
+                  </a:txBody>
+                  <a:tcPr marL="9525" marR="9525" marT="9525" marB="0" anchor="b"/>
+                </a:tc>
+                <a:extLst>
+                  <a:ext uri="{0D108BD9-81ED-4DB2-BD59-A6C34878D82A}">
+                    <a16:rowId xmlns:a16="http://schemas.microsoft.com/office/drawing/2014/main" val="4193067108"/>
+                  </a:ext>
+                </a:extLst>
+              </a:tr>
+              <a:tr h="340585">
+                <a:tc>
+                  <a:txBody>
+                    <a:bodyPr/>
+                    <a:lstStyle/>
+                    <a:p>
+                      <a:pPr algn="ctr" fontAlgn="b"/>
+                      <a:r>
+                        <a:rPr lang="en-US" sz="1800" u="none" strike="noStrike">
+                          <a:effectLst/>
+                        </a:rPr>
+                        <a:t>Alfisols</a:t>
+                      </a:r>
+                      <a:endParaRPr lang="en-US" sz="1800" b="0" i="0" u="none" strike="noStrike">
+                        <a:solidFill>
+                          <a:srgbClr val="000000"/>
+                        </a:solidFill>
+                        <a:effectLst/>
+                        <a:latin typeface="Calibri" panose="020F0502020204030204" pitchFamily="34" charset="0"/>
+                      </a:endParaRPr>
+                    </a:p>
+                  </a:txBody>
+                  <a:tcPr marL="9525" marR="9525" marT="9525" marB="0" anchor="b"/>
+                </a:tc>
+                <a:tc>
+                  <a:txBody>
+                    <a:bodyPr/>
+                    <a:lstStyle/>
+                    <a:p>
+                      <a:pPr algn="ctr" fontAlgn="b"/>
+                      <a:r>
+                        <a:rPr lang="en-US" sz="1800" u="none" strike="noStrike">
+                          <a:effectLst/>
+                        </a:rPr>
+                        <a:t>0.472</a:t>
+                      </a:r>
+                      <a:endParaRPr lang="en-US" sz="1800" b="0" i="0" u="none" strike="noStrike">
+                        <a:solidFill>
+                          <a:srgbClr val="000000"/>
+                        </a:solidFill>
+                        <a:effectLst/>
+                        <a:latin typeface="Calibri" panose="020F0502020204030204" pitchFamily="34" charset="0"/>
+                      </a:endParaRPr>
+                    </a:p>
+                  </a:txBody>
+                  <a:tcPr marL="9525" marR="9525" marT="9525" marB="0" anchor="b"/>
+                </a:tc>
+                <a:extLst>
+                  <a:ext uri="{0D108BD9-81ED-4DB2-BD59-A6C34878D82A}">
+                    <a16:rowId xmlns:a16="http://schemas.microsoft.com/office/drawing/2014/main" val="2129162000"/>
+                  </a:ext>
+                </a:extLst>
+              </a:tr>
+              <a:tr h="340585">
+                <a:tc>
+                  <a:txBody>
+                    <a:bodyPr/>
+                    <a:lstStyle/>
+                    <a:p>
+                      <a:pPr algn="ctr" fontAlgn="b"/>
+                      <a:r>
+                        <a:rPr lang="en-US" sz="1800" u="none" strike="noStrike">
+                          <a:effectLst/>
+                        </a:rPr>
+                        <a:t>Andisols</a:t>
+                      </a:r>
+                      <a:endParaRPr lang="en-US" sz="1800" b="0" i="0" u="none" strike="noStrike">
+                        <a:solidFill>
+                          <a:srgbClr val="000000"/>
+                        </a:solidFill>
+                        <a:effectLst/>
+                        <a:latin typeface="Calibri" panose="020F0502020204030204" pitchFamily="34" charset="0"/>
+                      </a:endParaRPr>
+                    </a:p>
+                  </a:txBody>
+                  <a:tcPr marL="9525" marR="9525" marT="9525" marB="0" anchor="b"/>
+                </a:tc>
+                <a:tc>
+                  <a:txBody>
+                    <a:bodyPr/>
+                    <a:lstStyle/>
+                    <a:p>
+                      <a:pPr algn="ctr" fontAlgn="b"/>
+                      <a:r>
+                        <a:rPr lang="en-US" sz="1800" u="none" strike="noStrike">
+                          <a:effectLst/>
+                        </a:rPr>
+                        <a:t>0.338</a:t>
+                      </a:r>
+                      <a:endParaRPr lang="en-US" sz="1800" b="0" i="0" u="none" strike="noStrike">
+                        <a:solidFill>
+                          <a:srgbClr val="000000"/>
+                        </a:solidFill>
+                        <a:effectLst/>
+                        <a:latin typeface="Calibri" panose="020F0502020204030204" pitchFamily="34" charset="0"/>
+                      </a:endParaRPr>
+                    </a:p>
+                  </a:txBody>
+                  <a:tcPr marL="9525" marR="9525" marT="9525" marB="0" anchor="b"/>
+                </a:tc>
+                <a:extLst>
+                  <a:ext uri="{0D108BD9-81ED-4DB2-BD59-A6C34878D82A}">
+                    <a16:rowId xmlns:a16="http://schemas.microsoft.com/office/drawing/2014/main" val="2610843344"/>
+                  </a:ext>
+                </a:extLst>
+              </a:tr>
+              <a:tr h="340585">
+                <a:tc>
+                  <a:txBody>
+                    <a:bodyPr/>
+                    <a:lstStyle/>
+                    <a:p>
+                      <a:pPr algn="ctr" fontAlgn="b"/>
+                      <a:r>
+                        <a:rPr lang="en-US" sz="1800" u="none" strike="noStrike">
+                          <a:effectLst/>
+                        </a:rPr>
+                        <a:t>Aridisols</a:t>
+                      </a:r>
+                      <a:endParaRPr lang="en-US" sz="1800" b="0" i="0" u="none" strike="noStrike">
+                        <a:solidFill>
+                          <a:srgbClr val="000000"/>
+                        </a:solidFill>
+                        <a:effectLst/>
+                        <a:latin typeface="Calibri" panose="020F0502020204030204" pitchFamily="34" charset="0"/>
+                      </a:endParaRPr>
+                    </a:p>
+                  </a:txBody>
+                  <a:tcPr marL="9525" marR="9525" marT="9525" marB="0" anchor="b"/>
+                </a:tc>
+                <a:tc>
+                  <a:txBody>
+                    <a:bodyPr/>
+                    <a:lstStyle/>
+                    <a:p>
+                      <a:pPr algn="ctr" fontAlgn="b"/>
+                      <a:r>
+                        <a:rPr lang="en-US" sz="1800" u="none" strike="noStrike">
+                          <a:effectLst/>
+                        </a:rPr>
+                        <a:t>0.462</a:t>
+                      </a:r>
+                      <a:endParaRPr lang="en-US" sz="1800" b="0" i="0" u="none" strike="noStrike">
+                        <a:solidFill>
+                          <a:srgbClr val="000000"/>
+                        </a:solidFill>
+                        <a:effectLst/>
+                        <a:latin typeface="Calibri" panose="020F0502020204030204" pitchFamily="34" charset="0"/>
+                      </a:endParaRPr>
+                    </a:p>
+                  </a:txBody>
+                  <a:tcPr marL="9525" marR="9525" marT="9525" marB="0" anchor="b"/>
+                </a:tc>
+                <a:extLst>
+                  <a:ext uri="{0D108BD9-81ED-4DB2-BD59-A6C34878D82A}">
+                    <a16:rowId xmlns:a16="http://schemas.microsoft.com/office/drawing/2014/main" val="2150264306"/>
+                  </a:ext>
+                </a:extLst>
+              </a:tr>
+              <a:tr h="340585">
+                <a:tc>
+                  <a:txBody>
+                    <a:bodyPr/>
+                    <a:lstStyle/>
+                    <a:p>
+                      <a:pPr algn="ctr" fontAlgn="b"/>
+                      <a:r>
+                        <a:rPr lang="en-US" sz="1800" u="none" strike="noStrike">
+                          <a:effectLst/>
+                        </a:rPr>
+                        <a:t>Inceptisols</a:t>
+                      </a:r>
+                      <a:endParaRPr lang="en-US" sz="1800" b="0" i="0" u="none" strike="noStrike">
+                        <a:solidFill>
+                          <a:srgbClr val="000000"/>
+                        </a:solidFill>
+                        <a:effectLst/>
+                        <a:latin typeface="Calibri" panose="020F0502020204030204" pitchFamily="34" charset="0"/>
+                      </a:endParaRPr>
+                    </a:p>
+                  </a:txBody>
+                  <a:tcPr marL="9525" marR="9525" marT="9525" marB="0" anchor="b"/>
+                </a:tc>
+                <a:tc>
+                  <a:txBody>
+                    <a:bodyPr/>
+                    <a:lstStyle/>
+                    <a:p>
+                      <a:pPr algn="ctr" fontAlgn="b"/>
+                      <a:r>
+                        <a:rPr lang="en-US" sz="1800" u="none" strike="noStrike">
+                          <a:effectLst/>
+                        </a:rPr>
+                        <a:t>0.104</a:t>
+                      </a:r>
+                      <a:endParaRPr lang="en-US" sz="1800" b="0" i="0" u="none" strike="noStrike">
+                        <a:solidFill>
+                          <a:srgbClr val="000000"/>
+                        </a:solidFill>
+                        <a:effectLst/>
+                        <a:latin typeface="Calibri" panose="020F0502020204030204" pitchFamily="34" charset="0"/>
+                      </a:endParaRPr>
+                    </a:p>
+                  </a:txBody>
+                  <a:tcPr marL="9525" marR="9525" marT="9525" marB="0" anchor="b"/>
+                </a:tc>
+                <a:extLst>
+                  <a:ext uri="{0D108BD9-81ED-4DB2-BD59-A6C34878D82A}">
+                    <a16:rowId xmlns:a16="http://schemas.microsoft.com/office/drawing/2014/main" val="2058730632"/>
+                  </a:ext>
+                </a:extLst>
+              </a:tr>
+              <a:tr h="340585">
+                <a:tc>
+                  <a:txBody>
+                    <a:bodyPr/>
+                    <a:lstStyle/>
+                    <a:p>
+                      <a:pPr algn="ctr" fontAlgn="b"/>
+                      <a:r>
+                        <a:rPr lang="en-US" sz="1800" u="none" strike="noStrike">
+                          <a:effectLst/>
+                        </a:rPr>
+                        <a:t>Mollisols</a:t>
+                      </a:r>
+                      <a:endParaRPr lang="en-US" sz="1800" b="0" i="0" u="none" strike="noStrike">
+                        <a:solidFill>
+                          <a:srgbClr val="000000"/>
+                        </a:solidFill>
+                        <a:effectLst/>
+                        <a:latin typeface="Calibri" panose="020F0502020204030204" pitchFamily="34" charset="0"/>
+                      </a:endParaRPr>
+                    </a:p>
+                  </a:txBody>
+                  <a:tcPr marL="9525" marR="9525" marT="9525" marB="0" anchor="b"/>
+                </a:tc>
+                <a:tc>
+                  <a:txBody>
+                    <a:bodyPr/>
+                    <a:lstStyle/>
+                    <a:p>
+                      <a:pPr algn="ctr" fontAlgn="b"/>
+                      <a:r>
+                        <a:rPr lang="en-US" sz="1800" u="none" strike="noStrike">
+                          <a:effectLst/>
+                        </a:rPr>
+                        <a:t>0.741</a:t>
+                      </a:r>
+                      <a:endParaRPr lang="en-US" sz="1800" b="0" i="0" u="none" strike="noStrike">
+                        <a:solidFill>
+                          <a:srgbClr val="000000"/>
+                        </a:solidFill>
+                        <a:effectLst/>
+                        <a:latin typeface="Calibri" panose="020F0502020204030204" pitchFamily="34" charset="0"/>
+                      </a:endParaRPr>
+                    </a:p>
+                  </a:txBody>
+                  <a:tcPr marL="9525" marR="9525" marT="9525" marB="0" anchor="b"/>
+                </a:tc>
+                <a:extLst>
+                  <a:ext uri="{0D108BD9-81ED-4DB2-BD59-A6C34878D82A}">
+                    <a16:rowId xmlns:a16="http://schemas.microsoft.com/office/drawing/2014/main" val="3571323669"/>
+                  </a:ext>
+                </a:extLst>
+              </a:tr>
+              <a:tr h="340585">
+                <a:tc>
+                  <a:txBody>
+                    <a:bodyPr/>
+                    <a:lstStyle/>
+                    <a:p>
+                      <a:pPr algn="ctr" fontAlgn="b"/>
+                      <a:r>
+                        <a:rPr lang="en-US" sz="1800" u="none" strike="noStrike">
+                          <a:effectLst/>
+                        </a:rPr>
+                        <a:t>Oxisols</a:t>
+                      </a:r>
+                      <a:endParaRPr lang="en-US" sz="1800" b="0" i="0" u="none" strike="noStrike">
+                        <a:solidFill>
+                          <a:srgbClr val="000000"/>
+                        </a:solidFill>
+                        <a:effectLst/>
+                        <a:latin typeface="Calibri" panose="020F0502020204030204" pitchFamily="34" charset="0"/>
+                      </a:endParaRPr>
+                    </a:p>
+                  </a:txBody>
+                  <a:tcPr marL="9525" marR="9525" marT="9525" marB="0" anchor="b"/>
+                </a:tc>
+                <a:tc>
+                  <a:txBody>
+                    <a:bodyPr/>
+                    <a:lstStyle/>
+                    <a:p>
+                      <a:pPr algn="ctr" fontAlgn="b"/>
+                      <a:r>
+                        <a:rPr lang="en-US" sz="1800" u="none" strike="noStrike" dirty="0">
+                          <a:effectLst/>
+                        </a:rPr>
+                        <a:t>0.353</a:t>
+                      </a:r>
+                      <a:endParaRPr lang="en-US" sz="1800" b="0" i="0" u="none" strike="noStrike" dirty="0">
+                        <a:solidFill>
+                          <a:srgbClr val="000000"/>
+                        </a:solidFill>
+                        <a:effectLst/>
+                        <a:latin typeface="Calibri" panose="020F0502020204030204" pitchFamily="34" charset="0"/>
+                      </a:endParaRPr>
+                    </a:p>
+                  </a:txBody>
+                  <a:tcPr marL="9525" marR="9525" marT="9525" marB="0" anchor="b"/>
+                </a:tc>
+                <a:extLst>
+                  <a:ext uri="{0D108BD9-81ED-4DB2-BD59-A6C34878D82A}">
+                    <a16:rowId xmlns:a16="http://schemas.microsoft.com/office/drawing/2014/main" val="1945600114"/>
+                  </a:ext>
+                </a:extLst>
+              </a:tr>
+              <a:tr h="340585">
+                <a:tc>
+                  <a:txBody>
+                    <a:bodyPr/>
+                    <a:lstStyle/>
+                    <a:p>
+                      <a:pPr algn="ctr" fontAlgn="b"/>
+                      <a:r>
+                        <a:rPr lang="en-US" sz="1800" u="none" strike="noStrike">
+                          <a:effectLst/>
+                        </a:rPr>
+                        <a:t>Spodosols</a:t>
+                      </a:r>
+                      <a:endParaRPr lang="en-US" sz="1800" b="0" i="0" u="none" strike="noStrike">
+                        <a:solidFill>
+                          <a:srgbClr val="000000"/>
+                        </a:solidFill>
+                        <a:effectLst/>
+                        <a:latin typeface="Calibri" panose="020F0502020204030204" pitchFamily="34" charset="0"/>
+                      </a:endParaRPr>
+                    </a:p>
+                  </a:txBody>
+                  <a:tcPr marL="9525" marR="9525" marT="9525" marB="0" anchor="b"/>
+                </a:tc>
+                <a:tc>
+                  <a:txBody>
+                    <a:bodyPr/>
+                    <a:lstStyle/>
+                    <a:p>
+                      <a:pPr algn="ctr" fontAlgn="b"/>
+                      <a:r>
+                        <a:rPr lang="en-US" sz="1800" u="none" strike="noStrike" dirty="0">
+                          <a:effectLst/>
+                        </a:rPr>
+                        <a:t>0.477</a:t>
+                      </a:r>
+                      <a:endParaRPr lang="en-US" sz="1800" b="0" i="0" u="none" strike="noStrike" dirty="0">
+                        <a:solidFill>
+                          <a:srgbClr val="000000"/>
+                        </a:solidFill>
+                        <a:effectLst/>
+                        <a:latin typeface="Calibri" panose="020F0502020204030204" pitchFamily="34" charset="0"/>
+                      </a:endParaRPr>
+                    </a:p>
+                  </a:txBody>
+                  <a:tcPr marL="9525" marR="9525" marT="9525" marB="0" anchor="b"/>
+                </a:tc>
+                <a:extLst>
+                  <a:ext uri="{0D108BD9-81ED-4DB2-BD59-A6C34878D82A}">
+                    <a16:rowId xmlns:a16="http://schemas.microsoft.com/office/drawing/2014/main" val="3851584695"/>
+                  </a:ext>
+                </a:extLst>
+              </a:tr>
+              <a:tr h="340585">
+                <a:tc>
+                  <a:txBody>
+                    <a:bodyPr/>
+                    <a:lstStyle/>
+                    <a:p>
+                      <a:pPr algn="ctr" fontAlgn="b"/>
+                      <a:r>
+                        <a:rPr lang="en-US" sz="1800" u="none" strike="noStrike">
+                          <a:effectLst/>
+                        </a:rPr>
+                        <a:t>Ultisols</a:t>
+                      </a:r>
+                      <a:endParaRPr lang="en-US" sz="1800" b="0" i="0" u="none" strike="noStrike">
+                        <a:solidFill>
+                          <a:srgbClr val="000000"/>
+                        </a:solidFill>
+                        <a:effectLst/>
+                        <a:latin typeface="Calibri" panose="020F0502020204030204" pitchFamily="34" charset="0"/>
+                      </a:endParaRPr>
+                    </a:p>
+                  </a:txBody>
+                  <a:tcPr marL="9525" marR="9525" marT="9525" marB="0" anchor="b"/>
+                </a:tc>
+                <a:tc>
+                  <a:txBody>
+                    <a:bodyPr/>
+                    <a:lstStyle/>
+                    <a:p>
+                      <a:pPr algn="ctr" fontAlgn="b"/>
+                      <a:r>
+                        <a:rPr lang="en-US" sz="1800" u="none" strike="noStrike">
+                          <a:effectLst/>
+                        </a:rPr>
+                        <a:t>0.793</a:t>
+                      </a:r>
+                      <a:endParaRPr lang="en-US" sz="1800" b="0" i="0" u="none" strike="noStrike">
+                        <a:solidFill>
+                          <a:srgbClr val="000000"/>
+                        </a:solidFill>
+                        <a:effectLst/>
+                        <a:latin typeface="Calibri" panose="020F0502020204030204" pitchFamily="34" charset="0"/>
+                      </a:endParaRPr>
+                    </a:p>
+                  </a:txBody>
+                  <a:tcPr marL="9525" marR="9525" marT="9525" marB="0" anchor="b"/>
+                </a:tc>
+                <a:extLst>
+                  <a:ext uri="{0D108BD9-81ED-4DB2-BD59-A6C34878D82A}">
+                    <a16:rowId xmlns:a16="http://schemas.microsoft.com/office/drawing/2014/main" val="695268272"/>
+                  </a:ext>
+                </a:extLst>
+              </a:tr>
+              <a:tr h="340585">
+                <a:tc>
+                  <a:txBody>
+                    <a:bodyPr/>
+                    <a:lstStyle/>
+                    <a:p>
+                      <a:pPr algn="ctr" fontAlgn="b"/>
+                      <a:r>
+                        <a:rPr lang="en-US" sz="1800" u="none" strike="noStrike">
+                          <a:effectLst/>
+                        </a:rPr>
+                        <a:t>Vertisols</a:t>
+                      </a:r>
+                      <a:endParaRPr lang="en-US" sz="1800" b="0" i="0" u="none" strike="noStrike">
+                        <a:solidFill>
+                          <a:srgbClr val="000000"/>
+                        </a:solidFill>
+                        <a:effectLst/>
+                        <a:latin typeface="Calibri" panose="020F0502020204030204" pitchFamily="34" charset="0"/>
+                      </a:endParaRPr>
+                    </a:p>
+                  </a:txBody>
+                  <a:tcPr marL="9525" marR="9525" marT="9525" marB="0" anchor="b"/>
+                </a:tc>
+                <a:tc>
+                  <a:txBody>
+                    <a:bodyPr/>
+                    <a:lstStyle/>
+                    <a:p>
+                      <a:pPr algn="ctr" fontAlgn="b"/>
+                      <a:r>
+                        <a:rPr lang="en-US" sz="1800" u="none" strike="noStrike">
+                          <a:effectLst/>
+                        </a:rPr>
+                        <a:t>0.345</a:t>
+                      </a:r>
+                      <a:endParaRPr lang="en-US" sz="1800" b="0" i="0" u="none" strike="noStrike">
+                        <a:solidFill>
+                          <a:srgbClr val="000000"/>
+                        </a:solidFill>
+                        <a:effectLst/>
+                        <a:latin typeface="Calibri" panose="020F0502020204030204" pitchFamily="34" charset="0"/>
+                      </a:endParaRPr>
+                    </a:p>
+                  </a:txBody>
+                  <a:tcPr marL="9525" marR="9525" marT="9525" marB="0" anchor="b"/>
+                </a:tc>
+                <a:extLst>
+                  <a:ext uri="{0D108BD9-81ED-4DB2-BD59-A6C34878D82A}">
+                    <a16:rowId xmlns:a16="http://schemas.microsoft.com/office/drawing/2014/main" val="3383845840"/>
+                  </a:ext>
+                </a:extLst>
+              </a:tr>
+              <a:tr h="340585">
+                <a:tc>
+                  <a:txBody>
+                    <a:bodyPr/>
+                    <a:lstStyle/>
+                    <a:p>
+                      <a:pPr algn="ctr" fontAlgn="b"/>
+                      <a:r>
+                        <a:rPr lang="en-US" sz="1800" b="1" i="1" u="none" strike="noStrike" dirty="0">
+                          <a:effectLst/>
+                        </a:rPr>
+                        <a:t>Overall</a:t>
+                      </a:r>
+                      <a:endParaRPr lang="en-US" sz="1800" b="1" i="1" u="none" strike="noStrike" dirty="0">
+                        <a:solidFill>
+                          <a:srgbClr val="000000"/>
+                        </a:solidFill>
+                        <a:effectLst/>
+                        <a:latin typeface="Calibri" panose="020F0502020204030204" pitchFamily="34" charset="0"/>
+                      </a:endParaRPr>
+                    </a:p>
+                  </a:txBody>
+                  <a:tcPr marL="9525" marR="9525" marT="9525" marB="0" anchor="b"/>
+                </a:tc>
+                <a:tc>
+                  <a:txBody>
+                    <a:bodyPr/>
+                    <a:lstStyle/>
+                    <a:p>
+                      <a:pPr algn="ctr" fontAlgn="b"/>
+                      <a:r>
+                        <a:rPr lang="en-US" sz="1800" b="1" i="1" u="none" strike="noStrike" dirty="0">
+                          <a:effectLst/>
+                        </a:rPr>
+                        <a:t>0.537</a:t>
+                      </a:r>
+                      <a:endParaRPr lang="en-US" sz="1800" b="1" i="1" u="none" strike="noStrike" dirty="0">
+                        <a:solidFill>
+                          <a:srgbClr val="000000"/>
+                        </a:solidFill>
+                        <a:effectLst/>
+                        <a:latin typeface="Calibri" panose="020F0502020204030204" pitchFamily="34" charset="0"/>
+                      </a:endParaRPr>
+                    </a:p>
+                  </a:txBody>
+                  <a:tcPr marL="9525" marR="9525" marT="9525" marB="0" anchor="b"/>
+                </a:tc>
+                <a:extLst>
+                  <a:ext uri="{0D108BD9-81ED-4DB2-BD59-A6C34878D82A}">
+                    <a16:rowId xmlns:a16="http://schemas.microsoft.com/office/drawing/2014/main" val="3966871809"/>
+                  </a:ext>
+                </a:extLst>
+              </a:tr>
+            </a:tbl>
+          </a:graphicData>
+        </a:graphic>
+      </p:graphicFrame>
+      <p:sp>
+        <p:nvSpPr>
+          <p:cNvPr id="5" name="TextBox 4"/>
+          <p:cNvSpPr txBox="1"/>
+          <p:nvPr/>
+        </p:nvSpPr>
+        <p:spPr>
+          <a:xfrm>
+            <a:off x="6619908" y="1274654"/>
+            <a:ext cx="4111382" cy="400110"/>
+          </a:xfrm>
+          <a:prstGeom prst="rect">
+            <a:avLst/>
+          </a:prstGeom>
+          <a:noFill/>
+        </p:spPr>
+        <p:txBody>
+          <a:bodyPr wrap="none" rtlCol="0">
+            <a:spAutoFit/>
+          </a:bodyPr>
+          <a:lstStyle/>
+          <a:p>
+            <a:r>
+              <a:rPr lang="en-US" altLang="zh-CN" sz="2000" dirty="0"/>
+              <a:t>LDA</a:t>
+            </a:r>
+            <a:r>
+              <a:rPr lang="zh-CN" altLang="en-US" sz="2000" dirty="0"/>
+              <a:t> </a:t>
+            </a:r>
+            <a:r>
+              <a:rPr lang="en-US" altLang="zh-CN" sz="2000" dirty="0" smtClean="0"/>
+              <a:t>on reduced- dimension database </a:t>
+            </a:r>
+            <a:endParaRPr lang="en-US" sz="2000" dirty="0"/>
+          </a:p>
+        </p:txBody>
+      </p:sp>
+      <p:pic>
+        <p:nvPicPr>
+          <p:cNvPr id="7" name="Picture 6"/>
+          <p:cNvPicPr>
+            <a:picLocks noChangeAspect="1"/>
+          </p:cNvPicPr>
+          <p:nvPr/>
+        </p:nvPicPr>
+        <p:blipFill>
+          <a:blip r:embed="rId2"/>
+          <a:stretch>
+            <a:fillRect/>
+          </a:stretch>
+        </p:blipFill>
+        <p:spPr>
+          <a:xfrm>
+            <a:off x="4626800" y="1985370"/>
+            <a:ext cx="6666667" cy="4114286"/>
+          </a:xfrm>
+          <a:prstGeom prst="rect">
+            <a:avLst/>
+          </a:prstGeom>
+        </p:spPr>
+      </p:pic>
+    </p:spTree>
+    <p:extLst>
+      <p:ext uri="{BB962C8B-B14F-4D97-AF65-F5344CB8AC3E}">
+        <p14:creationId xmlns:p14="http://schemas.microsoft.com/office/powerpoint/2010/main" val="1901341781"/>
+      </p:ext>
+    </p:extLst>
+  </p:cSld>
+  <p:clrMapOvr>
+    <a:masterClrMapping/>
+  </p:clrMapOvr>
+</p:sld>
+</file>
+
+<file path=ppt/slides/slide7.xml><?xml version="1.0" encoding="utf-8"?>
+<p:sld xmlns:a="http://schemas.openxmlformats.org/drawingml/2006/main" xmlns:r="http://schemas.openxmlformats.org/officeDocument/2006/relationships" xmlns:p="http://schemas.openxmlformats.org/presentationml/2006/main">
+  <p:cSld>
+    <p:spTree>
+      <p:nvGrpSpPr>
+        <p:cNvPr id="1" name=""/>
+        <p:cNvGrpSpPr/>
+        <p:nvPr/>
+      </p:nvGrpSpPr>
+      <p:grpSpPr>
+        <a:xfrm>
+          <a:off x="0" y="0"/>
+          <a:ext cx="0" cy="0"/>
+          <a:chOff x="0" y="0"/>
+          <a:chExt cx="0" cy="0"/>
+        </a:xfrm>
+      </p:grpSpPr>
+      <p:sp>
+        <p:nvSpPr>
+          <p:cNvPr id="2" name="Title 1"/>
+          <p:cNvSpPr>
+            <a:spLocks noGrp="1"/>
+          </p:cNvSpPr>
+          <p:nvPr>
+            <p:ph type="title"/>
+          </p:nvPr>
+        </p:nvSpPr>
+        <p:spPr/>
+        <p:txBody>
+          <a:bodyPr/>
+          <a:lstStyle/>
+          <a:p>
+            <a:r>
+              <a:rPr lang="en-US" altLang="zh-CN" dirty="0" smtClean="0"/>
+              <a:t>QDA</a:t>
+            </a:r>
+            <a:r>
+              <a:rPr lang="zh-CN" altLang="en-US" dirty="0" smtClean="0"/>
+              <a:t> </a:t>
+            </a:r>
+            <a:r>
+              <a:rPr lang="en-US" altLang="zh-CN" dirty="0"/>
+              <a:t>Results</a:t>
+            </a:r>
+            <a:r>
+              <a:rPr lang="zh-CN" altLang="en-US" dirty="0"/>
+              <a:t> </a:t>
+            </a:r>
+            <a:r>
+              <a:rPr lang="en-US" altLang="zh-CN" dirty="0"/>
+              <a:t>w/o</a:t>
+            </a:r>
+            <a:r>
+              <a:rPr lang="zh-CN" altLang="en-US" dirty="0"/>
+              <a:t> </a:t>
+            </a:r>
+            <a:r>
+              <a:rPr lang="en-US" altLang="zh-CN" dirty="0"/>
+              <a:t>PCA</a:t>
+            </a:r>
+            <a:endParaRPr lang="en-US" dirty="0"/>
+          </a:p>
+        </p:txBody>
+      </p:sp>
+      <p:sp>
+        <p:nvSpPr>
+          <p:cNvPr id="3" name="Content Placeholder 2"/>
+          <p:cNvSpPr>
+            <a:spLocks noGrp="1"/>
+          </p:cNvSpPr>
+          <p:nvPr>
+            <p:ph idx="1"/>
+          </p:nvPr>
+        </p:nvSpPr>
+        <p:spPr>
+          <a:xfrm>
+            <a:off x="608765" y="1837616"/>
+            <a:ext cx="10058400" cy="4023360"/>
+          </a:xfrm>
+        </p:spPr>
+        <p:txBody>
+          <a:bodyPr/>
+          <a:lstStyle/>
+          <a:p>
+            <a:r>
+              <a:rPr lang="en-US" dirty="0" smtClean="0"/>
+              <a:t>Results from QDA on original database </a:t>
+            </a:r>
+            <a:endParaRPr lang="en-US" dirty="0"/>
+          </a:p>
+        </p:txBody>
+      </p:sp>
+      <p:graphicFrame>
+        <p:nvGraphicFramePr>
+          <p:cNvPr id="4" name="Content Placeholder 5"/>
+          <p:cNvGraphicFramePr>
+            <a:graphicFrameLocks/>
+          </p:cNvGraphicFramePr>
+          <p:nvPr>
+            <p:extLst>
+              <p:ext uri="{D42A27DB-BD31-4B8C-83A1-F6EECF244321}">
+                <p14:modId xmlns:p14="http://schemas.microsoft.com/office/powerpoint/2010/main" val="458119803"/>
+              </p:ext>
+            </p:extLst>
+          </p:nvPr>
+        </p:nvGraphicFramePr>
+        <p:xfrm>
+          <a:off x="734024" y="2292262"/>
+          <a:ext cx="2973680" cy="3964015"/>
+        </p:xfrm>
+        <a:graphic>
+          <a:graphicData uri="http://schemas.openxmlformats.org/drawingml/2006/table">
+            <a:tbl>
+              <a:tblPr firstRow="1" bandRow="1">
+                <a:tableStyleId>{5C22544A-7EE6-4342-B048-85BDC9FD1C3A}</a:tableStyleId>
+              </a:tblPr>
+              <a:tblGrid>
+                <a:gridCol w="1486840">
+                  <a:extLst>
+                    <a:ext uri="{9D8B030D-6E8A-4147-A177-3AD203B41FA5}">
+                      <a16:colId xmlns:a16="http://schemas.microsoft.com/office/drawing/2014/main" val="1896381141"/>
+                    </a:ext>
+                  </a:extLst>
+                </a:gridCol>
+                <a:gridCol w="1486840">
+                  <a:extLst>
+                    <a:ext uri="{9D8B030D-6E8A-4147-A177-3AD203B41FA5}">
+                      <a16:colId xmlns:a16="http://schemas.microsoft.com/office/drawing/2014/main" val="3265388153"/>
+                    </a:ext>
+                  </a:extLst>
+                </a:gridCol>
+              </a:tblGrid>
+              <a:tr h="464687">
+                <a:tc>
+                  <a:txBody>
+                    <a:bodyPr/>
+                    <a:lstStyle/>
+                    <a:p>
+                      <a:pPr algn="ctr" fontAlgn="b"/>
+                      <a:r>
+                        <a:rPr lang="en-US" sz="1800" u="none" strike="noStrike" dirty="0">
+                          <a:effectLst/>
+                        </a:rPr>
+                        <a:t>Soil Order</a:t>
+                      </a:r>
+                      <a:endParaRPr lang="en-US" sz="1800" b="0" i="0" u="none" strike="noStrike" dirty="0">
+                        <a:solidFill>
+                          <a:srgbClr val="000000"/>
+                        </a:solidFill>
+                        <a:effectLst/>
+                        <a:latin typeface="Calibri" panose="020F0502020204030204" pitchFamily="34" charset="0"/>
+                      </a:endParaRPr>
+                    </a:p>
+                  </a:txBody>
+                  <a:tcPr marL="9525" marR="9525" marT="9525" marB="0" anchor="b"/>
+                </a:tc>
+                <a:tc>
+                  <a:txBody>
+                    <a:bodyPr/>
+                    <a:lstStyle/>
+                    <a:p>
+                      <a:pPr algn="ctr" fontAlgn="b"/>
+                      <a:r>
+                        <a:rPr lang="en-US" sz="1800" u="none" strike="noStrike" dirty="0">
+                          <a:effectLst/>
+                        </a:rPr>
+                        <a:t>Prediction correction </a:t>
+                      </a:r>
+                      <a:r>
+                        <a:rPr lang="en-US" sz="1800" u="none" strike="noStrike" dirty="0" smtClean="0">
+                          <a:effectLst/>
+                        </a:rPr>
+                        <a:t>rate</a:t>
+                      </a:r>
+                      <a:endParaRPr lang="en-US" sz="1800" b="0" i="0" u="none" strike="noStrike" dirty="0">
+                        <a:solidFill>
+                          <a:srgbClr val="000000"/>
+                        </a:solidFill>
+                        <a:effectLst/>
+                        <a:latin typeface="Calibri" panose="020F0502020204030204" pitchFamily="34" charset="0"/>
+                      </a:endParaRPr>
+                    </a:p>
+                  </a:txBody>
+                  <a:tcPr marL="9525" marR="9525" marT="9525" marB="0" anchor="b"/>
+                </a:tc>
+                <a:extLst>
+                  <a:ext uri="{0D108BD9-81ED-4DB2-BD59-A6C34878D82A}">
+                    <a16:rowId xmlns:a16="http://schemas.microsoft.com/office/drawing/2014/main" val="4193067108"/>
+                  </a:ext>
+                </a:extLst>
+              </a:tr>
+              <a:tr h="340585">
+                <a:tc>
+                  <a:txBody>
+                    <a:bodyPr/>
+                    <a:lstStyle/>
+                    <a:p>
+                      <a:pPr algn="ctr" fontAlgn="b"/>
+                      <a:r>
+                        <a:rPr lang="en-US" sz="1800" u="none" strike="noStrike">
+                          <a:effectLst/>
+                        </a:rPr>
+                        <a:t>Alfisols</a:t>
+                      </a:r>
+                      <a:endParaRPr lang="en-US" sz="1800" b="0" i="0" u="none" strike="noStrike">
+                        <a:solidFill>
+                          <a:srgbClr val="000000"/>
+                        </a:solidFill>
+                        <a:effectLst/>
+                        <a:latin typeface="Calibri" panose="020F0502020204030204" pitchFamily="34" charset="0"/>
+                      </a:endParaRPr>
+                    </a:p>
+                  </a:txBody>
+                  <a:tcPr marL="9525" marR="9525" marT="9525" marB="0" anchor="b"/>
+                </a:tc>
+                <a:tc>
+                  <a:txBody>
+                    <a:bodyPr/>
+                    <a:lstStyle/>
+                    <a:p>
+                      <a:pPr algn="ctr" fontAlgn="b"/>
+                      <a:r>
+                        <a:rPr lang="en-US" sz="1600" b="0" i="0" u="none" strike="noStrike">
+                          <a:solidFill>
+                            <a:srgbClr val="000000"/>
+                          </a:solidFill>
+                          <a:effectLst/>
+                          <a:latin typeface="Calibri" panose="020F0502020204030204" pitchFamily="34" charset="0"/>
+                        </a:rPr>
+                        <a:t>0.717</a:t>
+                      </a:r>
+                    </a:p>
+                  </a:txBody>
+                  <a:tcPr marL="9525" marR="9525" marT="9525" marB="0" anchor="b"/>
+                </a:tc>
+                <a:extLst>
+                  <a:ext uri="{0D108BD9-81ED-4DB2-BD59-A6C34878D82A}">
+                    <a16:rowId xmlns:a16="http://schemas.microsoft.com/office/drawing/2014/main" val="2129162000"/>
+                  </a:ext>
+                </a:extLst>
+              </a:tr>
+              <a:tr h="340585">
+                <a:tc>
+                  <a:txBody>
+                    <a:bodyPr/>
+                    <a:lstStyle/>
+                    <a:p>
+                      <a:pPr algn="ctr" fontAlgn="b"/>
+                      <a:r>
+                        <a:rPr lang="en-US" sz="1800" u="none" strike="noStrike">
+                          <a:effectLst/>
+                        </a:rPr>
+                        <a:t>Andisols</a:t>
+                      </a:r>
+                      <a:endParaRPr lang="en-US" sz="1800" b="0" i="0" u="none" strike="noStrike">
+                        <a:solidFill>
+                          <a:srgbClr val="000000"/>
+                        </a:solidFill>
+                        <a:effectLst/>
+                        <a:latin typeface="Calibri" panose="020F0502020204030204" pitchFamily="34" charset="0"/>
+                      </a:endParaRPr>
+                    </a:p>
+                  </a:txBody>
+                  <a:tcPr marL="9525" marR="9525" marT="9525" marB="0" anchor="b"/>
+                </a:tc>
+                <a:tc>
+                  <a:txBody>
+                    <a:bodyPr/>
+                    <a:lstStyle/>
+                    <a:p>
+                      <a:pPr algn="ctr" fontAlgn="b"/>
+                      <a:r>
+                        <a:rPr lang="en-US" sz="1600" b="0" i="0" u="none" strike="noStrike">
+                          <a:solidFill>
+                            <a:srgbClr val="000000"/>
+                          </a:solidFill>
+                          <a:effectLst/>
+                          <a:latin typeface="Calibri" panose="020F0502020204030204" pitchFamily="34" charset="0"/>
+                        </a:rPr>
+                        <a:t>0.324</a:t>
+                      </a:r>
+                    </a:p>
+                  </a:txBody>
+                  <a:tcPr marL="9525" marR="9525" marT="9525" marB="0" anchor="b"/>
+                </a:tc>
+                <a:extLst>
+                  <a:ext uri="{0D108BD9-81ED-4DB2-BD59-A6C34878D82A}">
+                    <a16:rowId xmlns:a16="http://schemas.microsoft.com/office/drawing/2014/main" val="2610843344"/>
+                  </a:ext>
+                </a:extLst>
+              </a:tr>
+              <a:tr h="340585">
+                <a:tc>
+                  <a:txBody>
+                    <a:bodyPr/>
+                    <a:lstStyle/>
+                    <a:p>
+                      <a:pPr algn="ctr" fontAlgn="b"/>
+                      <a:r>
+                        <a:rPr lang="en-US" sz="1800" u="none" strike="noStrike">
+                          <a:effectLst/>
+                        </a:rPr>
+                        <a:t>Aridisols</a:t>
+                      </a:r>
+                      <a:endParaRPr lang="en-US" sz="1800" b="0" i="0" u="none" strike="noStrike">
+                        <a:solidFill>
+                          <a:srgbClr val="000000"/>
+                        </a:solidFill>
+                        <a:effectLst/>
+                        <a:latin typeface="Calibri" panose="020F0502020204030204" pitchFamily="34" charset="0"/>
+                      </a:endParaRPr>
+                    </a:p>
+                  </a:txBody>
+                  <a:tcPr marL="9525" marR="9525" marT="9525" marB="0" anchor="b"/>
+                </a:tc>
+                <a:tc>
+                  <a:txBody>
+                    <a:bodyPr/>
+                    <a:lstStyle/>
+                    <a:p>
+                      <a:pPr algn="ctr" fontAlgn="b"/>
+                      <a:r>
+                        <a:rPr lang="en-US" sz="1600" b="0" i="0" u="none" strike="noStrike">
+                          <a:solidFill>
+                            <a:srgbClr val="000000"/>
+                          </a:solidFill>
+                          <a:effectLst/>
+                          <a:latin typeface="Calibri" panose="020F0502020204030204" pitchFamily="34" charset="0"/>
+                        </a:rPr>
+                        <a:t>0.615</a:t>
+                      </a:r>
+                    </a:p>
+                  </a:txBody>
+                  <a:tcPr marL="9525" marR="9525" marT="9525" marB="0" anchor="b"/>
+                </a:tc>
+                <a:extLst>
+                  <a:ext uri="{0D108BD9-81ED-4DB2-BD59-A6C34878D82A}">
+                    <a16:rowId xmlns:a16="http://schemas.microsoft.com/office/drawing/2014/main" val="2150264306"/>
+                  </a:ext>
+                </a:extLst>
+              </a:tr>
+              <a:tr h="340585">
+                <a:tc>
+                  <a:txBody>
+                    <a:bodyPr/>
+                    <a:lstStyle/>
+                    <a:p>
+                      <a:pPr algn="ctr" fontAlgn="b"/>
+                      <a:r>
+                        <a:rPr lang="en-US" sz="1800" u="none" strike="noStrike">
+                          <a:effectLst/>
+                        </a:rPr>
+                        <a:t>Inceptisols</a:t>
+                      </a:r>
+                      <a:endParaRPr lang="en-US" sz="1800" b="0" i="0" u="none" strike="noStrike">
+                        <a:solidFill>
+                          <a:srgbClr val="000000"/>
+                        </a:solidFill>
+                        <a:effectLst/>
+                        <a:latin typeface="Calibri" panose="020F0502020204030204" pitchFamily="34" charset="0"/>
+                      </a:endParaRPr>
+                    </a:p>
+                  </a:txBody>
+                  <a:tcPr marL="9525" marR="9525" marT="9525" marB="0" anchor="b"/>
+                </a:tc>
+                <a:tc>
+                  <a:txBody>
+                    <a:bodyPr/>
+                    <a:lstStyle/>
+                    <a:p>
+                      <a:pPr algn="ctr" fontAlgn="b"/>
+                      <a:r>
+                        <a:rPr lang="en-US" sz="1600" b="0" i="0" u="none" strike="noStrike">
+                          <a:solidFill>
+                            <a:srgbClr val="000000"/>
+                          </a:solidFill>
+                          <a:effectLst/>
+                          <a:latin typeface="Calibri" panose="020F0502020204030204" pitchFamily="34" charset="0"/>
+                        </a:rPr>
+                        <a:t>0.250</a:t>
+                      </a:r>
+                    </a:p>
+                  </a:txBody>
+                  <a:tcPr marL="9525" marR="9525" marT="9525" marB="0" anchor="b"/>
+                </a:tc>
+                <a:extLst>
+                  <a:ext uri="{0D108BD9-81ED-4DB2-BD59-A6C34878D82A}">
+                    <a16:rowId xmlns:a16="http://schemas.microsoft.com/office/drawing/2014/main" val="2058730632"/>
+                  </a:ext>
+                </a:extLst>
+              </a:tr>
+              <a:tr h="340585">
+                <a:tc>
+                  <a:txBody>
+                    <a:bodyPr/>
+                    <a:lstStyle/>
+                    <a:p>
+                      <a:pPr algn="ctr" fontAlgn="b"/>
+                      <a:r>
+                        <a:rPr lang="en-US" sz="1800" u="none" strike="noStrike">
+                          <a:effectLst/>
+                        </a:rPr>
+                        <a:t>Mollisols</a:t>
+                      </a:r>
+                      <a:endParaRPr lang="en-US" sz="1800" b="0" i="0" u="none" strike="noStrike">
+                        <a:solidFill>
+                          <a:srgbClr val="000000"/>
+                        </a:solidFill>
+                        <a:effectLst/>
+                        <a:latin typeface="Calibri" panose="020F0502020204030204" pitchFamily="34" charset="0"/>
+                      </a:endParaRPr>
+                    </a:p>
+                  </a:txBody>
+                  <a:tcPr marL="9525" marR="9525" marT="9525" marB="0" anchor="b"/>
+                </a:tc>
+                <a:tc>
+                  <a:txBody>
+                    <a:bodyPr/>
+                    <a:lstStyle/>
+                    <a:p>
+                      <a:pPr algn="ctr" fontAlgn="b"/>
+                      <a:r>
+                        <a:rPr lang="en-US" sz="1600" b="0" i="0" u="none" strike="noStrike">
+                          <a:solidFill>
+                            <a:srgbClr val="000000"/>
+                          </a:solidFill>
+                          <a:effectLst/>
+                          <a:latin typeface="Calibri" panose="020F0502020204030204" pitchFamily="34" charset="0"/>
+                        </a:rPr>
+                        <a:t>0.463</a:t>
+                      </a:r>
+                    </a:p>
+                  </a:txBody>
+                  <a:tcPr marL="9525" marR="9525" marT="9525" marB="0" anchor="b"/>
+                </a:tc>
+                <a:extLst>
+                  <a:ext uri="{0D108BD9-81ED-4DB2-BD59-A6C34878D82A}">
+                    <a16:rowId xmlns:a16="http://schemas.microsoft.com/office/drawing/2014/main" val="3571323669"/>
+                  </a:ext>
+                </a:extLst>
+              </a:tr>
+              <a:tr h="340585">
+                <a:tc>
+                  <a:txBody>
+                    <a:bodyPr/>
+                    <a:lstStyle/>
+                    <a:p>
+                      <a:pPr algn="ctr" fontAlgn="b"/>
+                      <a:r>
+                        <a:rPr lang="en-US" sz="1800" u="none" strike="noStrike">
+                          <a:effectLst/>
+                        </a:rPr>
+                        <a:t>Oxisols</a:t>
+                      </a:r>
+                      <a:endParaRPr lang="en-US" sz="1800" b="0" i="0" u="none" strike="noStrike">
+                        <a:solidFill>
+                          <a:srgbClr val="000000"/>
+                        </a:solidFill>
+                        <a:effectLst/>
+                        <a:latin typeface="Calibri" panose="020F0502020204030204" pitchFamily="34" charset="0"/>
+                      </a:endParaRPr>
+                    </a:p>
+                  </a:txBody>
+                  <a:tcPr marL="9525" marR="9525" marT="9525" marB="0" anchor="b"/>
+                </a:tc>
+                <a:tc>
+                  <a:txBody>
+                    <a:bodyPr/>
+                    <a:lstStyle/>
+                    <a:p>
+                      <a:pPr algn="ctr" fontAlgn="b"/>
+                      <a:r>
+                        <a:rPr lang="en-US" sz="1600" b="0" i="0" u="none" strike="noStrike">
+                          <a:solidFill>
+                            <a:srgbClr val="000000"/>
+                          </a:solidFill>
+                          <a:effectLst/>
+                          <a:latin typeface="Calibri" panose="020F0502020204030204" pitchFamily="34" charset="0"/>
+                        </a:rPr>
+                        <a:t>0.941</a:t>
+                      </a:r>
+                    </a:p>
+                  </a:txBody>
+                  <a:tcPr marL="9525" marR="9525" marT="9525" marB="0" anchor="b"/>
+                </a:tc>
+                <a:extLst>
+                  <a:ext uri="{0D108BD9-81ED-4DB2-BD59-A6C34878D82A}">
+                    <a16:rowId xmlns:a16="http://schemas.microsoft.com/office/drawing/2014/main" val="1945600114"/>
+                  </a:ext>
+                </a:extLst>
+              </a:tr>
+              <a:tr h="340585">
+                <a:tc>
+                  <a:txBody>
+                    <a:bodyPr/>
+                    <a:lstStyle/>
+                    <a:p>
+                      <a:pPr algn="ctr" fontAlgn="b"/>
+                      <a:r>
+                        <a:rPr lang="en-US" sz="1800" u="none" strike="noStrike">
+                          <a:effectLst/>
+                        </a:rPr>
+                        <a:t>Spodosols</a:t>
+                      </a:r>
+                      <a:endParaRPr lang="en-US" sz="1800" b="0" i="0" u="none" strike="noStrike">
+                        <a:solidFill>
+                          <a:srgbClr val="000000"/>
+                        </a:solidFill>
+                        <a:effectLst/>
+                        <a:latin typeface="Calibri" panose="020F0502020204030204" pitchFamily="34" charset="0"/>
+                      </a:endParaRPr>
+                    </a:p>
+                  </a:txBody>
+                  <a:tcPr marL="9525" marR="9525" marT="9525" marB="0" anchor="b"/>
+                </a:tc>
+                <a:tc>
+                  <a:txBody>
+                    <a:bodyPr/>
+                    <a:lstStyle/>
+                    <a:p>
+                      <a:pPr algn="ctr" fontAlgn="b"/>
+                      <a:r>
+                        <a:rPr lang="en-US" sz="1600" b="0" i="0" u="none" strike="noStrike">
+                          <a:solidFill>
+                            <a:srgbClr val="000000"/>
+                          </a:solidFill>
+                          <a:effectLst/>
+                          <a:latin typeface="Calibri" panose="020F0502020204030204" pitchFamily="34" charset="0"/>
+                        </a:rPr>
+                        <a:t>0.419</a:t>
+                      </a:r>
+                    </a:p>
+                  </a:txBody>
+                  <a:tcPr marL="9525" marR="9525" marT="9525" marB="0" anchor="b"/>
+                </a:tc>
+                <a:extLst>
+                  <a:ext uri="{0D108BD9-81ED-4DB2-BD59-A6C34878D82A}">
+                    <a16:rowId xmlns:a16="http://schemas.microsoft.com/office/drawing/2014/main" val="3851584695"/>
+                  </a:ext>
+                </a:extLst>
+              </a:tr>
+              <a:tr h="340585">
+                <a:tc>
+                  <a:txBody>
+                    <a:bodyPr/>
+                    <a:lstStyle/>
+                    <a:p>
+                      <a:pPr algn="ctr" fontAlgn="b"/>
+                      <a:r>
+                        <a:rPr lang="en-US" sz="1800" u="none" strike="noStrike">
+                          <a:effectLst/>
+                        </a:rPr>
+                        <a:t>Ultisols</a:t>
+                      </a:r>
+                      <a:endParaRPr lang="en-US" sz="1800" b="0" i="0" u="none" strike="noStrike">
+                        <a:solidFill>
+                          <a:srgbClr val="000000"/>
+                        </a:solidFill>
+                        <a:effectLst/>
+                        <a:latin typeface="Calibri" panose="020F0502020204030204" pitchFamily="34" charset="0"/>
+                      </a:endParaRPr>
+                    </a:p>
+                  </a:txBody>
+                  <a:tcPr marL="9525" marR="9525" marT="9525" marB="0" anchor="b"/>
+                </a:tc>
+                <a:tc>
+                  <a:txBody>
+                    <a:bodyPr/>
+                    <a:lstStyle/>
+                    <a:p>
+                      <a:pPr algn="ctr" fontAlgn="b"/>
+                      <a:r>
+                        <a:rPr lang="en-US" sz="1600" b="0" i="0" u="none" strike="noStrike">
+                          <a:solidFill>
+                            <a:srgbClr val="000000"/>
+                          </a:solidFill>
+                          <a:effectLst/>
+                          <a:latin typeface="Calibri" panose="020F0502020204030204" pitchFamily="34" charset="0"/>
+                        </a:rPr>
+                        <a:t>0.789</a:t>
+                      </a:r>
+                    </a:p>
+                  </a:txBody>
+                  <a:tcPr marL="9525" marR="9525" marT="9525" marB="0" anchor="b"/>
+                </a:tc>
+                <a:extLst>
+                  <a:ext uri="{0D108BD9-81ED-4DB2-BD59-A6C34878D82A}">
+                    <a16:rowId xmlns:a16="http://schemas.microsoft.com/office/drawing/2014/main" val="695268272"/>
+                  </a:ext>
+                </a:extLst>
+              </a:tr>
+              <a:tr h="340585">
+                <a:tc>
+                  <a:txBody>
+                    <a:bodyPr/>
+                    <a:lstStyle/>
+                    <a:p>
+                      <a:pPr algn="ctr" fontAlgn="b"/>
+                      <a:r>
+                        <a:rPr lang="en-US" sz="1800" u="none" strike="noStrike">
+                          <a:effectLst/>
+                        </a:rPr>
+                        <a:t>Vertisols</a:t>
+                      </a:r>
+                      <a:endParaRPr lang="en-US" sz="1800" b="0" i="0" u="none" strike="noStrike">
+                        <a:solidFill>
+                          <a:srgbClr val="000000"/>
+                        </a:solidFill>
+                        <a:effectLst/>
+                        <a:latin typeface="Calibri" panose="020F0502020204030204" pitchFamily="34" charset="0"/>
+                      </a:endParaRPr>
+                    </a:p>
+                  </a:txBody>
+                  <a:tcPr marL="9525" marR="9525" marT="9525" marB="0" anchor="b"/>
+                </a:tc>
+                <a:tc>
+                  <a:txBody>
+                    <a:bodyPr/>
+                    <a:lstStyle/>
+                    <a:p>
+                      <a:pPr algn="ctr" fontAlgn="b"/>
+                      <a:r>
+                        <a:rPr lang="en-US" sz="1600" b="0" i="0" u="none" strike="noStrike" dirty="0">
+                          <a:solidFill>
+                            <a:srgbClr val="000000"/>
+                          </a:solidFill>
+                          <a:effectLst/>
+                          <a:latin typeface="Calibri" panose="020F0502020204030204" pitchFamily="34" charset="0"/>
+                        </a:rPr>
+                        <a:t>0.732</a:t>
+                      </a:r>
+                    </a:p>
+                  </a:txBody>
+                  <a:tcPr marL="9525" marR="9525" marT="9525" marB="0" anchor="b"/>
+                </a:tc>
+                <a:extLst>
+                  <a:ext uri="{0D108BD9-81ED-4DB2-BD59-A6C34878D82A}">
+                    <a16:rowId xmlns:a16="http://schemas.microsoft.com/office/drawing/2014/main" val="3383845840"/>
+                  </a:ext>
+                </a:extLst>
+              </a:tr>
+              <a:tr h="340585">
+                <a:tc>
+                  <a:txBody>
+                    <a:bodyPr/>
+                    <a:lstStyle/>
+                    <a:p>
+                      <a:pPr algn="ctr" fontAlgn="b"/>
+                      <a:r>
+                        <a:rPr lang="en-US" sz="1800" b="1" i="1" u="none" strike="noStrike" dirty="0">
+                          <a:effectLst/>
+                        </a:rPr>
+                        <a:t>Overall</a:t>
+                      </a:r>
+                      <a:endParaRPr lang="en-US" sz="1800" b="1" i="1" u="none" strike="noStrike" dirty="0">
+                        <a:solidFill>
+                          <a:srgbClr val="000000"/>
+                        </a:solidFill>
+                        <a:effectLst/>
+                        <a:latin typeface="Calibri" panose="020F0502020204030204" pitchFamily="34" charset="0"/>
+                      </a:endParaRPr>
+                    </a:p>
+                  </a:txBody>
+                  <a:tcPr marL="9525" marR="9525" marT="9525" marB="0" anchor="b"/>
+                </a:tc>
+                <a:tc>
+                  <a:txBody>
+                    <a:bodyPr/>
+                    <a:lstStyle/>
+                    <a:p>
+                      <a:pPr algn="ctr" fontAlgn="b"/>
+                      <a:r>
+                        <a:rPr lang="en-US" sz="1800" b="1" i="1" u="none" strike="noStrike" dirty="0" smtClean="0">
+                          <a:effectLst/>
+                        </a:rPr>
+                        <a:t>0.580</a:t>
+                      </a:r>
+                      <a:endParaRPr lang="en-US" sz="1800" b="1" i="1" u="none" strike="noStrike" dirty="0">
+                        <a:solidFill>
+                          <a:srgbClr val="000000"/>
+                        </a:solidFill>
+                        <a:effectLst/>
+                        <a:latin typeface="Calibri" panose="020F0502020204030204" pitchFamily="34" charset="0"/>
+                      </a:endParaRPr>
+                    </a:p>
+                  </a:txBody>
+                  <a:tcPr marL="9525" marR="9525" marT="9525" marB="0" anchor="b"/>
+                </a:tc>
+                <a:extLst>
+                  <a:ext uri="{0D108BD9-81ED-4DB2-BD59-A6C34878D82A}">
+                    <a16:rowId xmlns:a16="http://schemas.microsoft.com/office/drawing/2014/main" val="3966871809"/>
+                  </a:ext>
+                </a:extLst>
+              </a:tr>
+            </a:tbl>
+          </a:graphicData>
+        </a:graphic>
+      </p:graphicFrame>
+      <p:sp>
+        <p:nvSpPr>
+          <p:cNvPr id="5" name="Rectangle 4"/>
+          <p:cNvSpPr/>
+          <p:nvPr/>
+        </p:nvSpPr>
+        <p:spPr>
+          <a:xfrm>
+            <a:off x="6250786" y="1837616"/>
+            <a:ext cx="4962320" cy="369332"/>
+          </a:xfrm>
+          <a:prstGeom prst="rect">
+            <a:avLst/>
+          </a:prstGeom>
+        </p:spPr>
+        <p:txBody>
+          <a:bodyPr wrap="none">
+            <a:spAutoFit/>
+          </a:bodyPr>
+          <a:lstStyle/>
+          <a:p>
+            <a:r>
+              <a:rPr lang="en-US" dirty="0"/>
+              <a:t>Results from QDA on </a:t>
+            </a:r>
+            <a:r>
+              <a:rPr lang="en-US" dirty="0" smtClean="0"/>
+              <a:t>Reduced-dimension database</a:t>
+            </a:r>
+            <a:endParaRPr lang="en-US" dirty="0"/>
+          </a:p>
+        </p:txBody>
+      </p:sp>
+      <p:graphicFrame>
+        <p:nvGraphicFramePr>
+          <p:cNvPr id="6" name="Content Placeholder 5"/>
+          <p:cNvGraphicFramePr>
+            <a:graphicFrameLocks/>
+          </p:cNvGraphicFramePr>
+          <p:nvPr>
+            <p:extLst>
+              <p:ext uri="{D42A27DB-BD31-4B8C-83A1-F6EECF244321}">
+                <p14:modId xmlns:p14="http://schemas.microsoft.com/office/powerpoint/2010/main" val="46500626"/>
+              </p:ext>
+            </p:extLst>
+          </p:nvPr>
+        </p:nvGraphicFramePr>
+        <p:xfrm>
+          <a:off x="7362381" y="2281823"/>
+          <a:ext cx="2973680" cy="3964015"/>
+        </p:xfrm>
+        <a:graphic>
+          <a:graphicData uri="http://schemas.openxmlformats.org/drawingml/2006/table">
+            <a:tbl>
+              <a:tblPr firstRow="1" bandRow="1">
+                <a:tableStyleId>{5C22544A-7EE6-4342-B048-85BDC9FD1C3A}</a:tableStyleId>
+              </a:tblPr>
+              <a:tblGrid>
+                <a:gridCol w="1486840">
+                  <a:extLst>
+                    <a:ext uri="{9D8B030D-6E8A-4147-A177-3AD203B41FA5}">
+                      <a16:colId xmlns:a16="http://schemas.microsoft.com/office/drawing/2014/main" val="1896381141"/>
+                    </a:ext>
+                  </a:extLst>
+                </a:gridCol>
+                <a:gridCol w="1486840">
+                  <a:extLst>
+                    <a:ext uri="{9D8B030D-6E8A-4147-A177-3AD203B41FA5}">
+                      <a16:colId xmlns:a16="http://schemas.microsoft.com/office/drawing/2014/main" val="3265388153"/>
+                    </a:ext>
+                  </a:extLst>
+                </a:gridCol>
+              </a:tblGrid>
+              <a:tr h="464687">
+                <a:tc>
+                  <a:txBody>
+                    <a:bodyPr/>
+                    <a:lstStyle/>
+                    <a:p>
+                      <a:pPr algn="ctr" fontAlgn="b"/>
+                      <a:r>
+                        <a:rPr lang="en-US" sz="1800" u="none" strike="noStrike" dirty="0">
+                          <a:effectLst/>
+                        </a:rPr>
+                        <a:t>Soil Order</a:t>
+                      </a:r>
+                      <a:endParaRPr lang="en-US" sz="1800" b="0" i="0" u="none" strike="noStrike" dirty="0">
+                        <a:solidFill>
+                          <a:srgbClr val="000000"/>
+                        </a:solidFill>
+                        <a:effectLst/>
+                        <a:latin typeface="Calibri" panose="020F0502020204030204" pitchFamily="34" charset="0"/>
+                      </a:endParaRPr>
+                    </a:p>
+                  </a:txBody>
+                  <a:tcPr marL="9525" marR="9525" marT="9525" marB="0" anchor="b"/>
+                </a:tc>
+                <a:tc>
+                  <a:txBody>
+                    <a:bodyPr/>
+                    <a:lstStyle/>
+                    <a:p>
+                      <a:pPr algn="ctr" fontAlgn="b"/>
+                      <a:r>
+                        <a:rPr lang="en-US" sz="1800" u="none" strike="noStrike" dirty="0">
+                          <a:effectLst/>
+                        </a:rPr>
+                        <a:t>Prediction correction </a:t>
+                      </a:r>
+                      <a:r>
+                        <a:rPr lang="en-US" sz="1800" u="none" strike="noStrike" dirty="0" smtClean="0">
+                          <a:effectLst/>
+                        </a:rPr>
+                        <a:t>rate</a:t>
+                      </a:r>
+                      <a:endParaRPr lang="en-US" sz="1800" b="0" i="0" u="none" strike="noStrike" dirty="0">
+                        <a:solidFill>
+                          <a:srgbClr val="000000"/>
+                        </a:solidFill>
+                        <a:effectLst/>
+                        <a:latin typeface="Calibri" panose="020F0502020204030204" pitchFamily="34" charset="0"/>
+                      </a:endParaRPr>
+                    </a:p>
+                  </a:txBody>
+                  <a:tcPr marL="9525" marR="9525" marT="9525" marB="0" anchor="b"/>
+                </a:tc>
+                <a:extLst>
+                  <a:ext uri="{0D108BD9-81ED-4DB2-BD59-A6C34878D82A}">
+                    <a16:rowId xmlns:a16="http://schemas.microsoft.com/office/drawing/2014/main" val="4193067108"/>
+                  </a:ext>
+                </a:extLst>
+              </a:tr>
+              <a:tr h="340585">
+                <a:tc>
+                  <a:txBody>
+                    <a:bodyPr/>
+                    <a:lstStyle/>
+                    <a:p>
+                      <a:pPr algn="ctr" fontAlgn="b"/>
+                      <a:r>
+                        <a:rPr lang="en-US" sz="1800" u="none" strike="noStrike">
+                          <a:effectLst/>
+                        </a:rPr>
+                        <a:t>Alfisols</a:t>
+                      </a:r>
+                      <a:endParaRPr lang="en-US" sz="1800" b="0" i="0" u="none" strike="noStrike">
+                        <a:solidFill>
+                          <a:srgbClr val="000000"/>
+                        </a:solidFill>
+                        <a:effectLst/>
+                        <a:latin typeface="Calibri" panose="020F0502020204030204" pitchFamily="34" charset="0"/>
+                      </a:endParaRPr>
+                    </a:p>
+                  </a:txBody>
+                  <a:tcPr marL="9525" marR="9525" marT="9525" marB="0" anchor="b"/>
+                </a:tc>
+                <a:tc>
+                  <a:txBody>
+                    <a:bodyPr/>
+                    <a:lstStyle/>
+                    <a:p>
+                      <a:pPr algn="ctr" fontAlgn="b"/>
+                      <a:r>
+                        <a:rPr lang="en-US" sz="1600" b="0" i="0" u="none" strike="noStrike" dirty="0">
+                          <a:solidFill>
+                            <a:srgbClr val="000000"/>
+                          </a:solidFill>
+                          <a:effectLst/>
+                          <a:latin typeface="Calibri" panose="020F0502020204030204" pitchFamily="34" charset="0"/>
+                        </a:rPr>
+                        <a:t>0.490</a:t>
+                      </a:r>
+                    </a:p>
+                  </a:txBody>
+                  <a:tcPr marL="9525" marR="9525" marT="9525" marB="0" anchor="b"/>
+                </a:tc>
+                <a:extLst>
+                  <a:ext uri="{0D108BD9-81ED-4DB2-BD59-A6C34878D82A}">
+                    <a16:rowId xmlns:a16="http://schemas.microsoft.com/office/drawing/2014/main" val="2129162000"/>
+                  </a:ext>
+                </a:extLst>
+              </a:tr>
+              <a:tr h="340585">
+                <a:tc>
+                  <a:txBody>
+                    <a:bodyPr/>
+                    <a:lstStyle/>
+                    <a:p>
+                      <a:pPr algn="ctr" fontAlgn="b"/>
+                      <a:r>
+                        <a:rPr lang="en-US" sz="1800" u="none" strike="noStrike">
+                          <a:effectLst/>
+                        </a:rPr>
+                        <a:t>Andisols</a:t>
+                      </a:r>
+                      <a:endParaRPr lang="en-US" sz="1800" b="0" i="0" u="none" strike="noStrike">
+                        <a:solidFill>
+                          <a:srgbClr val="000000"/>
+                        </a:solidFill>
+                        <a:effectLst/>
+                        <a:latin typeface="Calibri" panose="020F0502020204030204" pitchFamily="34" charset="0"/>
+                      </a:endParaRPr>
+                    </a:p>
+                  </a:txBody>
+                  <a:tcPr marL="9525" marR="9525" marT="9525" marB="0" anchor="b"/>
+                </a:tc>
+                <a:tc>
+                  <a:txBody>
+                    <a:bodyPr/>
+                    <a:lstStyle/>
+                    <a:p>
+                      <a:pPr algn="ctr" fontAlgn="b"/>
+                      <a:r>
+                        <a:rPr lang="en-US" sz="1600" b="0" i="0" u="none" strike="noStrike" dirty="0">
+                          <a:solidFill>
+                            <a:srgbClr val="000000"/>
+                          </a:solidFill>
+                          <a:effectLst/>
+                          <a:latin typeface="Calibri" panose="020F0502020204030204" pitchFamily="34" charset="0"/>
+                        </a:rPr>
+                        <a:t>0.270</a:t>
+                      </a:r>
+                    </a:p>
+                  </a:txBody>
+                  <a:tcPr marL="9525" marR="9525" marT="9525" marB="0" anchor="b"/>
+                </a:tc>
+                <a:extLst>
+                  <a:ext uri="{0D108BD9-81ED-4DB2-BD59-A6C34878D82A}">
+                    <a16:rowId xmlns:a16="http://schemas.microsoft.com/office/drawing/2014/main" val="2610843344"/>
+                  </a:ext>
+                </a:extLst>
+              </a:tr>
+              <a:tr h="340585">
+                <a:tc>
+                  <a:txBody>
+                    <a:bodyPr/>
+                    <a:lstStyle/>
+                    <a:p>
+                      <a:pPr algn="ctr" fontAlgn="b"/>
+                      <a:r>
+                        <a:rPr lang="en-US" sz="1800" u="none" strike="noStrike">
+                          <a:effectLst/>
+                        </a:rPr>
+                        <a:t>Aridisols</a:t>
+                      </a:r>
+                      <a:endParaRPr lang="en-US" sz="1800" b="0" i="0" u="none" strike="noStrike">
+                        <a:solidFill>
+                          <a:srgbClr val="000000"/>
+                        </a:solidFill>
+                        <a:effectLst/>
+                        <a:latin typeface="Calibri" panose="020F0502020204030204" pitchFamily="34" charset="0"/>
+                      </a:endParaRPr>
+                    </a:p>
+                  </a:txBody>
+                  <a:tcPr marL="9525" marR="9525" marT="9525" marB="0" anchor="b"/>
+                </a:tc>
+                <a:tc>
+                  <a:txBody>
+                    <a:bodyPr/>
+                    <a:lstStyle/>
+                    <a:p>
+                      <a:pPr algn="ctr" fontAlgn="b"/>
+                      <a:r>
+                        <a:rPr lang="en-US" sz="1600" b="0" i="0" u="none" strike="noStrike" dirty="0">
+                          <a:solidFill>
+                            <a:srgbClr val="000000"/>
+                          </a:solidFill>
+                          <a:effectLst/>
+                          <a:latin typeface="Calibri" panose="020F0502020204030204" pitchFamily="34" charset="0"/>
+                        </a:rPr>
+                        <a:t>0.719</a:t>
+                      </a:r>
+                    </a:p>
+                  </a:txBody>
+                  <a:tcPr marL="9525" marR="9525" marT="9525" marB="0" anchor="b"/>
+                </a:tc>
+                <a:extLst>
+                  <a:ext uri="{0D108BD9-81ED-4DB2-BD59-A6C34878D82A}">
+                    <a16:rowId xmlns:a16="http://schemas.microsoft.com/office/drawing/2014/main" val="2150264306"/>
+                  </a:ext>
+                </a:extLst>
+              </a:tr>
+              <a:tr h="340585">
+                <a:tc>
+                  <a:txBody>
+                    <a:bodyPr/>
+                    <a:lstStyle/>
+                    <a:p>
+                      <a:pPr algn="ctr" fontAlgn="b"/>
+                      <a:r>
+                        <a:rPr lang="en-US" sz="1800" u="none" strike="noStrike">
+                          <a:effectLst/>
+                        </a:rPr>
+                        <a:t>Inceptisols</a:t>
+                      </a:r>
+                      <a:endParaRPr lang="en-US" sz="1800" b="0" i="0" u="none" strike="noStrike">
+                        <a:solidFill>
+                          <a:srgbClr val="000000"/>
+                        </a:solidFill>
+                        <a:effectLst/>
+                        <a:latin typeface="Calibri" panose="020F0502020204030204" pitchFamily="34" charset="0"/>
+                      </a:endParaRPr>
+                    </a:p>
+                  </a:txBody>
+                  <a:tcPr marL="9525" marR="9525" marT="9525" marB="0" anchor="b"/>
+                </a:tc>
+                <a:tc>
+                  <a:txBody>
+                    <a:bodyPr/>
+                    <a:lstStyle/>
+                    <a:p>
+                      <a:pPr algn="ctr" fontAlgn="b"/>
+                      <a:r>
+                        <a:rPr lang="en-US" sz="1600" b="0" i="0" u="none" strike="noStrike" dirty="0">
+                          <a:solidFill>
+                            <a:srgbClr val="000000"/>
+                          </a:solidFill>
+                          <a:effectLst/>
+                          <a:latin typeface="Calibri" panose="020F0502020204030204" pitchFamily="34" charset="0"/>
+                        </a:rPr>
+                        <a:t>0.090</a:t>
+                      </a:r>
+                    </a:p>
+                  </a:txBody>
+                  <a:tcPr marL="9525" marR="9525" marT="9525" marB="0" anchor="b"/>
+                </a:tc>
+                <a:extLst>
+                  <a:ext uri="{0D108BD9-81ED-4DB2-BD59-A6C34878D82A}">
+                    <a16:rowId xmlns:a16="http://schemas.microsoft.com/office/drawing/2014/main" val="2058730632"/>
+                  </a:ext>
+                </a:extLst>
+              </a:tr>
+              <a:tr h="340585">
+                <a:tc>
+                  <a:txBody>
+                    <a:bodyPr/>
+                    <a:lstStyle/>
+                    <a:p>
+                      <a:pPr algn="ctr" fontAlgn="b"/>
+                      <a:r>
+                        <a:rPr lang="en-US" sz="1800" u="none" strike="noStrike">
+                          <a:effectLst/>
+                        </a:rPr>
+                        <a:t>Mollisols</a:t>
+                      </a:r>
+                      <a:endParaRPr lang="en-US" sz="1800" b="0" i="0" u="none" strike="noStrike">
+                        <a:solidFill>
+                          <a:srgbClr val="000000"/>
+                        </a:solidFill>
+                        <a:effectLst/>
+                        <a:latin typeface="Calibri" panose="020F0502020204030204" pitchFamily="34" charset="0"/>
+                      </a:endParaRPr>
+                    </a:p>
+                  </a:txBody>
+                  <a:tcPr marL="9525" marR="9525" marT="9525" marB="0" anchor="b"/>
+                </a:tc>
+                <a:tc>
+                  <a:txBody>
+                    <a:bodyPr/>
+                    <a:lstStyle/>
+                    <a:p>
+                      <a:pPr algn="ctr" fontAlgn="b"/>
+                      <a:r>
+                        <a:rPr lang="en-US" sz="1600" b="0" i="0" u="none" strike="noStrike" dirty="0">
+                          <a:solidFill>
+                            <a:srgbClr val="000000"/>
+                          </a:solidFill>
+                          <a:effectLst/>
+                          <a:latin typeface="Calibri" panose="020F0502020204030204" pitchFamily="34" charset="0"/>
+                        </a:rPr>
+                        <a:t>0.553</a:t>
+                      </a:r>
+                    </a:p>
+                  </a:txBody>
+                  <a:tcPr marL="9525" marR="9525" marT="9525" marB="0" anchor="b"/>
+                </a:tc>
+                <a:extLst>
+                  <a:ext uri="{0D108BD9-81ED-4DB2-BD59-A6C34878D82A}">
+                    <a16:rowId xmlns:a16="http://schemas.microsoft.com/office/drawing/2014/main" val="3571323669"/>
+                  </a:ext>
+                </a:extLst>
+              </a:tr>
+              <a:tr h="340585">
+                <a:tc>
+                  <a:txBody>
+                    <a:bodyPr/>
+                    <a:lstStyle/>
+                    <a:p>
+                      <a:pPr algn="ctr" fontAlgn="b"/>
+                      <a:r>
+                        <a:rPr lang="en-US" sz="1800" u="none" strike="noStrike">
+                          <a:effectLst/>
+                        </a:rPr>
+                        <a:t>Oxisols</a:t>
+                      </a:r>
+                      <a:endParaRPr lang="en-US" sz="1800" b="0" i="0" u="none" strike="noStrike">
+                        <a:solidFill>
+                          <a:srgbClr val="000000"/>
+                        </a:solidFill>
+                        <a:effectLst/>
+                        <a:latin typeface="Calibri" panose="020F0502020204030204" pitchFamily="34" charset="0"/>
+                      </a:endParaRPr>
+                    </a:p>
+                  </a:txBody>
+                  <a:tcPr marL="9525" marR="9525" marT="9525" marB="0" anchor="b"/>
+                </a:tc>
+                <a:tc>
+                  <a:txBody>
+                    <a:bodyPr/>
+                    <a:lstStyle/>
+                    <a:p>
+                      <a:pPr algn="ctr" fontAlgn="b"/>
+                      <a:r>
+                        <a:rPr lang="en-US" sz="1600" b="0" i="0" u="none" strike="noStrike" dirty="0">
+                          <a:solidFill>
+                            <a:srgbClr val="000000"/>
+                          </a:solidFill>
+                          <a:effectLst/>
+                          <a:latin typeface="Calibri" panose="020F0502020204030204" pitchFamily="34" charset="0"/>
+                        </a:rPr>
+                        <a:t>0.235</a:t>
+                      </a:r>
+                    </a:p>
+                  </a:txBody>
+                  <a:tcPr marL="9525" marR="9525" marT="9525" marB="0" anchor="b"/>
+                </a:tc>
+                <a:extLst>
+                  <a:ext uri="{0D108BD9-81ED-4DB2-BD59-A6C34878D82A}">
+                    <a16:rowId xmlns:a16="http://schemas.microsoft.com/office/drawing/2014/main" val="1945600114"/>
+                  </a:ext>
+                </a:extLst>
+              </a:tr>
+              <a:tr h="340585">
+                <a:tc>
+                  <a:txBody>
+                    <a:bodyPr/>
+                    <a:lstStyle/>
+                    <a:p>
+                      <a:pPr algn="ctr" fontAlgn="b"/>
+                      <a:r>
+                        <a:rPr lang="en-US" sz="1800" u="none" strike="noStrike">
+                          <a:effectLst/>
+                        </a:rPr>
+                        <a:t>Spodosols</a:t>
+                      </a:r>
+                      <a:endParaRPr lang="en-US" sz="1800" b="0" i="0" u="none" strike="noStrike">
+                        <a:solidFill>
+                          <a:srgbClr val="000000"/>
+                        </a:solidFill>
+                        <a:effectLst/>
+                        <a:latin typeface="Calibri" panose="020F0502020204030204" pitchFamily="34" charset="0"/>
+                      </a:endParaRPr>
+                    </a:p>
+                  </a:txBody>
+                  <a:tcPr marL="9525" marR="9525" marT="9525" marB="0" anchor="b"/>
+                </a:tc>
+                <a:tc>
+                  <a:txBody>
+                    <a:bodyPr/>
+                    <a:lstStyle/>
+                    <a:p>
+                      <a:pPr algn="ctr" fontAlgn="b"/>
+                      <a:r>
+                        <a:rPr lang="en-US" sz="1600" b="0" i="0" u="none" strike="noStrike" dirty="0">
+                          <a:solidFill>
+                            <a:srgbClr val="000000"/>
+                          </a:solidFill>
+                          <a:effectLst/>
+                          <a:latin typeface="Calibri" panose="020F0502020204030204" pitchFamily="34" charset="0"/>
+                        </a:rPr>
+                        <a:t>0.488</a:t>
+                      </a:r>
+                    </a:p>
+                  </a:txBody>
+                  <a:tcPr marL="9525" marR="9525" marT="9525" marB="0" anchor="b"/>
+                </a:tc>
+                <a:extLst>
+                  <a:ext uri="{0D108BD9-81ED-4DB2-BD59-A6C34878D82A}">
+                    <a16:rowId xmlns:a16="http://schemas.microsoft.com/office/drawing/2014/main" val="3851584695"/>
+                  </a:ext>
+                </a:extLst>
+              </a:tr>
+              <a:tr h="340585">
+                <a:tc>
+                  <a:txBody>
+                    <a:bodyPr/>
+                    <a:lstStyle/>
+                    <a:p>
+                      <a:pPr algn="ctr" fontAlgn="b"/>
+                      <a:r>
+                        <a:rPr lang="en-US" sz="1800" u="none" strike="noStrike">
+                          <a:effectLst/>
+                        </a:rPr>
+                        <a:t>Ultisols</a:t>
+                      </a:r>
+                      <a:endParaRPr lang="en-US" sz="1800" b="0" i="0" u="none" strike="noStrike">
+                        <a:solidFill>
+                          <a:srgbClr val="000000"/>
+                        </a:solidFill>
+                        <a:effectLst/>
+                        <a:latin typeface="Calibri" panose="020F0502020204030204" pitchFamily="34" charset="0"/>
+                      </a:endParaRPr>
+                    </a:p>
+                  </a:txBody>
+                  <a:tcPr marL="9525" marR="9525" marT="9525" marB="0" anchor="b"/>
+                </a:tc>
+                <a:tc>
+                  <a:txBody>
+                    <a:bodyPr/>
+                    <a:lstStyle/>
+                    <a:p>
+                      <a:pPr algn="ctr" fontAlgn="b"/>
+                      <a:r>
+                        <a:rPr lang="en-US" sz="1600" b="0" i="0" u="none" strike="noStrike" dirty="0">
+                          <a:solidFill>
+                            <a:srgbClr val="000000"/>
+                          </a:solidFill>
+                          <a:effectLst/>
+                          <a:latin typeface="Calibri" panose="020F0502020204030204" pitchFamily="34" charset="0"/>
+                        </a:rPr>
+                        <a:t>0.793</a:t>
+                      </a:r>
+                    </a:p>
+                  </a:txBody>
+                  <a:tcPr marL="9525" marR="9525" marT="9525" marB="0" anchor="b"/>
+                </a:tc>
+                <a:extLst>
+                  <a:ext uri="{0D108BD9-81ED-4DB2-BD59-A6C34878D82A}">
+                    <a16:rowId xmlns:a16="http://schemas.microsoft.com/office/drawing/2014/main" val="695268272"/>
+                  </a:ext>
+                </a:extLst>
+              </a:tr>
+              <a:tr h="340585">
+                <a:tc>
+                  <a:txBody>
+                    <a:bodyPr/>
+                    <a:lstStyle/>
+                    <a:p>
+                      <a:pPr algn="ctr" fontAlgn="b"/>
+                      <a:r>
+                        <a:rPr lang="en-US" sz="1800" u="none" strike="noStrike">
+                          <a:effectLst/>
+                        </a:rPr>
+                        <a:t>Vertisols</a:t>
+                      </a:r>
+                      <a:endParaRPr lang="en-US" sz="1800" b="0" i="0" u="none" strike="noStrike">
+                        <a:solidFill>
+                          <a:srgbClr val="000000"/>
+                        </a:solidFill>
+                        <a:effectLst/>
+                        <a:latin typeface="Calibri" panose="020F0502020204030204" pitchFamily="34" charset="0"/>
+                      </a:endParaRPr>
+                    </a:p>
+                  </a:txBody>
+                  <a:tcPr marL="9525" marR="9525" marT="9525" marB="0" anchor="b"/>
+                </a:tc>
+                <a:tc>
+                  <a:txBody>
+                    <a:bodyPr/>
+                    <a:lstStyle/>
+                    <a:p>
+                      <a:pPr algn="ctr" fontAlgn="b"/>
+                      <a:r>
+                        <a:rPr lang="en-US" sz="1600" b="0" i="0" u="none" strike="noStrike" dirty="0">
+                          <a:solidFill>
+                            <a:srgbClr val="000000"/>
+                          </a:solidFill>
+                          <a:effectLst/>
+                          <a:latin typeface="Calibri" panose="020F0502020204030204" pitchFamily="34" charset="0"/>
+                        </a:rPr>
+                        <a:t>0.641</a:t>
+                      </a:r>
+                    </a:p>
+                  </a:txBody>
+                  <a:tcPr marL="9525" marR="9525" marT="9525" marB="0" anchor="b"/>
+                </a:tc>
+                <a:extLst>
+                  <a:ext uri="{0D108BD9-81ED-4DB2-BD59-A6C34878D82A}">
+                    <a16:rowId xmlns:a16="http://schemas.microsoft.com/office/drawing/2014/main" val="3383845840"/>
+                  </a:ext>
+                </a:extLst>
+              </a:tr>
+              <a:tr h="340585">
+                <a:tc>
+                  <a:txBody>
+                    <a:bodyPr/>
+                    <a:lstStyle/>
+                    <a:p>
+                      <a:pPr algn="ctr" fontAlgn="b"/>
+                      <a:r>
+                        <a:rPr lang="en-US" sz="1800" b="1" i="1" u="none" strike="noStrike" dirty="0">
+                          <a:effectLst/>
+                        </a:rPr>
+                        <a:t>Overall</a:t>
+                      </a:r>
+                      <a:endParaRPr lang="en-US" sz="1800" b="1" i="1" u="none" strike="noStrike" dirty="0">
+                        <a:solidFill>
+                          <a:srgbClr val="000000"/>
+                        </a:solidFill>
+                        <a:effectLst/>
+                        <a:latin typeface="Calibri" panose="020F0502020204030204" pitchFamily="34" charset="0"/>
+                      </a:endParaRPr>
+                    </a:p>
+                  </a:txBody>
+                  <a:tcPr marL="9525" marR="9525" marT="9525" marB="0" anchor="b"/>
+                </a:tc>
+                <a:tc>
+                  <a:txBody>
+                    <a:bodyPr/>
+                    <a:lstStyle/>
+                    <a:p>
+                      <a:pPr algn="ctr" fontAlgn="b"/>
+                      <a:r>
+                        <a:rPr lang="en-US" sz="1800" b="1" i="1" u="none" strike="noStrike" dirty="0" smtClean="0">
+                          <a:effectLst/>
+                        </a:rPr>
+                        <a:t>0.538</a:t>
+                      </a:r>
+                      <a:endParaRPr lang="en-US" sz="1800" b="1" i="1" u="none" strike="noStrike" dirty="0">
+                        <a:solidFill>
+                          <a:srgbClr val="000000"/>
+                        </a:solidFill>
+                        <a:effectLst/>
+                        <a:latin typeface="Calibri" panose="020F0502020204030204" pitchFamily="34" charset="0"/>
+                      </a:endParaRPr>
+                    </a:p>
+                  </a:txBody>
+                  <a:tcPr marL="9525" marR="9525" marT="9525" marB="0" anchor="b"/>
+                </a:tc>
+                <a:extLst>
+                  <a:ext uri="{0D108BD9-81ED-4DB2-BD59-A6C34878D82A}">
+                    <a16:rowId xmlns:a16="http://schemas.microsoft.com/office/drawing/2014/main" val="3966871809"/>
+                  </a:ext>
+                </a:extLst>
+              </a:tr>
+            </a:tbl>
+          </a:graphicData>
+        </a:graphic>
+      </p:graphicFrame>
+    </p:spTree>
+    <p:extLst>
+      <p:ext uri="{BB962C8B-B14F-4D97-AF65-F5344CB8AC3E}">
+        <p14:creationId xmlns:p14="http://schemas.microsoft.com/office/powerpoint/2010/main" val="529502071"/>
+      </p:ext>
+    </p:extLst>
+  </p:cSld>
+  <p:clrMapOvr>
+    <a:masterClrMapping/>
+  </p:clrMapOvr>
+</p:sld>
+</file>
+
+<file path=ppt/slides/slide8.xml><?xml version="1.0" encoding="utf-8"?>
+<p:sld xmlns:a="http://schemas.openxmlformats.org/drawingml/2006/main" xmlns:r="http://schemas.openxmlformats.org/officeDocument/2006/relationships" xmlns:p="http://schemas.openxmlformats.org/presentationml/2006/main">
+  <p:cSld>
+    <p:spTree>
+      <p:nvGrpSpPr>
+        <p:cNvPr id="1" name=""/>
+        <p:cNvGrpSpPr/>
+        <p:nvPr/>
+      </p:nvGrpSpPr>
+      <p:grpSpPr>
+        <a:xfrm>
+          <a:off x="0" y="0"/>
+          <a:ext cx="0" cy="0"/>
+          <a:chOff x="0" y="0"/>
+          <a:chExt cx="0" cy="0"/>
+        </a:xfrm>
+      </p:grpSpPr>
+      <p:sp>
+        <p:nvSpPr>
+          <p:cNvPr id="2" name="Title 1"/>
+          <p:cNvSpPr>
+            <a:spLocks noGrp="1"/>
+          </p:cNvSpPr>
+          <p:nvPr>
+            <p:ph type="title"/>
+          </p:nvPr>
+        </p:nvSpPr>
+        <p:spPr/>
+        <p:txBody>
+          <a:bodyPr/>
+          <a:lstStyle/>
+          <a:p>
+            <a:r>
               <a:rPr lang="en-US" altLang="zh-CN" dirty="0" smtClean="0"/>
               <a:t>Log</a:t>
             </a:r>
@@ -4490,7 +9601,7 @@
 </p:sld>
 </file>
 
-<file path=ppt/slides/slide7.xml><?xml version="1.0" encoding="utf-8"?>
+<file path=ppt/slides/slide9.xml><?xml version="1.0" encoding="utf-8"?>
 <p:sld xmlns:a="http://schemas.openxmlformats.org/drawingml/2006/main" xmlns:r="http://schemas.openxmlformats.org/officeDocument/2006/relationships" xmlns:p="http://schemas.openxmlformats.org/presentationml/2006/main">
   <p:cSld>
     <p:spTree>
@@ -4862,7 +9973,7 @@
   <a:extraClrSchemeLst/>
   <a:extLst>
     <a:ext uri="{05A4C25C-085E-4340-85A3-A5531E510DB2}">
-      <thm15:themeFamily xmlns:thm15="http://schemas.microsoft.com/office/thememl/2012/main" xmlns="" name="Retrospect" id="{5F128B03-DCCA-4EEB-AB3B-CF2899314A46}" vid="{3F1AAB62-24C6-49D2-8E01-B56FAC9A3DCD}"/>
+      <thm15:themeFamily xmlns:thm15="http://schemas.microsoft.com/office/thememl/2012/main" name="Retrospect" id="{5F128B03-DCCA-4EEB-AB3B-CF2899314A46}" vid="{3F1AAB62-24C6-49D2-8E01-B56FAC9A3DCD}"/>
     </a:ext>
   </a:extLst>
 </a:theme>

--- a/Project1Slides.pptx
+++ b/Project1Slides.pptx
@@ -4201,7 +4201,6 @@
               <a:rPr lang="en-US" sz="2000" dirty="0"/>
               <a:t>classification group (soil order). </a:t>
             </a:r>
-            <a:endParaRPr lang="en-US" sz="2000" dirty="0"/>
           </a:p>
         </p:txBody>
       </p:sp>
@@ -4280,14 +4279,26 @@
             <p:ph idx="1"/>
           </p:nvPr>
         </p:nvSpPr>
-        <p:spPr/>
+        <p:spPr>
+          <a:xfrm>
+            <a:off x="1097280" y="2207380"/>
+            <a:ext cx="10058400" cy="4023360"/>
+          </a:xfrm>
+        </p:spPr>
         <p:txBody>
           <a:bodyPr/>
           <a:lstStyle/>
           <a:p>
+            <a:pPr marL="0" indent="0">
+              <a:buNone/>
+            </a:pPr>
+            <a:r>
+              <a:rPr lang="en-US" altLang="zh-CN" dirty="0"/>
+              <a:t>Linear Discriminant </a:t>
+            </a:r>
             <a:r>
               <a:rPr lang="en-US" altLang="zh-CN" dirty="0" smtClean="0"/>
-              <a:t>LDA</a:t>
+              <a:t>Analysis (LDA)</a:t>
             </a:r>
             <a:r>
               <a:rPr lang="zh-CN" altLang="en-US" dirty="0" smtClean="0"/>
@@ -4299,12 +4310,16 @@
             <a:endParaRPr lang="en-US" dirty="0"/>
           </a:p>
           <a:p>
-            <a:endParaRPr lang="en-US" altLang="zh-CN" dirty="0" smtClean="0"/>
-          </a:p>
-          <a:p>
+            <a:pPr marL="0" indent="0">
+              <a:buNone/>
+            </a:pPr>
+            <a:r>
+              <a:rPr lang="en-US" altLang="zh-CN" dirty="0"/>
+              <a:t>Quadratic Discriminant </a:t>
+            </a:r>
             <a:r>
               <a:rPr lang="en-US" altLang="zh-CN" dirty="0" smtClean="0"/>
-              <a:t>QDA</a:t>
+              <a:t>Analysis (QDA)</a:t>
             </a:r>
             <a:r>
               <a:rPr lang="zh-CN" altLang="en-US" dirty="0" smtClean="0"/>
@@ -4322,8 +4337,9 @@
             </a:r>
             <a:r>
               <a:rPr lang="en-US" altLang="zh-CN" dirty="0" smtClean="0"/>
-              <a:t>Regression: Cross-validation </a:t>
-            </a:r>
+              <a:t>Regression</a:t>
+            </a:r>
+            <a:endParaRPr lang="en-US" altLang="zh-CN" dirty="0" smtClean="0"/>
           </a:p>
           <a:p>
             <a:r>
@@ -4353,8 +4369,8 @@
         </p:nvSpPr>
         <p:spPr>
           <a:xfrm>
-            <a:off x="1920240" y="1897986"/>
-            <a:ext cx="248194" cy="1537546"/>
+            <a:off x="5631264" y="2207380"/>
+            <a:ext cx="118183" cy="2011680"/>
           </a:xfrm>
           <a:prstGeom prst="rightBrace">
             <a:avLst/>
@@ -4396,7 +4412,7 @@
         </p:nvSpPr>
         <p:spPr>
           <a:xfrm>
-            <a:off x="2403566" y="2291341"/>
+            <a:off x="6061166" y="2937671"/>
             <a:ext cx="3534942" cy="646331"/>
           </a:xfrm>
           <a:prstGeom prst="rect">

--- a/Project1Slides.pptx
+++ b/Project1Slides.pptx
@@ -114,7 +114,7 @@
   </p:defaultTextStyle>
   <p:extLst>
     <p:ext uri="{EFAFB233-063F-42B5-8137-9DF3F51BA10A}">
-      <p15:sldGuideLst xmlns:p15="http://schemas.microsoft.com/office/powerpoint/2012/main">
+      <p15:sldGuideLst xmlns:p15="http://schemas.microsoft.com/office/powerpoint/2012/main" xmlns="">
         <p15:guide id="1" orient="horz" pos="2160">
           <p15:clr>
             <a:srgbClr val="A4A3A4"/>
@@ -357,7 +357,7 @@
           <a:p>
             <a:fld id="{A0983565-F877-DB42-ACB5-B43079C6C368}" type="datetimeFigureOut">
               <a:rPr lang="en-US" smtClean="0"/>
-              <a:t>2/19/2018</a:t>
+              <a:t>2/19/18</a:t>
             </a:fld>
             <a:endParaRPr lang="en-US"/>
           </a:p>
@@ -565,7 +565,7 @@
           <a:p>
             <a:fld id="{A0983565-F877-DB42-ACB5-B43079C6C368}" type="datetimeFigureOut">
               <a:rPr lang="en-US" smtClean="0"/>
-              <a:t>2/19/2018</a:t>
+              <a:t>2/19/18</a:t>
             </a:fld>
             <a:endParaRPr lang="en-US"/>
           </a:p>
@@ -821,7 +821,7 @@
           <a:p>
             <a:fld id="{A0983565-F877-DB42-ACB5-B43079C6C368}" type="datetimeFigureOut">
               <a:rPr lang="en-US" smtClean="0"/>
-              <a:t>2/19/2018</a:t>
+              <a:t>2/19/18</a:t>
             </a:fld>
             <a:endParaRPr lang="en-US"/>
           </a:p>
@@ -995,7 +995,7 @@
           <a:p>
             <a:fld id="{A0983565-F877-DB42-ACB5-B43079C6C368}" type="datetimeFigureOut">
               <a:rPr lang="en-US" smtClean="0"/>
-              <a:t>2/19/2018</a:t>
+              <a:t>2/19/18</a:t>
             </a:fld>
             <a:endParaRPr lang="en-US"/>
           </a:p>
@@ -1338,7 +1338,7 @@
           <a:p>
             <a:fld id="{A0983565-F877-DB42-ACB5-B43079C6C368}" type="datetimeFigureOut">
               <a:rPr lang="en-US" smtClean="0"/>
-              <a:t>2/19/2018</a:t>
+              <a:t>2/19/18</a:t>
             </a:fld>
             <a:endParaRPr lang="en-US"/>
           </a:p>
@@ -1613,7 +1613,7 @@
           <a:p>
             <a:fld id="{A0983565-F877-DB42-ACB5-B43079C6C368}" type="datetimeFigureOut">
               <a:rPr lang="en-US" smtClean="0"/>
-              <a:t>2/19/2018</a:t>
+              <a:t>2/19/18</a:t>
             </a:fld>
             <a:endParaRPr lang="en-US"/>
           </a:p>
@@ -1992,7 +1992,7 @@
           <a:p>
             <a:fld id="{A0983565-F877-DB42-ACB5-B43079C6C368}" type="datetimeFigureOut">
               <a:rPr lang="en-US" smtClean="0"/>
-              <a:t>2/19/2018</a:t>
+              <a:t>2/19/18</a:t>
             </a:fld>
             <a:endParaRPr lang="en-US"/>
           </a:p>
@@ -2110,7 +2110,7 @@
           <a:p>
             <a:fld id="{A0983565-F877-DB42-ACB5-B43079C6C368}" type="datetimeFigureOut">
               <a:rPr lang="en-US" smtClean="0"/>
-              <a:t>2/19/2018</a:t>
+              <a:t>2/19/18</a:t>
             </a:fld>
             <a:endParaRPr lang="en-US"/>
           </a:p>
@@ -2281,7 +2281,7 @@
           <a:p>
             <a:fld id="{A0983565-F877-DB42-ACB5-B43079C6C368}" type="datetimeFigureOut">
               <a:rPr lang="en-US" smtClean="0"/>
-              <a:t>2/19/2018</a:t>
+              <a:t>2/19/18</a:t>
             </a:fld>
             <a:endParaRPr lang="en-US"/>
           </a:p>
@@ -2635,7 +2635,7 @@
           <a:p>
             <a:fld id="{A0983565-F877-DB42-ACB5-B43079C6C368}" type="datetimeFigureOut">
               <a:rPr lang="en-US" smtClean="0"/>
-              <a:t>2/19/2018</a:t>
+              <a:t>2/19/18</a:t>
             </a:fld>
             <a:endParaRPr lang="en-US"/>
           </a:p>
@@ -3017,7 +3017,7 @@
           <a:p>
             <a:fld id="{A0983565-F877-DB42-ACB5-B43079C6C368}" type="datetimeFigureOut">
               <a:rPr lang="en-US" smtClean="0"/>
-              <a:t>2/19/2018</a:t>
+              <a:t>2/19/18</a:t>
             </a:fld>
             <a:endParaRPr lang="en-US"/>
           </a:p>
@@ -3304,7 +3304,7 @@
           <a:p>
             <a:fld id="{A0983565-F877-DB42-ACB5-B43079C6C368}" type="datetimeFigureOut">
               <a:rPr lang="en-US" smtClean="0"/>
-              <a:t>2/19/2018</a:t>
+              <a:t>2/19/18</a:t>
             </a:fld>
             <a:endParaRPr lang="en-US"/>
           </a:p>
@@ -3810,7 +3810,7 @@
   </p:txStyles>
   <p:extLst>
     <p:ext uri="{27BBF7A9-308A-43DC-89C8-2F10F3537804}">
-      <p15:sldGuideLst xmlns:p15="http://schemas.microsoft.com/office/powerpoint/2012/main"/>
+      <p15:sldGuideLst xmlns:p15="http://schemas.microsoft.com/office/powerpoint/2012/main" xmlns=""/>
     </p:ext>
   </p:extLst>
 </p:sldMaster>
@@ -4195,11 +4195,27 @@
             </a:pPr>
             <a:r>
               <a:rPr lang="en-US" sz="2000" dirty="0" smtClean="0"/>
-              <a:t>Response Variable: soil </a:t>
+              <a:t>Response Variable</a:t>
+            </a:r>
+            <a:r>
+              <a:rPr lang="en-US" sz="2000" dirty="0" smtClean="0"/>
+              <a:t>: 9 </a:t>
+            </a:r>
+            <a:r>
+              <a:rPr lang="en-US" sz="2000" dirty="0" smtClean="0"/>
+              <a:t>soil </a:t>
             </a:r>
             <a:r>
               <a:rPr lang="en-US" sz="2000" dirty="0"/>
-              <a:t>classification group (soil order). </a:t>
+              <a:t>classification </a:t>
+            </a:r>
+            <a:r>
+              <a:rPr lang="en-US" sz="2000" dirty="0" smtClean="0"/>
+              <a:t>groups </a:t>
+            </a:r>
+            <a:r>
+              <a:rPr lang="en-US" sz="2000" dirty="0"/>
+              <a:t>(soil order). </a:t>
             </a:r>
           </a:p>
         </p:txBody>
@@ -4339,22 +4355,6 @@
               <a:rPr lang="en-US" altLang="zh-CN" dirty="0" smtClean="0"/>
               <a:t>Regression</a:t>
             </a:r>
-            <a:endParaRPr lang="en-US" altLang="zh-CN" dirty="0" smtClean="0"/>
-          </a:p>
-          <a:p>
-            <a:r>
-              <a:rPr lang="en-US" dirty="0" smtClean="0">
-                <a:solidFill>
-                  <a:srgbClr val="FF0000"/>
-                </a:solidFill>
-              </a:rPr>
-              <a:t>Fei: maybe we can talk more about why it has to be multinomial? </a:t>
-            </a:r>
-            <a:endParaRPr lang="en-US" dirty="0">
-              <a:solidFill>
-                <a:srgbClr val="FF0000"/>
-              </a:solidFill>
-            </a:endParaRPr>
           </a:p>
           <a:p>
             <a:endParaRPr lang="en-US" dirty="0"/>
@@ -4571,7 +4571,7 @@
         </p:nvGraphicFramePr>
         <p:xfrm>
           <a:off x="847721" y="1846336"/>
-          <a:ext cx="3292808" cy="4330690"/>
+          <a:ext cx="3292808" cy="4330689"/>
         </p:xfrm>
         <a:graphic>
           <a:graphicData uri="http://schemas.openxmlformats.org/drawingml/2006/table">
@@ -4583,14 +4583,14 @@
                 <a:gridCol w="1646404">
                   <a:extLst>
                     <a:ext uri="{9D8B030D-6E8A-4147-A177-3AD203B41FA5}">
-                      <a16:colId xmlns:a16="http://schemas.microsoft.com/office/drawing/2014/main" val="3140344323"/>
+                      <a16:colId xmlns:a16="http://schemas.microsoft.com/office/drawing/2014/main" xmlns="" val="3140344323"/>
                     </a:ext>
                   </a:extLst>
                 </a:gridCol>
                 <a:gridCol w="1646404">
                   <a:extLst>
                     <a:ext uri="{9D8B030D-6E8A-4147-A177-3AD203B41FA5}">
-                      <a16:colId xmlns:a16="http://schemas.microsoft.com/office/drawing/2014/main" val="3031573191"/>
+                      <a16:colId xmlns:a16="http://schemas.microsoft.com/office/drawing/2014/main" xmlns="" val="3031573191"/>
                     </a:ext>
                   </a:extLst>
                 </a:gridCol>
@@ -4650,7 +4650,7 @@
                 </a:tc>
                 <a:extLst>
                   <a:ext uri="{0D108BD9-81ED-4DB2-BD59-A6C34878D82A}">
-                    <a16:rowId xmlns:a16="http://schemas.microsoft.com/office/drawing/2014/main" val="2267399532"/>
+                    <a16:rowId xmlns:a16="http://schemas.microsoft.com/office/drawing/2014/main" xmlns="" val="2267399532"/>
                   </a:ext>
                 </a:extLst>
               </a:tr>
@@ -4703,7 +4703,7 @@
                 </a:tc>
                 <a:extLst>
                   <a:ext uri="{0D108BD9-81ED-4DB2-BD59-A6C34878D82A}">
-                    <a16:rowId xmlns:a16="http://schemas.microsoft.com/office/drawing/2014/main" val="1236980502"/>
+                    <a16:rowId xmlns:a16="http://schemas.microsoft.com/office/drawing/2014/main" xmlns="" val="1236980502"/>
                   </a:ext>
                 </a:extLst>
               </a:tr>
@@ -4756,7 +4756,7 @@
                 </a:tc>
                 <a:extLst>
                   <a:ext uri="{0D108BD9-81ED-4DB2-BD59-A6C34878D82A}">
-                    <a16:rowId xmlns:a16="http://schemas.microsoft.com/office/drawing/2014/main" val="254850676"/>
+                    <a16:rowId xmlns:a16="http://schemas.microsoft.com/office/drawing/2014/main" xmlns="" val="254850676"/>
                   </a:ext>
                 </a:extLst>
               </a:tr>
@@ -4809,7 +4809,7 @@
                 </a:tc>
                 <a:extLst>
                   <a:ext uri="{0D108BD9-81ED-4DB2-BD59-A6C34878D82A}">
-                    <a16:rowId xmlns:a16="http://schemas.microsoft.com/office/drawing/2014/main" val="2504185095"/>
+                    <a16:rowId xmlns:a16="http://schemas.microsoft.com/office/drawing/2014/main" xmlns="" val="2504185095"/>
                   </a:ext>
                 </a:extLst>
               </a:tr>
@@ -4862,7 +4862,7 @@
                 </a:tc>
                 <a:extLst>
                   <a:ext uri="{0D108BD9-81ED-4DB2-BD59-A6C34878D82A}">
-                    <a16:rowId xmlns:a16="http://schemas.microsoft.com/office/drawing/2014/main" val="3414866897"/>
+                    <a16:rowId xmlns:a16="http://schemas.microsoft.com/office/drawing/2014/main" xmlns="" val="3414866897"/>
                   </a:ext>
                 </a:extLst>
               </a:tr>
@@ -4915,7 +4915,7 @@
                 </a:tc>
                 <a:extLst>
                   <a:ext uri="{0D108BD9-81ED-4DB2-BD59-A6C34878D82A}">
-                    <a16:rowId xmlns:a16="http://schemas.microsoft.com/office/drawing/2014/main" val="2636283831"/>
+                    <a16:rowId xmlns:a16="http://schemas.microsoft.com/office/drawing/2014/main" xmlns="" val="2636283831"/>
                   </a:ext>
                 </a:extLst>
               </a:tr>
@@ -4968,7 +4968,7 @@
                 </a:tc>
                 <a:extLst>
                   <a:ext uri="{0D108BD9-81ED-4DB2-BD59-A6C34878D82A}">
-                    <a16:rowId xmlns:a16="http://schemas.microsoft.com/office/drawing/2014/main" val="2854849710"/>
+                    <a16:rowId xmlns:a16="http://schemas.microsoft.com/office/drawing/2014/main" xmlns="" val="2854849710"/>
                   </a:ext>
                 </a:extLst>
               </a:tr>
@@ -5021,7 +5021,7 @@
                 </a:tc>
                 <a:extLst>
                   <a:ext uri="{0D108BD9-81ED-4DB2-BD59-A6C34878D82A}">
-                    <a16:rowId xmlns:a16="http://schemas.microsoft.com/office/drawing/2014/main" val="659468809"/>
+                    <a16:rowId xmlns:a16="http://schemas.microsoft.com/office/drawing/2014/main" xmlns="" val="659468809"/>
                   </a:ext>
                 </a:extLst>
               </a:tr>
@@ -5074,7 +5074,7 @@
                 </a:tc>
                 <a:extLst>
                   <a:ext uri="{0D108BD9-81ED-4DB2-BD59-A6C34878D82A}">
-                    <a16:rowId xmlns:a16="http://schemas.microsoft.com/office/drawing/2014/main" val="1626067072"/>
+                    <a16:rowId xmlns:a16="http://schemas.microsoft.com/office/drawing/2014/main" xmlns="" val="1626067072"/>
                   </a:ext>
                 </a:extLst>
               </a:tr>
@@ -5127,7 +5127,7 @@
                 </a:tc>
                 <a:extLst>
                   <a:ext uri="{0D108BD9-81ED-4DB2-BD59-A6C34878D82A}">
-                    <a16:rowId xmlns:a16="http://schemas.microsoft.com/office/drawing/2014/main" val="3778050048"/>
+                    <a16:rowId xmlns:a16="http://schemas.microsoft.com/office/drawing/2014/main" xmlns="" val="3778050048"/>
                   </a:ext>
                 </a:extLst>
               </a:tr>
@@ -5198,7 +5198,7 @@
                 </a:tc>
                 <a:extLst>
                   <a:ext uri="{0D108BD9-81ED-4DB2-BD59-A6C34878D82A}">
-                    <a16:rowId xmlns:a16="http://schemas.microsoft.com/office/drawing/2014/main" val="4138240308"/>
+                    <a16:rowId xmlns:a16="http://schemas.microsoft.com/office/drawing/2014/main" xmlns="" val="4138240308"/>
                   </a:ext>
                 </a:extLst>
               </a:tr>
@@ -5382,63 +5382,63 @@
                 <a:gridCol w="1941534">
                   <a:extLst>
                     <a:ext uri="{9D8B030D-6E8A-4147-A177-3AD203B41FA5}">
-                      <a16:colId xmlns:a16="http://schemas.microsoft.com/office/drawing/2014/main" val="953060514"/>
+                      <a16:colId xmlns:a16="http://schemas.microsoft.com/office/drawing/2014/main" xmlns="" val="953060514"/>
                     </a:ext>
                   </a:extLst>
                 </a:gridCol>
                 <a:gridCol w="1011477">
                   <a:extLst>
                     <a:ext uri="{9D8B030D-6E8A-4147-A177-3AD203B41FA5}">
-                      <a16:colId xmlns:a16="http://schemas.microsoft.com/office/drawing/2014/main" val="767976886"/>
+                      <a16:colId xmlns:a16="http://schemas.microsoft.com/office/drawing/2014/main" xmlns="" val="767976886"/>
                     </a:ext>
                   </a:extLst>
                 </a:gridCol>
                 <a:gridCol w="1011477">
                   <a:extLst>
                     <a:ext uri="{9D8B030D-6E8A-4147-A177-3AD203B41FA5}">
-                      <a16:colId xmlns:a16="http://schemas.microsoft.com/office/drawing/2014/main" val="2264140971"/>
+                      <a16:colId xmlns:a16="http://schemas.microsoft.com/office/drawing/2014/main" xmlns="" val="2264140971"/>
                     </a:ext>
                   </a:extLst>
                 </a:gridCol>
                 <a:gridCol w="1011477">
                   <a:extLst>
                     <a:ext uri="{9D8B030D-6E8A-4147-A177-3AD203B41FA5}">
-                      <a16:colId xmlns:a16="http://schemas.microsoft.com/office/drawing/2014/main" val="3244866279"/>
+                      <a16:colId xmlns:a16="http://schemas.microsoft.com/office/drawing/2014/main" xmlns="" val="3244866279"/>
                     </a:ext>
                   </a:extLst>
                 </a:gridCol>
                 <a:gridCol w="1011477">
                   <a:extLst>
                     <a:ext uri="{9D8B030D-6E8A-4147-A177-3AD203B41FA5}">
-                      <a16:colId xmlns:a16="http://schemas.microsoft.com/office/drawing/2014/main" val="3666229127"/>
+                      <a16:colId xmlns:a16="http://schemas.microsoft.com/office/drawing/2014/main" xmlns="" val="3666229127"/>
                     </a:ext>
                   </a:extLst>
                 </a:gridCol>
                 <a:gridCol w="1011477">
                   <a:extLst>
                     <a:ext uri="{9D8B030D-6E8A-4147-A177-3AD203B41FA5}">
-                      <a16:colId xmlns:a16="http://schemas.microsoft.com/office/drawing/2014/main" val="2639360683"/>
+                      <a16:colId xmlns:a16="http://schemas.microsoft.com/office/drawing/2014/main" xmlns="" val="2639360683"/>
                     </a:ext>
                   </a:extLst>
                 </a:gridCol>
                 <a:gridCol w="1011477">
                   <a:extLst>
                     <a:ext uri="{9D8B030D-6E8A-4147-A177-3AD203B41FA5}">
-                      <a16:colId xmlns:a16="http://schemas.microsoft.com/office/drawing/2014/main" val="612403726"/>
+                      <a16:colId xmlns:a16="http://schemas.microsoft.com/office/drawing/2014/main" xmlns="" val="612403726"/>
                     </a:ext>
                   </a:extLst>
                 </a:gridCol>
                 <a:gridCol w="1011477">
                   <a:extLst>
                     <a:ext uri="{9D8B030D-6E8A-4147-A177-3AD203B41FA5}">
-                      <a16:colId xmlns:a16="http://schemas.microsoft.com/office/drawing/2014/main" val="1520712259"/>
+                      <a16:colId xmlns:a16="http://schemas.microsoft.com/office/drawing/2014/main" xmlns="" val="1520712259"/>
                     </a:ext>
                   </a:extLst>
                 </a:gridCol>
                 <a:gridCol w="1011477">
                   <a:extLst>
                     <a:ext uri="{9D8B030D-6E8A-4147-A177-3AD203B41FA5}">
-                      <a16:colId xmlns:a16="http://schemas.microsoft.com/office/drawing/2014/main" val="3830094917"/>
+                      <a16:colId xmlns:a16="http://schemas.microsoft.com/office/drawing/2014/main" xmlns="" val="3830094917"/>
                     </a:ext>
                   </a:extLst>
                 </a:gridCol>
@@ -5675,7 +5675,7 @@
                 </a:tc>
                 <a:extLst>
                   <a:ext uri="{0D108BD9-81ED-4DB2-BD59-A6C34878D82A}">
-                    <a16:rowId xmlns:a16="http://schemas.microsoft.com/office/drawing/2014/main" val="1610753384"/>
+                    <a16:rowId xmlns:a16="http://schemas.microsoft.com/office/drawing/2014/main" xmlns="" val="1610753384"/>
                   </a:ext>
                 </a:extLst>
               </a:tr>
@@ -5865,7 +5865,7 @@
                 </a:tc>
                 <a:extLst>
                   <a:ext uri="{0D108BD9-81ED-4DB2-BD59-A6C34878D82A}">
-                    <a16:rowId xmlns:a16="http://schemas.microsoft.com/office/drawing/2014/main" val="110836604"/>
+                    <a16:rowId xmlns:a16="http://schemas.microsoft.com/office/drawing/2014/main" xmlns="" val="110836604"/>
                   </a:ext>
                 </a:extLst>
               </a:tr>
@@ -6055,7 +6055,7 @@
                 </a:tc>
                 <a:extLst>
                   <a:ext uri="{0D108BD9-81ED-4DB2-BD59-A6C34878D82A}">
-                    <a16:rowId xmlns:a16="http://schemas.microsoft.com/office/drawing/2014/main" val="3084985693"/>
+                    <a16:rowId xmlns:a16="http://schemas.microsoft.com/office/drawing/2014/main" xmlns="" val="3084985693"/>
                   </a:ext>
                 </a:extLst>
               </a:tr>
@@ -6245,7 +6245,7 @@
                 </a:tc>
                 <a:extLst>
                   <a:ext uri="{0D108BD9-81ED-4DB2-BD59-A6C34878D82A}">
-                    <a16:rowId xmlns:a16="http://schemas.microsoft.com/office/drawing/2014/main" val="1619339133"/>
+                    <a16:rowId xmlns:a16="http://schemas.microsoft.com/office/drawing/2014/main" xmlns="" val="1619339133"/>
                   </a:ext>
                 </a:extLst>
               </a:tr>
@@ -6281,35 +6281,35 @@
                 <a:gridCol w="1532443">
                   <a:extLst>
                     <a:ext uri="{9D8B030D-6E8A-4147-A177-3AD203B41FA5}">
-                      <a16:colId xmlns:a16="http://schemas.microsoft.com/office/drawing/2014/main" val="2442033081"/>
+                      <a16:colId xmlns:a16="http://schemas.microsoft.com/office/drawing/2014/main" xmlns="" val="2442033081"/>
                     </a:ext>
                   </a:extLst>
                 </a:gridCol>
                 <a:gridCol w="1026067">
                   <a:extLst>
                     <a:ext uri="{9D8B030D-6E8A-4147-A177-3AD203B41FA5}">
-                      <a16:colId xmlns:a16="http://schemas.microsoft.com/office/drawing/2014/main" val="3069743031"/>
+                      <a16:colId xmlns:a16="http://schemas.microsoft.com/office/drawing/2014/main" xmlns="" val="3069743031"/>
                     </a:ext>
                   </a:extLst>
                 </a:gridCol>
                 <a:gridCol w="1026067">
                   <a:extLst>
                     <a:ext uri="{9D8B030D-6E8A-4147-A177-3AD203B41FA5}">
-                      <a16:colId xmlns:a16="http://schemas.microsoft.com/office/drawing/2014/main" val="2995174482"/>
+                      <a16:colId xmlns:a16="http://schemas.microsoft.com/office/drawing/2014/main" xmlns="" val="2995174482"/>
                     </a:ext>
                   </a:extLst>
                 </a:gridCol>
                 <a:gridCol w="1026067">
                   <a:extLst>
                     <a:ext uri="{9D8B030D-6E8A-4147-A177-3AD203B41FA5}">
-                      <a16:colId xmlns:a16="http://schemas.microsoft.com/office/drawing/2014/main" val="1533397794"/>
+                      <a16:colId xmlns:a16="http://schemas.microsoft.com/office/drawing/2014/main" xmlns="" val="1533397794"/>
                     </a:ext>
                   </a:extLst>
                 </a:gridCol>
                 <a:gridCol w="1026067">
                   <a:extLst>
                     <a:ext uri="{9D8B030D-6E8A-4147-A177-3AD203B41FA5}">
-                      <a16:colId xmlns:a16="http://schemas.microsoft.com/office/drawing/2014/main" val="1031757759"/>
+                      <a16:colId xmlns:a16="http://schemas.microsoft.com/office/drawing/2014/main" xmlns="" val="1031757759"/>
                     </a:ext>
                   </a:extLst>
                 </a:gridCol>
@@ -6426,7 +6426,7 @@
                 </a:tc>
                 <a:extLst>
                   <a:ext uri="{0D108BD9-81ED-4DB2-BD59-A6C34878D82A}">
-                    <a16:rowId xmlns:a16="http://schemas.microsoft.com/office/drawing/2014/main" val="3395906464"/>
+                    <a16:rowId xmlns:a16="http://schemas.microsoft.com/office/drawing/2014/main" xmlns="" val="3395906464"/>
                   </a:ext>
                 </a:extLst>
               </a:tr>
@@ -6548,7 +6548,7 @@
                 </a:tc>
                 <a:extLst>
                   <a:ext uri="{0D108BD9-81ED-4DB2-BD59-A6C34878D82A}">
-                    <a16:rowId xmlns:a16="http://schemas.microsoft.com/office/drawing/2014/main" val="1128511410"/>
+                    <a16:rowId xmlns:a16="http://schemas.microsoft.com/office/drawing/2014/main" xmlns="" val="1128511410"/>
                   </a:ext>
                 </a:extLst>
               </a:tr>
@@ -6670,7 +6670,7 @@
                 </a:tc>
                 <a:extLst>
                   <a:ext uri="{0D108BD9-81ED-4DB2-BD59-A6C34878D82A}">
-                    <a16:rowId xmlns:a16="http://schemas.microsoft.com/office/drawing/2014/main" val="3819250338"/>
+                    <a16:rowId xmlns:a16="http://schemas.microsoft.com/office/drawing/2014/main" xmlns="" val="3819250338"/>
                   </a:ext>
                 </a:extLst>
               </a:tr>
@@ -6792,7 +6792,7 @@
                 </a:tc>
                 <a:extLst>
                   <a:ext uri="{0D108BD9-81ED-4DB2-BD59-A6C34878D82A}">
-                    <a16:rowId xmlns:a16="http://schemas.microsoft.com/office/drawing/2014/main" val="3808226940"/>
+                    <a16:rowId xmlns:a16="http://schemas.microsoft.com/office/drawing/2014/main" xmlns="" val="3808226940"/>
                   </a:ext>
                 </a:extLst>
               </a:tr>
@@ -6914,7 +6914,7 @@
                 </a:tc>
                 <a:extLst>
                   <a:ext uri="{0D108BD9-81ED-4DB2-BD59-A6C34878D82A}">
-                    <a16:rowId xmlns:a16="http://schemas.microsoft.com/office/drawing/2014/main" val="947155627"/>
+                    <a16:rowId xmlns:a16="http://schemas.microsoft.com/office/drawing/2014/main" xmlns="" val="947155627"/>
                   </a:ext>
                 </a:extLst>
               </a:tr>
@@ -7036,7 +7036,7 @@
                 </a:tc>
                 <a:extLst>
                   <a:ext uri="{0D108BD9-81ED-4DB2-BD59-A6C34878D82A}">
-                    <a16:rowId xmlns:a16="http://schemas.microsoft.com/office/drawing/2014/main" val="3860108698"/>
+                    <a16:rowId xmlns:a16="http://schemas.microsoft.com/office/drawing/2014/main" xmlns="" val="3860108698"/>
                   </a:ext>
                 </a:extLst>
               </a:tr>
@@ -7158,7 +7158,7 @@
                 </a:tc>
                 <a:extLst>
                   <a:ext uri="{0D108BD9-81ED-4DB2-BD59-A6C34878D82A}">
-                    <a16:rowId xmlns:a16="http://schemas.microsoft.com/office/drawing/2014/main" val="2022765200"/>
+                    <a16:rowId xmlns:a16="http://schemas.microsoft.com/office/drawing/2014/main" xmlns="" val="2022765200"/>
                   </a:ext>
                 </a:extLst>
               </a:tr>
@@ -7280,7 +7280,7 @@
                 </a:tc>
                 <a:extLst>
                   <a:ext uri="{0D108BD9-81ED-4DB2-BD59-A6C34878D82A}">
-                    <a16:rowId xmlns:a16="http://schemas.microsoft.com/office/drawing/2014/main" val="1368194820"/>
+                    <a16:rowId xmlns:a16="http://schemas.microsoft.com/office/drawing/2014/main" xmlns="" val="1368194820"/>
                   </a:ext>
                 </a:extLst>
               </a:tr>
@@ -7402,7 +7402,7 @@
                 </a:tc>
                 <a:extLst>
                   <a:ext uri="{0D108BD9-81ED-4DB2-BD59-A6C34878D82A}">
-                    <a16:rowId xmlns:a16="http://schemas.microsoft.com/office/drawing/2014/main" val="1720163309"/>
+                    <a16:rowId xmlns:a16="http://schemas.microsoft.com/office/drawing/2014/main" xmlns="" val="1720163309"/>
                   </a:ext>
                 </a:extLst>
               </a:tr>
@@ -7491,14 +7491,14 @@
                 <a:gridCol w="1486840">
                   <a:extLst>
                     <a:ext uri="{9D8B030D-6E8A-4147-A177-3AD203B41FA5}">
-                      <a16:colId xmlns:a16="http://schemas.microsoft.com/office/drawing/2014/main" val="1896381141"/>
+                      <a16:colId xmlns:a16="http://schemas.microsoft.com/office/drawing/2014/main" xmlns="" val="1896381141"/>
                     </a:ext>
                   </a:extLst>
                 </a:gridCol>
                 <a:gridCol w="1486840">
                   <a:extLst>
                     <a:ext uri="{9D8B030D-6E8A-4147-A177-3AD203B41FA5}">
-                      <a16:colId xmlns:a16="http://schemas.microsoft.com/office/drawing/2014/main" val="3265388153"/>
+                      <a16:colId xmlns:a16="http://schemas.microsoft.com/office/drawing/2014/main" xmlns="" val="3265388153"/>
                     </a:ext>
                   </a:extLst>
                 </a:gridCol>
@@ -7558,7 +7558,7 @@
                 </a:tc>
                 <a:extLst>
                   <a:ext uri="{0D108BD9-81ED-4DB2-BD59-A6C34878D82A}">
-                    <a16:rowId xmlns:a16="http://schemas.microsoft.com/office/drawing/2014/main" val="4193067108"/>
+                    <a16:rowId xmlns:a16="http://schemas.microsoft.com/office/drawing/2014/main" xmlns="" val="4193067108"/>
                   </a:ext>
                 </a:extLst>
               </a:tr>
@@ -7611,7 +7611,7 @@
                 </a:tc>
                 <a:extLst>
                   <a:ext uri="{0D108BD9-81ED-4DB2-BD59-A6C34878D82A}">
-                    <a16:rowId xmlns:a16="http://schemas.microsoft.com/office/drawing/2014/main" val="2129162000"/>
+                    <a16:rowId xmlns:a16="http://schemas.microsoft.com/office/drawing/2014/main" xmlns="" val="2129162000"/>
                   </a:ext>
                 </a:extLst>
               </a:tr>
@@ -7664,7 +7664,7 @@
                 </a:tc>
                 <a:extLst>
                   <a:ext uri="{0D108BD9-81ED-4DB2-BD59-A6C34878D82A}">
-                    <a16:rowId xmlns:a16="http://schemas.microsoft.com/office/drawing/2014/main" val="2610843344"/>
+                    <a16:rowId xmlns:a16="http://schemas.microsoft.com/office/drawing/2014/main" xmlns="" val="2610843344"/>
                   </a:ext>
                 </a:extLst>
               </a:tr>
@@ -7717,7 +7717,7 @@
                 </a:tc>
                 <a:extLst>
                   <a:ext uri="{0D108BD9-81ED-4DB2-BD59-A6C34878D82A}">
-                    <a16:rowId xmlns:a16="http://schemas.microsoft.com/office/drawing/2014/main" val="2150264306"/>
+                    <a16:rowId xmlns:a16="http://schemas.microsoft.com/office/drawing/2014/main" xmlns="" val="2150264306"/>
                   </a:ext>
                 </a:extLst>
               </a:tr>
@@ -7770,7 +7770,7 @@
                 </a:tc>
                 <a:extLst>
                   <a:ext uri="{0D108BD9-81ED-4DB2-BD59-A6C34878D82A}">
-                    <a16:rowId xmlns:a16="http://schemas.microsoft.com/office/drawing/2014/main" val="2058730632"/>
+                    <a16:rowId xmlns:a16="http://schemas.microsoft.com/office/drawing/2014/main" xmlns="" val="2058730632"/>
                   </a:ext>
                 </a:extLst>
               </a:tr>
@@ -7823,7 +7823,7 @@
                 </a:tc>
                 <a:extLst>
                   <a:ext uri="{0D108BD9-81ED-4DB2-BD59-A6C34878D82A}">
-                    <a16:rowId xmlns:a16="http://schemas.microsoft.com/office/drawing/2014/main" val="3571323669"/>
+                    <a16:rowId xmlns:a16="http://schemas.microsoft.com/office/drawing/2014/main" xmlns="" val="3571323669"/>
                   </a:ext>
                 </a:extLst>
               </a:tr>
@@ -7876,7 +7876,7 @@
                 </a:tc>
                 <a:extLst>
                   <a:ext uri="{0D108BD9-81ED-4DB2-BD59-A6C34878D82A}">
-                    <a16:rowId xmlns:a16="http://schemas.microsoft.com/office/drawing/2014/main" val="1945600114"/>
+                    <a16:rowId xmlns:a16="http://schemas.microsoft.com/office/drawing/2014/main" xmlns="" val="1945600114"/>
                   </a:ext>
                 </a:extLst>
               </a:tr>
@@ -7929,7 +7929,7 @@
                 </a:tc>
                 <a:extLst>
                   <a:ext uri="{0D108BD9-81ED-4DB2-BD59-A6C34878D82A}">
-                    <a16:rowId xmlns:a16="http://schemas.microsoft.com/office/drawing/2014/main" val="3851584695"/>
+                    <a16:rowId xmlns:a16="http://schemas.microsoft.com/office/drawing/2014/main" xmlns="" val="3851584695"/>
                   </a:ext>
                 </a:extLst>
               </a:tr>
@@ -7982,7 +7982,7 @@
                 </a:tc>
                 <a:extLst>
                   <a:ext uri="{0D108BD9-81ED-4DB2-BD59-A6C34878D82A}">
-                    <a16:rowId xmlns:a16="http://schemas.microsoft.com/office/drawing/2014/main" val="695268272"/>
+                    <a16:rowId xmlns:a16="http://schemas.microsoft.com/office/drawing/2014/main" xmlns="" val="695268272"/>
                   </a:ext>
                 </a:extLst>
               </a:tr>
@@ -8035,7 +8035,7 @@
                 </a:tc>
                 <a:extLst>
                   <a:ext uri="{0D108BD9-81ED-4DB2-BD59-A6C34878D82A}">
-                    <a16:rowId xmlns:a16="http://schemas.microsoft.com/office/drawing/2014/main" val="3383845840"/>
+                    <a16:rowId xmlns:a16="http://schemas.microsoft.com/office/drawing/2014/main" xmlns="" val="3383845840"/>
                   </a:ext>
                 </a:extLst>
               </a:tr>
@@ -8088,7 +8088,7 @@
                 </a:tc>
                 <a:extLst>
                   <a:ext uri="{0D108BD9-81ED-4DB2-BD59-A6C34878D82A}">
-                    <a16:rowId xmlns:a16="http://schemas.microsoft.com/office/drawing/2014/main" val="3966871809"/>
+                    <a16:rowId xmlns:a16="http://schemas.microsoft.com/office/drawing/2014/main" xmlns="" val="3966871809"/>
                   </a:ext>
                 </a:extLst>
               </a:tr>
@@ -8291,14 +8291,14 @@
                 <a:gridCol w="1486840">
                   <a:extLst>
                     <a:ext uri="{9D8B030D-6E8A-4147-A177-3AD203B41FA5}">
-                      <a16:colId xmlns:a16="http://schemas.microsoft.com/office/drawing/2014/main" val="1896381141"/>
+                      <a16:colId xmlns:a16="http://schemas.microsoft.com/office/drawing/2014/main" xmlns="" val="1896381141"/>
                     </a:ext>
                   </a:extLst>
                 </a:gridCol>
                 <a:gridCol w="1486840">
                   <a:extLst>
                     <a:ext uri="{9D8B030D-6E8A-4147-A177-3AD203B41FA5}">
-                      <a16:colId xmlns:a16="http://schemas.microsoft.com/office/drawing/2014/main" val="3265388153"/>
+                      <a16:colId xmlns:a16="http://schemas.microsoft.com/office/drawing/2014/main" xmlns="" val="3265388153"/>
                     </a:ext>
                   </a:extLst>
                 </a:gridCol>
@@ -8358,7 +8358,7 @@
                 </a:tc>
                 <a:extLst>
                   <a:ext uri="{0D108BD9-81ED-4DB2-BD59-A6C34878D82A}">
-                    <a16:rowId xmlns:a16="http://schemas.microsoft.com/office/drawing/2014/main" val="4193067108"/>
+                    <a16:rowId xmlns:a16="http://schemas.microsoft.com/office/drawing/2014/main" xmlns="" val="4193067108"/>
                   </a:ext>
                 </a:extLst>
               </a:tr>
@@ -8408,7 +8408,7 @@
                 </a:tc>
                 <a:extLst>
                   <a:ext uri="{0D108BD9-81ED-4DB2-BD59-A6C34878D82A}">
-                    <a16:rowId xmlns:a16="http://schemas.microsoft.com/office/drawing/2014/main" val="2129162000"/>
+                    <a16:rowId xmlns:a16="http://schemas.microsoft.com/office/drawing/2014/main" xmlns="" val="2129162000"/>
                   </a:ext>
                 </a:extLst>
               </a:tr>
@@ -8458,7 +8458,7 @@
                 </a:tc>
                 <a:extLst>
                   <a:ext uri="{0D108BD9-81ED-4DB2-BD59-A6C34878D82A}">
-                    <a16:rowId xmlns:a16="http://schemas.microsoft.com/office/drawing/2014/main" val="2610843344"/>
+                    <a16:rowId xmlns:a16="http://schemas.microsoft.com/office/drawing/2014/main" xmlns="" val="2610843344"/>
                   </a:ext>
                 </a:extLst>
               </a:tr>
@@ -8508,7 +8508,7 @@
                 </a:tc>
                 <a:extLst>
                   <a:ext uri="{0D108BD9-81ED-4DB2-BD59-A6C34878D82A}">
-                    <a16:rowId xmlns:a16="http://schemas.microsoft.com/office/drawing/2014/main" val="2150264306"/>
+                    <a16:rowId xmlns:a16="http://schemas.microsoft.com/office/drawing/2014/main" xmlns="" val="2150264306"/>
                   </a:ext>
                 </a:extLst>
               </a:tr>
@@ -8558,7 +8558,7 @@
                 </a:tc>
                 <a:extLst>
                   <a:ext uri="{0D108BD9-81ED-4DB2-BD59-A6C34878D82A}">
-                    <a16:rowId xmlns:a16="http://schemas.microsoft.com/office/drawing/2014/main" val="2058730632"/>
+                    <a16:rowId xmlns:a16="http://schemas.microsoft.com/office/drawing/2014/main" xmlns="" val="2058730632"/>
                   </a:ext>
                 </a:extLst>
               </a:tr>
@@ -8608,7 +8608,7 @@
                 </a:tc>
                 <a:extLst>
                   <a:ext uri="{0D108BD9-81ED-4DB2-BD59-A6C34878D82A}">
-                    <a16:rowId xmlns:a16="http://schemas.microsoft.com/office/drawing/2014/main" val="3571323669"/>
+                    <a16:rowId xmlns:a16="http://schemas.microsoft.com/office/drawing/2014/main" xmlns="" val="3571323669"/>
                   </a:ext>
                 </a:extLst>
               </a:tr>
@@ -8658,7 +8658,7 @@
                 </a:tc>
                 <a:extLst>
                   <a:ext uri="{0D108BD9-81ED-4DB2-BD59-A6C34878D82A}">
-                    <a16:rowId xmlns:a16="http://schemas.microsoft.com/office/drawing/2014/main" val="1945600114"/>
+                    <a16:rowId xmlns:a16="http://schemas.microsoft.com/office/drawing/2014/main" xmlns="" val="1945600114"/>
                   </a:ext>
                 </a:extLst>
               </a:tr>
@@ -8708,7 +8708,7 @@
                 </a:tc>
                 <a:extLst>
                   <a:ext uri="{0D108BD9-81ED-4DB2-BD59-A6C34878D82A}">
-                    <a16:rowId xmlns:a16="http://schemas.microsoft.com/office/drawing/2014/main" val="3851584695"/>
+                    <a16:rowId xmlns:a16="http://schemas.microsoft.com/office/drawing/2014/main" xmlns="" val="3851584695"/>
                   </a:ext>
                 </a:extLst>
               </a:tr>
@@ -8758,7 +8758,7 @@
                 </a:tc>
                 <a:extLst>
                   <a:ext uri="{0D108BD9-81ED-4DB2-BD59-A6C34878D82A}">
-                    <a16:rowId xmlns:a16="http://schemas.microsoft.com/office/drawing/2014/main" val="695268272"/>
+                    <a16:rowId xmlns:a16="http://schemas.microsoft.com/office/drawing/2014/main" xmlns="" val="695268272"/>
                   </a:ext>
                 </a:extLst>
               </a:tr>
@@ -8808,7 +8808,7 @@
                 </a:tc>
                 <a:extLst>
                   <a:ext uri="{0D108BD9-81ED-4DB2-BD59-A6C34878D82A}">
-                    <a16:rowId xmlns:a16="http://schemas.microsoft.com/office/drawing/2014/main" val="3383845840"/>
+                    <a16:rowId xmlns:a16="http://schemas.microsoft.com/office/drawing/2014/main" xmlns="" val="3383845840"/>
                   </a:ext>
                 </a:extLst>
               </a:tr>
@@ -8861,7 +8861,7 @@
                 </a:tc>
                 <a:extLst>
                   <a:ext uri="{0D108BD9-81ED-4DB2-BD59-A6C34878D82A}">
-                    <a16:rowId xmlns:a16="http://schemas.microsoft.com/office/drawing/2014/main" val="3966871809"/>
+                    <a16:rowId xmlns:a16="http://schemas.microsoft.com/office/drawing/2014/main" xmlns="" val="3966871809"/>
                   </a:ext>
                 </a:extLst>
               </a:tr>
@@ -8930,14 +8930,14 @@
                 <a:gridCol w="1486840">
                   <a:extLst>
                     <a:ext uri="{9D8B030D-6E8A-4147-A177-3AD203B41FA5}">
-                      <a16:colId xmlns:a16="http://schemas.microsoft.com/office/drawing/2014/main" val="1896381141"/>
+                      <a16:colId xmlns:a16="http://schemas.microsoft.com/office/drawing/2014/main" xmlns="" val="1896381141"/>
                     </a:ext>
                   </a:extLst>
                 </a:gridCol>
                 <a:gridCol w="1486840">
                   <a:extLst>
                     <a:ext uri="{9D8B030D-6E8A-4147-A177-3AD203B41FA5}">
-                      <a16:colId xmlns:a16="http://schemas.microsoft.com/office/drawing/2014/main" val="3265388153"/>
+                      <a16:colId xmlns:a16="http://schemas.microsoft.com/office/drawing/2014/main" xmlns="" val="3265388153"/>
                     </a:ext>
                   </a:extLst>
                 </a:gridCol>
@@ -8997,7 +8997,7 @@
                 </a:tc>
                 <a:extLst>
                   <a:ext uri="{0D108BD9-81ED-4DB2-BD59-A6C34878D82A}">
-                    <a16:rowId xmlns:a16="http://schemas.microsoft.com/office/drawing/2014/main" val="4193067108"/>
+                    <a16:rowId xmlns:a16="http://schemas.microsoft.com/office/drawing/2014/main" xmlns="" val="4193067108"/>
                   </a:ext>
                 </a:extLst>
               </a:tr>
@@ -9047,7 +9047,7 @@
                 </a:tc>
                 <a:extLst>
                   <a:ext uri="{0D108BD9-81ED-4DB2-BD59-A6C34878D82A}">
-                    <a16:rowId xmlns:a16="http://schemas.microsoft.com/office/drawing/2014/main" val="2129162000"/>
+                    <a16:rowId xmlns:a16="http://schemas.microsoft.com/office/drawing/2014/main" xmlns="" val="2129162000"/>
                   </a:ext>
                 </a:extLst>
               </a:tr>
@@ -9097,7 +9097,7 @@
                 </a:tc>
                 <a:extLst>
                   <a:ext uri="{0D108BD9-81ED-4DB2-BD59-A6C34878D82A}">
-                    <a16:rowId xmlns:a16="http://schemas.microsoft.com/office/drawing/2014/main" val="2610843344"/>
+                    <a16:rowId xmlns:a16="http://schemas.microsoft.com/office/drawing/2014/main" xmlns="" val="2610843344"/>
                   </a:ext>
                 </a:extLst>
               </a:tr>
@@ -9147,7 +9147,7 @@
                 </a:tc>
                 <a:extLst>
                   <a:ext uri="{0D108BD9-81ED-4DB2-BD59-A6C34878D82A}">
-                    <a16:rowId xmlns:a16="http://schemas.microsoft.com/office/drawing/2014/main" val="2150264306"/>
+                    <a16:rowId xmlns:a16="http://schemas.microsoft.com/office/drawing/2014/main" xmlns="" val="2150264306"/>
                   </a:ext>
                 </a:extLst>
               </a:tr>
@@ -9197,7 +9197,7 @@
                 </a:tc>
                 <a:extLst>
                   <a:ext uri="{0D108BD9-81ED-4DB2-BD59-A6C34878D82A}">
-                    <a16:rowId xmlns:a16="http://schemas.microsoft.com/office/drawing/2014/main" val="2058730632"/>
+                    <a16:rowId xmlns:a16="http://schemas.microsoft.com/office/drawing/2014/main" xmlns="" val="2058730632"/>
                   </a:ext>
                 </a:extLst>
               </a:tr>
@@ -9247,7 +9247,7 @@
                 </a:tc>
                 <a:extLst>
                   <a:ext uri="{0D108BD9-81ED-4DB2-BD59-A6C34878D82A}">
-                    <a16:rowId xmlns:a16="http://schemas.microsoft.com/office/drawing/2014/main" val="3571323669"/>
+                    <a16:rowId xmlns:a16="http://schemas.microsoft.com/office/drawing/2014/main" xmlns="" val="3571323669"/>
                   </a:ext>
                 </a:extLst>
               </a:tr>
@@ -9297,7 +9297,7 @@
                 </a:tc>
                 <a:extLst>
                   <a:ext uri="{0D108BD9-81ED-4DB2-BD59-A6C34878D82A}">
-                    <a16:rowId xmlns:a16="http://schemas.microsoft.com/office/drawing/2014/main" val="1945600114"/>
+                    <a16:rowId xmlns:a16="http://schemas.microsoft.com/office/drawing/2014/main" xmlns="" val="1945600114"/>
                   </a:ext>
                 </a:extLst>
               </a:tr>
@@ -9347,7 +9347,7 @@
                 </a:tc>
                 <a:extLst>
                   <a:ext uri="{0D108BD9-81ED-4DB2-BD59-A6C34878D82A}">
-                    <a16:rowId xmlns:a16="http://schemas.microsoft.com/office/drawing/2014/main" val="3851584695"/>
+                    <a16:rowId xmlns:a16="http://schemas.microsoft.com/office/drawing/2014/main" xmlns="" val="3851584695"/>
                   </a:ext>
                 </a:extLst>
               </a:tr>
@@ -9397,7 +9397,7 @@
                 </a:tc>
                 <a:extLst>
                   <a:ext uri="{0D108BD9-81ED-4DB2-BD59-A6C34878D82A}">
-                    <a16:rowId xmlns:a16="http://schemas.microsoft.com/office/drawing/2014/main" val="695268272"/>
+                    <a16:rowId xmlns:a16="http://schemas.microsoft.com/office/drawing/2014/main" xmlns="" val="695268272"/>
                   </a:ext>
                 </a:extLst>
               </a:tr>
@@ -9447,7 +9447,7 @@
                 </a:tc>
                 <a:extLst>
                   <a:ext uri="{0D108BD9-81ED-4DB2-BD59-A6C34878D82A}">
-                    <a16:rowId xmlns:a16="http://schemas.microsoft.com/office/drawing/2014/main" val="3383845840"/>
+                    <a16:rowId xmlns:a16="http://schemas.microsoft.com/office/drawing/2014/main" xmlns="" val="3383845840"/>
                   </a:ext>
                 </a:extLst>
               </a:tr>
@@ -9500,7 +9500,7 @@
                 </a:tc>
                 <a:extLst>
                   <a:ext uri="{0D108BD9-81ED-4DB2-BD59-A6C34878D82A}">
-                    <a16:rowId xmlns:a16="http://schemas.microsoft.com/office/drawing/2014/main" val="3966871809"/>
+                    <a16:rowId xmlns:a16="http://schemas.microsoft.com/office/drawing/2014/main" xmlns="" val="3966871809"/>
                   </a:ext>
                 </a:extLst>
               </a:tr>
@@ -9555,31 +9555,15 @@
           <a:p>
             <a:r>
               <a:rPr lang="en-US" altLang="zh-CN" dirty="0" smtClean="0"/>
-              <a:t>Log</a:t>
+              <a:t>Multinomial Logistic Regression</a:t>
             </a:r>
             <a:r>
               <a:rPr lang="zh-CN" altLang="en-US" dirty="0" smtClean="0"/>
               <a:t> </a:t>
             </a:r>
             <a:r>
-              <a:rPr lang="en-US" altLang="zh-CN" dirty="0"/>
+              <a:rPr lang="en-US" altLang="zh-CN" dirty="0" smtClean="0"/>
               <a:t>Results</a:t>
-            </a:r>
-            <a:r>
-              <a:rPr lang="zh-CN" altLang="en-US" dirty="0"/>
-              <a:t> </a:t>
-            </a:r>
-            <a:r>
-              <a:rPr lang="en-US" altLang="zh-CN" dirty="0"/>
-              <a:t>w/o</a:t>
-            </a:r>
-            <a:r>
-              <a:rPr lang="zh-CN" altLang="en-US" dirty="0"/>
-              <a:t> </a:t>
-            </a:r>
-            <a:r>
-              <a:rPr lang="en-US" altLang="zh-CN" dirty="0"/>
-              <a:t>PCA</a:t>
             </a:r>
             <a:endParaRPr lang="en-US" dirty="0"/>
           </a:p>
@@ -9595,15 +9579,697 @@
             <p:ph idx="1"/>
           </p:nvPr>
         </p:nvSpPr>
-        <p:spPr/>
+        <p:spPr>
+          <a:xfrm>
+            <a:off x="1097280" y="2744334"/>
+            <a:ext cx="3596966" cy="1746395"/>
+          </a:xfrm>
+        </p:spPr>
         <p:txBody>
-          <a:bodyPr/>
+          <a:bodyPr>
+            <a:normAutofit/>
+          </a:bodyPr>
           <a:lstStyle/>
           <a:p>
-            <a:endParaRPr lang="en-US"/>
+            <a:r>
+              <a:rPr lang="en-US" sz="2200" dirty="0" smtClean="0"/>
+              <a:t>Multinomial logistic regression was chosen as the response variable, Soil Order, is comprised of 9 independent (and not ordinal) categories. </a:t>
+            </a:r>
+          </a:p>
+          <a:p>
+            <a:endParaRPr lang="en-US" dirty="0"/>
           </a:p>
         </p:txBody>
       </p:sp>
+      <p:graphicFrame>
+        <p:nvGraphicFramePr>
+          <p:cNvPr id="4" name="Content Placeholder 5"/>
+          <p:cNvGraphicFramePr>
+            <a:graphicFrameLocks/>
+          </p:cNvGraphicFramePr>
+          <p:nvPr>
+            <p:extLst>
+              <p:ext uri="{D42A27DB-BD31-4B8C-83A1-F6EECF244321}">
+                <p14:modId xmlns:p14="http://schemas.microsoft.com/office/powerpoint/2010/main" val="3660849169"/>
+              </p:ext>
+            </p:extLst>
+          </p:nvPr>
+        </p:nvGraphicFramePr>
+        <p:xfrm>
+          <a:off x="7287826" y="2020097"/>
+          <a:ext cx="2973680" cy="3964015"/>
+        </p:xfrm>
+        <a:graphic>
+          <a:graphicData uri="http://schemas.openxmlformats.org/drawingml/2006/table">
+            <a:tbl>
+              <a:tblPr firstRow="1" bandRow="1">
+                <a:tableStyleId>{5C22544A-7EE6-4342-B048-85BDC9FD1C3A}</a:tableStyleId>
+              </a:tblPr>
+              <a:tblGrid>
+                <a:gridCol w="1486840">
+                  <a:extLst>
+                    <a:ext uri="{9D8B030D-6E8A-4147-A177-3AD203B41FA5}">
+                      <a16:colId xmlns:a16="http://schemas.microsoft.com/office/drawing/2014/main" xmlns="" val="1896381141"/>
+                    </a:ext>
+                  </a:extLst>
+                </a:gridCol>
+                <a:gridCol w="1486840">
+                  <a:extLst>
+                    <a:ext uri="{9D8B030D-6E8A-4147-A177-3AD203B41FA5}">
+                      <a16:colId xmlns:a16="http://schemas.microsoft.com/office/drawing/2014/main" xmlns="" val="3265388153"/>
+                    </a:ext>
+                  </a:extLst>
+                </a:gridCol>
+              </a:tblGrid>
+              <a:tr h="464687">
+                <a:tc>
+                  <a:txBody>
+                    <a:bodyPr/>
+                    <a:lstStyle/>
+                    <a:p>
+                      <a:pPr algn="ctr" fontAlgn="b"/>
+                      <a:r>
+                        <a:rPr lang="en-US" sz="1800" u="none" strike="noStrike" dirty="0">
+                          <a:effectLst/>
+                        </a:rPr>
+                        <a:t>Soil Order</a:t>
+                      </a:r>
+                      <a:endParaRPr lang="en-US" sz="1800" b="0" i="0" u="none" strike="noStrike" dirty="0">
+                        <a:solidFill>
+                          <a:srgbClr val="000000"/>
+                        </a:solidFill>
+                        <a:effectLst/>
+                        <a:latin typeface="Calibri" panose="020F0502020204030204" pitchFamily="34" charset="0"/>
+                      </a:endParaRPr>
+                    </a:p>
+                  </a:txBody>
+                  <a:tcPr marL="9525" marR="9525" marT="9525" marB="0" anchor="b"/>
+                </a:tc>
+                <a:tc>
+                  <a:txBody>
+                    <a:bodyPr/>
+                    <a:lstStyle/>
+                    <a:p>
+                      <a:pPr algn="ctr" fontAlgn="b"/>
+                      <a:r>
+                        <a:rPr lang="en-US" sz="1800" u="none" strike="noStrike" dirty="0">
+                          <a:effectLst/>
+                        </a:rPr>
+                        <a:t>Prediction correction </a:t>
+                      </a:r>
+                      <a:r>
+                        <a:rPr lang="en-US" sz="1800" u="none" strike="noStrike" dirty="0" smtClean="0">
+                          <a:effectLst/>
+                        </a:rPr>
+                        <a:t>rate</a:t>
+                      </a:r>
+                      <a:endParaRPr lang="en-US" sz="1800" b="0" i="0" u="none" strike="noStrike" dirty="0">
+                        <a:solidFill>
+                          <a:srgbClr val="000000"/>
+                        </a:solidFill>
+                        <a:effectLst/>
+                        <a:latin typeface="Calibri" panose="020F0502020204030204" pitchFamily="34" charset="0"/>
+                      </a:endParaRPr>
+                    </a:p>
+                  </a:txBody>
+                  <a:tcPr marL="9525" marR="9525" marT="9525" marB="0" anchor="b"/>
+                </a:tc>
+                <a:extLst>
+                  <a:ext uri="{0D108BD9-81ED-4DB2-BD59-A6C34878D82A}">
+                    <a16:rowId xmlns:a16="http://schemas.microsoft.com/office/drawing/2014/main" xmlns="" val="4193067108"/>
+                  </a:ext>
+                </a:extLst>
+              </a:tr>
+              <a:tr h="340585">
+                <a:tc>
+                  <a:txBody>
+                    <a:bodyPr/>
+                    <a:lstStyle/>
+                    <a:p>
+                      <a:pPr algn="ctr" fontAlgn="b"/>
+                      <a:r>
+                        <a:rPr lang="en-US" sz="1800" u="none" strike="noStrike">
+                          <a:effectLst/>
+                        </a:rPr>
+                        <a:t>Alfisols</a:t>
+                      </a:r>
+                      <a:endParaRPr lang="en-US" sz="1800" b="0" i="0" u="none" strike="noStrike">
+                        <a:solidFill>
+                          <a:srgbClr val="000000"/>
+                        </a:solidFill>
+                        <a:effectLst/>
+                        <a:latin typeface="Calibri" panose="020F0502020204030204" pitchFamily="34" charset="0"/>
+                      </a:endParaRPr>
+                    </a:p>
+                  </a:txBody>
+                  <a:tcPr marL="9525" marR="9525" marT="9525" marB="0" anchor="b"/>
+                </a:tc>
+                <a:tc>
+                  <a:txBody>
+                    <a:bodyPr/>
+                    <a:lstStyle/>
+                    <a:p>
+                      <a:pPr algn="ctr" fontAlgn="b"/>
+                      <a:r>
+                        <a:rPr lang="en-US" sz="1600" b="0" i="0" u="none" strike="noStrike" dirty="0" smtClean="0">
+                          <a:solidFill>
+                            <a:srgbClr val="000000"/>
+                          </a:solidFill>
+                          <a:effectLst/>
+                          <a:latin typeface="Calibri" panose="020F0502020204030204" pitchFamily="34" charset="0"/>
+                        </a:rPr>
+                        <a:t>0.66</a:t>
+                      </a:r>
+                      <a:endParaRPr lang="en-US" sz="1600" b="0" i="0" u="none" strike="noStrike" dirty="0">
+                        <a:solidFill>
+                          <a:srgbClr val="000000"/>
+                        </a:solidFill>
+                        <a:effectLst/>
+                        <a:latin typeface="Calibri" panose="020F0502020204030204" pitchFamily="34" charset="0"/>
+                      </a:endParaRPr>
+                    </a:p>
+                  </a:txBody>
+                  <a:tcPr marL="9525" marR="9525" marT="9525" marB="0" anchor="b"/>
+                </a:tc>
+                <a:extLst>
+                  <a:ext uri="{0D108BD9-81ED-4DB2-BD59-A6C34878D82A}">
+                    <a16:rowId xmlns:a16="http://schemas.microsoft.com/office/drawing/2014/main" xmlns="" val="2129162000"/>
+                  </a:ext>
+                </a:extLst>
+              </a:tr>
+              <a:tr h="340585">
+                <a:tc>
+                  <a:txBody>
+                    <a:bodyPr/>
+                    <a:lstStyle/>
+                    <a:p>
+                      <a:pPr algn="ctr" fontAlgn="b"/>
+                      <a:r>
+                        <a:rPr lang="en-US" sz="1800" u="none" strike="noStrike">
+                          <a:effectLst/>
+                        </a:rPr>
+                        <a:t>Andisols</a:t>
+                      </a:r>
+                      <a:endParaRPr lang="en-US" sz="1800" b="0" i="0" u="none" strike="noStrike">
+                        <a:solidFill>
+                          <a:srgbClr val="000000"/>
+                        </a:solidFill>
+                        <a:effectLst/>
+                        <a:latin typeface="Calibri" panose="020F0502020204030204" pitchFamily="34" charset="0"/>
+                      </a:endParaRPr>
+                    </a:p>
+                  </a:txBody>
+                  <a:tcPr marL="9525" marR="9525" marT="9525" marB="0" anchor="b"/>
+                </a:tc>
+                <a:tc>
+                  <a:txBody>
+                    <a:bodyPr/>
+                    <a:lstStyle/>
+                    <a:p>
+                      <a:pPr algn="ctr" fontAlgn="b"/>
+                      <a:r>
+                        <a:rPr lang="en-US" sz="1600" b="0" i="0" u="none" strike="noStrike" dirty="0" smtClean="0">
+                          <a:solidFill>
+                            <a:srgbClr val="000000"/>
+                          </a:solidFill>
+                          <a:effectLst/>
+                          <a:latin typeface="Calibri" panose="020F0502020204030204" pitchFamily="34" charset="0"/>
+                        </a:rPr>
+                        <a:t>0.46</a:t>
+                      </a:r>
+                      <a:endParaRPr lang="en-US" sz="1600" b="0" i="0" u="none" strike="noStrike" dirty="0">
+                        <a:solidFill>
+                          <a:srgbClr val="000000"/>
+                        </a:solidFill>
+                        <a:effectLst/>
+                        <a:latin typeface="Calibri" panose="020F0502020204030204" pitchFamily="34" charset="0"/>
+                      </a:endParaRPr>
+                    </a:p>
+                  </a:txBody>
+                  <a:tcPr marL="9525" marR="9525" marT="9525" marB="0" anchor="b"/>
+                </a:tc>
+                <a:extLst>
+                  <a:ext uri="{0D108BD9-81ED-4DB2-BD59-A6C34878D82A}">
+                    <a16:rowId xmlns:a16="http://schemas.microsoft.com/office/drawing/2014/main" xmlns="" val="2610843344"/>
+                  </a:ext>
+                </a:extLst>
+              </a:tr>
+              <a:tr h="340585">
+                <a:tc>
+                  <a:txBody>
+                    <a:bodyPr/>
+                    <a:lstStyle/>
+                    <a:p>
+                      <a:pPr algn="ctr" fontAlgn="b"/>
+                      <a:r>
+                        <a:rPr lang="en-US" sz="1800" u="none" strike="noStrike">
+                          <a:effectLst/>
+                        </a:rPr>
+                        <a:t>Aridisols</a:t>
+                      </a:r>
+                      <a:endParaRPr lang="en-US" sz="1800" b="0" i="0" u="none" strike="noStrike">
+                        <a:solidFill>
+                          <a:srgbClr val="000000"/>
+                        </a:solidFill>
+                        <a:effectLst/>
+                        <a:latin typeface="Calibri" panose="020F0502020204030204" pitchFamily="34" charset="0"/>
+                      </a:endParaRPr>
+                    </a:p>
+                  </a:txBody>
+                  <a:tcPr marL="9525" marR="9525" marT="9525" marB="0" anchor="b"/>
+                </a:tc>
+                <a:tc>
+                  <a:txBody>
+                    <a:bodyPr/>
+                    <a:lstStyle/>
+                    <a:p>
+                      <a:pPr algn="ctr" fontAlgn="b"/>
+                      <a:r>
+                        <a:rPr lang="en-US" sz="1600" b="0" i="0" u="none" strike="noStrike" dirty="0" smtClean="0">
+                          <a:solidFill>
+                            <a:srgbClr val="000000"/>
+                          </a:solidFill>
+                          <a:effectLst/>
+                          <a:latin typeface="Calibri" panose="020F0502020204030204" pitchFamily="34" charset="0"/>
+                        </a:rPr>
+                        <a:t>0.57</a:t>
+                      </a:r>
+                      <a:endParaRPr lang="en-US" sz="1600" b="0" i="0" u="none" strike="noStrike" dirty="0">
+                        <a:solidFill>
+                          <a:srgbClr val="000000"/>
+                        </a:solidFill>
+                        <a:effectLst/>
+                        <a:latin typeface="Calibri" panose="020F0502020204030204" pitchFamily="34" charset="0"/>
+                      </a:endParaRPr>
+                    </a:p>
+                  </a:txBody>
+                  <a:tcPr marL="9525" marR="9525" marT="9525" marB="0" anchor="b"/>
+                </a:tc>
+                <a:extLst>
+                  <a:ext uri="{0D108BD9-81ED-4DB2-BD59-A6C34878D82A}">
+                    <a16:rowId xmlns:a16="http://schemas.microsoft.com/office/drawing/2014/main" xmlns="" val="2150264306"/>
+                  </a:ext>
+                </a:extLst>
+              </a:tr>
+              <a:tr h="340585">
+                <a:tc>
+                  <a:txBody>
+                    <a:bodyPr/>
+                    <a:lstStyle/>
+                    <a:p>
+                      <a:pPr algn="ctr" fontAlgn="b"/>
+                      <a:r>
+                        <a:rPr lang="en-US" sz="1800" u="none" strike="noStrike">
+                          <a:effectLst/>
+                        </a:rPr>
+                        <a:t>Inceptisols</a:t>
+                      </a:r>
+                      <a:endParaRPr lang="en-US" sz="1800" b="0" i="0" u="none" strike="noStrike">
+                        <a:solidFill>
+                          <a:srgbClr val="000000"/>
+                        </a:solidFill>
+                        <a:effectLst/>
+                        <a:latin typeface="Calibri" panose="020F0502020204030204" pitchFamily="34" charset="0"/>
+                      </a:endParaRPr>
+                    </a:p>
+                  </a:txBody>
+                  <a:tcPr marL="9525" marR="9525" marT="9525" marB="0" anchor="b"/>
+                </a:tc>
+                <a:tc>
+                  <a:txBody>
+                    <a:bodyPr/>
+                    <a:lstStyle/>
+                    <a:p>
+                      <a:pPr algn="ctr" fontAlgn="b"/>
+                      <a:r>
+                        <a:rPr lang="en-US" sz="1600" b="0" i="0" u="none" strike="noStrike" dirty="0" smtClean="0">
+                          <a:solidFill>
+                            <a:srgbClr val="000000"/>
+                          </a:solidFill>
+                          <a:effectLst/>
+                          <a:latin typeface="Calibri" panose="020F0502020204030204" pitchFamily="34" charset="0"/>
+                        </a:rPr>
+                        <a:t>0.22</a:t>
+                      </a:r>
+                      <a:endParaRPr lang="en-US" sz="1600" b="0" i="0" u="none" strike="noStrike" dirty="0">
+                        <a:solidFill>
+                          <a:srgbClr val="000000"/>
+                        </a:solidFill>
+                        <a:effectLst/>
+                        <a:latin typeface="Calibri" panose="020F0502020204030204" pitchFamily="34" charset="0"/>
+                      </a:endParaRPr>
+                    </a:p>
+                  </a:txBody>
+                  <a:tcPr marL="9525" marR="9525" marT="9525" marB="0" anchor="b"/>
+                </a:tc>
+                <a:extLst>
+                  <a:ext uri="{0D108BD9-81ED-4DB2-BD59-A6C34878D82A}">
+                    <a16:rowId xmlns:a16="http://schemas.microsoft.com/office/drawing/2014/main" xmlns="" val="2058730632"/>
+                  </a:ext>
+                </a:extLst>
+              </a:tr>
+              <a:tr h="340585">
+                <a:tc>
+                  <a:txBody>
+                    <a:bodyPr/>
+                    <a:lstStyle/>
+                    <a:p>
+                      <a:pPr algn="ctr" fontAlgn="b"/>
+                      <a:r>
+                        <a:rPr lang="en-US" sz="1800" u="none" strike="noStrike">
+                          <a:effectLst/>
+                        </a:rPr>
+                        <a:t>Mollisols</a:t>
+                      </a:r>
+                      <a:endParaRPr lang="en-US" sz="1800" b="0" i="0" u="none" strike="noStrike">
+                        <a:solidFill>
+                          <a:srgbClr val="000000"/>
+                        </a:solidFill>
+                        <a:effectLst/>
+                        <a:latin typeface="Calibri" panose="020F0502020204030204" pitchFamily="34" charset="0"/>
+                      </a:endParaRPr>
+                    </a:p>
+                  </a:txBody>
+                  <a:tcPr marL="9525" marR="9525" marT="9525" marB="0" anchor="b"/>
+                </a:tc>
+                <a:tc>
+                  <a:txBody>
+                    <a:bodyPr/>
+                    <a:lstStyle/>
+                    <a:p>
+                      <a:pPr algn="ctr" fontAlgn="b"/>
+                      <a:r>
+                        <a:rPr lang="en-US" sz="1600" b="0" i="0" u="none" strike="noStrike" dirty="0" smtClean="0">
+                          <a:solidFill>
+                            <a:srgbClr val="000000"/>
+                          </a:solidFill>
+                          <a:effectLst/>
+                          <a:latin typeface="Calibri" panose="020F0502020204030204" pitchFamily="34" charset="0"/>
+                        </a:rPr>
+                        <a:t>0.66</a:t>
+                      </a:r>
+                      <a:endParaRPr lang="en-US" sz="1600" b="0" i="0" u="none" strike="noStrike" dirty="0">
+                        <a:solidFill>
+                          <a:srgbClr val="000000"/>
+                        </a:solidFill>
+                        <a:effectLst/>
+                        <a:latin typeface="Calibri" panose="020F0502020204030204" pitchFamily="34" charset="0"/>
+                      </a:endParaRPr>
+                    </a:p>
+                  </a:txBody>
+                  <a:tcPr marL="9525" marR="9525" marT="9525" marB="0" anchor="b"/>
+                </a:tc>
+                <a:extLst>
+                  <a:ext uri="{0D108BD9-81ED-4DB2-BD59-A6C34878D82A}">
+                    <a16:rowId xmlns:a16="http://schemas.microsoft.com/office/drawing/2014/main" xmlns="" val="3571323669"/>
+                  </a:ext>
+                </a:extLst>
+              </a:tr>
+              <a:tr h="340585">
+                <a:tc>
+                  <a:txBody>
+                    <a:bodyPr/>
+                    <a:lstStyle/>
+                    <a:p>
+                      <a:pPr algn="ctr" fontAlgn="b"/>
+                      <a:r>
+                        <a:rPr lang="en-US" sz="1800" u="none" strike="noStrike">
+                          <a:effectLst/>
+                        </a:rPr>
+                        <a:t>Oxisols</a:t>
+                      </a:r>
+                      <a:endParaRPr lang="en-US" sz="1800" b="0" i="0" u="none" strike="noStrike">
+                        <a:solidFill>
+                          <a:srgbClr val="000000"/>
+                        </a:solidFill>
+                        <a:effectLst/>
+                        <a:latin typeface="Calibri" panose="020F0502020204030204" pitchFamily="34" charset="0"/>
+                      </a:endParaRPr>
+                    </a:p>
+                  </a:txBody>
+                  <a:tcPr marL="9525" marR="9525" marT="9525" marB="0" anchor="b"/>
+                </a:tc>
+                <a:tc>
+                  <a:txBody>
+                    <a:bodyPr/>
+                    <a:lstStyle/>
+                    <a:p>
+                      <a:pPr algn="ctr" fontAlgn="b"/>
+                      <a:r>
+                        <a:rPr lang="en-US" sz="1600" b="0" i="0" u="none" strike="noStrike" dirty="0" smtClean="0">
+                          <a:solidFill>
+                            <a:srgbClr val="000000"/>
+                          </a:solidFill>
+                          <a:effectLst/>
+                          <a:latin typeface="Calibri" panose="020F0502020204030204" pitchFamily="34" charset="0"/>
+                        </a:rPr>
+                        <a:t>0.65</a:t>
+                      </a:r>
+                      <a:endParaRPr lang="en-US" sz="1600" b="0" i="0" u="none" strike="noStrike" dirty="0">
+                        <a:solidFill>
+                          <a:srgbClr val="000000"/>
+                        </a:solidFill>
+                        <a:effectLst/>
+                        <a:latin typeface="Calibri" panose="020F0502020204030204" pitchFamily="34" charset="0"/>
+                      </a:endParaRPr>
+                    </a:p>
+                  </a:txBody>
+                  <a:tcPr marL="9525" marR="9525" marT="9525" marB="0" anchor="b"/>
+                </a:tc>
+                <a:extLst>
+                  <a:ext uri="{0D108BD9-81ED-4DB2-BD59-A6C34878D82A}">
+                    <a16:rowId xmlns:a16="http://schemas.microsoft.com/office/drawing/2014/main" xmlns="" val="1945600114"/>
+                  </a:ext>
+                </a:extLst>
+              </a:tr>
+              <a:tr h="340585">
+                <a:tc>
+                  <a:txBody>
+                    <a:bodyPr/>
+                    <a:lstStyle/>
+                    <a:p>
+                      <a:pPr algn="ctr" fontAlgn="b"/>
+                      <a:r>
+                        <a:rPr lang="en-US" sz="1800" u="none" strike="noStrike">
+                          <a:effectLst/>
+                        </a:rPr>
+                        <a:t>Spodosols</a:t>
+                      </a:r>
+                      <a:endParaRPr lang="en-US" sz="1800" b="0" i="0" u="none" strike="noStrike">
+                        <a:solidFill>
+                          <a:srgbClr val="000000"/>
+                        </a:solidFill>
+                        <a:effectLst/>
+                        <a:latin typeface="Calibri" panose="020F0502020204030204" pitchFamily="34" charset="0"/>
+                      </a:endParaRPr>
+                    </a:p>
+                  </a:txBody>
+                  <a:tcPr marL="9525" marR="9525" marT="9525" marB="0" anchor="b"/>
+                </a:tc>
+                <a:tc>
+                  <a:txBody>
+                    <a:bodyPr/>
+                    <a:lstStyle/>
+                    <a:p>
+                      <a:pPr algn="ctr" fontAlgn="b"/>
+                      <a:r>
+                        <a:rPr lang="en-US" sz="1600" b="0" i="0" u="none" strike="noStrike" dirty="0" smtClean="0">
+                          <a:solidFill>
+                            <a:srgbClr val="000000"/>
+                          </a:solidFill>
+                          <a:effectLst/>
+                          <a:latin typeface="Calibri" panose="020F0502020204030204" pitchFamily="34" charset="0"/>
+                        </a:rPr>
+                        <a:t>0.50</a:t>
+                      </a:r>
+                      <a:endParaRPr lang="en-US" sz="1600" b="0" i="0" u="none" strike="noStrike" dirty="0">
+                        <a:solidFill>
+                          <a:srgbClr val="000000"/>
+                        </a:solidFill>
+                        <a:effectLst/>
+                        <a:latin typeface="Calibri" panose="020F0502020204030204" pitchFamily="34" charset="0"/>
+                      </a:endParaRPr>
+                    </a:p>
+                  </a:txBody>
+                  <a:tcPr marL="9525" marR="9525" marT="9525" marB="0" anchor="b"/>
+                </a:tc>
+                <a:extLst>
+                  <a:ext uri="{0D108BD9-81ED-4DB2-BD59-A6C34878D82A}">
+                    <a16:rowId xmlns:a16="http://schemas.microsoft.com/office/drawing/2014/main" xmlns="" val="3851584695"/>
+                  </a:ext>
+                </a:extLst>
+              </a:tr>
+              <a:tr h="340585">
+                <a:tc>
+                  <a:txBody>
+                    <a:bodyPr/>
+                    <a:lstStyle/>
+                    <a:p>
+                      <a:pPr algn="ctr" fontAlgn="b"/>
+                      <a:r>
+                        <a:rPr lang="en-US" sz="1800" u="none" strike="noStrike">
+                          <a:effectLst/>
+                        </a:rPr>
+                        <a:t>Ultisols</a:t>
+                      </a:r>
+                      <a:endParaRPr lang="en-US" sz="1800" b="0" i="0" u="none" strike="noStrike">
+                        <a:solidFill>
+                          <a:srgbClr val="000000"/>
+                        </a:solidFill>
+                        <a:effectLst/>
+                        <a:latin typeface="Calibri" panose="020F0502020204030204" pitchFamily="34" charset="0"/>
+                      </a:endParaRPr>
+                    </a:p>
+                  </a:txBody>
+                  <a:tcPr marL="9525" marR="9525" marT="9525" marB="0" anchor="b"/>
+                </a:tc>
+                <a:tc>
+                  <a:txBody>
+                    <a:bodyPr/>
+                    <a:lstStyle/>
+                    <a:p>
+                      <a:pPr algn="ctr" fontAlgn="b"/>
+                      <a:r>
+                        <a:rPr lang="en-US" sz="1600" b="0" i="0" u="none" strike="noStrike" dirty="0" smtClean="0">
+                          <a:solidFill>
+                            <a:srgbClr val="000000"/>
+                          </a:solidFill>
+                          <a:effectLst/>
+                          <a:latin typeface="Calibri" panose="020F0502020204030204" pitchFamily="34" charset="0"/>
+                        </a:rPr>
+                        <a:t>0.75</a:t>
+                      </a:r>
+                      <a:endParaRPr lang="en-US" sz="1600" b="0" i="0" u="none" strike="noStrike" dirty="0">
+                        <a:solidFill>
+                          <a:srgbClr val="000000"/>
+                        </a:solidFill>
+                        <a:effectLst/>
+                        <a:latin typeface="Calibri" panose="020F0502020204030204" pitchFamily="34" charset="0"/>
+                      </a:endParaRPr>
+                    </a:p>
+                  </a:txBody>
+                  <a:tcPr marL="9525" marR="9525" marT="9525" marB="0" anchor="b"/>
+                </a:tc>
+                <a:extLst>
+                  <a:ext uri="{0D108BD9-81ED-4DB2-BD59-A6C34878D82A}">
+                    <a16:rowId xmlns:a16="http://schemas.microsoft.com/office/drawing/2014/main" xmlns="" val="695268272"/>
+                  </a:ext>
+                </a:extLst>
+              </a:tr>
+              <a:tr h="340585">
+                <a:tc>
+                  <a:txBody>
+                    <a:bodyPr/>
+                    <a:lstStyle/>
+                    <a:p>
+                      <a:pPr algn="ctr" fontAlgn="b"/>
+                      <a:r>
+                        <a:rPr lang="en-US" sz="1800" u="none" strike="noStrike">
+                          <a:effectLst/>
+                        </a:rPr>
+                        <a:t>Vertisols</a:t>
+                      </a:r>
+                      <a:endParaRPr lang="en-US" sz="1800" b="0" i="0" u="none" strike="noStrike">
+                        <a:solidFill>
+                          <a:srgbClr val="000000"/>
+                        </a:solidFill>
+                        <a:effectLst/>
+                        <a:latin typeface="Calibri" panose="020F0502020204030204" pitchFamily="34" charset="0"/>
+                      </a:endParaRPr>
+                    </a:p>
+                  </a:txBody>
+                  <a:tcPr marL="9525" marR="9525" marT="9525" marB="0" anchor="b"/>
+                </a:tc>
+                <a:tc>
+                  <a:txBody>
+                    <a:bodyPr/>
+                    <a:lstStyle/>
+                    <a:p>
+                      <a:pPr algn="ctr" fontAlgn="b"/>
+                      <a:r>
+                        <a:rPr lang="en-US" sz="1600" b="0" i="0" u="none" strike="noStrike" dirty="0" smtClean="0">
+                          <a:solidFill>
+                            <a:srgbClr val="000000"/>
+                          </a:solidFill>
+                          <a:effectLst/>
+                          <a:latin typeface="Calibri" panose="020F0502020204030204" pitchFamily="34" charset="0"/>
+                        </a:rPr>
+                        <a:t>0.58</a:t>
+                      </a:r>
+                      <a:endParaRPr lang="en-US" sz="1600" b="0" i="0" u="none" strike="noStrike" dirty="0">
+                        <a:solidFill>
+                          <a:srgbClr val="000000"/>
+                        </a:solidFill>
+                        <a:effectLst/>
+                        <a:latin typeface="Calibri" panose="020F0502020204030204" pitchFamily="34" charset="0"/>
+                      </a:endParaRPr>
+                    </a:p>
+                  </a:txBody>
+                  <a:tcPr marL="9525" marR="9525" marT="9525" marB="0" anchor="b"/>
+                </a:tc>
+                <a:extLst>
+                  <a:ext uri="{0D108BD9-81ED-4DB2-BD59-A6C34878D82A}">
+                    <a16:rowId xmlns:a16="http://schemas.microsoft.com/office/drawing/2014/main" xmlns="" val="3383845840"/>
+                  </a:ext>
+                </a:extLst>
+              </a:tr>
+              <a:tr h="340585">
+                <a:tc>
+                  <a:txBody>
+                    <a:bodyPr/>
+                    <a:lstStyle/>
+                    <a:p>
+                      <a:pPr algn="ctr" fontAlgn="b"/>
+                      <a:r>
+                        <a:rPr lang="en-US" sz="1800" b="1" i="1" u="none" strike="noStrike" dirty="0">
+                          <a:effectLst/>
+                        </a:rPr>
+                        <a:t>Overall</a:t>
+                      </a:r>
+                      <a:endParaRPr lang="en-US" sz="1800" b="1" i="1" u="none" strike="noStrike" dirty="0">
+                        <a:solidFill>
+                          <a:srgbClr val="000000"/>
+                        </a:solidFill>
+                        <a:effectLst/>
+                        <a:latin typeface="Calibri" panose="020F0502020204030204" pitchFamily="34" charset="0"/>
+                      </a:endParaRPr>
+                    </a:p>
+                  </a:txBody>
+                  <a:tcPr marL="9525" marR="9525" marT="9525" marB="0" anchor="b"/>
+                </a:tc>
+                <a:tc>
+                  <a:txBody>
+                    <a:bodyPr/>
+                    <a:lstStyle/>
+                    <a:p>
+                      <a:pPr algn="ctr" fontAlgn="b"/>
+                      <a:r>
+                        <a:rPr lang="en-US" sz="1800" b="1" i="1" u="none" strike="noStrike" dirty="0" smtClean="0">
+                          <a:effectLst/>
+                        </a:rPr>
+                        <a:t>0.61</a:t>
+                      </a:r>
+                      <a:endParaRPr lang="en-US" sz="1800" b="1" i="1" u="none" strike="noStrike" dirty="0">
+                        <a:solidFill>
+                          <a:srgbClr val="000000"/>
+                        </a:solidFill>
+                        <a:effectLst/>
+                        <a:latin typeface="Calibri" panose="020F0502020204030204" pitchFamily="34" charset="0"/>
+                      </a:endParaRPr>
+                    </a:p>
+                  </a:txBody>
+                  <a:tcPr marL="9525" marR="9525" marT="9525" marB="0" anchor="b"/>
+                </a:tc>
+                <a:extLst>
+                  <a:ext uri="{0D108BD9-81ED-4DB2-BD59-A6C34878D82A}">
+                    <a16:rowId xmlns:a16="http://schemas.microsoft.com/office/drawing/2014/main" xmlns="" val="3966871809"/>
+                  </a:ext>
+                </a:extLst>
+              </a:tr>
+            </a:tbl>
+          </a:graphicData>
+        </a:graphic>
+      </p:graphicFrame>
     </p:spTree>
     <p:extLst>
       <p:ext uri="{BB962C8B-B14F-4D97-AF65-F5344CB8AC3E}">
@@ -9691,7 +10357,7 @@
         </p:blipFill>
         <p:spPr>
           <a:xfrm>
-            <a:off x="127000" y="3023115"/>
+            <a:off x="127000" y="3510735"/>
             <a:ext cx="11925300" cy="2286000"/>
           </a:xfrm>
           <a:prstGeom prst="rect">
@@ -9699,6 +10365,36 @@
           </a:prstGeom>
         </p:spPr>
       </p:pic>
+      <p:sp>
+        <p:nvSpPr>
+          <p:cNvPr id="3" name="TextBox 2"/>
+          <p:cNvSpPr txBox="1"/>
+          <p:nvPr/>
+        </p:nvSpPr>
+        <p:spPr>
+          <a:xfrm>
+            <a:off x="646308" y="2097941"/>
+            <a:ext cx="10964581" cy="1107996"/>
+          </a:xfrm>
+          <a:prstGeom prst="rect">
+            <a:avLst/>
+          </a:prstGeom>
+          <a:noFill/>
+        </p:spPr>
+        <p:txBody>
+          <a:bodyPr wrap="square" rtlCol="0">
+            <a:spAutoFit/>
+          </a:bodyPr>
+          <a:lstStyle/>
+          <a:p>
+            <a:r>
+              <a:rPr lang="en-US" sz="2200" dirty="0" smtClean="0"/>
+              <a:t>While individual soil Orders were best predicted by various approaches, the Multinomial Logistic Regression method exhibited the overall highest percentage of correct classifications for these data. </a:t>
+            </a:r>
+            <a:endParaRPr lang="en-US" sz="2200" dirty="0"/>
+          </a:p>
+        </p:txBody>
+      </p:sp>
     </p:spTree>
     <p:extLst>
       <p:ext uri="{BB962C8B-B14F-4D97-AF65-F5344CB8AC3E}">
@@ -9989,7 +10685,7 @@
   <a:extraClrSchemeLst/>
   <a:extLst>
     <a:ext uri="{05A4C25C-085E-4340-85A3-A5531E510DB2}">
-      <thm15:themeFamily xmlns:thm15="http://schemas.microsoft.com/office/thememl/2012/main" name="Retrospect" id="{5F128B03-DCCA-4EEB-AB3B-CF2899314A46}" vid="{3F1AAB62-24C6-49D2-8E01-B56FAC9A3DCD}"/>
+      <thm15:themeFamily xmlns:thm15="http://schemas.microsoft.com/office/thememl/2012/main" xmlns="" name="Retrospect" id="{5F128B03-DCCA-4EEB-AB3B-CF2899314A46}" vid="{3F1AAB62-24C6-49D2-8E01-B56FAC9A3DCD}"/>
     </a:ext>
   </a:extLst>
 </a:theme>

--- a/Project1Slides.pptx
+++ b/Project1Slides.pptx
@@ -114,7 +114,7 @@
   </p:defaultTextStyle>
   <p:extLst>
     <p:ext uri="{EFAFB233-063F-42B5-8137-9DF3F51BA10A}">
-      <p15:sldGuideLst xmlns:p15="http://schemas.microsoft.com/office/powerpoint/2012/main" xmlns="">
+      <p15:sldGuideLst xmlns:p15="http://schemas.microsoft.com/office/powerpoint/2012/main">
         <p15:guide id="1" orient="horz" pos="2160">
           <p15:clr>
             <a:srgbClr val="A4A3A4"/>
@@ -357,7 +357,7 @@
           <a:p>
             <a:fld id="{A0983565-F877-DB42-ACB5-B43079C6C368}" type="datetimeFigureOut">
               <a:rPr lang="en-US" smtClean="0"/>
-              <a:t>2/19/18</a:t>
+              <a:t>2/20/18</a:t>
             </a:fld>
             <a:endParaRPr lang="en-US"/>
           </a:p>
@@ -565,7 +565,7 @@
           <a:p>
             <a:fld id="{A0983565-F877-DB42-ACB5-B43079C6C368}" type="datetimeFigureOut">
               <a:rPr lang="en-US" smtClean="0"/>
-              <a:t>2/19/18</a:t>
+              <a:t>2/20/18</a:t>
             </a:fld>
             <a:endParaRPr lang="en-US"/>
           </a:p>
@@ -821,7 +821,7 @@
           <a:p>
             <a:fld id="{A0983565-F877-DB42-ACB5-B43079C6C368}" type="datetimeFigureOut">
               <a:rPr lang="en-US" smtClean="0"/>
-              <a:t>2/19/18</a:t>
+              <a:t>2/20/18</a:t>
             </a:fld>
             <a:endParaRPr lang="en-US"/>
           </a:p>
@@ -995,7 +995,7 @@
           <a:p>
             <a:fld id="{A0983565-F877-DB42-ACB5-B43079C6C368}" type="datetimeFigureOut">
               <a:rPr lang="en-US" smtClean="0"/>
-              <a:t>2/19/18</a:t>
+              <a:t>2/20/18</a:t>
             </a:fld>
             <a:endParaRPr lang="en-US"/>
           </a:p>
@@ -1338,7 +1338,7 @@
           <a:p>
             <a:fld id="{A0983565-F877-DB42-ACB5-B43079C6C368}" type="datetimeFigureOut">
               <a:rPr lang="en-US" smtClean="0"/>
-              <a:t>2/19/18</a:t>
+              <a:t>2/20/18</a:t>
             </a:fld>
             <a:endParaRPr lang="en-US"/>
           </a:p>
@@ -1613,7 +1613,7 @@
           <a:p>
             <a:fld id="{A0983565-F877-DB42-ACB5-B43079C6C368}" type="datetimeFigureOut">
               <a:rPr lang="en-US" smtClean="0"/>
-              <a:t>2/19/18</a:t>
+              <a:t>2/20/18</a:t>
             </a:fld>
             <a:endParaRPr lang="en-US"/>
           </a:p>
@@ -1992,7 +1992,7 @@
           <a:p>
             <a:fld id="{A0983565-F877-DB42-ACB5-B43079C6C368}" type="datetimeFigureOut">
               <a:rPr lang="en-US" smtClean="0"/>
-              <a:t>2/19/18</a:t>
+              <a:t>2/20/18</a:t>
             </a:fld>
             <a:endParaRPr lang="en-US"/>
           </a:p>
@@ -2110,7 +2110,7 @@
           <a:p>
             <a:fld id="{A0983565-F877-DB42-ACB5-B43079C6C368}" type="datetimeFigureOut">
               <a:rPr lang="en-US" smtClean="0"/>
-              <a:t>2/19/18</a:t>
+              <a:t>2/20/18</a:t>
             </a:fld>
             <a:endParaRPr lang="en-US"/>
           </a:p>
@@ -2281,7 +2281,7 @@
           <a:p>
             <a:fld id="{A0983565-F877-DB42-ACB5-B43079C6C368}" type="datetimeFigureOut">
               <a:rPr lang="en-US" smtClean="0"/>
-              <a:t>2/19/18</a:t>
+              <a:t>2/20/18</a:t>
             </a:fld>
             <a:endParaRPr lang="en-US"/>
           </a:p>
@@ -2635,7 +2635,7 @@
           <a:p>
             <a:fld id="{A0983565-F877-DB42-ACB5-B43079C6C368}" type="datetimeFigureOut">
               <a:rPr lang="en-US" smtClean="0"/>
-              <a:t>2/19/18</a:t>
+              <a:t>2/20/18</a:t>
             </a:fld>
             <a:endParaRPr lang="en-US"/>
           </a:p>
@@ -3017,7 +3017,7 @@
           <a:p>
             <a:fld id="{A0983565-F877-DB42-ACB5-B43079C6C368}" type="datetimeFigureOut">
               <a:rPr lang="en-US" smtClean="0"/>
-              <a:t>2/19/18</a:t>
+              <a:t>2/20/18</a:t>
             </a:fld>
             <a:endParaRPr lang="en-US"/>
           </a:p>
@@ -3304,7 +3304,7 @@
           <a:p>
             <a:fld id="{A0983565-F877-DB42-ACB5-B43079C6C368}" type="datetimeFigureOut">
               <a:rPr lang="en-US" smtClean="0"/>
-              <a:t>2/19/18</a:t>
+              <a:t>2/20/18</a:t>
             </a:fld>
             <a:endParaRPr lang="en-US"/>
           </a:p>
@@ -3810,7 +3810,7 @@
   </p:txStyles>
   <p:extLst>
     <p:ext uri="{27BBF7A9-308A-43DC-89C8-2F10F3537804}">
-      <p15:sldGuideLst xmlns:p15="http://schemas.microsoft.com/office/powerpoint/2012/main" xmlns=""/>
+      <p15:sldGuideLst xmlns:p15="http://schemas.microsoft.com/office/powerpoint/2012/main"/>
     </p:ext>
   </p:extLst>
 </p:sldMaster>
@@ -4195,15 +4195,7 @@
             </a:pPr>
             <a:r>
               <a:rPr lang="en-US" sz="2000" dirty="0" smtClean="0"/>
-              <a:t>Response Variable</a:t>
-            </a:r>
-            <a:r>
-              <a:rPr lang="en-US" sz="2000" dirty="0" smtClean="0"/>
-              <a:t>: 9 </a:t>
-            </a:r>
-            <a:r>
-              <a:rPr lang="en-US" sz="2000" dirty="0" smtClean="0"/>
-              <a:t>soil </a:t>
+              <a:t>Response Variable: 9 soil </a:t>
             </a:r>
             <a:r>
               <a:rPr lang="en-US" sz="2000" dirty="0"/>
@@ -4497,22 +4489,6 @@
               <a:rPr lang="en-US" altLang="zh-CN" dirty="0" smtClean="0"/>
               <a:t>Results</a:t>
             </a:r>
-            <a:r>
-              <a:rPr lang="zh-CN" altLang="en-US" dirty="0" smtClean="0"/>
-              <a:t> </a:t>
-            </a:r>
-            <a:r>
-              <a:rPr lang="en-US" altLang="zh-CN" dirty="0" smtClean="0"/>
-              <a:t>w/o</a:t>
-            </a:r>
-            <a:r>
-              <a:rPr lang="zh-CN" altLang="en-US" dirty="0" smtClean="0"/>
-              <a:t> </a:t>
-            </a:r>
-            <a:r>
-              <a:rPr lang="en-US" altLang="zh-CN" dirty="0" smtClean="0"/>
-              <a:t>PCA</a:t>
-            </a:r>
             <a:endParaRPr lang="en-US" dirty="0"/>
           </a:p>
         </p:txBody>
@@ -4571,7 +4547,7 @@
         </p:nvGraphicFramePr>
         <p:xfrm>
           <a:off x="847721" y="1846336"/>
-          <a:ext cx="3292808" cy="4330689"/>
+          <a:ext cx="3292808" cy="4330690"/>
         </p:xfrm>
         <a:graphic>
           <a:graphicData uri="http://schemas.openxmlformats.org/drawingml/2006/table">
@@ -4583,14 +4559,14 @@
                 <a:gridCol w="1646404">
                   <a:extLst>
                     <a:ext uri="{9D8B030D-6E8A-4147-A177-3AD203B41FA5}">
-                      <a16:colId xmlns:a16="http://schemas.microsoft.com/office/drawing/2014/main" xmlns="" val="3140344323"/>
+                      <a16:colId xmlns="" xmlns:a16="http://schemas.microsoft.com/office/drawing/2014/main" val="3140344323"/>
                     </a:ext>
                   </a:extLst>
                 </a:gridCol>
                 <a:gridCol w="1646404">
                   <a:extLst>
                     <a:ext uri="{9D8B030D-6E8A-4147-A177-3AD203B41FA5}">
-                      <a16:colId xmlns:a16="http://schemas.microsoft.com/office/drawing/2014/main" xmlns="" val="3031573191"/>
+                      <a16:colId xmlns="" xmlns:a16="http://schemas.microsoft.com/office/drawing/2014/main" val="3031573191"/>
                     </a:ext>
                   </a:extLst>
                 </a:gridCol>
@@ -4650,7 +4626,7 @@
                 </a:tc>
                 <a:extLst>
                   <a:ext uri="{0D108BD9-81ED-4DB2-BD59-A6C34878D82A}">
-                    <a16:rowId xmlns:a16="http://schemas.microsoft.com/office/drawing/2014/main" xmlns="" val="2267399532"/>
+                    <a16:rowId xmlns="" xmlns:a16="http://schemas.microsoft.com/office/drawing/2014/main" val="2267399532"/>
                   </a:ext>
                 </a:extLst>
               </a:tr>
@@ -4703,7 +4679,7 @@
                 </a:tc>
                 <a:extLst>
                   <a:ext uri="{0D108BD9-81ED-4DB2-BD59-A6C34878D82A}">
-                    <a16:rowId xmlns:a16="http://schemas.microsoft.com/office/drawing/2014/main" xmlns="" val="1236980502"/>
+                    <a16:rowId xmlns="" xmlns:a16="http://schemas.microsoft.com/office/drawing/2014/main" val="1236980502"/>
                   </a:ext>
                 </a:extLst>
               </a:tr>
@@ -4756,7 +4732,7 @@
                 </a:tc>
                 <a:extLst>
                   <a:ext uri="{0D108BD9-81ED-4DB2-BD59-A6C34878D82A}">
-                    <a16:rowId xmlns:a16="http://schemas.microsoft.com/office/drawing/2014/main" xmlns="" val="254850676"/>
+                    <a16:rowId xmlns="" xmlns:a16="http://schemas.microsoft.com/office/drawing/2014/main" val="254850676"/>
                   </a:ext>
                 </a:extLst>
               </a:tr>
@@ -4809,7 +4785,7 @@
                 </a:tc>
                 <a:extLst>
                   <a:ext uri="{0D108BD9-81ED-4DB2-BD59-A6C34878D82A}">
-                    <a16:rowId xmlns:a16="http://schemas.microsoft.com/office/drawing/2014/main" xmlns="" val="2504185095"/>
+                    <a16:rowId xmlns="" xmlns:a16="http://schemas.microsoft.com/office/drawing/2014/main" val="2504185095"/>
                   </a:ext>
                 </a:extLst>
               </a:tr>
@@ -4862,7 +4838,7 @@
                 </a:tc>
                 <a:extLst>
                   <a:ext uri="{0D108BD9-81ED-4DB2-BD59-A6C34878D82A}">
-                    <a16:rowId xmlns:a16="http://schemas.microsoft.com/office/drawing/2014/main" xmlns="" val="3414866897"/>
+                    <a16:rowId xmlns="" xmlns:a16="http://schemas.microsoft.com/office/drawing/2014/main" val="3414866897"/>
                   </a:ext>
                 </a:extLst>
               </a:tr>
@@ -4915,7 +4891,7 @@
                 </a:tc>
                 <a:extLst>
                   <a:ext uri="{0D108BD9-81ED-4DB2-BD59-A6C34878D82A}">
-                    <a16:rowId xmlns:a16="http://schemas.microsoft.com/office/drawing/2014/main" xmlns="" val="2636283831"/>
+                    <a16:rowId xmlns="" xmlns:a16="http://schemas.microsoft.com/office/drawing/2014/main" val="2636283831"/>
                   </a:ext>
                 </a:extLst>
               </a:tr>
@@ -4968,7 +4944,7 @@
                 </a:tc>
                 <a:extLst>
                   <a:ext uri="{0D108BD9-81ED-4DB2-BD59-A6C34878D82A}">
-                    <a16:rowId xmlns:a16="http://schemas.microsoft.com/office/drawing/2014/main" xmlns="" val="2854849710"/>
+                    <a16:rowId xmlns="" xmlns:a16="http://schemas.microsoft.com/office/drawing/2014/main" val="2854849710"/>
                   </a:ext>
                 </a:extLst>
               </a:tr>
@@ -5021,7 +4997,7 @@
                 </a:tc>
                 <a:extLst>
                   <a:ext uri="{0D108BD9-81ED-4DB2-BD59-A6C34878D82A}">
-                    <a16:rowId xmlns:a16="http://schemas.microsoft.com/office/drawing/2014/main" xmlns="" val="659468809"/>
+                    <a16:rowId xmlns="" xmlns:a16="http://schemas.microsoft.com/office/drawing/2014/main" val="659468809"/>
                   </a:ext>
                 </a:extLst>
               </a:tr>
@@ -5074,7 +5050,7 @@
                 </a:tc>
                 <a:extLst>
                   <a:ext uri="{0D108BD9-81ED-4DB2-BD59-A6C34878D82A}">
-                    <a16:rowId xmlns:a16="http://schemas.microsoft.com/office/drawing/2014/main" xmlns="" val="1626067072"/>
+                    <a16:rowId xmlns="" xmlns:a16="http://schemas.microsoft.com/office/drawing/2014/main" val="1626067072"/>
                   </a:ext>
                 </a:extLst>
               </a:tr>
@@ -5127,7 +5103,7 @@
                 </a:tc>
                 <a:extLst>
                   <a:ext uri="{0D108BD9-81ED-4DB2-BD59-A6C34878D82A}">
-                    <a16:rowId xmlns:a16="http://schemas.microsoft.com/office/drawing/2014/main" xmlns="" val="3778050048"/>
+                    <a16:rowId xmlns="" xmlns:a16="http://schemas.microsoft.com/office/drawing/2014/main" val="3778050048"/>
                   </a:ext>
                 </a:extLst>
               </a:tr>
@@ -5198,7 +5174,7 @@
                 </a:tc>
                 <a:extLst>
                   <a:ext uri="{0D108BD9-81ED-4DB2-BD59-A6C34878D82A}">
-                    <a16:rowId xmlns:a16="http://schemas.microsoft.com/office/drawing/2014/main" xmlns="" val="4138240308"/>
+                    <a16:rowId xmlns="" xmlns:a16="http://schemas.microsoft.com/office/drawing/2014/main" val="4138240308"/>
                   </a:ext>
                 </a:extLst>
               </a:tr>
@@ -5277,7 +5253,11 @@
           <a:p>
             <a:r>
               <a:rPr lang="en-US" dirty="0" smtClean="0"/>
-              <a:t>LDA Results w/o PCA </a:t>
+              <a:t>LDA </a:t>
+            </a:r>
+            <a:r>
+              <a:rPr lang="en-US" dirty="0" smtClean="0"/>
+              <a:t>Results</a:t>
             </a:r>
             <a:endParaRPr lang="en-US" dirty="0"/>
           </a:p>
@@ -5382,63 +5362,63 @@
                 <a:gridCol w="1941534">
                   <a:extLst>
                     <a:ext uri="{9D8B030D-6E8A-4147-A177-3AD203B41FA5}">
-                      <a16:colId xmlns:a16="http://schemas.microsoft.com/office/drawing/2014/main" xmlns="" val="953060514"/>
+                      <a16:colId xmlns="" xmlns:a16="http://schemas.microsoft.com/office/drawing/2014/main" val="953060514"/>
                     </a:ext>
                   </a:extLst>
                 </a:gridCol>
                 <a:gridCol w="1011477">
                   <a:extLst>
                     <a:ext uri="{9D8B030D-6E8A-4147-A177-3AD203B41FA5}">
-                      <a16:colId xmlns:a16="http://schemas.microsoft.com/office/drawing/2014/main" xmlns="" val="767976886"/>
+                      <a16:colId xmlns="" xmlns:a16="http://schemas.microsoft.com/office/drawing/2014/main" val="767976886"/>
                     </a:ext>
                   </a:extLst>
                 </a:gridCol>
                 <a:gridCol w="1011477">
                   <a:extLst>
                     <a:ext uri="{9D8B030D-6E8A-4147-A177-3AD203B41FA5}">
-                      <a16:colId xmlns:a16="http://schemas.microsoft.com/office/drawing/2014/main" xmlns="" val="2264140971"/>
+                      <a16:colId xmlns="" xmlns:a16="http://schemas.microsoft.com/office/drawing/2014/main" val="2264140971"/>
                     </a:ext>
                   </a:extLst>
                 </a:gridCol>
                 <a:gridCol w="1011477">
                   <a:extLst>
                     <a:ext uri="{9D8B030D-6E8A-4147-A177-3AD203B41FA5}">
-                      <a16:colId xmlns:a16="http://schemas.microsoft.com/office/drawing/2014/main" xmlns="" val="3244866279"/>
+                      <a16:colId xmlns="" xmlns:a16="http://schemas.microsoft.com/office/drawing/2014/main" val="3244866279"/>
                     </a:ext>
                   </a:extLst>
                 </a:gridCol>
                 <a:gridCol w="1011477">
                   <a:extLst>
                     <a:ext uri="{9D8B030D-6E8A-4147-A177-3AD203B41FA5}">
-                      <a16:colId xmlns:a16="http://schemas.microsoft.com/office/drawing/2014/main" xmlns="" val="3666229127"/>
+                      <a16:colId xmlns="" xmlns:a16="http://schemas.microsoft.com/office/drawing/2014/main" val="3666229127"/>
                     </a:ext>
                   </a:extLst>
                 </a:gridCol>
                 <a:gridCol w="1011477">
                   <a:extLst>
                     <a:ext uri="{9D8B030D-6E8A-4147-A177-3AD203B41FA5}">
-                      <a16:colId xmlns:a16="http://schemas.microsoft.com/office/drawing/2014/main" xmlns="" val="2639360683"/>
+                      <a16:colId xmlns="" xmlns:a16="http://schemas.microsoft.com/office/drawing/2014/main" val="2639360683"/>
                     </a:ext>
                   </a:extLst>
                 </a:gridCol>
                 <a:gridCol w="1011477">
                   <a:extLst>
                     <a:ext uri="{9D8B030D-6E8A-4147-A177-3AD203B41FA5}">
-                      <a16:colId xmlns:a16="http://schemas.microsoft.com/office/drawing/2014/main" xmlns="" val="612403726"/>
+                      <a16:colId xmlns="" xmlns:a16="http://schemas.microsoft.com/office/drawing/2014/main" val="612403726"/>
                     </a:ext>
                   </a:extLst>
                 </a:gridCol>
                 <a:gridCol w="1011477">
                   <a:extLst>
                     <a:ext uri="{9D8B030D-6E8A-4147-A177-3AD203B41FA5}">
-                      <a16:colId xmlns:a16="http://schemas.microsoft.com/office/drawing/2014/main" xmlns="" val="1520712259"/>
+                      <a16:colId xmlns="" xmlns:a16="http://schemas.microsoft.com/office/drawing/2014/main" val="1520712259"/>
                     </a:ext>
                   </a:extLst>
                 </a:gridCol>
                 <a:gridCol w="1011477">
                   <a:extLst>
                     <a:ext uri="{9D8B030D-6E8A-4147-A177-3AD203B41FA5}">
-                      <a16:colId xmlns:a16="http://schemas.microsoft.com/office/drawing/2014/main" xmlns="" val="3830094917"/>
+                      <a16:colId xmlns="" xmlns:a16="http://schemas.microsoft.com/office/drawing/2014/main" val="3830094917"/>
                     </a:ext>
                   </a:extLst>
                 </a:gridCol>
@@ -5675,7 +5655,7 @@
                 </a:tc>
                 <a:extLst>
                   <a:ext uri="{0D108BD9-81ED-4DB2-BD59-A6C34878D82A}">
-                    <a16:rowId xmlns:a16="http://schemas.microsoft.com/office/drawing/2014/main" xmlns="" val="1610753384"/>
+                    <a16:rowId xmlns="" xmlns:a16="http://schemas.microsoft.com/office/drawing/2014/main" val="1610753384"/>
                   </a:ext>
                 </a:extLst>
               </a:tr>
@@ -5865,7 +5845,7 @@
                 </a:tc>
                 <a:extLst>
                   <a:ext uri="{0D108BD9-81ED-4DB2-BD59-A6C34878D82A}">
-                    <a16:rowId xmlns:a16="http://schemas.microsoft.com/office/drawing/2014/main" xmlns="" val="110836604"/>
+                    <a16:rowId xmlns="" xmlns:a16="http://schemas.microsoft.com/office/drawing/2014/main" val="110836604"/>
                   </a:ext>
                 </a:extLst>
               </a:tr>
@@ -6055,7 +6035,7 @@
                 </a:tc>
                 <a:extLst>
                   <a:ext uri="{0D108BD9-81ED-4DB2-BD59-A6C34878D82A}">
-                    <a16:rowId xmlns:a16="http://schemas.microsoft.com/office/drawing/2014/main" xmlns="" val="3084985693"/>
+                    <a16:rowId xmlns="" xmlns:a16="http://schemas.microsoft.com/office/drawing/2014/main" val="3084985693"/>
                   </a:ext>
                 </a:extLst>
               </a:tr>
@@ -6245,7 +6225,7 @@
                 </a:tc>
                 <a:extLst>
                   <a:ext uri="{0D108BD9-81ED-4DB2-BD59-A6C34878D82A}">
-                    <a16:rowId xmlns:a16="http://schemas.microsoft.com/office/drawing/2014/main" xmlns="" val="1619339133"/>
+                    <a16:rowId xmlns="" xmlns:a16="http://schemas.microsoft.com/office/drawing/2014/main" val="1619339133"/>
                   </a:ext>
                 </a:extLst>
               </a:tr>
@@ -6281,35 +6261,35 @@
                 <a:gridCol w="1532443">
                   <a:extLst>
                     <a:ext uri="{9D8B030D-6E8A-4147-A177-3AD203B41FA5}">
-                      <a16:colId xmlns:a16="http://schemas.microsoft.com/office/drawing/2014/main" xmlns="" val="2442033081"/>
+                      <a16:colId xmlns="" xmlns:a16="http://schemas.microsoft.com/office/drawing/2014/main" val="2442033081"/>
                     </a:ext>
                   </a:extLst>
                 </a:gridCol>
                 <a:gridCol w="1026067">
                   <a:extLst>
                     <a:ext uri="{9D8B030D-6E8A-4147-A177-3AD203B41FA5}">
-                      <a16:colId xmlns:a16="http://schemas.microsoft.com/office/drawing/2014/main" xmlns="" val="3069743031"/>
+                      <a16:colId xmlns="" xmlns:a16="http://schemas.microsoft.com/office/drawing/2014/main" val="3069743031"/>
                     </a:ext>
                   </a:extLst>
                 </a:gridCol>
                 <a:gridCol w="1026067">
                   <a:extLst>
                     <a:ext uri="{9D8B030D-6E8A-4147-A177-3AD203B41FA5}">
-                      <a16:colId xmlns:a16="http://schemas.microsoft.com/office/drawing/2014/main" xmlns="" val="2995174482"/>
+                      <a16:colId xmlns="" xmlns:a16="http://schemas.microsoft.com/office/drawing/2014/main" val="2995174482"/>
                     </a:ext>
                   </a:extLst>
                 </a:gridCol>
                 <a:gridCol w="1026067">
                   <a:extLst>
                     <a:ext uri="{9D8B030D-6E8A-4147-A177-3AD203B41FA5}">
-                      <a16:colId xmlns:a16="http://schemas.microsoft.com/office/drawing/2014/main" xmlns="" val="1533397794"/>
+                      <a16:colId xmlns="" xmlns:a16="http://schemas.microsoft.com/office/drawing/2014/main" val="1533397794"/>
                     </a:ext>
                   </a:extLst>
                 </a:gridCol>
                 <a:gridCol w="1026067">
                   <a:extLst>
                     <a:ext uri="{9D8B030D-6E8A-4147-A177-3AD203B41FA5}">
-                      <a16:colId xmlns:a16="http://schemas.microsoft.com/office/drawing/2014/main" xmlns="" val="1031757759"/>
+                      <a16:colId xmlns="" xmlns:a16="http://schemas.microsoft.com/office/drawing/2014/main" val="1031757759"/>
                     </a:ext>
                   </a:extLst>
                 </a:gridCol>
@@ -6426,7 +6406,7 @@
                 </a:tc>
                 <a:extLst>
                   <a:ext uri="{0D108BD9-81ED-4DB2-BD59-A6C34878D82A}">
-                    <a16:rowId xmlns:a16="http://schemas.microsoft.com/office/drawing/2014/main" xmlns="" val="3395906464"/>
+                    <a16:rowId xmlns="" xmlns:a16="http://schemas.microsoft.com/office/drawing/2014/main" val="3395906464"/>
                   </a:ext>
                 </a:extLst>
               </a:tr>
@@ -6548,7 +6528,7 @@
                 </a:tc>
                 <a:extLst>
                   <a:ext uri="{0D108BD9-81ED-4DB2-BD59-A6C34878D82A}">
-                    <a16:rowId xmlns:a16="http://schemas.microsoft.com/office/drawing/2014/main" xmlns="" val="1128511410"/>
+                    <a16:rowId xmlns="" xmlns:a16="http://schemas.microsoft.com/office/drawing/2014/main" val="1128511410"/>
                   </a:ext>
                 </a:extLst>
               </a:tr>
@@ -6670,7 +6650,7 @@
                 </a:tc>
                 <a:extLst>
                   <a:ext uri="{0D108BD9-81ED-4DB2-BD59-A6C34878D82A}">
-                    <a16:rowId xmlns:a16="http://schemas.microsoft.com/office/drawing/2014/main" xmlns="" val="3819250338"/>
+                    <a16:rowId xmlns="" xmlns:a16="http://schemas.microsoft.com/office/drawing/2014/main" val="3819250338"/>
                   </a:ext>
                 </a:extLst>
               </a:tr>
@@ -6792,7 +6772,7 @@
                 </a:tc>
                 <a:extLst>
                   <a:ext uri="{0D108BD9-81ED-4DB2-BD59-A6C34878D82A}">
-                    <a16:rowId xmlns:a16="http://schemas.microsoft.com/office/drawing/2014/main" xmlns="" val="3808226940"/>
+                    <a16:rowId xmlns="" xmlns:a16="http://schemas.microsoft.com/office/drawing/2014/main" val="3808226940"/>
                   </a:ext>
                 </a:extLst>
               </a:tr>
@@ -6914,7 +6894,7 @@
                 </a:tc>
                 <a:extLst>
                   <a:ext uri="{0D108BD9-81ED-4DB2-BD59-A6C34878D82A}">
-                    <a16:rowId xmlns:a16="http://schemas.microsoft.com/office/drawing/2014/main" xmlns="" val="947155627"/>
+                    <a16:rowId xmlns="" xmlns:a16="http://schemas.microsoft.com/office/drawing/2014/main" val="947155627"/>
                   </a:ext>
                 </a:extLst>
               </a:tr>
@@ -7036,7 +7016,7 @@
                 </a:tc>
                 <a:extLst>
                   <a:ext uri="{0D108BD9-81ED-4DB2-BD59-A6C34878D82A}">
-                    <a16:rowId xmlns:a16="http://schemas.microsoft.com/office/drawing/2014/main" xmlns="" val="3860108698"/>
+                    <a16:rowId xmlns="" xmlns:a16="http://schemas.microsoft.com/office/drawing/2014/main" val="3860108698"/>
                   </a:ext>
                 </a:extLst>
               </a:tr>
@@ -7158,7 +7138,7 @@
                 </a:tc>
                 <a:extLst>
                   <a:ext uri="{0D108BD9-81ED-4DB2-BD59-A6C34878D82A}">
-                    <a16:rowId xmlns:a16="http://schemas.microsoft.com/office/drawing/2014/main" xmlns="" val="2022765200"/>
+                    <a16:rowId xmlns="" xmlns:a16="http://schemas.microsoft.com/office/drawing/2014/main" val="2022765200"/>
                   </a:ext>
                 </a:extLst>
               </a:tr>
@@ -7280,7 +7260,7 @@
                 </a:tc>
                 <a:extLst>
                   <a:ext uri="{0D108BD9-81ED-4DB2-BD59-A6C34878D82A}">
-                    <a16:rowId xmlns:a16="http://schemas.microsoft.com/office/drawing/2014/main" xmlns="" val="1368194820"/>
+                    <a16:rowId xmlns="" xmlns:a16="http://schemas.microsoft.com/office/drawing/2014/main" val="1368194820"/>
                   </a:ext>
                 </a:extLst>
               </a:tr>
@@ -7402,7 +7382,7 @@
                 </a:tc>
                 <a:extLst>
                   <a:ext uri="{0D108BD9-81ED-4DB2-BD59-A6C34878D82A}">
-                    <a16:rowId xmlns:a16="http://schemas.microsoft.com/office/drawing/2014/main" xmlns="" val="1720163309"/>
+                    <a16:rowId xmlns="" xmlns:a16="http://schemas.microsoft.com/office/drawing/2014/main" val="1720163309"/>
                   </a:ext>
                 </a:extLst>
               </a:tr>
@@ -7457,8 +7437,13 @@
           <a:p>
             <a:r>
               <a:rPr lang="en-US" dirty="0"/>
-              <a:t>LDA Results w/o PCA </a:t>
-            </a:r>
+              <a:t>LDA </a:t>
+            </a:r>
+            <a:r>
+              <a:rPr lang="en-US" dirty="0" smtClean="0"/>
+              <a:t>Results</a:t>
+            </a:r>
+            <a:endParaRPr lang="en-US" dirty="0"/>
           </a:p>
         </p:txBody>
       </p:sp>
@@ -7491,14 +7476,14 @@
                 <a:gridCol w="1486840">
                   <a:extLst>
                     <a:ext uri="{9D8B030D-6E8A-4147-A177-3AD203B41FA5}">
-                      <a16:colId xmlns:a16="http://schemas.microsoft.com/office/drawing/2014/main" xmlns="" val="1896381141"/>
+                      <a16:colId xmlns="" xmlns:a16="http://schemas.microsoft.com/office/drawing/2014/main" val="1896381141"/>
                     </a:ext>
                   </a:extLst>
                 </a:gridCol>
                 <a:gridCol w="1486840">
                   <a:extLst>
                     <a:ext uri="{9D8B030D-6E8A-4147-A177-3AD203B41FA5}">
-                      <a16:colId xmlns:a16="http://schemas.microsoft.com/office/drawing/2014/main" xmlns="" val="3265388153"/>
+                      <a16:colId xmlns="" xmlns:a16="http://schemas.microsoft.com/office/drawing/2014/main" val="3265388153"/>
                     </a:ext>
                   </a:extLst>
                 </a:gridCol>
@@ -7558,7 +7543,7 @@
                 </a:tc>
                 <a:extLst>
                   <a:ext uri="{0D108BD9-81ED-4DB2-BD59-A6C34878D82A}">
-                    <a16:rowId xmlns:a16="http://schemas.microsoft.com/office/drawing/2014/main" xmlns="" val="4193067108"/>
+                    <a16:rowId xmlns="" xmlns:a16="http://schemas.microsoft.com/office/drawing/2014/main" val="4193067108"/>
                   </a:ext>
                 </a:extLst>
               </a:tr>
@@ -7611,7 +7596,7 @@
                 </a:tc>
                 <a:extLst>
                   <a:ext uri="{0D108BD9-81ED-4DB2-BD59-A6C34878D82A}">
-                    <a16:rowId xmlns:a16="http://schemas.microsoft.com/office/drawing/2014/main" xmlns="" val="2129162000"/>
+                    <a16:rowId xmlns="" xmlns:a16="http://schemas.microsoft.com/office/drawing/2014/main" val="2129162000"/>
                   </a:ext>
                 </a:extLst>
               </a:tr>
@@ -7664,7 +7649,7 @@
                 </a:tc>
                 <a:extLst>
                   <a:ext uri="{0D108BD9-81ED-4DB2-BD59-A6C34878D82A}">
-                    <a16:rowId xmlns:a16="http://schemas.microsoft.com/office/drawing/2014/main" xmlns="" val="2610843344"/>
+                    <a16:rowId xmlns="" xmlns:a16="http://schemas.microsoft.com/office/drawing/2014/main" val="2610843344"/>
                   </a:ext>
                 </a:extLst>
               </a:tr>
@@ -7717,7 +7702,7 @@
                 </a:tc>
                 <a:extLst>
                   <a:ext uri="{0D108BD9-81ED-4DB2-BD59-A6C34878D82A}">
-                    <a16:rowId xmlns:a16="http://schemas.microsoft.com/office/drawing/2014/main" xmlns="" val="2150264306"/>
+                    <a16:rowId xmlns="" xmlns:a16="http://schemas.microsoft.com/office/drawing/2014/main" val="2150264306"/>
                   </a:ext>
                 </a:extLst>
               </a:tr>
@@ -7770,7 +7755,7 @@
                 </a:tc>
                 <a:extLst>
                   <a:ext uri="{0D108BD9-81ED-4DB2-BD59-A6C34878D82A}">
-                    <a16:rowId xmlns:a16="http://schemas.microsoft.com/office/drawing/2014/main" xmlns="" val="2058730632"/>
+                    <a16:rowId xmlns="" xmlns:a16="http://schemas.microsoft.com/office/drawing/2014/main" val="2058730632"/>
                   </a:ext>
                 </a:extLst>
               </a:tr>
@@ -7823,7 +7808,7 @@
                 </a:tc>
                 <a:extLst>
                   <a:ext uri="{0D108BD9-81ED-4DB2-BD59-A6C34878D82A}">
-                    <a16:rowId xmlns:a16="http://schemas.microsoft.com/office/drawing/2014/main" xmlns="" val="3571323669"/>
+                    <a16:rowId xmlns="" xmlns:a16="http://schemas.microsoft.com/office/drawing/2014/main" val="3571323669"/>
                   </a:ext>
                 </a:extLst>
               </a:tr>
@@ -7876,7 +7861,7 @@
                 </a:tc>
                 <a:extLst>
                   <a:ext uri="{0D108BD9-81ED-4DB2-BD59-A6C34878D82A}">
-                    <a16:rowId xmlns:a16="http://schemas.microsoft.com/office/drawing/2014/main" xmlns="" val="1945600114"/>
+                    <a16:rowId xmlns="" xmlns:a16="http://schemas.microsoft.com/office/drawing/2014/main" val="1945600114"/>
                   </a:ext>
                 </a:extLst>
               </a:tr>
@@ -7929,7 +7914,7 @@
                 </a:tc>
                 <a:extLst>
                   <a:ext uri="{0D108BD9-81ED-4DB2-BD59-A6C34878D82A}">
-                    <a16:rowId xmlns:a16="http://schemas.microsoft.com/office/drawing/2014/main" xmlns="" val="3851584695"/>
+                    <a16:rowId xmlns="" xmlns:a16="http://schemas.microsoft.com/office/drawing/2014/main" val="3851584695"/>
                   </a:ext>
                 </a:extLst>
               </a:tr>
@@ -7982,7 +7967,7 @@
                 </a:tc>
                 <a:extLst>
                   <a:ext uri="{0D108BD9-81ED-4DB2-BD59-A6C34878D82A}">
-                    <a16:rowId xmlns:a16="http://schemas.microsoft.com/office/drawing/2014/main" xmlns="" val="695268272"/>
+                    <a16:rowId xmlns="" xmlns:a16="http://schemas.microsoft.com/office/drawing/2014/main" val="695268272"/>
                   </a:ext>
                 </a:extLst>
               </a:tr>
@@ -8035,7 +8020,7 @@
                 </a:tc>
                 <a:extLst>
                   <a:ext uri="{0D108BD9-81ED-4DB2-BD59-A6C34878D82A}">
-                    <a16:rowId xmlns:a16="http://schemas.microsoft.com/office/drawing/2014/main" xmlns="" val="3383845840"/>
+                    <a16:rowId xmlns="" xmlns:a16="http://schemas.microsoft.com/office/drawing/2014/main" val="3383845840"/>
                   </a:ext>
                 </a:extLst>
               </a:tr>
@@ -8088,7 +8073,7 @@
                 </a:tc>
                 <a:extLst>
                   <a:ext uri="{0D108BD9-81ED-4DB2-BD59-A6C34878D82A}">
-                    <a16:rowId xmlns:a16="http://schemas.microsoft.com/office/drawing/2014/main" xmlns="" val="3966871809"/>
+                    <a16:rowId xmlns="" xmlns:a16="http://schemas.microsoft.com/office/drawing/2014/main" val="3966871809"/>
                   </a:ext>
                 </a:extLst>
               </a:tr>
@@ -8198,7 +8183,12 @@
             <p:ph type="title"/>
           </p:nvPr>
         </p:nvSpPr>
-        <p:spPr/>
+        <p:spPr>
+          <a:xfrm>
+            <a:off x="1154706" y="386859"/>
+            <a:ext cx="10058400" cy="1450757"/>
+          </a:xfrm>
+        </p:spPr>
         <p:txBody>
           <a:bodyPr/>
           <a:lstStyle/>
@@ -8212,24 +8202,8 @@
               <a:t> </a:t>
             </a:r>
             <a:r>
-              <a:rPr lang="en-US" altLang="zh-CN" dirty="0"/>
+              <a:rPr lang="en-US" altLang="zh-CN" dirty="0" smtClean="0"/>
               <a:t>Results</a:t>
-            </a:r>
-            <a:r>
-              <a:rPr lang="zh-CN" altLang="en-US" dirty="0"/>
-              <a:t> </a:t>
-            </a:r>
-            <a:r>
-              <a:rPr lang="en-US" altLang="zh-CN" dirty="0"/>
-              <a:t>w/o</a:t>
-            </a:r>
-            <a:r>
-              <a:rPr lang="zh-CN" altLang="en-US" dirty="0"/>
-              <a:t> </a:t>
-            </a:r>
-            <a:r>
-              <a:rPr lang="en-US" altLang="zh-CN" dirty="0"/>
-              <a:t>PCA</a:t>
             </a:r>
             <a:endParaRPr lang="en-US" dirty="0"/>
           </a:p>
@@ -8291,14 +8265,14 @@
                 <a:gridCol w="1486840">
                   <a:extLst>
                     <a:ext uri="{9D8B030D-6E8A-4147-A177-3AD203B41FA5}">
-                      <a16:colId xmlns:a16="http://schemas.microsoft.com/office/drawing/2014/main" xmlns="" val="1896381141"/>
+                      <a16:colId xmlns="" xmlns:a16="http://schemas.microsoft.com/office/drawing/2014/main" val="1896381141"/>
                     </a:ext>
                   </a:extLst>
                 </a:gridCol>
                 <a:gridCol w="1486840">
                   <a:extLst>
                     <a:ext uri="{9D8B030D-6E8A-4147-A177-3AD203B41FA5}">
-                      <a16:colId xmlns:a16="http://schemas.microsoft.com/office/drawing/2014/main" xmlns="" val="3265388153"/>
+                      <a16:colId xmlns="" xmlns:a16="http://schemas.microsoft.com/office/drawing/2014/main" val="3265388153"/>
                     </a:ext>
                   </a:extLst>
                 </a:gridCol>
@@ -8358,7 +8332,7 @@
                 </a:tc>
                 <a:extLst>
                   <a:ext uri="{0D108BD9-81ED-4DB2-BD59-A6C34878D82A}">
-                    <a16:rowId xmlns:a16="http://schemas.microsoft.com/office/drawing/2014/main" xmlns="" val="4193067108"/>
+                    <a16:rowId xmlns="" xmlns:a16="http://schemas.microsoft.com/office/drawing/2014/main" val="4193067108"/>
                   </a:ext>
                 </a:extLst>
               </a:tr>
@@ -8408,7 +8382,7 @@
                 </a:tc>
                 <a:extLst>
                   <a:ext uri="{0D108BD9-81ED-4DB2-BD59-A6C34878D82A}">
-                    <a16:rowId xmlns:a16="http://schemas.microsoft.com/office/drawing/2014/main" xmlns="" val="2129162000"/>
+                    <a16:rowId xmlns="" xmlns:a16="http://schemas.microsoft.com/office/drawing/2014/main" val="2129162000"/>
                   </a:ext>
                 </a:extLst>
               </a:tr>
@@ -8458,7 +8432,7 @@
                 </a:tc>
                 <a:extLst>
                   <a:ext uri="{0D108BD9-81ED-4DB2-BD59-A6C34878D82A}">
-                    <a16:rowId xmlns:a16="http://schemas.microsoft.com/office/drawing/2014/main" xmlns="" val="2610843344"/>
+                    <a16:rowId xmlns="" xmlns:a16="http://schemas.microsoft.com/office/drawing/2014/main" val="2610843344"/>
                   </a:ext>
                 </a:extLst>
               </a:tr>
@@ -8508,7 +8482,7 @@
                 </a:tc>
                 <a:extLst>
                   <a:ext uri="{0D108BD9-81ED-4DB2-BD59-A6C34878D82A}">
-                    <a16:rowId xmlns:a16="http://schemas.microsoft.com/office/drawing/2014/main" xmlns="" val="2150264306"/>
+                    <a16:rowId xmlns="" xmlns:a16="http://schemas.microsoft.com/office/drawing/2014/main" val="2150264306"/>
                   </a:ext>
                 </a:extLst>
               </a:tr>
@@ -8558,7 +8532,7 @@
                 </a:tc>
                 <a:extLst>
                   <a:ext uri="{0D108BD9-81ED-4DB2-BD59-A6C34878D82A}">
-                    <a16:rowId xmlns:a16="http://schemas.microsoft.com/office/drawing/2014/main" xmlns="" val="2058730632"/>
+                    <a16:rowId xmlns="" xmlns:a16="http://schemas.microsoft.com/office/drawing/2014/main" val="2058730632"/>
                   </a:ext>
                 </a:extLst>
               </a:tr>
@@ -8608,7 +8582,7 @@
                 </a:tc>
                 <a:extLst>
                   <a:ext uri="{0D108BD9-81ED-4DB2-BD59-A6C34878D82A}">
-                    <a16:rowId xmlns:a16="http://schemas.microsoft.com/office/drawing/2014/main" xmlns="" val="3571323669"/>
+                    <a16:rowId xmlns="" xmlns:a16="http://schemas.microsoft.com/office/drawing/2014/main" val="3571323669"/>
                   </a:ext>
                 </a:extLst>
               </a:tr>
@@ -8658,7 +8632,7 @@
                 </a:tc>
                 <a:extLst>
                   <a:ext uri="{0D108BD9-81ED-4DB2-BD59-A6C34878D82A}">
-                    <a16:rowId xmlns:a16="http://schemas.microsoft.com/office/drawing/2014/main" xmlns="" val="1945600114"/>
+                    <a16:rowId xmlns="" xmlns:a16="http://schemas.microsoft.com/office/drawing/2014/main" val="1945600114"/>
                   </a:ext>
                 </a:extLst>
               </a:tr>
@@ -8708,7 +8682,7 @@
                 </a:tc>
                 <a:extLst>
                   <a:ext uri="{0D108BD9-81ED-4DB2-BD59-A6C34878D82A}">
-                    <a16:rowId xmlns:a16="http://schemas.microsoft.com/office/drawing/2014/main" xmlns="" val="3851584695"/>
+                    <a16:rowId xmlns="" xmlns:a16="http://schemas.microsoft.com/office/drawing/2014/main" val="3851584695"/>
                   </a:ext>
                 </a:extLst>
               </a:tr>
@@ -8758,7 +8732,7 @@
                 </a:tc>
                 <a:extLst>
                   <a:ext uri="{0D108BD9-81ED-4DB2-BD59-A6C34878D82A}">
-                    <a16:rowId xmlns:a16="http://schemas.microsoft.com/office/drawing/2014/main" xmlns="" val="695268272"/>
+                    <a16:rowId xmlns="" xmlns:a16="http://schemas.microsoft.com/office/drawing/2014/main" val="695268272"/>
                   </a:ext>
                 </a:extLst>
               </a:tr>
@@ -8808,7 +8782,7 @@
                 </a:tc>
                 <a:extLst>
                   <a:ext uri="{0D108BD9-81ED-4DB2-BD59-A6C34878D82A}">
-                    <a16:rowId xmlns:a16="http://schemas.microsoft.com/office/drawing/2014/main" xmlns="" val="3383845840"/>
+                    <a16:rowId xmlns="" xmlns:a16="http://schemas.microsoft.com/office/drawing/2014/main" val="3383845840"/>
                   </a:ext>
                 </a:extLst>
               </a:tr>
@@ -8861,7 +8835,7 @@
                 </a:tc>
                 <a:extLst>
                   <a:ext uri="{0D108BD9-81ED-4DB2-BD59-A6C34878D82A}">
-                    <a16:rowId xmlns:a16="http://schemas.microsoft.com/office/drawing/2014/main" xmlns="" val="3966871809"/>
+                    <a16:rowId xmlns="" xmlns:a16="http://schemas.microsoft.com/office/drawing/2014/main" val="3966871809"/>
                   </a:ext>
                 </a:extLst>
               </a:tr>
@@ -8930,14 +8904,14 @@
                 <a:gridCol w="1486840">
                   <a:extLst>
                     <a:ext uri="{9D8B030D-6E8A-4147-A177-3AD203B41FA5}">
-                      <a16:colId xmlns:a16="http://schemas.microsoft.com/office/drawing/2014/main" xmlns="" val="1896381141"/>
+                      <a16:colId xmlns="" xmlns:a16="http://schemas.microsoft.com/office/drawing/2014/main" val="1896381141"/>
                     </a:ext>
                   </a:extLst>
                 </a:gridCol>
                 <a:gridCol w="1486840">
                   <a:extLst>
                     <a:ext uri="{9D8B030D-6E8A-4147-A177-3AD203B41FA5}">
-                      <a16:colId xmlns:a16="http://schemas.microsoft.com/office/drawing/2014/main" xmlns="" val="3265388153"/>
+                      <a16:colId xmlns="" xmlns:a16="http://schemas.microsoft.com/office/drawing/2014/main" val="3265388153"/>
                     </a:ext>
                   </a:extLst>
                 </a:gridCol>
@@ -8997,7 +8971,7 @@
                 </a:tc>
                 <a:extLst>
                   <a:ext uri="{0D108BD9-81ED-4DB2-BD59-A6C34878D82A}">
-                    <a16:rowId xmlns:a16="http://schemas.microsoft.com/office/drawing/2014/main" xmlns="" val="4193067108"/>
+                    <a16:rowId xmlns="" xmlns:a16="http://schemas.microsoft.com/office/drawing/2014/main" val="4193067108"/>
                   </a:ext>
                 </a:extLst>
               </a:tr>
@@ -9047,7 +9021,7 @@
                 </a:tc>
                 <a:extLst>
                   <a:ext uri="{0D108BD9-81ED-4DB2-BD59-A6C34878D82A}">
-                    <a16:rowId xmlns:a16="http://schemas.microsoft.com/office/drawing/2014/main" xmlns="" val="2129162000"/>
+                    <a16:rowId xmlns="" xmlns:a16="http://schemas.microsoft.com/office/drawing/2014/main" val="2129162000"/>
                   </a:ext>
                 </a:extLst>
               </a:tr>
@@ -9097,7 +9071,7 @@
                 </a:tc>
                 <a:extLst>
                   <a:ext uri="{0D108BD9-81ED-4DB2-BD59-A6C34878D82A}">
-                    <a16:rowId xmlns:a16="http://schemas.microsoft.com/office/drawing/2014/main" xmlns="" val="2610843344"/>
+                    <a16:rowId xmlns="" xmlns:a16="http://schemas.microsoft.com/office/drawing/2014/main" val="2610843344"/>
                   </a:ext>
                 </a:extLst>
               </a:tr>
@@ -9147,7 +9121,7 @@
                 </a:tc>
                 <a:extLst>
                   <a:ext uri="{0D108BD9-81ED-4DB2-BD59-A6C34878D82A}">
-                    <a16:rowId xmlns:a16="http://schemas.microsoft.com/office/drawing/2014/main" xmlns="" val="2150264306"/>
+                    <a16:rowId xmlns="" xmlns:a16="http://schemas.microsoft.com/office/drawing/2014/main" val="2150264306"/>
                   </a:ext>
                 </a:extLst>
               </a:tr>
@@ -9197,7 +9171,7 @@
                 </a:tc>
                 <a:extLst>
                   <a:ext uri="{0D108BD9-81ED-4DB2-BD59-A6C34878D82A}">
-                    <a16:rowId xmlns:a16="http://schemas.microsoft.com/office/drawing/2014/main" xmlns="" val="2058730632"/>
+                    <a16:rowId xmlns="" xmlns:a16="http://schemas.microsoft.com/office/drawing/2014/main" val="2058730632"/>
                   </a:ext>
                 </a:extLst>
               </a:tr>
@@ -9247,7 +9221,7 @@
                 </a:tc>
                 <a:extLst>
                   <a:ext uri="{0D108BD9-81ED-4DB2-BD59-A6C34878D82A}">
-                    <a16:rowId xmlns:a16="http://schemas.microsoft.com/office/drawing/2014/main" xmlns="" val="3571323669"/>
+                    <a16:rowId xmlns="" xmlns:a16="http://schemas.microsoft.com/office/drawing/2014/main" val="3571323669"/>
                   </a:ext>
                 </a:extLst>
               </a:tr>
@@ -9297,7 +9271,7 @@
                 </a:tc>
                 <a:extLst>
                   <a:ext uri="{0D108BD9-81ED-4DB2-BD59-A6C34878D82A}">
-                    <a16:rowId xmlns:a16="http://schemas.microsoft.com/office/drawing/2014/main" xmlns="" val="1945600114"/>
+                    <a16:rowId xmlns="" xmlns:a16="http://schemas.microsoft.com/office/drawing/2014/main" val="1945600114"/>
                   </a:ext>
                 </a:extLst>
               </a:tr>
@@ -9347,7 +9321,7 @@
                 </a:tc>
                 <a:extLst>
                   <a:ext uri="{0D108BD9-81ED-4DB2-BD59-A6C34878D82A}">
-                    <a16:rowId xmlns:a16="http://schemas.microsoft.com/office/drawing/2014/main" xmlns="" val="3851584695"/>
+                    <a16:rowId xmlns="" xmlns:a16="http://schemas.microsoft.com/office/drawing/2014/main" val="3851584695"/>
                   </a:ext>
                 </a:extLst>
               </a:tr>
@@ -9397,7 +9371,7 @@
                 </a:tc>
                 <a:extLst>
                   <a:ext uri="{0D108BD9-81ED-4DB2-BD59-A6C34878D82A}">
-                    <a16:rowId xmlns:a16="http://schemas.microsoft.com/office/drawing/2014/main" xmlns="" val="695268272"/>
+                    <a16:rowId xmlns="" xmlns:a16="http://schemas.microsoft.com/office/drawing/2014/main" val="695268272"/>
                   </a:ext>
                 </a:extLst>
               </a:tr>
@@ -9447,7 +9421,7 @@
                 </a:tc>
                 <a:extLst>
                   <a:ext uri="{0D108BD9-81ED-4DB2-BD59-A6C34878D82A}">
-                    <a16:rowId xmlns:a16="http://schemas.microsoft.com/office/drawing/2014/main" xmlns="" val="3383845840"/>
+                    <a16:rowId xmlns="" xmlns:a16="http://schemas.microsoft.com/office/drawing/2014/main" val="3383845840"/>
                   </a:ext>
                 </a:extLst>
               </a:tr>
@@ -9500,7 +9474,7 @@
                 </a:tc>
                 <a:extLst>
                   <a:ext uri="{0D108BD9-81ED-4DB2-BD59-A6C34878D82A}">
-                    <a16:rowId xmlns:a16="http://schemas.microsoft.com/office/drawing/2014/main" xmlns="" val="3966871809"/>
+                    <a16:rowId xmlns="" xmlns:a16="http://schemas.microsoft.com/office/drawing/2014/main" val="3966871809"/>
                   </a:ext>
                 </a:extLst>
               </a:tr>
@@ -9581,7 +9555,7 @@
         </p:nvSpPr>
         <p:spPr>
           <a:xfrm>
-            <a:off x="1097280" y="2744334"/>
+            <a:off x="0" y="1872137"/>
             <a:ext cx="3596966" cy="1746395"/>
           </a:xfrm>
         </p:spPr>
@@ -9610,13 +9584,13 @@
           <p:nvPr>
             <p:extLst>
               <p:ext uri="{D42A27DB-BD31-4B8C-83A1-F6EECF244321}">
-                <p14:modId xmlns:p14="http://schemas.microsoft.com/office/powerpoint/2010/main" val="3660849169"/>
+                <p14:modId xmlns:p14="http://schemas.microsoft.com/office/powerpoint/2010/main" val="1214112581"/>
               </p:ext>
             </p:extLst>
           </p:nvPr>
         </p:nvGraphicFramePr>
         <p:xfrm>
-          <a:off x="7287826" y="2020097"/>
+          <a:off x="3784971" y="2097220"/>
           <a:ext cx="2973680" cy="3964015"/>
         </p:xfrm>
         <a:graphic>
@@ -9629,14 +9603,14 @@
                 <a:gridCol w="1486840">
                   <a:extLst>
                     <a:ext uri="{9D8B030D-6E8A-4147-A177-3AD203B41FA5}">
-                      <a16:colId xmlns:a16="http://schemas.microsoft.com/office/drawing/2014/main" xmlns="" val="1896381141"/>
+                      <a16:colId xmlns="" xmlns:a16="http://schemas.microsoft.com/office/drawing/2014/main" val="1896381141"/>
                     </a:ext>
                   </a:extLst>
                 </a:gridCol>
                 <a:gridCol w="1486840">
                   <a:extLst>
                     <a:ext uri="{9D8B030D-6E8A-4147-A177-3AD203B41FA5}">
-                      <a16:colId xmlns:a16="http://schemas.microsoft.com/office/drawing/2014/main" xmlns="" val="3265388153"/>
+                      <a16:colId xmlns="" xmlns:a16="http://schemas.microsoft.com/office/drawing/2014/main" val="3265388153"/>
                     </a:ext>
                   </a:extLst>
                 </a:gridCol>
@@ -9696,7 +9670,7 @@
                 </a:tc>
                 <a:extLst>
                   <a:ext uri="{0D108BD9-81ED-4DB2-BD59-A6C34878D82A}">
-                    <a16:rowId xmlns:a16="http://schemas.microsoft.com/office/drawing/2014/main" xmlns="" val="4193067108"/>
+                    <a16:rowId xmlns="" xmlns:a16="http://schemas.microsoft.com/office/drawing/2014/main" val="4193067108"/>
                   </a:ext>
                 </a:extLst>
               </a:tr>
@@ -9753,7 +9727,7 @@
                 </a:tc>
                 <a:extLst>
                   <a:ext uri="{0D108BD9-81ED-4DB2-BD59-A6C34878D82A}">
-                    <a16:rowId xmlns:a16="http://schemas.microsoft.com/office/drawing/2014/main" xmlns="" val="2129162000"/>
+                    <a16:rowId xmlns="" xmlns:a16="http://schemas.microsoft.com/office/drawing/2014/main" val="2129162000"/>
                   </a:ext>
                 </a:extLst>
               </a:tr>
@@ -9810,7 +9784,7 @@
                 </a:tc>
                 <a:extLst>
                   <a:ext uri="{0D108BD9-81ED-4DB2-BD59-A6C34878D82A}">
-                    <a16:rowId xmlns:a16="http://schemas.microsoft.com/office/drawing/2014/main" xmlns="" val="2610843344"/>
+                    <a16:rowId xmlns="" xmlns:a16="http://schemas.microsoft.com/office/drawing/2014/main" val="2610843344"/>
                   </a:ext>
                 </a:extLst>
               </a:tr>
@@ -9867,7 +9841,7 @@
                 </a:tc>
                 <a:extLst>
                   <a:ext uri="{0D108BD9-81ED-4DB2-BD59-A6C34878D82A}">
-                    <a16:rowId xmlns:a16="http://schemas.microsoft.com/office/drawing/2014/main" xmlns="" val="2150264306"/>
+                    <a16:rowId xmlns="" xmlns:a16="http://schemas.microsoft.com/office/drawing/2014/main" val="2150264306"/>
                   </a:ext>
                 </a:extLst>
               </a:tr>
@@ -9924,7 +9898,7 @@
                 </a:tc>
                 <a:extLst>
                   <a:ext uri="{0D108BD9-81ED-4DB2-BD59-A6C34878D82A}">
-                    <a16:rowId xmlns:a16="http://schemas.microsoft.com/office/drawing/2014/main" xmlns="" val="2058730632"/>
+                    <a16:rowId xmlns="" xmlns:a16="http://schemas.microsoft.com/office/drawing/2014/main" val="2058730632"/>
                   </a:ext>
                 </a:extLst>
               </a:tr>
@@ -9981,7 +9955,7 @@
                 </a:tc>
                 <a:extLst>
                   <a:ext uri="{0D108BD9-81ED-4DB2-BD59-A6C34878D82A}">
-                    <a16:rowId xmlns:a16="http://schemas.microsoft.com/office/drawing/2014/main" xmlns="" val="3571323669"/>
+                    <a16:rowId xmlns="" xmlns:a16="http://schemas.microsoft.com/office/drawing/2014/main" val="3571323669"/>
                   </a:ext>
                 </a:extLst>
               </a:tr>
@@ -10038,7 +10012,7 @@
                 </a:tc>
                 <a:extLst>
                   <a:ext uri="{0D108BD9-81ED-4DB2-BD59-A6C34878D82A}">
-                    <a16:rowId xmlns:a16="http://schemas.microsoft.com/office/drawing/2014/main" xmlns="" val="1945600114"/>
+                    <a16:rowId xmlns="" xmlns:a16="http://schemas.microsoft.com/office/drawing/2014/main" val="1945600114"/>
                   </a:ext>
                 </a:extLst>
               </a:tr>
@@ -10095,7 +10069,7 @@
                 </a:tc>
                 <a:extLst>
                   <a:ext uri="{0D108BD9-81ED-4DB2-BD59-A6C34878D82A}">
-                    <a16:rowId xmlns:a16="http://schemas.microsoft.com/office/drawing/2014/main" xmlns="" val="3851584695"/>
+                    <a16:rowId xmlns="" xmlns:a16="http://schemas.microsoft.com/office/drawing/2014/main" val="3851584695"/>
                   </a:ext>
                 </a:extLst>
               </a:tr>
@@ -10152,7 +10126,7 @@
                 </a:tc>
                 <a:extLst>
                   <a:ext uri="{0D108BD9-81ED-4DB2-BD59-A6C34878D82A}">
-                    <a16:rowId xmlns:a16="http://schemas.microsoft.com/office/drawing/2014/main" xmlns="" val="695268272"/>
+                    <a16:rowId xmlns="" xmlns:a16="http://schemas.microsoft.com/office/drawing/2014/main" val="695268272"/>
                   </a:ext>
                 </a:extLst>
               </a:tr>
@@ -10209,7 +10183,7 @@
                 </a:tc>
                 <a:extLst>
                   <a:ext uri="{0D108BD9-81ED-4DB2-BD59-A6C34878D82A}">
-                    <a16:rowId xmlns:a16="http://schemas.microsoft.com/office/drawing/2014/main" xmlns="" val="3383845840"/>
+                    <a16:rowId xmlns="" xmlns:a16="http://schemas.microsoft.com/office/drawing/2014/main" val="3383845840"/>
                   </a:ext>
                 </a:extLst>
               </a:tr>
@@ -10262,7 +10236,7 @@
                 </a:tc>
                 <a:extLst>
                   <a:ext uri="{0D108BD9-81ED-4DB2-BD59-A6C34878D82A}">
-                    <a16:rowId xmlns:a16="http://schemas.microsoft.com/office/drawing/2014/main" xmlns="" val="3966871809"/>
+                    <a16:rowId xmlns="" xmlns:a16="http://schemas.microsoft.com/office/drawing/2014/main" val="3966871809"/>
                   </a:ext>
                 </a:extLst>
               </a:tr>
@@ -10270,6 +10244,855 @@
           </a:graphicData>
         </a:graphic>
       </p:graphicFrame>
+      <p:graphicFrame>
+        <p:nvGraphicFramePr>
+          <p:cNvPr id="5" name="Content Placeholder 5"/>
+          <p:cNvGraphicFramePr>
+            <a:graphicFrameLocks/>
+          </p:cNvGraphicFramePr>
+          <p:nvPr>
+            <p:extLst>
+              <p:ext uri="{D42A27DB-BD31-4B8C-83A1-F6EECF244321}">
+                <p14:modId xmlns:p14="http://schemas.microsoft.com/office/powerpoint/2010/main" val="193364645"/>
+              </p:ext>
+            </p:extLst>
+          </p:nvPr>
+        </p:nvGraphicFramePr>
+        <p:xfrm>
+          <a:off x="7243279" y="2097220"/>
+          <a:ext cx="2973680" cy="3964015"/>
+        </p:xfrm>
+        <a:graphic>
+          <a:graphicData uri="http://schemas.openxmlformats.org/drawingml/2006/table">
+            <a:tbl>
+              <a:tblPr firstRow="1" bandRow="1">
+                <a:tableStyleId>{5C22544A-7EE6-4342-B048-85BDC9FD1C3A}</a:tableStyleId>
+              </a:tblPr>
+              <a:tblGrid>
+                <a:gridCol w="1486840">
+                  <a:extLst>
+                    <a:ext uri="{9D8B030D-6E8A-4147-A177-3AD203B41FA5}">
+                      <a16:colId xmlns="" xmlns:a16="http://schemas.microsoft.com/office/drawing/2014/main" val="1896381141"/>
+                    </a:ext>
+                  </a:extLst>
+                </a:gridCol>
+                <a:gridCol w="1486840">
+                  <a:extLst>
+                    <a:ext uri="{9D8B030D-6E8A-4147-A177-3AD203B41FA5}">
+                      <a16:colId xmlns="" xmlns:a16="http://schemas.microsoft.com/office/drawing/2014/main" val="3265388153"/>
+                    </a:ext>
+                  </a:extLst>
+                </a:gridCol>
+              </a:tblGrid>
+              <a:tr h="464687">
+                <a:tc>
+                  <a:txBody>
+                    <a:bodyPr/>
+                    <a:lstStyle/>
+                    <a:p>
+                      <a:pPr algn="ctr" fontAlgn="b"/>
+                      <a:r>
+                        <a:rPr lang="en-US" sz="1800" u="none" strike="noStrike" dirty="0">
+                          <a:effectLst/>
+                        </a:rPr>
+                        <a:t>Soil Order</a:t>
+                      </a:r>
+                      <a:endParaRPr lang="en-US" sz="1800" b="0" i="0" u="none" strike="noStrike" dirty="0">
+                        <a:solidFill>
+                          <a:srgbClr val="000000"/>
+                        </a:solidFill>
+                        <a:effectLst/>
+                        <a:latin typeface="Calibri" panose="020F0502020204030204" pitchFamily="34" charset="0"/>
+                      </a:endParaRPr>
+                    </a:p>
+                  </a:txBody>
+                  <a:tcPr marL="9525" marR="9525" marT="9525" marB="0" anchor="b"/>
+                </a:tc>
+                <a:tc>
+                  <a:txBody>
+                    <a:bodyPr/>
+                    <a:lstStyle/>
+                    <a:p>
+                      <a:pPr algn="ctr" fontAlgn="b"/>
+                      <a:r>
+                        <a:rPr lang="en-US" sz="1800" u="none" strike="noStrike" dirty="0">
+                          <a:effectLst/>
+                        </a:rPr>
+                        <a:t>Prediction correction </a:t>
+                      </a:r>
+                      <a:r>
+                        <a:rPr lang="en-US" sz="1800" u="none" strike="noStrike" dirty="0" smtClean="0">
+                          <a:effectLst/>
+                        </a:rPr>
+                        <a:t>rate</a:t>
+                      </a:r>
+                      <a:endParaRPr lang="en-US" sz="1800" b="0" i="0" u="none" strike="noStrike" dirty="0">
+                        <a:solidFill>
+                          <a:srgbClr val="000000"/>
+                        </a:solidFill>
+                        <a:effectLst/>
+                        <a:latin typeface="Calibri" panose="020F0502020204030204" pitchFamily="34" charset="0"/>
+                      </a:endParaRPr>
+                    </a:p>
+                  </a:txBody>
+                  <a:tcPr marL="9525" marR="9525" marT="9525" marB="0" anchor="b"/>
+                </a:tc>
+                <a:extLst>
+                  <a:ext uri="{0D108BD9-81ED-4DB2-BD59-A6C34878D82A}">
+                    <a16:rowId xmlns="" xmlns:a16="http://schemas.microsoft.com/office/drawing/2014/main" val="4193067108"/>
+                  </a:ext>
+                </a:extLst>
+              </a:tr>
+              <a:tr h="340585">
+                <a:tc>
+                  <a:txBody>
+                    <a:bodyPr/>
+                    <a:lstStyle/>
+                    <a:p>
+                      <a:pPr algn="ctr" fontAlgn="b"/>
+                      <a:r>
+                        <a:rPr lang="en-US" sz="1800" u="none" strike="noStrike">
+                          <a:effectLst/>
+                        </a:rPr>
+                        <a:t>Alfisols</a:t>
+                      </a:r>
+                      <a:endParaRPr lang="en-US" sz="1800" b="0" i="0" u="none" strike="noStrike">
+                        <a:solidFill>
+                          <a:srgbClr val="000000"/>
+                        </a:solidFill>
+                        <a:effectLst/>
+                        <a:latin typeface="Calibri" panose="020F0502020204030204" pitchFamily="34" charset="0"/>
+                      </a:endParaRPr>
+                    </a:p>
+                  </a:txBody>
+                  <a:tcPr marL="9525" marR="9525" marT="9525" marB="0" anchor="b"/>
+                </a:tc>
+                <a:tc>
+                  <a:txBody>
+                    <a:bodyPr/>
+                    <a:lstStyle/>
+                    <a:p>
+                      <a:pPr algn="ctr" fontAlgn="b"/>
+                      <a:r>
+                        <a:rPr lang="en-US" sz="1600" b="0" i="0" u="none" strike="noStrike" dirty="0" smtClean="0">
+                          <a:solidFill>
+                            <a:srgbClr val="000000"/>
+                          </a:solidFill>
+                          <a:effectLst/>
+                          <a:latin typeface="Calibri" panose="020F0502020204030204" pitchFamily="34" charset="0"/>
+                        </a:rPr>
+                        <a:t>0.6</a:t>
+                      </a:r>
+                      <a:r>
+                        <a:rPr lang="en-US" altLang="zh-CN" sz="1600" b="0" i="0" u="none" strike="noStrike" dirty="0" smtClean="0">
+                          <a:solidFill>
+                            <a:srgbClr val="000000"/>
+                          </a:solidFill>
+                          <a:effectLst/>
+                          <a:latin typeface="Calibri" panose="020F0502020204030204" pitchFamily="34" charset="0"/>
+                        </a:rPr>
+                        <a:t>2</a:t>
+                      </a:r>
+                      <a:endParaRPr lang="en-US" sz="1600" b="0" i="0" u="none" strike="noStrike" dirty="0">
+                        <a:solidFill>
+                          <a:srgbClr val="000000"/>
+                        </a:solidFill>
+                        <a:effectLst/>
+                        <a:latin typeface="Calibri" panose="020F0502020204030204" pitchFamily="34" charset="0"/>
+                      </a:endParaRPr>
+                    </a:p>
+                  </a:txBody>
+                  <a:tcPr marL="9525" marR="9525" marT="9525" marB="0" anchor="b"/>
+                </a:tc>
+                <a:extLst>
+                  <a:ext uri="{0D108BD9-81ED-4DB2-BD59-A6C34878D82A}">
+                    <a16:rowId xmlns="" xmlns:a16="http://schemas.microsoft.com/office/drawing/2014/main" val="2129162000"/>
+                  </a:ext>
+                </a:extLst>
+              </a:tr>
+              <a:tr h="340585">
+                <a:tc>
+                  <a:txBody>
+                    <a:bodyPr/>
+                    <a:lstStyle/>
+                    <a:p>
+                      <a:pPr algn="ctr" fontAlgn="b"/>
+                      <a:r>
+                        <a:rPr lang="en-US" sz="1800" u="none" strike="noStrike">
+                          <a:effectLst/>
+                        </a:rPr>
+                        <a:t>Andisols</a:t>
+                      </a:r>
+                      <a:endParaRPr lang="en-US" sz="1800" b="0" i="0" u="none" strike="noStrike">
+                        <a:solidFill>
+                          <a:srgbClr val="000000"/>
+                        </a:solidFill>
+                        <a:effectLst/>
+                        <a:latin typeface="Calibri" panose="020F0502020204030204" pitchFamily="34" charset="0"/>
+                      </a:endParaRPr>
+                    </a:p>
+                  </a:txBody>
+                  <a:tcPr marL="9525" marR="9525" marT="9525" marB="0" anchor="b"/>
+                </a:tc>
+                <a:tc>
+                  <a:txBody>
+                    <a:bodyPr/>
+                    <a:lstStyle/>
+                    <a:p>
+                      <a:pPr algn="ctr" fontAlgn="b"/>
+                      <a:r>
+                        <a:rPr lang="en-US" sz="1600" b="0" i="0" u="none" strike="noStrike" dirty="0" smtClean="0">
+                          <a:solidFill>
+                            <a:srgbClr val="000000"/>
+                          </a:solidFill>
+                          <a:effectLst/>
+                          <a:latin typeface="Calibri" panose="020F0502020204030204" pitchFamily="34" charset="0"/>
+                        </a:rPr>
+                        <a:t>0.4</a:t>
+                      </a:r>
+                      <a:r>
+                        <a:rPr lang="en-US" altLang="zh-CN" sz="1600" b="0" i="0" u="none" strike="noStrike" dirty="0" smtClean="0">
+                          <a:solidFill>
+                            <a:srgbClr val="000000"/>
+                          </a:solidFill>
+                          <a:effectLst/>
+                          <a:latin typeface="Calibri" panose="020F0502020204030204" pitchFamily="34" charset="0"/>
+                        </a:rPr>
+                        <a:t>1</a:t>
+                      </a:r>
+                      <a:endParaRPr lang="en-US" sz="1600" b="0" i="0" u="none" strike="noStrike" dirty="0">
+                        <a:solidFill>
+                          <a:srgbClr val="000000"/>
+                        </a:solidFill>
+                        <a:effectLst/>
+                        <a:latin typeface="Calibri" panose="020F0502020204030204" pitchFamily="34" charset="0"/>
+                      </a:endParaRPr>
+                    </a:p>
+                  </a:txBody>
+                  <a:tcPr marL="9525" marR="9525" marT="9525" marB="0" anchor="b"/>
+                </a:tc>
+                <a:extLst>
+                  <a:ext uri="{0D108BD9-81ED-4DB2-BD59-A6C34878D82A}">
+                    <a16:rowId xmlns="" xmlns:a16="http://schemas.microsoft.com/office/drawing/2014/main" val="2610843344"/>
+                  </a:ext>
+                </a:extLst>
+              </a:tr>
+              <a:tr h="340585">
+                <a:tc>
+                  <a:txBody>
+                    <a:bodyPr/>
+                    <a:lstStyle/>
+                    <a:p>
+                      <a:pPr algn="ctr" fontAlgn="b"/>
+                      <a:r>
+                        <a:rPr lang="en-US" sz="1800" u="none" strike="noStrike">
+                          <a:effectLst/>
+                        </a:rPr>
+                        <a:t>Aridisols</a:t>
+                      </a:r>
+                      <a:endParaRPr lang="en-US" sz="1800" b="0" i="0" u="none" strike="noStrike">
+                        <a:solidFill>
+                          <a:srgbClr val="000000"/>
+                        </a:solidFill>
+                        <a:effectLst/>
+                        <a:latin typeface="Calibri" panose="020F0502020204030204" pitchFamily="34" charset="0"/>
+                      </a:endParaRPr>
+                    </a:p>
+                  </a:txBody>
+                  <a:tcPr marL="9525" marR="9525" marT="9525" marB="0" anchor="b"/>
+                </a:tc>
+                <a:tc>
+                  <a:txBody>
+                    <a:bodyPr/>
+                    <a:lstStyle/>
+                    <a:p>
+                      <a:pPr algn="ctr" fontAlgn="b"/>
+                      <a:r>
+                        <a:rPr lang="en-US" sz="1600" b="0" i="0" u="none" strike="noStrike" dirty="0" smtClean="0">
+                          <a:solidFill>
+                            <a:srgbClr val="000000"/>
+                          </a:solidFill>
+                          <a:effectLst/>
+                          <a:latin typeface="Calibri" panose="020F0502020204030204" pitchFamily="34" charset="0"/>
+                        </a:rPr>
+                        <a:t>0.5</a:t>
+                      </a:r>
+                      <a:r>
+                        <a:rPr lang="en-US" altLang="zh-CN" sz="1600" b="0" i="0" u="none" strike="noStrike" dirty="0" smtClean="0">
+                          <a:solidFill>
+                            <a:srgbClr val="000000"/>
+                          </a:solidFill>
+                          <a:effectLst/>
+                          <a:latin typeface="Calibri" panose="020F0502020204030204" pitchFamily="34" charset="0"/>
+                        </a:rPr>
+                        <a:t>3</a:t>
+                      </a:r>
+                      <a:endParaRPr lang="en-US" sz="1600" b="0" i="0" u="none" strike="noStrike" dirty="0">
+                        <a:solidFill>
+                          <a:srgbClr val="000000"/>
+                        </a:solidFill>
+                        <a:effectLst/>
+                        <a:latin typeface="Calibri" panose="020F0502020204030204" pitchFamily="34" charset="0"/>
+                      </a:endParaRPr>
+                    </a:p>
+                  </a:txBody>
+                  <a:tcPr marL="9525" marR="9525" marT="9525" marB="0" anchor="b"/>
+                </a:tc>
+                <a:extLst>
+                  <a:ext uri="{0D108BD9-81ED-4DB2-BD59-A6C34878D82A}">
+                    <a16:rowId xmlns="" xmlns:a16="http://schemas.microsoft.com/office/drawing/2014/main" val="2150264306"/>
+                  </a:ext>
+                </a:extLst>
+              </a:tr>
+              <a:tr h="340585">
+                <a:tc>
+                  <a:txBody>
+                    <a:bodyPr/>
+                    <a:lstStyle/>
+                    <a:p>
+                      <a:pPr algn="ctr" fontAlgn="b"/>
+                      <a:r>
+                        <a:rPr lang="en-US" sz="1800" u="none" strike="noStrike">
+                          <a:effectLst/>
+                        </a:rPr>
+                        <a:t>Inceptisols</a:t>
+                      </a:r>
+                      <a:endParaRPr lang="en-US" sz="1800" b="0" i="0" u="none" strike="noStrike">
+                        <a:solidFill>
+                          <a:srgbClr val="000000"/>
+                        </a:solidFill>
+                        <a:effectLst/>
+                        <a:latin typeface="Calibri" panose="020F0502020204030204" pitchFamily="34" charset="0"/>
+                      </a:endParaRPr>
+                    </a:p>
+                  </a:txBody>
+                  <a:tcPr marL="9525" marR="9525" marT="9525" marB="0" anchor="b"/>
+                </a:tc>
+                <a:tc>
+                  <a:txBody>
+                    <a:bodyPr/>
+                    <a:lstStyle/>
+                    <a:p>
+                      <a:pPr algn="ctr" fontAlgn="b"/>
+                      <a:r>
+                        <a:rPr lang="en-US" sz="1600" b="0" i="0" u="none" strike="noStrike" dirty="0" smtClean="0">
+                          <a:solidFill>
+                            <a:srgbClr val="000000"/>
+                          </a:solidFill>
+                          <a:effectLst/>
+                          <a:latin typeface="Calibri" panose="020F0502020204030204" pitchFamily="34" charset="0"/>
+                        </a:rPr>
+                        <a:t>0.</a:t>
+                      </a:r>
+                      <a:r>
+                        <a:rPr lang="en-US" altLang="zh-CN" sz="1600" b="0" i="0" u="none" strike="noStrike" dirty="0" smtClean="0">
+                          <a:solidFill>
+                            <a:srgbClr val="000000"/>
+                          </a:solidFill>
+                          <a:effectLst/>
+                          <a:latin typeface="Calibri" panose="020F0502020204030204" pitchFamily="34" charset="0"/>
+                        </a:rPr>
+                        <a:t>14</a:t>
+                      </a:r>
+                      <a:endParaRPr lang="en-US" sz="1600" b="0" i="0" u="none" strike="noStrike" dirty="0">
+                        <a:solidFill>
+                          <a:srgbClr val="000000"/>
+                        </a:solidFill>
+                        <a:effectLst/>
+                        <a:latin typeface="Calibri" panose="020F0502020204030204" pitchFamily="34" charset="0"/>
+                      </a:endParaRPr>
+                    </a:p>
+                  </a:txBody>
+                  <a:tcPr marL="9525" marR="9525" marT="9525" marB="0" anchor="b"/>
+                </a:tc>
+                <a:extLst>
+                  <a:ext uri="{0D108BD9-81ED-4DB2-BD59-A6C34878D82A}">
+                    <a16:rowId xmlns="" xmlns:a16="http://schemas.microsoft.com/office/drawing/2014/main" val="2058730632"/>
+                  </a:ext>
+                </a:extLst>
+              </a:tr>
+              <a:tr h="340585">
+                <a:tc>
+                  <a:txBody>
+                    <a:bodyPr/>
+                    <a:lstStyle/>
+                    <a:p>
+                      <a:pPr algn="ctr" fontAlgn="b"/>
+                      <a:r>
+                        <a:rPr lang="en-US" sz="1800" u="none" strike="noStrike">
+                          <a:effectLst/>
+                        </a:rPr>
+                        <a:t>Mollisols</a:t>
+                      </a:r>
+                      <a:endParaRPr lang="en-US" sz="1800" b="0" i="0" u="none" strike="noStrike">
+                        <a:solidFill>
+                          <a:srgbClr val="000000"/>
+                        </a:solidFill>
+                        <a:effectLst/>
+                        <a:latin typeface="Calibri" panose="020F0502020204030204" pitchFamily="34" charset="0"/>
+                      </a:endParaRPr>
+                    </a:p>
+                  </a:txBody>
+                  <a:tcPr marL="9525" marR="9525" marT="9525" marB="0" anchor="b"/>
+                </a:tc>
+                <a:tc>
+                  <a:txBody>
+                    <a:bodyPr/>
+                    <a:lstStyle/>
+                    <a:p>
+                      <a:pPr algn="ctr" fontAlgn="b"/>
+                      <a:r>
+                        <a:rPr lang="en-US" sz="1600" b="0" i="0" u="none" strike="noStrike" dirty="0" smtClean="0">
+                          <a:solidFill>
+                            <a:srgbClr val="000000"/>
+                          </a:solidFill>
+                          <a:effectLst/>
+                          <a:latin typeface="Calibri" panose="020F0502020204030204" pitchFamily="34" charset="0"/>
+                        </a:rPr>
+                        <a:t>0.</a:t>
+                      </a:r>
+                      <a:r>
+                        <a:rPr lang="en-US" altLang="zh-CN" sz="1600" b="0" i="0" u="none" strike="noStrike" dirty="0" smtClean="0">
+                          <a:solidFill>
+                            <a:srgbClr val="000000"/>
+                          </a:solidFill>
+                          <a:effectLst/>
+                          <a:latin typeface="Calibri" panose="020F0502020204030204" pitchFamily="34" charset="0"/>
+                        </a:rPr>
+                        <a:t>65</a:t>
+                      </a:r>
+                      <a:endParaRPr lang="en-US" sz="1600" b="0" i="0" u="none" strike="noStrike" dirty="0">
+                        <a:solidFill>
+                          <a:srgbClr val="000000"/>
+                        </a:solidFill>
+                        <a:effectLst/>
+                        <a:latin typeface="Calibri" panose="020F0502020204030204" pitchFamily="34" charset="0"/>
+                      </a:endParaRPr>
+                    </a:p>
+                  </a:txBody>
+                  <a:tcPr marL="9525" marR="9525" marT="9525" marB="0" anchor="b"/>
+                </a:tc>
+                <a:extLst>
+                  <a:ext uri="{0D108BD9-81ED-4DB2-BD59-A6C34878D82A}">
+                    <a16:rowId xmlns="" xmlns:a16="http://schemas.microsoft.com/office/drawing/2014/main" val="3571323669"/>
+                  </a:ext>
+                </a:extLst>
+              </a:tr>
+              <a:tr h="340585">
+                <a:tc>
+                  <a:txBody>
+                    <a:bodyPr/>
+                    <a:lstStyle/>
+                    <a:p>
+                      <a:pPr algn="ctr" fontAlgn="b"/>
+                      <a:r>
+                        <a:rPr lang="en-US" sz="1800" u="none" strike="noStrike">
+                          <a:effectLst/>
+                        </a:rPr>
+                        <a:t>Oxisols</a:t>
+                      </a:r>
+                      <a:endParaRPr lang="en-US" sz="1800" b="0" i="0" u="none" strike="noStrike">
+                        <a:solidFill>
+                          <a:srgbClr val="000000"/>
+                        </a:solidFill>
+                        <a:effectLst/>
+                        <a:latin typeface="Calibri" panose="020F0502020204030204" pitchFamily="34" charset="0"/>
+                      </a:endParaRPr>
+                    </a:p>
+                  </a:txBody>
+                  <a:tcPr marL="9525" marR="9525" marT="9525" marB="0" anchor="b"/>
+                </a:tc>
+                <a:tc>
+                  <a:txBody>
+                    <a:bodyPr/>
+                    <a:lstStyle/>
+                    <a:p>
+                      <a:pPr algn="ctr" fontAlgn="b"/>
+                      <a:r>
+                        <a:rPr lang="en-US" sz="1600" b="0" i="0" u="none" strike="noStrike" dirty="0" smtClean="0">
+                          <a:solidFill>
+                            <a:srgbClr val="000000"/>
+                          </a:solidFill>
+                          <a:effectLst/>
+                          <a:latin typeface="Calibri" panose="020F0502020204030204" pitchFamily="34" charset="0"/>
+                        </a:rPr>
+                        <a:t>0.</a:t>
+                      </a:r>
+                      <a:r>
+                        <a:rPr lang="en-US" altLang="zh-CN" sz="1600" b="0" i="0" u="none" strike="noStrike" dirty="0" smtClean="0">
+                          <a:solidFill>
+                            <a:srgbClr val="000000"/>
+                          </a:solidFill>
+                          <a:effectLst/>
+                          <a:latin typeface="Calibri" panose="020F0502020204030204" pitchFamily="34" charset="0"/>
+                        </a:rPr>
+                        <a:t>12</a:t>
+                      </a:r>
+                      <a:endParaRPr lang="en-US" sz="1600" b="0" i="0" u="none" strike="noStrike" dirty="0">
+                        <a:solidFill>
+                          <a:srgbClr val="000000"/>
+                        </a:solidFill>
+                        <a:effectLst/>
+                        <a:latin typeface="Calibri" panose="020F0502020204030204" pitchFamily="34" charset="0"/>
+                      </a:endParaRPr>
+                    </a:p>
+                  </a:txBody>
+                  <a:tcPr marL="9525" marR="9525" marT="9525" marB="0" anchor="b"/>
+                </a:tc>
+                <a:extLst>
+                  <a:ext uri="{0D108BD9-81ED-4DB2-BD59-A6C34878D82A}">
+                    <a16:rowId xmlns="" xmlns:a16="http://schemas.microsoft.com/office/drawing/2014/main" val="1945600114"/>
+                  </a:ext>
+                </a:extLst>
+              </a:tr>
+              <a:tr h="340585">
+                <a:tc>
+                  <a:txBody>
+                    <a:bodyPr/>
+                    <a:lstStyle/>
+                    <a:p>
+                      <a:pPr algn="ctr" fontAlgn="b"/>
+                      <a:r>
+                        <a:rPr lang="en-US" sz="1800" u="none" strike="noStrike">
+                          <a:effectLst/>
+                        </a:rPr>
+                        <a:t>Spodosols</a:t>
+                      </a:r>
+                      <a:endParaRPr lang="en-US" sz="1800" b="0" i="0" u="none" strike="noStrike">
+                        <a:solidFill>
+                          <a:srgbClr val="000000"/>
+                        </a:solidFill>
+                        <a:effectLst/>
+                        <a:latin typeface="Calibri" panose="020F0502020204030204" pitchFamily="34" charset="0"/>
+                      </a:endParaRPr>
+                    </a:p>
+                  </a:txBody>
+                  <a:tcPr marL="9525" marR="9525" marT="9525" marB="0" anchor="b"/>
+                </a:tc>
+                <a:tc>
+                  <a:txBody>
+                    <a:bodyPr/>
+                    <a:lstStyle/>
+                    <a:p>
+                      <a:pPr algn="ctr" fontAlgn="b"/>
+                      <a:r>
+                        <a:rPr lang="en-US" sz="1600" b="0" i="0" u="none" strike="noStrike" dirty="0" smtClean="0">
+                          <a:solidFill>
+                            <a:srgbClr val="000000"/>
+                          </a:solidFill>
+                          <a:effectLst/>
+                          <a:latin typeface="Calibri" panose="020F0502020204030204" pitchFamily="34" charset="0"/>
+                        </a:rPr>
+                        <a:t>0.</a:t>
+                      </a:r>
+                      <a:r>
+                        <a:rPr lang="en-US" altLang="zh-CN" sz="1600" b="0" i="0" u="none" strike="noStrike" dirty="0" smtClean="0">
+                          <a:solidFill>
+                            <a:srgbClr val="000000"/>
+                          </a:solidFill>
+                          <a:effectLst/>
+                          <a:latin typeface="Calibri" panose="020F0502020204030204" pitchFamily="34" charset="0"/>
+                        </a:rPr>
+                        <a:t>52</a:t>
+                      </a:r>
+                      <a:endParaRPr lang="en-US" sz="1600" b="0" i="0" u="none" strike="noStrike" dirty="0">
+                        <a:solidFill>
+                          <a:srgbClr val="000000"/>
+                        </a:solidFill>
+                        <a:effectLst/>
+                        <a:latin typeface="Calibri" panose="020F0502020204030204" pitchFamily="34" charset="0"/>
+                      </a:endParaRPr>
+                    </a:p>
+                  </a:txBody>
+                  <a:tcPr marL="9525" marR="9525" marT="9525" marB="0" anchor="b"/>
+                </a:tc>
+                <a:extLst>
+                  <a:ext uri="{0D108BD9-81ED-4DB2-BD59-A6C34878D82A}">
+                    <a16:rowId xmlns="" xmlns:a16="http://schemas.microsoft.com/office/drawing/2014/main" val="3851584695"/>
+                  </a:ext>
+                </a:extLst>
+              </a:tr>
+              <a:tr h="340585">
+                <a:tc>
+                  <a:txBody>
+                    <a:bodyPr/>
+                    <a:lstStyle/>
+                    <a:p>
+                      <a:pPr algn="ctr" fontAlgn="b"/>
+                      <a:r>
+                        <a:rPr lang="en-US" sz="1800" u="none" strike="noStrike">
+                          <a:effectLst/>
+                        </a:rPr>
+                        <a:t>Ultisols</a:t>
+                      </a:r>
+                      <a:endParaRPr lang="en-US" sz="1800" b="0" i="0" u="none" strike="noStrike">
+                        <a:solidFill>
+                          <a:srgbClr val="000000"/>
+                        </a:solidFill>
+                        <a:effectLst/>
+                        <a:latin typeface="Calibri" panose="020F0502020204030204" pitchFamily="34" charset="0"/>
+                      </a:endParaRPr>
+                    </a:p>
+                  </a:txBody>
+                  <a:tcPr marL="9525" marR="9525" marT="9525" marB="0" anchor="b"/>
+                </a:tc>
+                <a:tc>
+                  <a:txBody>
+                    <a:bodyPr/>
+                    <a:lstStyle/>
+                    <a:p>
+                      <a:pPr algn="ctr" fontAlgn="b"/>
+                      <a:r>
+                        <a:rPr lang="en-US" sz="1600" b="0" i="0" u="none" strike="noStrike" dirty="0" smtClean="0">
+                          <a:solidFill>
+                            <a:srgbClr val="000000"/>
+                          </a:solidFill>
+                          <a:effectLst/>
+                          <a:latin typeface="Calibri" panose="020F0502020204030204" pitchFamily="34" charset="0"/>
+                        </a:rPr>
+                        <a:t>0.</a:t>
+                      </a:r>
+                      <a:r>
+                        <a:rPr lang="en-US" altLang="zh-CN" sz="1600" b="0" i="0" u="none" strike="noStrike" dirty="0" smtClean="0">
+                          <a:solidFill>
+                            <a:srgbClr val="000000"/>
+                          </a:solidFill>
+                          <a:effectLst/>
+                          <a:latin typeface="Calibri" panose="020F0502020204030204" pitchFamily="34" charset="0"/>
+                        </a:rPr>
+                        <a:t>77</a:t>
+                      </a:r>
+                      <a:endParaRPr lang="en-US" sz="1600" b="0" i="0" u="none" strike="noStrike" dirty="0">
+                        <a:solidFill>
+                          <a:srgbClr val="000000"/>
+                        </a:solidFill>
+                        <a:effectLst/>
+                        <a:latin typeface="Calibri" panose="020F0502020204030204" pitchFamily="34" charset="0"/>
+                      </a:endParaRPr>
+                    </a:p>
+                  </a:txBody>
+                  <a:tcPr marL="9525" marR="9525" marT="9525" marB="0" anchor="b"/>
+                </a:tc>
+                <a:extLst>
+                  <a:ext uri="{0D108BD9-81ED-4DB2-BD59-A6C34878D82A}">
+                    <a16:rowId xmlns="" xmlns:a16="http://schemas.microsoft.com/office/drawing/2014/main" val="695268272"/>
+                  </a:ext>
+                </a:extLst>
+              </a:tr>
+              <a:tr h="340585">
+                <a:tc>
+                  <a:txBody>
+                    <a:bodyPr/>
+                    <a:lstStyle/>
+                    <a:p>
+                      <a:pPr algn="ctr" fontAlgn="b"/>
+                      <a:r>
+                        <a:rPr lang="en-US" sz="1800" u="none" strike="noStrike">
+                          <a:effectLst/>
+                        </a:rPr>
+                        <a:t>Vertisols</a:t>
+                      </a:r>
+                      <a:endParaRPr lang="en-US" sz="1800" b="0" i="0" u="none" strike="noStrike">
+                        <a:solidFill>
+                          <a:srgbClr val="000000"/>
+                        </a:solidFill>
+                        <a:effectLst/>
+                        <a:latin typeface="Calibri" panose="020F0502020204030204" pitchFamily="34" charset="0"/>
+                      </a:endParaRPr>
+                    </a:p>
+                  </a:txBody>
+                  <a:tcPr marL="9525" marR="9525" marT="9525" marB="0" anchor="b"/>
+                </a:tc>
+                <a:tc>
+                  <a:txBody>
+                    <a:bodyPr/>
+                    <a:lstStyle/>
+                    <a:p>
+                      <a:pPr algn="ctr" fontAlgn="b"/>
+                      <a:r>
+                        <a:rPr lang="en-US" sz="1600" b="0" i="0" u="none" strike="noStrike" dirty="0" smtClean="0">
+                          <a:solidFill>
+                            <a:srgbClr val="000000"/>
+                          </a:solidFill>
+                          <a:effectLst/>
+                          <a:latin typeface="Calibri" panose="020F0502020204030204" pitchFamily="34" charset="0"/>
+                        </a:rPr>
+                        <a:t>0.</a:t>
+                      </a:r>
+                      <a:r>
+                        <a:rPr lang="en-US" altLang="zh-CN" sz="1600" b="0" i="0" u="none" strike="noStrike" dirty="0" smtClean="0">
+                          <a:solidFill>
+                            <a:srgbClr val="000000"/>
+                          </a:solidFill>
+                          <a:effectLst/>
+                          <a:latin typeface="Calibri" panose="020F0502020204030204" pitchFamily="34" charset="0"/>
+                        </a:rPr>
+                        <a:t>42</a:t>
+                      </a:r>
+                      <a:endParaRPr lang="en-US" sz="1600" b="0" i="0" u="none" strike="noStrike" dirty="0">
+                        <a:solidFill>
+                          <a:srgbClr val="000000"/>
+                        </a:solidFill>
+                        <a:effectLst/>
+                        <a:latin typeface="Calibri" panose="020F0502020204030204" pitchFamily="34" charset="0"/>
+                      </a:endParaRPr>
+                    </a:p>
+                  </a:txBody>
+                  <a:tcPr marL="9525" marR="9525" marT="9525" marB="0" anchor="b"/>
+                </a:tc>
+                <a:extLst>
+                  <a:ext uri="{0D108BD9-81ED-4DB2-BD59-A6C34878D82A}">
+                    <a16:rowId xmlns="" xmlns:a16="http://schemas.microsoft.com/office/drawing/2014/main" val="3383845840"/>
+                  </a:ext>
+                </a:extLst>
+              </a:tr>
+              <a:tr h="340585">
+                <a:tc>
+                  <a:txBody>
+                    <a:bodyPr/>
+                    <a:lstStyle/>
+                    <a:p>
+                      <a:pPr algn="ctr" fontAlgn="b"/>
+                      <a:r>
+                        <a:rPr lang="en-US" sz="1800" b="1" i="1" u="none" strike="noStrike" dirty="0">
+                          <a:effectLst/>
+                        </a:rPr>
+                        <a:t>Overall</a:t>
+                      </a:r>
+                      <a:endParaRPr lang="en-US" sz="1800" b="1" i="1" u="none" strike="noStrike" dirty="0">
+                        <a:solidFill>
+                          <a:srgbClr val="000000"/>
+                        </a:solidFill>
+                        <a:effectLst/>
+                        <a:latin typeface="Calibri" panose="020F0502020204030204" pitchFamily="34" charset="0"/>
+                      </a:endParaRPr>
+                    </a:p>
+                  </a:txBody>
+                  <a:tcPr marL="9525" marR="9525" marT="9525" marB="0" anchor="b"/>
+                </a:tc>
+                <a:tc>
+                  <a:txBody>
+                    <a:bodyPr/>
+                    <a:lstStyle/>
+                    <a:p>
+                      <a:pPr algn="ctr" fontAlgn="b"/>
+                      <a:r>
+                        <a:rPr lang="en-US" sz="1800" b="1" i="1" u="none" strike="noStrike" dirty="0" smtClean="0">
+                          <a:effectLst/>
+                        </a:rPr>
+                        <a:t>0.</a:t>
+                      </a:r>
+                      <a:r>
+                        <a:rPr lang="en-US" altLang="zh-CN" sz="1800" b="1" i="1" u="none" strike="noStrike" dirty="0" smtClean="0">
+                          <a:effectLst/>
+                        </a:rPr>
+                        <a:t>57</a:t>
+                      </a:r>
+                      <a:endParaRPr lang="en-US" sz="1800" b="1" i="1" u="none" strike="noStrike" dirty="0">
+                        <a:solidFill>
+                          <a:srgbClr val="000000"/>
+                        </a:solidFill>
+                        <a:effectLst/>
+                        <a:latin typeface="Calibri" panose="020F0502020204030204" pitchFamily="34" charset="0"/>
+                      </a:endParaRPr>
+                    </a:p>
+                  </a:txBody>
+                  <a:tcPr marL="9525" marR="9525" marT="9525" marB="0" anchor="b"/>
+                </a:tc>
+                <a:extLst>
+                  <a:ext uri="{0D108BD9-81ED-4DB2-BD59-A6C34878D82A}">
+                    <a16:rowId xmlns="" xmlns:a16="http://schemas.microsoft.com/office/drawing/2014/main" val="3966871809"/>
+                  </a:ext>
+                </a:extLst>
+              </a:tr>
+            </a:tbl>
+          </a:graphicData>
+        </a:graphic>
+      </p:graphicFrame>
+      <p:sp>
+        <p:nvSpPr>
+          <p:cNvPr id="6" name="TextBox 5"/>
+          <p:cNvSpPr txBox="1"/>
+          <p:nvPr/>
+        </p:nvSpPr>
+        <p:spPr>
+          <a:xfrm>
+            <a:off x="4389998" y="1733758"/>
+            <a:ext cx="1843774" cy="369332"/>
+          </a:xfrm>
+          <a:prstGeom prst="rect">
+            <a:avLst/>
+          </a:prstGeom>
+          <a:noFill/>
+        </p:spPr>
+        <p:txBody>
+          <a:bodyPr wrap="none" rtlCol="0">
+            <a:spAutoFit/>
+          </a:bodyPr>
+          <a:lstStyle/>
+          <a:p>
+            <a:r>
+              <a:rPr lang="en-US" altLang="zh-CN" dirty="0" smtClean="0"/>
+              <a:t>Original</a:t>
+            </a:r>
+            <a:r>
+              <a:rPr lang="zh-CN" altLang="en-US" dirty="0" smtClean="0"/>
+              <a:t> </a:t>
+            </a:r>
+            <a:r>
+              <a:rPr lang="en-US" altLang="zh-CN" dirty="0" smtClean="0"/>
+              <a:t>Database</a:t>
+            </a:r>
+            <a:endParaRPr lang="en-US" dirty="0"/>
+          </a:p>
+        </p:txBody>
+      </p:sp>
+      <p:sp>
+        <p:nvSpPr>
+          <p:cNvPr id="7" name="TextBox 6"/>
+          <p:cNvSpPr txBox="1"/>
+          <p:nvPr/>
+        </p:nvSpPr>
+        <p:spPr>
+          <a:xfrm>
+            <a:off x="7551683" y="1733758"/>
+            <a:ext cx="2982804" cy="369332"/>
+          </a:xfrm>
+          <a:prstGeom prst="rect">
+            <a:avLst/>
+          </a:prstGeom>
+          <a:noFill/>
+        </p:spPr>
+        <p:txBody>
+          <a:bodyPr wrap="none" rtlCol="0">
+            <a:spAutoFit/>
+          </a:bodyPr>
+          <a:lstStyle/>
+          <a:p>
+            <a:r>
+              <a:rPr lang="en-US" altLang="zh-CN" dirty="0" smtClean="0"/>
+              <a:t>Reduced</a:t>
+            </a:r>
+            <a:r>
+              <a:rPr lang="zh-CN" altLang="en-US" dirty="0" smtClean="0"/>
+              <a:t> </a:t>
+            </a:r>
+            <a:r>
+              <a:rPr lang="en-US" altLang="zh-CN" dirty="0" smtClean="0"/>
+              <a:t>Dimension</a:t>
+            </a:r>
+            <a:r>
+              <a:rPr lang="zh-CN" altLang="en-US" dirty="0" smtClean="0"/>
+              <a:t> </a:t>
+            </a:r>
+            <a:r>
+              <a:rPr lang="en-US" altLang="zh-CN" dirty="0" smtClean="0"/>
+              <a:t>Database</a:t>
+            </a:r>
+            <a:endParaRPr lang="en-US" dirty="0"/>
+          </a:p>
+        </p:txBody>
+      </p:sp>
     </p:spTree>
     <p:extLst>
       <p:ext uri="{BB962C8B-B14F-4D97-AF65-F5344CB8AC3E}">
@@ -10331,6 +11154,22 @@
               <a:rPr lang="zh-CN" altLang="en-US" dirty="0" smtClean="0"/>
               <a:t> </a:t>
             </a:r>
+            <a:r>
+              <a:rPr lang="en-US" altLang="zh-CN" dirty="0" smtClean="0"/>
+              <a:t>and</a:t>
+            </a:r>
+            <a:r>
+              <a:rPr lang="zh-CN" altLang="en-US" dirty="0" smtClean="0"/>
+              <a:t> </a:t>
+            </a:r>
+            <a:r>
+              <a:rPr lang="en-US" altLang="zh-CN" dirty="0" smtClean="0"/>
+              <a:t>Conclusion</a:t>
+            </a:r>
+            <a:r>
+              <a:rPr lang="zh-CN" altLang="en-US" dirty="0" smtClean="0"/>
+              <a:t> </a:t>
+            </a:r>
             <a:endParaRPr lang="en-US" dirty="0"/>
           </a:p>
         </p:txBody>
@@ -10357,7 +11196,7 @@
         </p:blipFill>
         <p:spPr>
           <a:xfrm>
-            <a:off x="127000" y="3510735"/>
+            <a:off x="0" y="3737188"/>
             <a:ext cx="11925300" cy="2286000"/>
           </a:xfrm>
           <a:prstGeom prst="rect">
@@ -10373,8 +11212,8 @@
         </p:nvSpPr>
         <p:spPr>
           <a:xfrm>
-            <a:off x="646308" y="2097941"/>
-            <a:ext cx="10964581" cy="1107996"/>
+            <a:off x="579223" y="1844722"/>
+            <a:ext cx="10964581" cy="1785104"/>
           </a:xfrm>
           <a:prstGeom prst="rect">
             <a:avLst/>
@@ -10387,9 +11226,115 @@
           </a:bodyPr>
           <a:lstStyle/>
           <a:p>
+            <a:pPr marL="342900" indent="-342900">
+              <a:buFont typeface="Wingdings" charset="2"/>
+              <a:buChar char="Ø"/>
+            </a:pPr>
             <a:r>
               <a:rPr lang="en-US" sz="2200" dirty="0" smtClean="0"/>
               <a:t>While individual soil Orders were best predicted by various approaches, the Multinomial Logistic Regression method exhibited the overall highest percentage of correct classifications for these data. </a:t>
+            </a:r>
+            <a:endParaRPr lang="en-US" sz="2200" dirty="0" smtClean="0"/>
+          </a:p>
+          <a:p>
+            <a:pPr marL="342900" indent="-342900">
+              <a:buFont typeface="Wingdings" charset="2"/>
+              <a:buChar char="Ø"/>
+            </a:pPr>
+            <a:endParaRPr lang="en-US" sz="2200" dirty="0"/>
+          </a:p>
+          <a:p>
+            <a:pPr marL="342900" indent="-342900">
+              <a:buFont typeface="Wingdings" charset="2"/>
+              <a:buChar char="Ø"/>
+            </a:pPr>
+            <a:r>
+              <a:rPr lang="en-US" altLang="zh-CN" sz="2200" dirty="0" smtClean="0"/>
+              <a:t>PCA</a:t>
+            </a:r>
+            <a:r>
+              <a:rPr lang="zh-CN" altLang="en-US" sz="2200" dirty="0" smtClean="0"/>
+              <a:t> </a:t>
+            </a:r>
+            <a:r>
+              <a:rPr lang="en-US" altLang="zh-CN" sz="2200" dirty="0" smtClean="0"/>
+              <a:t>does</a:t>
+            </a:r>
+            <a:r>
+              <a:rPr lang="zh-CN" altLang="en-US" sz="2200" dirty="0" smtClean="0"/>
+              <a:t> </a:t>
+            </a:r>
+            <a:r>
+              <a:rPr lang="en-US" altLang="zh-CN" sz="2200" dirty="0" smtClean="0"/>
+              <a:t>not</a:t>
+            </a:r>
+            <a:r>
+              <a:rPr lang="zh-CN" altLang="en-US" sz="2200" dirty="0" smtClean="0"/>
+              <a:t> </a:t>
+            </a:r>
+            <a:r>
+              <a:rPr lang="en-US" altLang="zh-CN" sz="2200" dirty="0" smtClean="0"/>
+              <a:t>improve</a:t>
+            </a:r>
+            <a:r>
+              <a:rPr lang="zh-CN" altLang="en-US" sz="2200" dirty="0" smtClean="0"/>
+              <a:t> </a:t>
+            </a:r>
+            <a:r>
+              <a:rPr lang="en-US" altLang="zh-CN" sz="2200" dirty="0" smtClean="0"/>
+              <a:t>the</a:t>
+            </a:r>
+            <a:r>
+              <a:rPr lang="zh-CN" altLang="en-US" sz="2200" dirty="0" smtClean="0"/>
+              <a:t> </a:t>
+            </a:r>
+            <a:r>
+              <a:rPr lang="en-US" altLang="zh-CN" sz="2200" dirty="0" smtClean="0"/>
+              <a:t>prediction</a:t>
+            </a:r>
+            <a:r>
+              <a:rPr lang="zh-CN" altLang="en-US" sz="2200" dirty="0" smtClean="0"/>
+              <a:t> </a:t>
+            </a:r>
+            <a:r>
+              <a:rPr lang="en-US" altLang="zh-CN" sz="2200" dirty="0" smtClean="0"/>
+              <a:t>accuracy</a:t>
+            </a:r>
+            <a:r>
+              <a:rPr lang="zh-CN" altLang="en-US" sz="2200" dirty="0" smtClean="0"/>
+              <a:t> </a:t>
+            </a:r>
+            <a:r>
+              <a:rPr lang="en-US" altLang="zh-CN" sz="2200" dirty="0" smtClean="0"/>
+              <a:t>for</a:t>
+            </a:r>
+            <a:r>
+              <a:rPr lang="zh-CN" altLang="en-US" sz="2200" dirty="0" smtClean="0"/>
+              <a:t> </a:t>
+            </a:r>
+            <a:r>
+              <a:rPr lang="en-US" altLang="zh-CN" sz="2200" dirty="0" smtClean="0"/>
+              <a:t>all</a:t>
+            </a:r>
+            <a:r>
+              <a:rPr lang="zh-CN" altLang="en-US" sz="2200" dirty="0" smtClean="0"/>
+              <a:t> </a:t>
+            </a:r>
+            <a:r>
+              <a:rPr lang="en-US" altLang="zh-CN" sz="2200" dirty="0" smtClean="0"/>
+              <a:t>three</a:t>
+            </a:r>
+            <a:r>
+              <a:rPr lang="zh-CN" altLang="en-US" sz="2200" dirty="0" smtClean="0"/>
+              <a:t> </a:t>
+            </a:r>
+            <a:r>
+              <a:rPr lang="en-US" altLang="zh-CN" sz="2200" dirty="0" smtClean="0"/>
+              <a:t>methods.</a:t>
+            </a:r>
+            <a:r>
+              <a:rPr lang="zh-CN" altLang="en-US" sz="2200" dirty="0" smtClean="0"/>
+              <a:t> </a:t>
             </a:r>
             <a:endParaRPr lang="en-US" sz="2200" dirty="0"/>
           </a:p>
@@ -10685,7 +11630,7 @@
   <a:extraClrSchemeLst/>
   <a:extLst>
     <a:ext uri="{05A4C25C-085E-4340-85A3-A5531E510DB2}">
-      <thm15:themeFamily xmlns:thm15="http://schemas.microsoft.com/office/thememl/2012/main" xmlns="" name="Retrospect" id="{5F128B03-DCCA-4EEB-AB3B-CF2899314A46}" vid="{3F1AAB62-24C6-49D2-8E01-B56FAC9A3DCD}"/>
+      <thm15:themeFamily xmlns:thm15="http://schemas.microsoft.com/office/thememl/2012/main" name="Retrospect" id="{5F128B03-DCCA-4EEB-AB3B-CF2899314A46}" vid="{3F1AAB62-24C6-49D2-8E01-B56FAC9A3DCD}"/>
     </a:ext>
   </a:extLst>
 </a:theme>

--- a/Project1Slides.pptx
+++ b/Project1Slides.pptx
@@ -3874,7 +3874,7 @@
             </a:r>
             <a:r>
               <a:rPr lang="en-US" altLang="zh-CN" dirty="0" smtClean="0"/>
-              <a:t>Log</a:t>
+              <a:t>Logistic</a:t>
             </a:r>
             <a:r>
               <a:rPr lang="zh-CN" altLang="en-US" dirty="0" smtClean="0"/>
@@ -4559,14 +4559,14 @@
                 <a:gridCol w="1646404">
                   <a:extLst>
                     <a:ext uri="{9D8B030D-6E8A-4147-A177-3AD203B41FA5}">
-                      <a16:colId xmlns="" xmlns:a16="http://schemas.microsoft.com/office/drawing/2014/main" val="3140344323"/>
+                      <a16:colId xmlns:a16="http://schemas.microsoft.com/office/drawing/2014/main" xmlns="" val="3140344323"/>
                     </a:ext>
                   </a:extLst>
                 </a:gridCol>
                 <a:gridCol w="1646404">
                   <a:extLst>
                     <a:ext uri="{9D8B030D-6E8A-4147-A177-3AD203B41FA5}">
-                      <a16:colId xmlns="" xmlns:a16="http://schemas.microsoft.com/office/drawing/2014/main" val="3031573191"/>
+                      <a16:colId xmlns:a16="http://schemas.microsoft.com/office/drawing/2014/main" xmlns="" val="3031573191"/>
                     </a:ext>
                   </a:extLst>
                 </a:gridCol>
@@ -4626,7 +4626,7 @@
                 </a:tc>
                 <a:extLst>
                   <a:ext uri="{0D108BD9-81ED-4DB2-BD59-A6C34878D82A}">
-                    <a16:rowId xmlns="" xmlns:a16="http://schemas.microsoft.com/office/drawing/2014/main" val="2267399532"/>
+                    <a16:rowId xmlns:a16="http://schemas.microsoft.com/office/drawing/2014/main" xmlns="" val="2267399532"/>
                   </a:ext>
                 </a:extLst>
               </a:tr>
@@ -4679,7 +4679,7 @@
                 </a:tc>
                 <a:extLst>
                   <a:ext uri="{0D108BD9-81ED-4DB2-BD59-A6C34878D82A}">
-                    <a16:rowId xmlns="" xmlns:a16="http://schemas.microsoft.com/office/drawing/2014/main" val="1236980502"/>
+                    <a16:rowId xmlns:a16="http://schemas.microsoft.com/office/drawing/2014/main" xmlns="" val="1236980502"/>
                   </a:ext>
                 </a:extLst>
               </a:tr>
@@ -4732,7 +4732,7 @@
                 </a:tc>
                 <a:extLst>
                   <a:ext uri="{0D108BD9-81ED-4DB2-BD59-A6C34878D82A}">
-                    <a16:rowId xmlns="" xmlns:a16="http://schemas.microsoft.com/office/drawing/2014/main" val="254850676"/>
+                    <a16:rowId xmlns:a16="http://schemas.microsoft.com/office/drawing/2014/main" xmlns="" val="254850676"/>
                   </a:ext>
                 </a:extLst>
               </a:tr>
@@ -4785,7 +4785,7 @@
                 </a:tc>
                 <a:extLst>
                   <a:ext uri="{0D108BD9-81ED-4DB2-BD59-A6C34878D82A}">
-                    <a16:rowId xmlns="" xmlns:a16="http://schemas.microsoft.com/office/drawing/2014/main" val="2504185095"/>
+                    <a16:rowId xmlns:a16="http://schemas.microsoft.com/office/drawing/2014/main" xmlns="" val="2504185095"/>
                   </a:ext>
                 </a:extLst>
               </a:tr>
@@ -4838,7 +4838,7 @@
                 </a:tc>
                 <a:extLst>
                   <a:ext uri="{0D108BD9-81ED-4DB2-BD59-A6C34878D82A}">
-                    <a16:rowId xmlns="" xmlns:a16="http://schemas.microsoft.com/office/drawing/2014/main" val="3414866897"/>
+                    <a16:rowId xmlns:a16="http://schemas.microsoft.com/office/drawing/2014/main" xmlns="" val="3414866897"/>
                   </a:ext>
                 </a:extLst>
               </a:tr>
@@ -4891,7 +4891,7 @@
                 </a:tc>
                 <a:extLst>
                   <a:ext uri="{0D108BD9-81ED-4DB2-BD59-A6C34878D82A}">
-                    <a16:rowId xmlns="" xmlns:a16="http://schemas.microsoft.com/office/drawing/2014/main" val="2636283831"/>
+                    <a16:rowId xmlns:a16="http://schemas.microsoft.com/office/drawing/2014/main" xmlns="" val="2636283831"/>
                   </a:ext>
                 </a:extLst>
               </a:tr>
@@ -4944,7 +4944,7 @@
                 </a:tc>
                 <a:extLst>
                   <a:ext uri="{0D108BD9-81ED-4DB2-BD59-A6C34878D82A}">
-                    <a16:rowId xmlns="" xmlns:a16="http://schemas.microsoft.com/office/drawing/2014/main" val="2854849710"/>
+                    <a16:rowId xmlns:a16="http://schemas.microsoft.com/office/drawing/2014/main" xmlns="" val="2854849710"/>
                   </a:ext>
                 </a:extLst>
               </a:tr>
@@ -4997,7 +4997,7 @@
                 </a:tc>
                 <a:extLst>
                   <a:ext uri="{0D108BD9-81ED-4DB2-BD59-A6C34878D82A}">
-                    <a16:rowId xmlns="" xmlns:a16="http://schemas.microsoft.com/office/drawing/2014/main" val="659468809"/>
+                    <a16:rowId xmlns:a16="http://schemas.microsoft.com/office/drawing/2014/main" xmlns="" val="659468809"/>
                   </a:ext>
                 </a:extLst>
               </a:tr>
@@ -5050,7 +5050,7 @@
                 </a:tc>
                 <a:extLst>
                   <a:ext uri="{0D108BD9-81ED-4DB2-BD59-A6C34878D82A}">
-                    <a16:rowId xmlns="" xmlns:a16="http://schemas.microsoft.com/office/drawing/2014/main" val="1626067072"/>
+                    <a16:rowId xmlns:a16="http://schemas.microsoft.com/office/drawing/2014/main" xmlns="" val="1626067072"/>
                   </a:ext>
                 </a:extLst>
               </a:tr>
@@ -5103,7 +5103,7 @@
                 </a:tc>
                 <a:extLst>
                   <a:ext uri="{0D108BD9-81ED-4DB2-BD59-A6C34878D82A}">
-                    <a16:rowId xmlns="" xmlns:a16="http://schemas.microsoft.com/office/drawing/2014/main" val="3778050048"/>
+                    <a16:rowId xmlns:a16="http://schemas.microsoft.com/office/drawing/2014/main" xmlns="" val="3778050048"/>
                   </a:ext>
                 </a:extLst>
               </a:tr>
@@ -5174,7 +5174,7 @@
                 </a:tc>
                 <a:extLst>
                   <a:ext uri="{0D108BD9-81ED-4DB2-BD59-A6C34878D82A}">
-                    <a16:rowId xmlns="" xmlns:a16="http://schemas.microsoft.com/office/drawing/2014/main" val="4138240308"/>
+                    <a16:rowId xmlns:a16="http://schemas.microsoft.com/office/drawing/2014/main" xmlns="" val="4138240308"/>
                   </a:ext>
                 </a:extLst>
               </a:tr>
@@ -5253,11 +5253,7 @@
           <a:p>
             <a:r>
               <a:rPr lang="en-US" dirty="0" smtClean="0"/>
-              <a:t>LDA </a:t>
-            </a:r>
-            <a:r>
-              <a:rPr lang="en-US" dirty="0" smtClean="0"/>
-              <a:t>Results</a:t>
+              <a:t>LDA Results</a:t>
             </a:r>
             <a:endParaRPr lang="en-US" dirty="0"/>
           </a:p>
@@ -5362,63 +5358,63 @@
                 <a:gridCol w="1941534">
                   <a:extLst>
                     <a:ext uri="{9D8B030D-6E8A-4147-A177-3AD203B41FA5}">
-                      <a16:colId xmlns="" xmlns:a16="http://schemas.microsoft.com/office/drawing/2014/main" val="953060514"/>
+                      <a16:colId xmlns:a16="http://schemas.microsoft.com/office/drawing/2014/main" xmlns="" val="953060514"/>
                     </a:ext>
                   </a:extLst>
                 </a:gridCol>
                 <a:gridCol w="1011477">
                   <a:extLst>
                     <a:ext uri="{9D8B030D-6E8A-4147-A177-3AD203B41FA5}">
-                      <a16:colId xmlns="" xmlns:a16="http://schemas.microsoft.com/office/drawing/2014/main" val="767976886"/>
+                      <a16:colId xmlns:a16="http://schemas.microsoft.com/office/drawing/2014/main" xmlns="" val="767976886"/>
                     </a:ext>
                   </a:extLst>
                 </a:gridCol>
                 <a:gridCol w="1011477">
                   <a:extLst>
                     <a:ext uri="{9D8B030D-6E8A-4147-A177-3AD203B41FA5}">
-                      <a16:colId xmlns="" xmlns:a16="http://schemas.microsoft.com/office/drawing/2014/main" val="2264140971"/>
+                      <a16:colId xmlns:a16="http://schemas.microsoft.com/office/drawing/2014/main" xmlns="" val="2264140971"/>
                     </a:ext>
                   </a:extLst>
                 </a:gridCol>
                 <a:gridCol w="1011477">
                   <a:extLst>
                     <a:ext uri="{9D8B030D-6E8A-4147-A177-3AD203B41FA5}">
-                      <a16:colId xmlns="" xmlns:a16="http://schemas.microsoft.com/office/drawing/2014/main" val="3244866279"/>
+                      <a16:colId xmlns:a16="http://schemas.microsoft.com/office/drawing/2014/main" xmlns="" val="3244866279"/>
                     </a:ext>
                   </a:extLst>
                 </a:gridCol>
                 <a:gridCol w="1011477">
                   <a:extLst>
                     <a:ext uri="{9D8B030D-6E8A-4147-A177-3AD203B41FA5}">
-                      <a16:colId xmlns="" xmlns:a16="http://schemas.microsoft.com/office/drawing/2014/main" val="3666229127"/>
+                      <a16:colId xmlns:a16="http://schemas.microsoft.com/office/drawing/2014/main" xmlns="" val="3666229127"/>
                     </a:ext>
                   </a:extLst>
                 </a:gridCol>
                 <a:gridCol w="1011477">
                   <a:extLst>
                     <a:ext uri="{9D8B030D-6E8A-4147-A177-3AD203B41FA5}">
-                      <a16:colId xmlns="" xmlns:a16="http://schemas.microsoft.com/office/drawing/2014/main" val="2639360683"/>
+                      <a16:colId xmlns:a16="http://schemas.microsoft.com/office/drawing/2014/main" xmlns="" val="2639360683"/>
                     </a:ext>
                   </a:extLst>
                 </a:gridCol>
                 <a:gridCol w="1011477">
                   <a:extLst>
                     <a:ext uri="{9D8B030D-6E8A-4147-A177-3AD203B41FA5}">
-                      <a16:colId xmlns="" xmlns:a16="http://schemas.microsoft.com/office/drawing/2014/main" val="612403726"/>
+                      <a16:colId xmlns:a16="http://schemas.microsoft.com/office/drawing/2014/main" xmlns="" val="612403726"/>
                     </a:ext>
                   </a:extLst>
                 </a:gridCol>
                 <a:gridCol w="1011477">
                   <a:extLst>
                     <a:ext uri="{9D8B030D-6E8A-4147-A177-3AD203B41FA5}">
-                      <a16:colId xmlns="" xmlns:a16="http://schemas.microsoft.com/office/drawing/2014/main" val="1520712259"/>
+                      <a16:colId xmlns:a16="http://schemas.microsoft.com/office/drawing/2014/main" xmlns="" val="1520712259"/>
                     </a:ext>
                   </a:extLst>
                 </a:gridCol>
                 <a:gridCol w="1011477">
                   <a:extLst>
                     <a:ext uri="{9D8B030D-6E8A-4147-A177-3AD203B41FA5}">
-                      <a16:colId xmlns="" xmlns:a16="http://schemas.microsoft.com/office/drawing/2014/main" val="3830094917"/>
+                      <a16:colId xmlns:a16="http://schemas.microsoft.com/office/drawing/2014/main" xmlns="" val="3830094917"/>
                     </a:ext>
                   </a:extLst>
                 </a:gridCol>
@@ -5655,7 +5651,7 @@
                 </a:tc>
                 <a:extLst>
                   <a:ext uri="{0D108BD9-81ED-4DB2-BD59-A6C34878D82A}">
-                    <a16:rowId xmlns="" xmlns:a16="http://schemas.microsoft.com/office/drawing/2014/main" val="1610753384"/>
+                    <a16:rowId xmlns:a16="http://schemas.microsoft.com/office/drawing/2014/main" xmlns="" val="1610753384"/>
                   </a:ext>
                 </a:extLst>
               </a:tr>
@@ -5845,7 +5841,7 @@
                 </a:tc>
                 <a:extLst>
                   <a:ext uri="{0D108BD9-81ED-4DB2-BD59-A6C34878D82A}">
-                    <a16:rowId xmlns="" xmlns:a16="http://schemas.microsoft.com/office/drawing/2014/main" val="110836604"/>
+                    <a16:rowId xmlns:a16="http://schemas.microsoft.com/office/drawing/2014/main" xmlns="" val="110836604"/>
                   </a:ext>
                 </a:extLst>
               </a:tr>
@@ -6035,7 +6031,7 @@
                 </a:tc>
                 <a:extLst>
                   <a:ext uri="{0D108BD9-81ED-4DB2-BD59-A6C34878D82A}">
-                    <a16:rowId xmlns="" xmlns:a16="http://schemas.microsoft.com/office/drawing/2014/main" val="3084985693"/>
+                    <a16:rowId xmlns:a16="http://schemas.microsoft.com/office/drawing/2014/main" xmlns="" val="3084985693"/>
                   </a:ext>
                 </a:extLst>
               </a:tr>
@@ -6225,7 +6221,7 @@
                 </a:tc>
                 <a:extLst>
                   <a:ext uri="{0D108BD9-81ED-4DB2-BD59-A6C34878D82A}">
-                    <a16:rowId xmlns="" xmlns:a16="http://schemas.microsoft.com/office/drawing/2014/main" val="1619339133"/>
+                    <a16:rowId xmlns:a16="http://schemas.microsoft.com/office/drawing/2014/main" xmlns="" val="1619339133"/>
                   </a:ext>
                 </a:extLst>
               </a:tr>
@@ -6261,35 +6257,35 @@
                 <a:gridCol w="1532443">
                   <a:extLst>
                     <a:ext uri="{9D8B030D-6E8A-4147-A177-3AD203B41FA5}">
-                      <a16:colId xmlns="" xmlns:a16="http://schemas.microsoft.com/office/drawing/2014/main" val="2442033081"/>
+                      <a16:colId xmlns:a16="http://schemas.microsoft.com/office/drawing/2014/main" xmlns="" val="2442033081"/>
                     </a:ext>
                   </a:extLst>
                 </a:gridCol>
                 <a:gridCol w="1026067">
                   <a:extLst>
                     <a:ext uri="{9D8B030D-6E8A-4147-A177-3AD203B41FA5}">
-                      <a16:colId xmlns="" xmlns:a16="http://schemas.microsoft.com/office/drawing/2014/main" val="3069743031"/>
+                      <a16:colId xmlns:a16="http://schemas.microsoft.com/office/drawing/2014/main" xmlns="" val="3069743031"/>
                     </a:ext>
                   </a:extLst>
                 </a:gridCol>
                 <a:gridCol w="1026067">
                   <a:extLst>
                     <a:ext uri="{9D8B030D-6E8A-4147-A177-3AD203B41FA5}">
-                      <a16:colId xmlns="" xmlns:a16="http://schemas.microsoft.com/office/drawing/2014/main" val="2995174482"/>
+                      <a16:colId xmlns:a16="http://schemas.microsoft.com/office/drawing/2014/main" xmlns="" val="2995174482"/>
                     </a:ext>
                   </a:extLst>
                 </a:gridCol>
                 <a:gridCol w="1026067">
                   <a:extLst>
                     <a:ext uri="{9D8B030D-6E8A-4147-A177-3AD203B41FA5}">
-                      <a16:colId xmlns="" xmlns:a16="http://schemas.microsoft.com/office/drawing/2014/main" val="1533397794"/>
+                      <a16:colId xmlns:a16="http://schemas.microsoft.com/office/drawing/2014/main" xmlns="" val="1533397794"/>
                     </a:ext>
                   </a:extLst>
                 </a:gridCol>
                 <a:gridCol w="1026067">
                   <a:extLst>
                     <a:ext uri="{9D8B030D-6E8A-4147-A177-3AD203B41FA5}">
-                      <a16:colId xmlns="" xmlns:a16="http://schemas.microsoft.com/office/drawing/2014/main" val="1031757759"/>
+                      <a16:colId xmlns:a16="http://schemas.microsoft.com/office/drawing/2014/main" xmlns="" val="1031757759"/>
                     </a:ext>
                   </a:extLst>
                 </a:gridCol>
@@ -6406,7 +6402,7 @@
                 </a:tc>
                 <a:extLst>
                   <a:ext uri="{0D108BD9-81ED-4DB2-BD59-A6C34878D82A}">
-                    <a16:rowId xmlns="" xmlns:a16="http://schemas.microsoft.com/office/drawing/2014/main" val="3395906464"/>
+                    <a16:rowId xmlns:a16="http://schemas.microsoft.com/office/drawing/2014/main" xmlns="" val="3395906464"/>
                   </a:ext>
                 </a:extLst>
               </a:tr>
@@ -6528,7 +6524,7 @@
                 </a:tc>
                 <a:extLst>
                   <a:ext uri="{0D108BD9-81ED-4DB2-BD59-A6C34878D82A}">
-                    <a16:rowId xmlns="" xmlns:a16="http://schemas.microsoft.com/office/drawing/2014/main" val="1128511410"/>
+                    <a16:rowId xmlns:a16="http://schemas.microsoft.com/office/drawing/2014/main" xmlns="" val="1128511410"/>
                   </a:ext>
                 </a:extLst>
               </a:tr>
@@ -6650,7 +6646,7 @@
                 </a:tc>
                 <a:extLst>
                   <a:ext uri="{0D108BD9-81ED-4DB2-BD59-A6C34878D82A}">
-                    <a16:rowId xmlns="" xmlns:a16="http://schemas.microsoft.com/office/drawing/2014/main" val="3819250338"/>
+                    <a16:rowId xmlns:a16="http://schemas.microsoft.com/office/drawing/2014/main" xmlns="" val="3819250338"/>
                   </a:ext>
                 </a:extLst>
               </a:tr>
@@ -6772,7 +6768,7 @@
                 </a:tc>
                 <a:extLst>
                   <a:ext uri="{0D108BD9-81ED-4DB2-BD59-A6C34878D82A}">
-                    <a16:rowId xmlns="" xmlns:a16="http://schemas.microsoft.com/office/drawing/2014/main" val="3808226940"/>
+                    <a16:rowId xmlns:a16="http://schemas.microsoft.com/office/drawing/2014/main" xmlns="" val="3808226940"/>
                   </a:ext>
                 </a:extLst>
               </a:tr>
@@ -6894,7 +6890,7 @@
                 </a:tc>
                 <a:extLst>
                   <a:ext uri="{0D108BD9-81ED-4DB2-BD59-A6C34878D82A}">
-                    <a16:rowId xmlns="" xmlns:a16="http://schemas.microsoft.com/office/drawing/2014/main" val="947155627"/>
+                    <a16:rowId xmlns:a16="http://schemas.microsoft.com/office/drawing/2014/main" xmlns="" val="947155627"/>
                   </a:ext>
                 </a:extLst>
               </a:tr>
@@ -7016,7 +7012,7 @@
                 </a:tc>
                 <a:extLst>
                   <a:ext uri="{0D108BD9-81ED-4DB2-BD59-A6C34878D82A}">
-                    <a16:rowId xmlns="" xmlns:a16="http://schemas.microsoft.com/office/drawing/2014/main" val="3860108698"/>
+                    <a16:rowId xmlns:a16="http://schemas.microsoft.com/office/drawing/2014/main" xmlns="" val="3860108698"/>
                   </a:ext>
                 </a:extLst>
               </a:tr>
@@ -7138,7 +7134,7 @@
                 </a:tc>
                 <a:extLst>
                   <a:ext uri="{0D108BD9-81ED-4DB2-BD59-A6C34878D82A}">
-                    <a16:rowId xmlns="" xmlns:a16="http://schemas.microsoft.com/office/drawing/2014/main" val="2022765200"/>
+                    <a16:rowId xmlns:a16="http://schemas.microsoft.com/office/drawing/2014/main" xmlns="" val="2022765200"/>
                   </a:ext>
                 </a:extLst>
               </a:tr>
@@ -7260,7 +7256,7 @@
                 </a:tc>
                 <a:extLst>
                   <a:ext uri="{0D108BD9-81ED-4DB2-BD59-A6C34878D82A}">
-                    <a16:rowId xmlns="" xmlns:a16="http://schemas.microsoft.com/office/drawing/2014/main" val="1368194820"/>
+                    <a16:rowId xmlns:a16="http://schemas.microsoft.com/office/drawing/2014/main" xmlns="" val="1368194820"/>
                   </a:ext>
                 </a:extLst>
               </a:tr>
@@ -7382,7 +7378,7 @@
                 </a:tc>
                 <a:extLst>
                   <a:ext uri="{0D108BD9-81ED-4DB2-BD59-A6C34878D82A}">
-                    <a16:rowId xmlns="" xmlns:a16="http://schemas.microsoft.com/office/drawing/2014/main" val="1720163309"/>
+                    <a16:rowId xmlns:a16="http://schemas.microsoft.com/office/drawing/2014/main" xmlns="" val="1720163309"/>
                   </a:ext>
                 </a:extLst>
               </a:tr>
@@ -7476,14 +7472,14 @@
                 <a:gridCol w="1486840">
                   <a:extLst>
                     <a:ext uri="{9D8B030D-6E8A-4147-A177-3AD203B41FA5}">
-                      <a16:colId xmlns="" xmlns:a16="http://schemas.microsoft.com/office/drawing/2014/main" val="1896381141"/>
+                      <a16:colId xmlns:a16="http://schemas.microsoft.com/office/drawing/2014/main" xmlns="" val="1896381141"/>
                     </a:ext>
                   </a:extLst>
                 </a:gridCol>
                 <a:gridCol w="1486840">
                   <a:extLst>
                     <a:ext uri="{9D8B030D-6E8A-4147-A177-3AD203B41FA5}">
-                      <a16:colId xmlns="" xmlns:a16="http://schemas.microsoft.com/office/drawing/2014/main" val="3265388153"/>
+                      <a16:colId xmlns:a16="http://schemas.microsoft.com/office/drawing/2014/main" xmlns="" val="3265388153"/>
                     </a:ext>
                   </a:extLst>
                 </a:gridCol>
@@ -7543,7 +7539,7 @@
                 </a:tc>
                 <a:extLst>
                   <a:ext uri="{0D108BD9-81ED-4DB2-BD59-A6C34878D82A}">
-                    <a16:rowId xmlns="" xmlns:a16="http://schemas.microsoft.com/office/drawing/2014/main" val="4193067108"/>
+                    <a16:rowId xmlns:a16="http://schemas.microsoft.com/office/drawing/2014/main" xmlns="" val="4193067108"/>
                   </a:ext>
                 </a:extLst>
               </a:tr>
@@ -7596,7 +7592,7 @@
                 </a:tc>
                 <a:extLst>
                   <a:ext uri="{0D108BD9-81ED-4DB2-BD59-A6C34878D82A}">
-                    <a16:rowId xmlns="" xmlns:a16="http://schemas.microsoft.com/office/drawing/2014/main" val="2129162000"/>
+                    <a16:rowId xmlns:a16="http://schemas.microsoft.com/office/drawing/2014/main" xmlns="" val="2129162000"/>
                   </a:ext>
                 </a:extLst>
               </a:tr>
@@ -7649,7 +7645,7 @@
                 </a:tc>
                 <a:extLst>
                   <a:ext uri="{0D108BD9-81ED-4DB2-BD59-A6C34878D82A}">
-                    <a16:rowId xmlns="" xmlns:a16="http://schemas.microsoft.com/office/drawing/2014/main" val="2610843344"/>
+                    <a16:rowId xmlns:a16="http://schemas.microsoft.com/office/drawing/2014/main" xmlns="" val="2610843344"/>
                   </a:ext>
                 </a:extLst>
               </a:tr>
@@ -7702,7 +7698,7 @@
                 </a:tc>
                 <a:extLst>
                   <a:ext uri="{0D108BD9-81ED-4DB2-BD59-A6C34878D82A}">
-                    <a16:rowId xmlns="" xmlns:a16="http://schemas.microsoft.com/office/drawing/2014/main" val="2150264306"/>
+                    <a16:rowId xmlns:a16="http://schemas.microsoft.com/office/drawing/2014/main" xmlns="" val="2150264306"/>
                   </a:ext>
                 </a:extLst>
               </a:tr>
@@ -7755,7 +7751,7 @@
                 </a:tc>
                 <a:extLst>
                   <a:ext uri="{0D108BD9-81ED-4DB2-BD59-A6C34878D82A}">
-                    <a16:rowId xmlns="" xmlns:a16="http://schemas.microsoft.com/office/drawing/2014/main" val="2058730632"/>
+                    <a16:rowId xmlns:a16="http://schemas.microsoft.com/office/drawing/2014/main" xmlns="" val="2058730632"/>
                   </a:ext>
                 </a:extLst>
               </a:tr>
@@ -7808,7 +7804,7 @@
                 </a:tc>
                 <a:extLst>
                   <a:ext uri="{0D108BD9-81ED-4DB2-BD59-A6C34878D82A}">
-                    <a16:rowId xmlns="" xmlns:a16="http://schemas.microsoft.com/office/drawing/2014/main" val="3571323669"/>
+                    <a16:rowId xmlns:a16="http://schemas.microsoft.com/office/drawing/2014/main" xmlns="" val="3571323669"/>
                   </a:ext>
                 </a:extLst>
               </a:tr>
@@ -7861,7 +7857,7 @@
                 </a:tc>
                 <a:extLst>
                   <a:ext uri="{0D108BD9-81ED-4DB2-BD59-A6C34878D82A}">
-                    <a16:rowId xmlns="" xmlns:a16="http://schemas.microsoft.com/office/drawing/2014/main" val="1945600114"/>
+                    <a16:rowId xmlns:a16="http://schemas.microsoft.com/office/drawing/2014/main" xmlns="" val="1945600114"/>
                   </a:ext>
                 </a:extLst>
               </a:tr>
@@ -7914,7 +7910,7 @@
                 </a:tc>
                 <a:extLst>
                   <a:ext uri="{0D108BD9-81ED-4DB2-BD59-A6C34878D82A}">
-                    <a16:rowId xmlns="" xmlns:a16="http://schemas.microsoft.com/office/drawing/2014/main" val="3851584695"/>
+                    <a16:rowId xmlns:a16="http://schemas.microsoft.com/office/drawing/2014/main" xmlns="" val="3851584695"/>
                   </a:ext>
                 </a:extLst>
               </a:tr>
@@ -7967,7 +7963,7 @@
                 </a:tc>
                 <a:extLst>
                   <a:ext uri="{0D108BD9-81ED-4DB2-BD59-A6C34878D82A}">
-                    <a16:rowId xmlns="" xmlns:a16="http://schemas.microsoft.com/office/drawing/2014/main" val="695268272"/>
+                    <a16:rowId xmlns:a16="http://schemas.microsoft.com/office/drawing/2014/main" xmlns="" val="695268272"/>
                   </a:ext>
                 </a:extLst>
               </a:tr>
@@ -8020,7 +8016,7 @@
                 </a:tc>
                 <a:extLst>
                   <a:ext uri="{0D108BD9-81ED-4DB2-BD59-A6C34878D82A}">
-                    <a16:rowId xmlns="" xmlns:a16="http://schemas.microsoft.com/office/drawing/2014/main" val="3383845840"/>
+                    <a16:rowId xmlns:a16="http://schemas.microsoft.com/office/drawing/2014/main" xmlns="" val="3383845840"/>
                   </a:ext>
                 </a:extLst>
               </a:tr>
@@ -8073,7 +8069,7 @@
                 </a:tc>
                 <a:extLst>
                   <a:ext uri="{0D108BD9-81ED-4DB2-BD59-A6C34878D82A}">
-                    <a16:rowId xmlns="" xmlns:a16="http://schemas.microsoft.com/office/drawing/2014/main" val="3966871809"/>
+                    <a16:rowId xmlns:a16="http://schemas.microsoft.com/office/drawing/2014/main" xmlns="" val="3966871809"/>
                   </a:ext>
                 </a:extLst>
               </a:tr>
@@ -8265,14 +8261,14 @@
                 <a:gridCol w="1486840">
                   <a:extLst>
                     <a:ext uri="{9D8B030D-6E8A-4147-A177-3AD203B41FA5}">
-                      <a16:colId xmlns="" xmlns:a16="http://schemas.microsoft.com/office/drawing/2014/main" val="1896381141"/>
+                      <a16:colId xmlns:a16="http://schemas.microsoft.com/office/drawing/2014/main" xmlns="" val="1896381141"/>
                     </a:ext>
                   </a:extLst>
                 </a:gridCol>
                 <a:gridCol w="1486840">
                   <a:extLst>
                     <a:ext uri="{9D8B030D-6E8A-4147-A177-3AD203B41FA5}">
-                      <a16:colId xmlns="" xmlns:a16="http://schemas.microsoft.com/office/drawing/2014/main" val="3265388153"/>
+                      <a16:colId xmlns:a16="http://schemas.microsoft.com/office/drawing/2014/main" xmlns="" val="3265388153"/>
                     </a:ext>
                   </a:extLst>
                 </a:gridCol>
@@ -8332,7 +8328,7 @@
                 </a:tc>
                 <a:extLst>
                   <a:ext uri="{0D108BD9-81ED-4DB2-BD59-A6C34878D82A}">
-                    <a16:rowId xmlns="" xmlns:a16="http://schemas.microsoft.com/office/drawing/2014/main" val="4193067108"/>
+                    <a16:rowId xmlns:a16="http://schemas.microsoft.com/office/drawing/2014/main" xmlns="" val="4193067108"/>
                   </a:ext>
                 </a:extLst>
               </a:tr>
@@ -8382,7 +8378,7 @@
                 </a:tc>
                 <a:extLst>
                   <a:ext uri="{0D108BD9-81ED-4DB2-BD59-A6C34878D82A}">
-                    <a16:rowId xmlns="" xmlns:a16="http://schemas.microsoft.com/office/drawing/2014/main" val="2129162000"/>
+                    <a16:rowId xmlns:a16="http://schemas.microsoft.com/office/drawing/2014/main" xmlns="" val="2129162000"/>
                   </a:ext>
                 </a:extLst>
               </a:tr>
@@ -8432,7 +8428,7 @@
                 </a:tc>
                 <a:extLst>
                   <a:ext uri="{0D108BD9-81ED-4DB2-BD59-A6C34878D82A}">
-                    <a16:rowId xmlns="" xmlns:a16="http://schemas.microsoft.com/office/drawing/2014/main" val="2610843344"/>
+                    <a16:rowId xmlns:a16="http://schemas.microsoft.com/office/drawing/2014/main" xmlns="" val="2610843344"/>
                   </a:ext>
                 </a:extLst>
               </a:tr>
@@ -8482,7 +8478,7 @@
                 </a:tc>
                 <a:extLst>
                   <a:ext uri="{0D108BD9-81ED-4DB2-BD59-A6C34878D82A}">
-                    <a16:rowId xmlns="" xmlns:a16="http://schemas.microsoft.com/office/drawing/2014/main" val="2150264306"/>
+                    <a16:rowId xmlns:a16="http://schemas.microsoft.com/office/drawing/2014/main" xmlns="" val="2150264306"/>
                   </a:ext>
                 </a:extLst>
               </a:tr>
@@ -8532,7 +8528,7 @@
                 </a:tc>
                 <a:extLst>
                   <a:ext uri="{0D108BD9-81ED-4DB2-BD59-A6C34878D82A}">
-                    <a16:rowId xmlns="" xmlns:a16="http://schemas.microsoft.com/office/drawing/2014/main" val="2058730632"/>
+                    <a16:rowId xmlns:a16="http://schemas.microsoft.com/office/drawing/2014/main" xmlns="" val="2058730632"/>
                   </a:ext>
                 </a:extLst>
               </a:tr>
@@ -8582,7 +8578,7 @@
                 </a:tc>
                 <a:extLst>
                   <a:ext uri="{0D108BD9-81ED-4DB2-BD59-A6C34878D82A}">
-                    <a16:rowId xmlns="" xmlns:a16="http://schemas.microsoft.com/office/drawing/2014/main" val="3571323669"/>
+                    <a16:rowId xmlns:a16="http://schemas.microsoft.com/office/drawing/2014/main" xmlns="" val="3571323669"/>
                   </a:ext>
                 </a:extLst>
               </a:tr>
@@ -8632,7 +8628,7 @@
                 </a:tc>
                 <a:extLst>
                   <a:ext uri="{0D108BD9-81ED-4DB2-BD59-A6C34878D82A}">
-                    <a16:rowId xmlns="" xmlns:a16="http://schemas.microsoft.com/office/drawing/2014/main" val="1945600114"/>
+                    <a16:rowId xmlns:a16="http://schemas.microsoft.com/office/drawing/2014/main" xmlns="" val="1945600114"/>
                   </a:ext>
                 </a:extLst>
               </a:tr>
@@ -8682,7 +8678,7 @@
                 </a:tc>
                 <a:extLst>
                   <a:ext uri="{0D108BD9-81ED-4DB2-BD59-A6C34878D82A}">
-                    <a16:rowId xmlns="" xmlns:a16="http://schemas.microsoft.com/office/drawing/2014/main" val="3851584695"/>
+                    <a16:rowId xmlns:a16="http://schemas.microsoft.com/office/drawing/2014/main" xmlns="" val="3851584695"/>
                   </a:ext>
                 </a:extLst>
               </a:tr>
@@ -8732,7 +8728,7 @@
                 </a:tc>
                 <a:extLst>
                   <a:ext uri="{0D108BD9-81ED-4DB2-BD59-A6C34878D82A}">
-                    <a16:rowId xmlns="" xmlns:a16="http://schemas.microsoft.com/office/drawing/2014/main" val="695268272"/>
+                    <a16:rowId xmlns:a16="http://schemas.microsoft.com/office/drawing/2014/main" xmlns="" val="695268272"/>
                   </a:ext>
                 </a:extLst>
               </a:tr>
@@ -8782,7 +8778,7 @@
                 </a:tc>
                 <a:extLst>
                   <a:ext uri="{0D108BD9-81ED-4DB2-BD59-A6C34878D82A}">
-                    <a16:rowId xmlns="" xmlns:a16="http://schemas.microsoft.com/office/drawing/2014/main" val="3383845840"/>
+                    <a16:rowId xmlns:a16="http://schemas.microsoft.com/office/drawing/2014/main" xmlns="" val="3383845840"/>
                   </a:ext>
                 </a:extLst>
               </a:tr>
@@ -8835,7 +8831,7 @@
                 </a:tc>
                 <a:extLst>
                   <a:ext uri="{0D108BD9-81ED-4DB2-BD59-A6C34878D82A}">
-                    <a16:rowId xmlns="" xmlns:a16="http://schemas.microsoft.com/office/drawing/2014/main" val="3966871809"/>
+                    <a16:rowId xmlns:a16="http://schemas.microsoft.com/office/drawing/2014/main" xmlns="" val="3966871809"/>
                   </a:ext>
                 </a:extLst>
               </a:tr>
@@ -8904,14 +8900,14 @@
                 <a:gridCol w="1486840">
                   <a:extLst>
                     <a:ext uri="{9D8B030D-6E8A-4147-A177-3AD203B41FA5}">
-                      <a16:colId xmlns="" xmlns:a16="http://schemas.microsoft.com/office/drawing/2014/main" val="1896381141"/>
+                      <a16:colId xmlns:a16="http://schemas.microsoft.com/office/drawing/2014/main" xmlns="" val="1896381141"/>
                     </a:ext>
                   </a:extLst>
                 </a:gridCol>
                 <a:gridCol w="1486840">
                   <a:extLst>
                     <a:ext uri="{9D8B030D-6E8A-4147-A177-3AD203B41FA5}">
-                      <a16:colId xmlns="" xmlns:a16="http://schemas.microsoft.com/office/drawing/2014/main" val="3265388153"/>
+                      <a16:colId xmlns:a16="http://schemas.microsoft.com/office/drawing/2014/main" xmlns="" val="3265388153"/>
                     </a:ext>
                   </a:extLst>
                 </a:gridCol>
@@ -8971,7 +8967,7 @@
                 </a:tc>
                 <a:extLst>
                   <a:ext uri="{0D108BD9-81ED-4DB2-BD59-A6C34878D82A}">
-                    <a16:rowId xmlns="" xmlns:a16="http://schemas.microsoft.com/office/drawing/2014/main" val="4193067108"/>
+                    <a16:rowId xmlns:a16="http://schemas.microsoft.com/office/drawing/2014/main" xmlns="" val="4193067108"/>
                   </a:ext>
                 </a:extLst>
               </a:tr>
@@ -9021,7 +9017,7 @@
                 </a:tc>
                 <a:extLst>
                   <a:ext uri="{0D108BD9-81ED-4DB2-BD59-A6C34878D82A}">
-                    <a16:rowId xmlns="" xmlns:a16="http://schemas.microsoft.com/office/drawing/2014/main" val="2129162000"/>
+                    <a16:rowId xmlns:a16="http://schemas.microsoft.com/office/drawing/2014/main" xmlns="" val="2129162000"/>
                   </a:ext>
                 </a:extLst>
               </a:tr>
@@ -9071,7 +9067,7 @@
                 </a:tc>
                 <a:extLst>
                   <a:ext uri="{0D108BD9-81ED-4DB2-BD59-A6C34878D82A}">
-                    <a16:rowId xmlns="" xmlns:a16="http://schemas.microsoft.com/office/drawing/2014/main" val="2610843344"/>
+                    <a16:rowId xmlns:a16="http://schemas.microsoft.com/office/drawing/2014/main" xmlns="" val="2610843344"/>
                   </a:ext>
                 </a:extLst>
               </a:tr>
@@ -9121,7 +9117,7 @@
                 </a:tc>
                 <a:extLst>
                   <a:ext uri="{0D108BD9-81ED-4DB2-BD59-A6C34878D82A}">
-                    <a16:rowId xmlns="" xmlns:a16="http://schemas.microsoft.com/office/drawing/2014/main" val="2150264306"/>
+                    <a16:rowId xmlns:a16="http://schemas.microsoft.com/office/drawing/2014/main" xmlns="" val="2150264306"/>
                   </a:ext>
                 </a:extLst>
               </a:tr>
@@ -9171,7 +9167,7 @@
                 </a:tc>
                 <a:extLst>
                   <a:ext uri="{0D108BD9-81ED-4DB2-BD59-A6C34878D82A}">
-                    <a16:rowId xmlns="" xmlns:a16="http://schemas.microsoft.com/office/drawing/2014/main" val="2058730632"/>
+                    <a16:rowId xmlns:a16="http://schemas.microsoft.com/office/drawing/2014/main" xmlns="" val="2058730632"/>
                   </a:ext>
                 </a:extLst>
               </a:tr>
@@ -9221,7 +9217,7 @@
                 </a:tc>
                 <a:extLst>
                   <a:ext uri="{0D108BD9-81ED-4DB2-BD59-A6C34878D82A}">
-                    <a16:rowId xmlns="" xmlns:a16="http://schemas.microsoft.com/office/drawing/2014/main" val="3571323669"/>
+                    <a16:rowId xmlns:a16="http://schemas.microsoft.com/office/drawing/2014/main" xmlns="" val="3571323669"/>
                   </a:ext>
                 </a:extLst>
               </a:tr>
@@ -9271,7 +9267,7 @@
                 </a:tc>
                 <a:extLst>
                   <a:ext uri="{0D108BD9-81ED-4DB2-BD59-A6C34878D82A}">
-                    <a16:rowId xmlns="" xmlns:a16="http://schemas.microsoft.com/office/drawing/2014/main" val="1945600114"/>
+                    <a16:rowId xmlns:a16="http://schemas.microsoft.com/office/drawing/2014/main" xmlns="" val="1945600114"/>
                   </a:ext>
                 </a:extLst>
               </a:tr>
@@ -9321,7 +9317,7 @@
                 </a:tc>
                 <a:extLst>
                   <a:ext uri="{0D108BD9-81ED-4DB2-BD59-A6C34878D82A}">
-                    <a16:rowId xmlns="" xmlns:a16="http://schemas.microsoft.com/office/drawing/2014/main" val="3851584695"/>
+                    <a16:rowId xmlns:a16="http://schemas.microsoft.com/office/drawing/2014/main" xmlns="" val="3851584695"/>
                   </a:ext>
                 </a:extLst>
               </a:tr>
@@ -9371,7 +9367,7 @@
                 </a:tc>
                 <a:extLst>
                   <a:ext uri="{0D108BD9-81ED-4DB2-BD59-A6C34878D82A}">
-                    <a16:rowId xmlns="" xmlns:a16="http://schemas.microsoft.com/office/drawing/2014/main" val="695268272"/>
+                    <a16:rowId xmlns:a16="http://schemas.microsoft.com/office/drawing/2014/main" xmlns="" val="695268272"/>
                   </a:ext>
                 </a:extLst>
               </a:tr>
@@ -9421,7 +9417,7 @@
                 </a:tc>
                 <a:extLst>
                   <a:ext uri="{0D108BD9-81ED-4DB2-BD59-A6C34878D82A}">
-                    <a16:rowId xmlns="" xmlns:a16="http://schemas.microsoft.com/office/drawing/2014/main" val="3383845840"/>
+                    <a16:rowId xmlns:a16="http://schemas.microsoft.com/office/drawing/2014/main" xmlns="" val="3383845840"/>
                   </a:ext>
                 </a:extLst>
               </a:tr>
@@ -9474,7 +9470,7 @@
                 </a:tc>
                 <a:extLst>
                   <a:ext uri="{0D108BD9-81ED-4DB2-BD59-A6C34878D82A}">
-                    <a16:rowId xmlns="" xmlns:a16="http://schemas.microsoft.com/office/drawing/2014/main" val="3966871809"/>
+                    <a16:rowId xmlns:a16="http://schemas.microsoft.com/office/drawing/2014/main" xmlns="" val="3966871809"/>
                   </a:ext>
                 </a:extLst>
               </a:tr>
@@ -9603,14 +9599,14 @@
                 <a:gridCol w="1486840">
                   <a:extLst>
                     <a:ext uri="{9D8B030D-6E8A-4147-A177-3AD203B41FA5}">
-                      <a16:colId xmlns="" xmlns:a16="http://schemas.microsoft.com/office/drawing/2014/main" val="1896381141"/>
+                      <a16:colId xmlns:a16="http://schemas.microsoft.com/office/drawing/2014/main" xmlns="" val="1896381141"/>
                     </a:ext>
                   </a:extLst>
                 </a:gridCol>
                 <a:gridCol w="1486840">
                   <a:extLst>
                     <a:ext uri="{9D8B030D-6E8A-4147-A177-3AD203B41FA5}">
-                      <a16:colId xmlns="" xmlns:a16="http://schemas.microsoft.com/office/drawing/2014/main" val="3265388153"/>
+                      <a16:colId xmlns:a16="http://schemas.microsoft.com/office/drawing/2014/main" xmlns="" val="3265388153"/>
                     </a:ext>
                   </a:extLst>
                 </a:gridCol>
@@ -9670,7 +9666,7 @@
                 </a:tc>
                 <a:extLst>
                   <a:ext uri="{0D108BD9-81ED-4DB2-BD59-A6C34878D82A}">
-                    <a16:rowId xmlns="" xmlns:a16="http://schemas.microsoft.com/office/drawing/2014/main" val="4193067108"/>
+                    <a16:rowId xmlns:a16="http://schemas.microsoft.com/office/drawing/2014/main" xmlns="" val="4193067108"/>
                   </a:ext>
                 </a:extLst>
               </a:tr>
@@ -9727,7 +9723,7 @@
                 </a:tc>
                 <a:extLst>
                   <a:ext uri="{0D108BD9-81ED-4DB2-BD59-A6C34878D82A}">
-                    <a16:rowId xmlns="" xmlns:a16="http://schemas.microsoft.com/office/drawing/2014/main" val="2129162000"/>
+                    <a16:rowId xmlns:a16="http://schemas.microsoft.com/office/drawing/2014/main" xmlns="" val="2129162000"/>
                   </a:ext>
                 </a:extLst>
               </a:tr>
@@ -9784,7 +9780,7 @@
                 </a:tc>
                 <a:extLst>
                   <a:ext uri="{0D108BD9-81ED-4DB2-BD59-A6C34878D82A}">
-                    <a16:rowId xmlns="" xmlns:a16="http://schemas.microsoft.com/office/drawing/2014/main" val="2610843344"/>
+                    <a16:rowId xmlns:a16="http://schemas.microsoft.com/office/drawing/2014/main" xmlns="" val="2610843344"/>
                   </a:ext>
                 </a:extLst>
               </a:tr>
@@ -9841,7 +9837,7 @@
                 </a:tc>
                 <a:extLst>
                   <a:ext uri="{0D108BD9-81ED-4DB2-BD59-A6C34878D82A}">
-                    <a16:rowId xmlns="" xmlns:a16="http://schemas.microsoft.com/office/drawing/2014/main" val="2150264306"/>
+                    <a16:rowId xmlns:a16="http://schemas.microsoft.com/office/drawing/2014/main" xmlns="" val="2150264306"/>
                   </a:ext>
                 </a:extLst>
               </a:tr>
@@ -9898,7 +9894,7 @@
                 </a:tc>
                 <a:extLst>
                   <a:ext uri="{0D108BD9-81ED-4DB2-BD59-A6C34878D82A}">
-                    <a16:rowId xmlns="" xmlns:a16="http://schemas.microsoft.com/office/drawing/2014/main" val="2058730632"/>
+                    <a16:rowId xmlns:a16="http://schemas.microsoft.com/office/drawing/2014/main" xmlns="" val="2058730632"/>
                   </a:ext>
                 </a:extLst>
               </a:tr>
@@ -9955,7 +9951,7 @@
                 </a:tc>
                 <a:extLst>
                   <a:ext uri="{0D108BD9-81ED-4DB2-BD59-A6C34878D82A}">
-                    <a16:rowId xmlns="" xmlns:a16="http://schemas.microsoft.com/office/drawing/2014/main" val="3571323669"/>
+                    <a16:rowId xmlns:a16="http://schemas.microsoft.com/office/drawing/2014/main" xmlns="" val="3571323669"/>
                   </a:ext>
                 </a:extLst>
               </a:tr>
@@ -10012,7 +10008,7 @@
                 </a:tc>
                 <a:extLst>
                   <a:ext uri="{0D108BD9-81ED-4DB2-BD59-A6C34878D82A}">
-                    <a16:rowId xmlns="" xmlns:a16="http://schemas.microsoft.com/office/drawing/2014/main" val="1945600114"/>
+                    <a16:rowId xmlns:a16="http://schemas.microsoft.com/office/drawing/2014/main" xmlns="" val="1945600114"/>
                   </a:ext>
                 </a:extLst>
               </a:tr>
@@ -10069,7 +10065,7 @@
                 </a:tc>
                 <a:extLst>
                   <a:ext uri="{0D108BD9-81ED-4DB2-BD59-A6C34878D82A}">
-                    <a16:rowId xmlns="" xmlns:a16="http://schemas.microsoft.com/office/drawing/2014/main" val="3851584695"/>
+                    <a16:rowId xmlns:a16="http://schemas.microsoft.com/office/drawing/2014/main" xmlns="" val="3851584695"/>
                   </a:ext>
                 </a:extLst>
               </a:tr>
@@ -10126,7 +10122,7 @@
                 </a:tc>
                 <a:extLst>
                   <a:ext uri="{0D108BD9-81ED-4DB2-BD59-A6C34878D82A}">
-                    <a16:rowId xmlns="" xmlns:a16="http://schemas.microsoft.com/office/drawing/2014/main" val="695268272"/>
+                    <a16:rowId xmlns:a16="http://schemas.microsoft.com/office/drawing/2014/main" xmlns="" val="695268272"/>
                   </a:ext>
                 </a:extLst>
               </a:tr>
@@ -10183,7 +10179,7 @@
                 </a:tc>
                 <a:extLst>
                   <a:ext uri="{0D108BD9-81ED-4DB2-BD59-A6C34878D82A}">
-                    <a16:rowId xmlns="" xmlns:a16="http://schemas.microsoft.com/office/drawing/2014/main" val="3383845840"/>
+                    <a16:rowId xmlns:a16="http://schemas.microsoft.com/office/drawing/2014/main" xmlns="" val="3383845840"/>
                   </a:ext>
                 </a:extLst>
               </a:tr>
@@ -10236,7 +10232,7 @@
                 </a:tc>
                 <a:extLst>
                   <a:ext uri="{0D108BD9-81ED-4DB2-BD59-A6C34878D82A}">
-                    <a16:rowId xmlns="" xmlns:a16="http://schemas.microsoft.com/office/drawing/2014/main" val="3966871809"/>
+                    <a16:rowId xmlns:a16="http://schemas.microsoft.com/office/drawing/2014/main" xmlns="" val="3966871809"/>
                   </a:ext>
                 </a:extLst>
               </a:tr>
@@ -10272,14 +10268,14 @@
                 <a:gridCol w="1486840">
                   <a:extLst>
                     <a:ext uri="{9D8B030D-6E8A-4147-A177-3AD203B41FA5}">
-                      <a16:colId xmlns="" xmlns:a16="http://schemas.microsoft.com/office/drawing/2014/main" val="1896381141"/>
+                      <a16:colId xmlns:a16="http://schemas.microsoft.com/office/drawing/2014/main" xmlns="" val="1896381141"/>
                     </a:ext>
                   </a:extLst>
                 </a:gridCol>
                 <a:gridCol w="1486840">
                   <a:extLst>
                     <a:ext uri="{9D8B030D-6E8A-4147-A177-3AD203B41FA5}">
-                      <a16:colId xmlns="" xmlns:a16="http://schemas.microsoft.com/office/drawing/2014/main" val="3265388153"/>
+                      <a16:colId xmlns:a16="http://schemas.microsoft.com/office/drawing/2014/main" xmlns="" val="3265388153"/>
                     </a:ext>
                   </a:extLst>
                 </a:gridCol>
@@ -10339,7 +10335,7 @@
                 </a:tc>
                 <a:extLst>
                   <a:ext uri="{0D108BD9-81ED-4DB2-BD59-A6C34878D82A}">
-                    <a16:rowId xmlns="" xmlns:a16="http://schemas.microsoft.com/office/drawing/2014/main" val="4193067108"/>
+                    <a16:rowId xmlns:a16="http://schemas.microsoft.com/office/drawing/2014/main" xmlns="" val="4193067108"/>
                   </a:ext>
                 </a:extLst>
               </a:tr>
@@ -10406,7 +10402,7 @@
                 </a:tc>
                 <a:extLst>
                   <a:ext uri="{0D108BD9-81ED-4DB2-BD59-A6C34878D82A}">
-                    <a16:rowId xmlns="" xmlns:a16="http://schemas.microsoft.com/office/drawing/2014/main" val="2129162000"/>
+                    <a16:rowId xmlns:a16="http://schemas.microsoft.com/office/drawing/2014/main" xmlns="" val="2129162000"/>
                   </a:ext>
                 </a:extLst>
               </a:tr>
@@ -10473,7 +10469,7 @@
                 </a:tc>
                 <a:extLst>
                   <a:ext uri="{0D108BD9-81ED-4DB2-BD59-A6C34878D82A}">
-                    <a16:rowId xmlns="" xmlns:a16="http://schemas.microsoft.com/office/drawing/2014/main" val="2610843344"/>
+                    <a16:rowId xmlns:a16="http://schemas.microsoft.com/office/drawing/2014/main" xmlns="" val="2610843344"/>
                   </a:ext>
                 </a:extLst>
               </a:tr>
@@ -10540,7 +10536,7 @@
                 </a:tc>
                 <a:extLst>
                   <a:ext uri="{0D108BD9-81ED-4DB2-BD59-A6C34878D82A}">
-                    <a16:rowId xmlns="" xmlns:a16="http://schemas.microsoft.com/office/drawing/2014/main" val="2150264306"/>
+                    <a16:rowId xmlns:a16="http://schemas.microsoft.com/office/drawing/2014/main" xmlns="" val="2150264306"/>
                   </a:ext>
                 </a:extLst>
               </a:tr>
@@ -10607,7 +10603,7 @@
                 </a:tc>
                 <a:extLst>
                   <a:ext uri="{0D108BD9-81ED-4DB2-BD59-A6C34878D82A}">
-                    <a16:rowId xmlns="" xmlns:a16="http://schemas.microsoft.com/office/drawing/2014/main" val="2058730632"/>
+                    <a16:rowId xmlns:a16="http://schemas.microsoft.com/office/drawing/2014/main" xmlns="" val="2058730632"/>
                   </a:ext>
                 </a:extLst>
               </a:tr>
@@ -10674,7 +10670,7 @@
                 </a:tc>
                 <a:extLst>
                   <a:ext uri="{0D108BD9-81ED-4DB2-BD59-A6C34878D82A}">
-                    <a16:rowId xmlns="" xmlns:a16="http://schemas.microsoft.com/office/drawing/2014/main" val="3571323669"/>
+                    <a16:rowId xmlns:a16="http://schemas.microsoft.com/office/drawing/2014/main" xmlns="" val="3571323669"/>
                   </a:ext>
                 </a:extLst>
               </a:tr>
@@ -10741,7 +10737,7 @@
                 </a:tc>
                 <a:extLst>
                   <a:ext uri="{0D108BD9-81ED-4DB2-BD59-A6C34878D82A}">
-                    <a16:rowId xmlns="" xmlns:a16="http://schemas.microsoft.com/office/drawing/2014/main" val="1945600114"/>
+                    <a16:rowId xmlns:a16="http://schemas.microsoft.com/office/drawing/2014/main" xmlns="" val="1945600114"/>
                   </a:ext>
                 </a:extLst>
               </a:tr>
@@ -10808,7 +10804,7 @@
                 </a:tc>
                 <a:extLst>
                   <a:ext uri="{0D108BD9-81ED-4DB2-BD59-A6C34878D82A}">
-                    <a16:rowId xmlns="" xmlns:a16="http://schemas.microsoft.com/office/drawing/2014/main" val="3851584695"/>
+                    <a16:rowId xmlns:a16="http://schemas.microsoft.com/office/drawing/2014/main" xmlns="" val="3851584695"/>
                   </a:ext>
                 </a:extLst>
               </a:tr>
@@ -10875,7 +10871,7 @@
                 </a:tc>
                 <a:extLst>
                   <a:ext uri="{0D108BD9-81ED-4DB2-BD59-A6C34878D82A}">
-                    <a16:rowId xmlns="" xmlns:a16="http://schemas.microsoft.com/office/drawing/2014/main" val="695268272"/>
+                    <a16:rowId xmlns:a16="http://schemas.microsoft.com/office/drawing/2014/main" xmlns="" val="695268272"/>
                   </a:ext>
                 </a:extLst>
               </a:tr>
@@ -10942,7 +10938,7 @@
                 </a:tc>
                 <a:extLst>
                   <a:ext uri="{0D108BD9-81ED-4DB2-BD59-A6C34878D82A}">
-                    <a16:rowId xmlns="" xmlns:a16="http://schemas.microsoft.com/office/drawing/2014/main" val="3383845840"/>
+                    <a16:rowId xmlns:a16="http://schemas.microsoft.com/office/drawing/2014/main" xmlns="" val="3383845840"/>
                   </a:ext>
                 </a:extLst>
               </a:tr>
@@ -11001,7 +10997,7 @@
                 </a:tc>
                 <a:extLst>
                   <a:ext uri="{0D108BD9-81ED-4DB2-BD59-A6C34878D82A}">
-                    <a16:rowId xmlns="" xmlns:a16="http://schemas.microsoft.com/office/drawing/2014/main" val="3966871809"/>
+                    <a16:rowId xmlns:a16="http://schemas.microsoft.com/office/drawing/2014/main" xmlns="" val="3966871809"/>
                   </a:ext>
                 </a:extLst>
               </a:tr>
@@ -11234,7 +11230,6 @@
               <a:rPr lang="en-US" sz="2200" dirty="0" smtClean="0"/>
               <a:t>While individual soil Orders were best predicted by various approaches, the Multinomial Logistic Regression method exhibited the overall highest percentage of correct classifications for these data. </a:t>
             </a:r>
-            <a:endParaRPr lang="en-US" sz="2200" dirty="0" smtClean="0"/>
           </a:p>
           <a:p>
             <a:pPr marL="342900" indent="-342900">
